--- a/Practicas/Practica 2 - Integromat Make/Herramienta Integromat Make - Juan Alberto Domínguez Vázquez Saúl Rodríguez Naranjo.pptx
+++ b/Practicas/Practica 2 - Integromat Make/Herramienta Integromat Make - Juan Alberto Domínguez Vázquez Saúl Rodríguez Naranjo.pptx
@@ -12,10 +12,10 @@
   </p:handoutMasterIdLst>
   <p:sldIdLst>
     <p:sldId id="256" r:id="rId2"/>
-    <p:sldId id="261" r:id="rId3"/>
-    <p:sldId id="258" r:id="rId4"/>
-    <p:sldId id="259" r:id="rId5"/>
-    <p:sldId id="260" r:id="rId6"/>
+    <p:sldId id="262" r:id="rId3"/>
+    <p:sldId id="265" r:id="rId4"/>
+    <p:sldId id="266" r:id="rId5"/>
+    <p:sldId id="267" r:id="rId6"/>
   </p:sldIdLst>
   <p:sldSz cx="12192000" cy="6858000"/>
   <p:notesSz cx="6858000" cy="9144000"/>
@@ -126,15 +126,15 @@
 </file>
 
 <file path=ppt/diagrams/colors1.xml><?xml version="1.0" encoding="utf-8"?>
-<dgm:colorsDef xmlns:dgm="http://schemas.openxmlformats.org/drawingml/2006/diagram" xmlns:a="http://schemas.openxmlformats.org/drawingml/2006/main" uniqueId="urn:microsoft.com/office/officeart/2018/5/colors/Iconchunking_neutralbg_accent2_2">
+<dgm:colorsDef xmlns:dgm="http://schemas.openxmlformats.org/drawingml/2006/diagram" xmlns:a="http://schemas.openxmlformats.org/drawingml/2006/main" uniqueId="urn:microsoft.com/office/officeart/2005/8/colors/accent3_2">
   <dgm:title val=""/>
   <dgm:desc val=""/>
   <dgm:catLst>
-    <dgm:cat type="accent2" pri="11200"/>
+    <dgm:cat type="accent3" pri="11200"/>
   </dgm:catLst>
   <dgm:styleLbl name="node0">
     <dgm:fillClrLst meth="repeat">
-      <a:schemeClr val="accent2"/>
+      <a:schemeClr val="accent3"/>
     </dgm:fillClrLst>
     <dgm:linClrLst meth="repeat">
       <a:schemeClr val="lt1"/>
@@ -146,33 +146,7 @@
   </dgm:styleLbl>
   <dgm:styleLbl name="node1">
     <dgm:fillClrLst meth="repeat">
-      <a:schemeClr val="accent2"/>
-    </dgm:fillClrLst>
-    <dgm:linClrLst meth="repeat">
-      <a:schemeClr val="lt1">
-        <a:alpha val="0"/>
-      </a:schemeClr>
-    </dgm:linClrLst>
-    <dgm:effectClrLst/>
-    <dgm:txLinClrLst/>
-    <dgm:txFillClrLst/>
-    <dgm:txEffectClrLst/>
-  </dgm:styleLbl>
-  <dgm:styleLbl name="alignNode1">
-    <dgm:fillClrLst meth="repeat">
-      <a:schemeClr val="accent2"/>
-    </dgm:fillClrLst>
-    <dgm:linClrLst meth="repeat">
-      <a:schemeClr val="accent2"/>
-    </dgm:linClrLst>
-    <dgm:effectClrLst/>
-    <dgm:txLinClrLst/>
-    <dgm:txFillClrLst/>
-    <dgm:txEffectClrLst/>
-  </dgm:styleLbl>
-  <dgm:styleLbl name="lnNode1">
-    <dgm:fillClrLst meth="repeat">
-      <a:schemeClr val="accent2"/>
+      <a:schemeClr val="accent3"/>
     </dgm:fillClrLst>
     <dgm:linClrLst meth="repeat">
       <a:schemeClr val="lt1"/>
@@ -182,9 +156,33 @@
     <dgm:txFillClrLst/>
     <dgm:txEffectClrLst/>
   </dgm:styleLbl>
+  <dgm:styleLbl name="alignNode1">
+    <dgm:fillClrLst meth="repeat">
+      <a:schemeClr val="accent3"/>
+    </dgm:fillClrLst>
+    <dgm:linClrLst meth="repeat">
+      <a:schemeClr val="accent3"/>
+    </dgm:linClrLst>
+    <dgm:effectClrLst/>
+    <dgm:txLinClrLst/>
+    <dgm:txFillClrLst/>
+    <dgm:txEffectClrLst/>
+  </dgm:styleLbl>
+  <dgm:styleLbl name="lnNode1">
+    <dgm:fillClrLst meth="repeat">
+      <a:schemeClr val="accent3"/>
+    </dgm:fillClrLst>
+    <dgm:linClrLst meth="repeat">
+      <a:schemeClr val="lt1"/>
+    </dgm:linClrLst>
+    <dgm:effectClrLst/>
+    <dgm:txLinClrLst/>
+    <dgm:txFillClrLst/>
+    <dgm:txEffectClrLst/>
+  </dgm:styleLbl>
   <dgm:styleLbl name="vennNode1">
     <dgm:fillClrLst meth="repeat">
-      <a:schemeClr val="accent2">
+      <a:schemeClr val="accent3">
         <a:alpha val="50000"/>
       </a:schemeClr>
     </dgm:fillClrLst>
@@ -198,7 +196,7 @@
   </dgm:styleLbl>
   <dgm:styleLbl name="node2">
     <dgm:fillClrLst meth="repeat">
-      <a:schemeClr val="accent2"/>
+      <a:schemeClr val="accent3"/>
     </dgm:fillClrLst>
     <dgm:linClrLst meth="repeat">
       <a:schemeClr val="lt1"/>
@@ -210,7 +208,7 @@
   </dgm:styleLbl>
   <dgm:styleLbl name="node3">
     <dgm:fillClrLst meth="repeat">
-      <a:schemeClr val="accent2"/>
+      <a:schemeClr val="accent3"/>
     </dgm:fillClrLst>
     <dgm:linClrLst meth="repeat">
       <a:schemeClr val="lt1"/>
@@ -222,7 +220,7 @@
   </dgm:styleLbl>
   <dgm:styleLbl name="node4">
     <dgm:fillClrLst meth="repeat">
-      <a:schemeClr val="accent2"/>
+      <a:schemeClr val="accent3"/>
     </dgm:fillClrLst>
     <dgm:linClrLst meth="repeat">
       <a:schemeClr val="lt1"/>
@@ -234,7 +232,7 @@
   </dgm:styleLbl>
   <dgm:styleLbl name="fgImgPlace1">
     <dgm:fillClrLst meth="repeat">
-      <a:schemeClr val="accent2">
+      <a:schemeClr val="accent3">
         <a:tint val="50000"/>
       </a:schemeClr>
     </dgm:fillClrLst>
@@ -250,7 +248,7 @@
   </dgm:styleLbl>
   <dgm:styleLbl name="alignImgPlace1">
     <dgm:fillClrLst meth="repeat">
-      <a:schemeClr val="accent2">
+      <a:schemeClr val="accent3">
         <a:tint val="50000"/>
       </a:schemeClr>
     </dgm:fillClrLst>
@@ -266,7 +264,7 @@
   </dgm:styleLbl>
   <dgm:styleLbl name="bgImgPlace1">
     <dgm:fillClrLst meth="repeat">
-      <a:schemeClr val="accent2">
+      <a:schemeClr val="accent3">
         <a:tint val="50000"/>
       </a:schemeClr>
     </dgm:fillClrLst>
@@ -282,12 +280,12 @@
   </dgm:styleLbl>
   <dgm:styleLbl name="sibTrans2D1">
     <dgm:fillClrLst meth="repeat">
-      <a:schemeClr val="accent2">
+      <a:schemeClr val="accent3">
         <a:tint val="60000"/>
       </a:schemeClr>
     </dgm:fillClrLst>
     <dgm:linClrLst meth="repeat">
-      <a:schemeClr val="accent2">
+      <a:schemeClr val="accent3">
         <a:tint val="60000"/>
       </a:schemeClr>
     </dgm:linClrLst>
@@ -298,12 +296,12 @@
   </dgm:styleLbl>
   <dgm:styleLbl name="fgSibTrans2D1">
     <dgm:fillClrLst meth="repeat">
-      <a:schemeClr val="accent2">
+      <a:schemeClr val="accent3">
         <a:tint val="60000"/>
       </a:schemeClr>
     </dgm:fillClrLst>
     <dgm:linClrLst meth="repeat">
-      <a:schemeClr val="accent2">
+      <a:schemeClr val="accent3">
         <a:tint val="60000"/>
       </a:schemeClr>
     </dgm:linClrLst>
@@ -314,12 +312,12 @@
   </dgm:styleLbl>
   <dgm:styleLbl name="bgSibTrans2D1">
     <dgm:fillClrLst meth="repeat">
-      <a:schemeClr val="accent2">
+      <a:schemeClr val="accent3">
         <a:tint val="60000"/>
       </a:schemeClr>
     </dgm:fillClrLst>
     <dgm:linClrLst meth="repeat">
-      <a:schemeClr val="accent2">
+      <a:schemeClr val="accent3">
         <a:tint val="60000"/>
       </a:schemeClr>
     </dgm:linClrLst>
@@ -330,10 +328,10 @@
   </dgm:styleLbl>
   <dgm:styleLbl name="sibTrans1D1">
     <dgm:fillClrLst meth="repeat">
-      <a:schemeClr val="accent2"/>
+      <a:schemeClr val="accent3"/>
     </dgm:fillClrLst>
     <dgm:linClrLst meth="repeat">
-      <a:schemeClr val="accent2"/>
+      <a:schemeClr val="accent3"/>
     </dgm:linClrLst>
     <dgm:effectClrLst/>
     <dgm:txLinClrLst/>
@@ -344,10 +342,10 @@
   </dgm:styleLbl>
   <dgm:styleLbl name="callout">
     <dgm:fillClrLst meth="repeat">
-      <a:schemeClr val="accent2"/>
+      <a:schemeClr val="accent3"/>
     </dgm:fillClrLst>
     <dgm:linClrLst meth="repeat">
-      <a:schemeClr val="accent2">
+      <a:schemeClr val="accent3">
         <a:tint val="50000"/>
       </a:schemeClr>
     </dgm:linClrLst>
@@ -360,7 +358,7 @@
   </dgm:styleLbl>
   <dgm:styleLbl name="asst0">
     <dgm:fillClrLst meth="repeat">
-      <a:schemeClr val="accent2"/>
+      <a:schemeClr val="accent3"/>
     </dgm:fillClrLst>
     <dgm:linClrLst meth="repeat">
       <a:schemeClr val="lt1"/>
@@ -372,7 +370,7 @@
   </dgm:styleLbl>
   <dgm:styleLbl name="asst1">
     <dgm:fillClrLst meth="repeat">
-      <a:schemeClr val="accent2"/>
+      <a:schemeClr val="accent3"/>
     </dgm:fillClrLst>
     <dgm:linClrLst meth="repeat">
       <a:schemeClr val="lt1"/>
@@ -384,7 +382,7 @@
   </dgm:styleLbl>
   <dgm:styleLbl name="asst2">
     <dgm:fillClrLst meth="repeat">
-      <a:schemeClr val="accent2"/>
+      <a:schemeClr val="accent3"/>
     </dgm:fillClrLst>
     <dgm:linClrLst meth="repeat">
       <a:schemeClr val="lt1"/>
@@ -396,7 +394,7 @@
   </dgm:styleLbl>
   <dgm:styleLbl name="asst3">
     <dgm:fillClrLst meth="repeat">
-      <a:schemeClr val="accent2"/>
+      <a:schemeClr val="accent3"/>
     </dgm:fillClrLst>
     <dgm:linClrLst meth="repeat">
       <a:schemeClr val="lt1"/>
@@ -408,7 +406,7 @@
   </dgm:styleLbl>
   <dgm:styleLbl name="asst4">
     <dgm:fillClrLst meth="repeat">
-      <a:schemeClr val="accent2"/>
+      <a:schemeClr val="accent3"/>
     </dgm:fillClrLst>
     <dgm:linClrLst meth="repeat">
       <a:schemeClr val="lt1"/>
@@ -420,12 +418,12 @@
   </dgm:styleLbl>
   <dgm:styleLbl name="parChTrans2D1">
     <dgm:fillClrLst meth="repeat">
-      <a:schemeClr val="accent2">
+      <a:schemeClr val="accent3">
         <a:tint val="60000"/>
       </a:schemeClr>
     </dgm:fillClrLst>
     <dgm:linClrLst meth="repeat">
-      <a:schemeClr val="accent2">
+      <a:schemeClr val="accent3">
         <a:tint val="60000"/>
       </a:schemeClr>
     </dgm:linClrLst>
@@ -438,10 +436,10 @@
   </dgm:styleLbl>
   <dgm:styleLbl name="parChTrans2D2">
     <dgm:fillClrLst meth="repeat">
-      <a:schemeClr val="accent2"/>
+      <a:schemeClr val="accent3"/>
     </dgm:fillClrLst>
     <dgm:linClrLst meth="repeat">
-      <a:schemeClr val="accent2"/>
+      <a:schemeClr val="accent3"/>
     </dgm:linClrLst>
     <dgm:effectClrLst/>
     <dgm:txLinClrLst/>
@@ -452,10 +450,10 @@
   </dgm:styleLbl>
   <dgm:styleLbl name="parChTrans2D3">
     <dgm:fillClrLst meth="repeat">
-      <a:schemeClr val="accent2"/>
+      <a:schemeClr val="accent3"/>
     </dgm:fillClrLst>
     <dgm:linClrLst meth="repeat">
-      <a:schemeClr val="accent2"/>
+      <a:schemeClr val="accent3"/>
     </dgm:linClrLst>
     <dgm:effectClrLst/>
     <dgm:txLinClrLst/>
@@ -466,10 +464,10 @@
   </dgm:styleLbl>
   <dgm:styleLbl name="parChTrans2D4">
     <dgm:fillClrLst meth="repeat">
-      <a:schemeClr val="accent2"/>
+      <a:schemeClr val="accent3"/>
     </dgm:fillClrLst>
     <dgm:linClrLst meth="repeat">
-      <a:schemeClr val="accent2"/>
+      <a:schemeClr val="accent3"/>
     </dgm:linClrLst>
     <dgm:effectClrLst/>
     <dgm:txLinClrLst/>
@@ -480,10 +478,10 @@
   </dgm:styleLbl>
   <dgm:styleLbl name="parChTrans1D1">
     <dgm:fillClrLst meth="repeat">
-      <a:schemeClr val="accent2"/>
+      <a:schemeClr val="accent3"/>
     </dgm:fillClrLst>
     <dgm:linClrLst meth="repeat">
-      <a:schemeClr val="accent2">
+      <a:schemeClr val="accent3">
         <a:shade val="60000"/>
       </a:schemeClr>
     </dgm:linClrLst>
@@ -496,10 +494,10 @@
   </dgm:styleLbl>
   <dgm:styleLbl name="parChTrans1D2">
     <dgm:fillClrLst meth="repeat">
-      <a:schemeClr val="accent2"/>
+      <a:schemeClr val="accent3"/>
     </dgm:fillClrLst>
     <dgm:linClrLst meth="repeat">
-      <a:schemeClr val="accent2">
+      <a:schemeClr val="accent3">
         <a:shade val="60000"/>
       </a:schemeClr>
     </dgm:linClrLst>
@@ -512,10 +510,10 @@
   </dgm:styleLbl>
   <dgm:styleLbl name="parChTrans1D3">
     <dgm:fillClrLst meth="repeat">
-      <a:schemeClr val="accent2"/>
+      <a:schemeClr val="accent3"/>
     </dgm:fillClrLst>
     <dgm:linClrLst meth="repeat">
-      <a:schemeClr val="accent2">
+      <a:schemeClr val="accent3">
         <a:shade val="80000"/>
       </a:schemeClr>
     </dgm:linClrLst>
@@ -528,10 +526,10 @@
   </dgm:styleLbl>
   <dgm:styleLbl name="parChTrans1D4">
     <dgm:fillClrLst meth="repeat">
-      <a:schemeClr val="accent2"/>
+      <a:schemeClr val="accent3"/>
     </dgm:fillClrLst>
     <dgm:linClrLst meth="repeat">
-      <a:schemeClr val="accent2">
+      <a:schemeClr val="accent3">
         <a:shade val="80000"/>
       </a:schemeClr>
     </dgm:linClrLst>
@@ -549,7 +547,7 @@
       </a:schemeClr>
     </dgm:fillClrLst>
     <dgm:linClrLst meth="repeat">
-      <a:schemeClr val="accent2"/>
+      <a:schemeClr val="accent3"/>
     </dgm:linClrLst>
     <dgm:effectClrLst/>
     <dgm:txLinClrLst/>
@@ -565,7 +563,7 @@
       </a:schemeClr>
     </dgm:fillClrLst>
     <dgm:linClrLst meth="repeat">
-      <a:schemeClr val="accent2"/>
+      <a:schemeClr val="accent3"/>
     </dgm:linClrLst>
     <dgm:effectClrLst/>
     <dgm:txLinClrLst/>
@@ -581,7 +579,7 @@
       </a:schemeClr>
     </dgm:fillClrLst>
     <dgm:linClrLst meth="repeat">
-      <a:schemeClr val="accent2"/>
+      <a:schemeClr val="accent3"/>
     </dgm:linClrLst>
     <dgm:effectClrLst/>
     <dgm:txLinClrLst/>
@@ -597,7 +595,7 @@
       </a:schemeClr>
     </dgm:fillClrLst>
     <dgm:linClrLst meth="repeat">
-      <a:schemeClr val="accent2"/>
+      <a:schemeClr val="accent3"/>
     </dgm:linClrLst>
     <dgm:effectClrLst/>
     <dgm:txLinClrLst/>
@@ -613,7 +611,7 @@
       </a:schemeClr>
     </dgm:fillClrLst>
     <dgm:linClrLst meth="repeat">
-      <a:schemeClr val="accent2"/>
+      <a:schemeClr val="accent3"/>
     </dgm:linClrLst>
     <dgm:effectClrLst/>
     <dgm:txLinClrLst/>
@@ -627,7 +625,7 @@
       <a:schemeClr val="lt1"/>
     </dgm:fillClrLst>
     <dgm:linClrLst meth="repeat">
-      <a:schemeClr val="accent2"/>
+      <a:schemeClr val="accent3"/>
     </dgm:linClrLst>
     <dgm:effectClrLst/>
     <dgm:txLinClrLst/>
@@ -641,7 +639,7 @@
       <a:schemeClr val="lt1"/>
     </dgm:fillClrLst>
     <dgm:linClrLst meth="repeat">
-      <a:schemeClr val="accent2"/>
+      <a:schemeClr val="accent3"/>
     </dgm:linClrLst>
     <dgm:effectClrLst/>
     <dgm:txLinClrLst/>
@@ -655,7 +653,7 @@
       <a:schemeClr val="lt1"/>
     </dgm:fillClrLst>
     <dgm:linClrLst meth="repeat">
-      <a:schemeClr val="accent2"/>
+      <a:schemeClr val="accent3"/>
     </dgm:linClrLst>
     <dgm:effectClrLst/>
     <dgm:txLinClrLst/>
@@ -666,13 +664,13 @@
   </dgm:styleLbl>
   <dgm:styleLbl name="fgAccFollowNode1">
     <dgm:fillClrLst meth="repeat">
-      <a:schemeClr val="accent2">
+      <a:schemeClr val="accent3">
         <a:alpha val="90000"/>
         <a:tint val="40000"/>
       </a:schemeClr>
     </dgm:fillClrLst>
     <dgm:linClrLst meth="repeat">
-      <a:schemeClr val="accent2">
+      <a:schemeClr val="accent3">
         <a:alpha val="90000"/>
         <a:tint val="40000"/>
       </a:schemeClr>
@@ -686,13 +684,13 @@
   </dgm:styleLbl>
   <dgm:styleLbl name="alignAccFollowNode1">
     <dgm:fillClrLst meth="repeat">
-      <a:schemeClr val="accent2">
+      <a:schemeClr val="accent3">
         <a:alpha val="90000"/>
         <a:tint val="40000"/>
       </a:schemeClr>
     </dgm:fillClrLst>
     <dgm:linClrLst meth="repeat">
-      <a:schemeClr val="accent2">
+      <a:schemeClr val="accent3">
         <a:alpha val="90000"/>
         <a:tint val="40000"/>
       </a:schemeClr>
@@ -706,13 +704,13 @@
   </dgm:styleLbl>
   <dgm:styleLbl name="bgAccFollowNode1">
     <dgm:fillClrLst meth="repeat">
-      <a:schemeClr val="accent2">
+      <a:schemeClr val="accent3">
         <a:alpha val="90000"/>
         <a:tint val="40000"/>
       </a:schemeClr>
     </dgm:fillClrLst>
     <dgm:linClrLst meth="repeat">
-      <a:schemeClr val="accent2">
+      <a:schemeClr val="accent3">
         <a:alpha val="90000"/>
         <a:tint val="40000"/>
       </a:schemeClr>
@@ -731,7 +729,7 @@
       </a:schemeClr>
     </dgm:fillClrLst>
     <dgm:linClrLst meth="repeat">
-      <a:schemeClr val="accent2"/>
+      <a:schemeClr val="accent3"/>
     </dgm:linClrLst>
     <dgm:effectClrLst/>
     <dgm:txLinClrLst/>
@@ -747,7 +745,7 @@
       </a:schemeClr>
     </dgm:fillClrLst>
     <dgm:linClrLst meth="repeat">
-      <a:schemeClr val="accent2"/>
+      <a:schemeClr val="accent3"/>
     </dgm:linClrLst>
     <dgm:effectClrLst/>
     <dgm:txLinClrLst/>
@@ -763,7 +761,7 @@
       </a:schemeClr>
     </dgm:fillClrLst>
     <dgm:linClrLst meth="repeat">
-      <a:schemeClr val="accent2"/>
+      <a:schemeClr val="accent3"/>
     </dgm:linClrLst>
     <dgm:effectClrLst/>
     <dgm:txLinClrLst/>
@@ -779,7 +777,7 @@
       </a:schemeClr>
     </dgm:fillClrLst>
     <dgm:linClrLst meth="repeat">
-      <a:schemeClr val="accent2"/>
+      <a:schemeClr val="accent3"/>
     </dgm:linClrLst>
     <dgm:effectClrLst/>
     <dgm:txLinClrLst/>
@@ -790,12 +788,12 @@
   </dgm:styleLbl>
   <dgm:styleLbl name="bgShp">
     <dgm:fillClrLst meth="repeat">
-      <a:schemeClr val="bg1">
-        <a:lumMod val="95000"/>
+      <a:schemeClr val="accent3">
+        <a:tint val="40000"/>
       </a:schemeClr>
     </dgm:fillClrLst>
     <dgm:linClrLst meth="repeat">
-      <a:schemeClr val="accent2"/>
+      <a:schemeClr val="accent3"/>
     </dgm:linClrLst>
     <dgm:effectClrLst/>
     <dgm:txLinClrLst/>
@@ -806,12 +804,12 @@
   </dgm:styleLbl>
   <dgm:styleLbl name="dkBgShp">
     <dgm:fillClrLst meth="repeat">
-      <a:schemeClr val="accent2">
+      <a:schemeClr val="accent3">
         <a:shade val="80000"/>
       </a:schemeClr>
     </dgm:fillClrLst>
     <dgm:linClrLst meth="repeat">
-      <a:schemeClr val="accent2"/>
+      <a:schemeClr val="accent3"/>
     </dgm:linClrLst>
     <dgm:effectClrLst/>
     <dgm:txLinClrLst/>
@@ -822,13 +820,13 @@
   </dgm:styleLbl>
   <dgm:styleLbl name="trBgShp">
     <dgm:fillClrLst meth="repeat">
-      <a:schemeClr val="accent2">
+      <a:schemeClr val="accent3">
         <a:tint val="50000"/>
         <a:alpha val="40000"/>
       </a:schemeClr>
     </dgm:fillClrLst>
     <dgm:linClrLst meth="repeat">
-      <a:schemeClr val="accent2"/>
+      <a:schemeClr val="accent3"/>
     </dgm:linClrLst>
     <dgm:effectClrLst/>
     <dgm:txLinClrLst/>
@@ -839,7 +837,7 @@
   </dgm:styleLbl>
   <dgm:styleLbl name="fgShp">
     <dgm:fillClrLst meth="repeat">
-      <a:schemeClr val="accent2">
+      <a:schemeClr val="accent3">
         <a:tint val="60000"/>
       </a:schemeClr>
     </dgm:fillClrLst>
@@ -874,879 +872,166 @@
 </dgm:colorsDef>
 </file>
 
-<file path=ppt/diagrams/colors2.xml><?xml version="1.0" encoding="utf-8"?>
-<dgm:colorsDef xmlns:dgm="http://schemas.openxmlformats.org/drawingml/2006/diagram" xmlns:a="http://schemas.openxmlformats.org/drawingml/2006/main" uniqueId="urn:microsoft.com/office/officeart/2005/8/colors/accent2_2">
-  <dgm:title val=""/>
-  <dgm:desc val=""/>
-  <dgm:catLst>
-    <dgm:cat type="accent2" pri="11200"/>
-  </dgm:catLst>
-  <dgm:styleLbl name="node0">
-    <dgm:fillClrLst meth="repeat">
-      <a:schemeClr val="accent2"/>
-    </dgm:fillClrLst>
-    <dgm:linClrLst meth="repeat">
-      <a:schemeClr val="lt1"/>
-    </dgm:linClrLst>
-    <dgm:effectClrLst/>
-    <dgm:txLinClrLst/>
-    <dgm:txFillClrLst/>
-    <dgm:txEffectClrLst/>
-  </dgm:styleLbl>
-  <dgm:styleLbl name="node1">
-    <dgm:fillClrLst meth="repeat">
-      <a:schemeClr val="accent2"/>
-    </dgm:fillClrLst>
-    <dgm:linClrLst meth="repeat">
-      <a:schemeClr val="lt1"/>
-    </dgm:linClrLst>
-    <dgm:effectClrLst/>
-    <dgm:txLinClrLst/>
-    <dgm:txFillClrLst/>
-    <dgm:txEffectClrLst/>
-  </dgm:styleLbl>
-  <dgm:styleLbl name="alignNode1">
-    <dgm:fillClrLst meth="repeat">
-      <a:schemeClr val="accent2"/>
-    </dgm:fillClrLst>
-    <dgm:linClrLst meth="repeat">
-      <a:schemeClr val="accent2"/>
-    </dgm:linClrLst>
-    <dgm:effectClrLst/>
-    <dgm:txLinClrLst/>
-    <dgm:txFillClrLst/>
-    <dgm:txEffectClrLst/>
-  </dgm:styleLbl>
-  <dgm:styleLbl name="lnNode1">
-    <dgm:fillClrLst meth="repeat">
-      <a:schemeClr val="accent2"/>
-    </dgm:fillClrLst>
-    <dgm:linClrLst meth="repeat">
-      <a:schemeClr val="lt1"/>
-    </dgm:linClrLst>
-    <dgm:effectClrLst/>
-    <dgm:txLinClrLst/>
-    <dgm:txFillClrLst/>
-    <dgm:txEffectClrLst/>
-  </dgm:styleLbl>
-  <dgm:styleLbl name="vennNode1">
-    <dgm:fillClrLst meth="repeat">
-      <a:schemeClr val="accent2">
-        <a:alpha val="50000"/>
-      </a:schemeClr>
-    </dgm:fillClrLst>
-    <dgm:linClrLst meth="repeat">
-      <a:schemeClr val="lt1"/>
-    </dgm:linClrLst>
-    <dgm:effectClrLst/>
-    <dgm:txLinClrLst/>
-    <dgm:txFillClrLst/>
-    <dgm:txEffectClrLst/>
-  </dgm:styleLbl>
-  <dgm:styleLbl name="node2">
-    <dgm:fillClrLst meth="repeat">
-      <a:schemeClr val="accent2"/>
-    </dgm:fillClrLst>
-    <dgm:linClrLst meth="repeat">
-      <a:schemeClr val="lt1"/>
-    </dgm:linClrLst>
-    <dgm:effectClrLst/>
-    <dgm:txLinClrLst/>
-    <dgm:txFillClrLst/>
-    <dgm:txEffectClrLst/>
-  </dgm:styleLbl>
-  <dgm:styleLbl name="node3">
-    <dgm:fillClrLst meth="repeat">
-      <a:schemeClr val="accent2"/>
-    </dgm:fillClrLst>
-    <dgm:linClrLst meth="repeat">
-      <a:schemeClr val="lt1"/>
-    </dgm:linClrLst>
-    <dgm:effectClrLst/>
-    <dgm:txLinClrLst/>
-    <dgm:txFillClrLst/>
-    <dgm:txEffectClrLst/>
-  </dgm:styleLbl>
-  <dgm:styleLbl name="node4">
-    <dgm:fillClrLst meth="repeat">
-      <a:schemeClr val="accent2"/>
-    </dgm:fillClrLst>
-    <dgm:linClrLst meth="repeat">
-      <a:schemeClr val="lt1"/>
-    </dgm:linClrLst>
-    <dgm:effectClrLst/>
-    <dgm:txLinClrLst/>
-    <dgm:txFillClrLst/>
-    <dgm:txEffectClrLst/>
-  </dgm:styleLbl>
-  <dgm:styleLbl name="fgImgPlace1">
-    <dgm:fillClrLst meth="repeat">
-      <a:schemeClr val="accent2">
-        <a:tint val="50000"/>
-      </a:schemeClr>
-    </dgm:fillClrLst>
-    <dgm:linClrLst meth="repeat">
-      <a:schemeClr val="lt1"/>
-    </dgm:linClrLst>
-    <dgm:effectClrLst/>
-    <dgm:txLinClrLst/>
-    <dgm:txFillClrLst meth="repeat">
-      <a:schemeClr val="lt1"/>
-    </dgm:txFillClrLst>
-    <dgm:txEffectClrLst/>
-  </dgm:styleLbl>
-  <dgm:styleLbl name="alignImgPlace1">
-    <dgm:fillClrLst meth="repeat">
-      <a:schemeClr val="accent2">
-        <a:tint val="50000"/>
-      </a:schemeClr>
-    </dgm:fillClrLst>
-    <dgm:linClrLst meth="repeat">
-      <a:schemeClr val="lt1"/>
-    </dgm:linClrLst>
-    <dgm:effectClrLst/>
-    <dgm:txLinClrLst/>
-    <dgm:txFillClrLst meth="repeat">
-      <a:schemeClr val="lt1"/>
-    </dgm:txFillClrLst>
-    <dgm:txEffectClrLst/>
-  </dgm:styleLbl>
-  <dgm:styleLbl name="bgImgPlace1">
-    <dgm:fillClrLst meth="repeat">
-      <a:schemeClr val="accent2">
-        <a:tint val="50000"/>
-      </a:schemeClr>
-    </dgm:fillClrLst>
-    <dgm:linClrLst meth="repeat">
-      <a:schemeClr val="lt1"/>
-    </dgm:linClrLst>
-    <dgm:effectClrLst/>
-    <dgm:txLinClrLst/>
-    <dgm:txFillClrLst meth="repeat">
-      <a:schemeClr val="lt1"/>
-    </dgm:txFillClrLst>
-    <dgm:txEffectClrLst/>
-  </dgm:styleLbl>
-  <dgm:styleLbl name="sibTrans2D1">
-    <dgm:fillClrLst meth="repeat">
-      <a:schemeClr val="accent2">
-        <a:tint val="60000"/>
-      </a:schemeClr>
-    </dgm:fillClrLst>
-    <dgm:linClrLst meth="repeat">
-      <a:schemeClr val="accent2">
-        <a:tint val="60000"/>
-      </a:schemeClr>
-    </dgm:linClrLst>
-    <dgm:effectClrLst/>
-    <dgm:txLinClrLst/>
-    <dgm:txFillClrLst/>
-    <dgm:txEffectClrLst/>
-  </dgm:styleLbl>
-  <dgm:styleLbl name="fgSibTrans2D1">
-    <dgm:fillClrLst meth="repeat">
-      <a:schemeClr val="accent2">
-        <a:tint val="60000"/>
-      </a:schemeClr>
-    </dgm:fillClrLst>
-    <dgm:linClrLst meth="repeat">
-      <a:schemeClr val="accent2">
-        <a:tint val="60000"/>
-      </a:schemeClr>
-    </dgm:linClrLst>
-    <dgm:effectClrLst/>
-    <dgm:txLinClrLst/>
-    <dgm:txFillClrLst/>
-    <dgm:txEffectClrLst/>
-  </dgm:styleLbl>
-  <dgm:styleLbl name="bgSibTrans2D1">
-    <dgm:fillClrLst meth="repeat">
-      <a:schemeClr val="accent2">
-        <a:tint val="60000"/>
-      </a:schemeClr>
-    </dgm:fillClrLst>
-    <dgm:linClrLst meth="repeat">
-      <a:schemeClr val="accent2">
-        <a:tint val="60000"/>
-      </a:schemeClr>
-    </dgm:linClrLst>
-    <dgm:effectClrLst/>
-    <dgm:txLinClrLst/>
-    <dgm:txFillClrLst/>
-    <dgm:txEffectClrLst/>
-  </dgm:styleLbl>
-  <dgm:styleLbl name="sibTrans1D1">
-    <dgm:fillClrLst meth="repeat">
-      <a:schemeClr val="accent2"/>
-    </dgm:fillClrLst>
-    <dgm:linClrLst meth="repeat">
-      <a:schemeClr val="accent2"/>
-    </dgm:linClrLst>
-    <dgm:effectClrLst/>
-    <dgm:txLinClrLst/>
-    <dgm:txFillClrLst meth="repeat">
-      <a:schemeClr val="tx1"/>
-    </dgm:txFillClrLst>
-    <dgm:txEffectClrLst/>
-  </dgm:styleLbl>
-  <dgm:styleLbl name="callout">
-    <dgm:fillClrLst meth="repeat">
-      <a:schemeClr val="accent2"/>
-    </dgm:fillClrLst>
-    <dgm:linClrLst meth="repeat">
-      <a:schemeClr val="accent2">
-        <a:tint val="50000"/>
-      </a:schemeClr>
-    </dgm:linClrLst>
-    <dgm:effectClrLst/>
-    <dgm:txLinClrLst/>
-    <dgm:txFillClrLst meth="repeat">
-      <a:schemeClr val="tx1"/>
-    </dgm:txFillClrLst>
-    <dgm:txEffectClrLst/>
-  </dgm:styleLbl>
-  <dgm:styleLbl name="asst0">
-    <dgm:fillClrLst meth="repeat">
-      <a:schemeClr val="accent2"/>
-    </dgm:fillClrLst>
-    <dgm:linClrLst meth="repeat">
-      <a:schemeClr val="lt1"/>
-    </dgm:linClrLst>
-    <dgm:effectClrLst/>
-    <dgm:txLinClrLst/>
-    <dgm:txFillClrLst/>
-    <dgm:txEffectClrLst/>
-  </dgm:styleLbl>
-  <dgm:styleLbl name="asst1">
-    <dgm:fillClrLst meth="repeat">
-      <a:schemeClr val="accent2"/>
-    </dgm:fillClrLst>
-    <dgm:linClrLst meth="repeat">
-      <a:schemeClr val="lt1"/>
-    </dgm:linClrLst>
-    <dgm:effectClrLst/>
-    <dgm:txLinClrLst/>
-    <dgm:txFillClrLst/>
-    <dgm:txEffectClrLst/>
-  </dgm:styleLbl>
-  <dgm:styleLbl name="asst2">
-    <dgm:fillClrLst meth="repeat">
-      <a:schemeClr val="accent2"/>
-    </dgm:fillClrLst>
-    <dgm:linClrLst meth="repeat">
-      <a:schemeClr val="lt1"/>
-    </dgm:linClrLst>
-    <dgm:effectClrLst/>
-    <dgm:txLinClrLst/>
-    <dgm:txFillClrLst/>
-    <dgm:txEffectClrLst/>
-  </dgm:styleLbl>
-  <dgm:styleLbl name="asst3">
-    <dgm:fillClrLst meth="repeat">
-      <a:schemeClr val="accent2"/>
-    </dgm:fillClrLst>
-    <dgm:linClrLst meth="repeat">
-      <a:schemeClr val="lt1"/>
-    </dgm:linClrLst>
-    <dgm:effectClrLst/>
-    <dgm:txLinClrLst/>
-    <dgm:txFillClrLst/>
-    <dgm:txEffectClrLst/>
-  </dgm:styleLbl>
-  <dgm:styleLbl name="asst4">
-    <dgm:fillClrLst meth="repeat">
-      <a:schemeClr val="accent2"/>
-    </dgm:fillClrLst>
-    <dgm:linClrLst meth="repeat">
-      <a:schemeClr val="lt1"/>
-    </dgm:linClrLst>
-    <dgm:effectClrLst/>
-    <dgm:txLinClrLst/>
-    <dgm:txFillClrLst/>
-    <dgm:txEffectClrLst/>
-  </dgm:styleLbl>
-  <dgm:styleLbl name="parChTrans2D1">
-    <dgm:fillClrLst meth="repeat">
-      <a:schemeClr val="accent2">
-        <a:tint val="60000"/>
-      </a:schemeClr>
-    </dgm:fillClrLst>
-    <dgm:linClrLst meth="repeat">
-      <a:schemeClr val="accent2">
-        <a:tint val="60000"/>
-      </a:schemeClr>
-    </dgm:linClrLst>
-    <dgm:effectClrLst/>
-    <dgm:txLinClrLst/>
-    <dgm:txFillClrLst meth="repeat">
-      <a:schemeClr val="lt1"/>
-    </dgm:txFillClrLst>
-    <dgm:txEffectClrLst/>
-  </dgm:styleLbl>
-  <dgm:styleLbl name="parChTrans2D2">
-    <dgm:fillClrLst meth="repeat">
-      <a:schemeClr val="accent2"/>
-    </dgm:fillClrLst>
-    <dgm:linClrLst meth="repeat">
-      <a:schemeClr val="accent2"/>
-    </dgm:linClrLst>
-    <dgm:effectClrLst/>
-    <dgm:txLinClrLst/>
-    <dgm:txFillClrLst meth="repeat">
-      <a:schemeClr val="lt1"/>
-    </dgm:txFillClrLst>
-    <dgm:txEffectClrLst/>
-  </dgm:styleLbl>
-  <dgm:styleLbl name="parChTrans2D3">
-    <dgm:fillClrLst meth="repeat">
-      <a:schemeClr val="accent2"/>
-    </dgm:fillClrLst>
-    <dgm:linClrLst meth="repeat">
-      <a:schemeClr val="accent2"/>
-    </dgm:linClrLst>
-    <dgm:effectClrLst/>
-    <dgm:txLinClrLst/>
-    <dgm:txFillClrLst meth="repeat">
-      <a:schemeClr val="lt1"/>
-    </dgm:txFillClrLst>
-    <dgm:txEffectClrLst/>
-  </dgm:styleLbl>
-  <dgm:styleLbl name="parChTrans2D4">
-    <dgm:fillClrLst meth="repeat">
-      <a:schemeClr val="accent2"/>
-    </dgm:fillClrLst>
-    <dgm:linClrLst meth="repeat">
-      <a:schemeClr val="accent2"/>
-    </dgm:linClrLst>
-    <dgm:effectClrLst/>
-    <dgm:txLinClrLst/>
-    <dgm:txFillClrLst meth="repeat">
-      <a:schemeClr val="lt1"/>
-    </dgm:txFillClrLst>
-    <dgm:txEffectClrLst/>
-  </dgm:styleLbl>
-  <dgm:styleLbl name="parChTrans1D1">
-    <dgm:fillClrLst meth="repeat">
-      <a:schemeClr val="accent2"/>
-    </dgm:fillClrLst>
-    <dgm:linClrLst meth="repeat">
-      <a:schemeClr val="accent2">
-        <a:shade val="60000"/>
-      </a:schemeClr>
-    </dgm:linClrLst>
-    <dgm:effectClrLst/>
-    <dgm:txLinClrLst/>
-    <dgm:txFillClrLst meth="repeat">
-      <a:schemeClr val="tx1"/>
-    </dgm:txFillClrLst>
-    <dgm:txEffectClrLst/>
-  </dgm:styleLbl>
-  <dgm:styleLbl name="parChTrans1D2">
-    <dgm:fillClrLst meth="repeat">
-      <a:schemeClr val="accent2"/>
-    </dgm:fillClrLst>
-    <dgm:linClrLst meth="repeat">
-      <a:schemeClr val="accent2">
-        <a:shade val="60000"/>
-      </a:schemeClr>
-    </dgm:linClrLst>
-    <dgm:effectClrLst/>
-    <dgm:txLinClrLst/>
-    <dgm:txFillClrLst meth="repeat">
-      <a:schemeClr val="tx1"/>
-    </dgm:txFillClrLst>
-    <dgm:txEffectClrLst/>
-  </dgm:styleLbl>
-  <dgm:styleLbl name="parChTrans1D3">
-    <dgm:fillClrLst meth="repeat">
-      <a:schemeClr val="accent2"/>
-    </dgm:fillClrLst>
-    <dgm:linClrLst meth="repeat">
-      <a:schemeClr val="accent2">
-        <a:shade val="80000"/>
-      </a:schemeClr>
-    </dgm:linClrLst>
-    <dgm:effectClrLst/>
-    <dgm:txLinClrLst/>
-    <dgm:txFillClrLst meth="repeat">
-      <a:schemeClr val="tx1"/>
-    </dgm:txFillClrLst>
-    <dgm:txEffectClrLst/>
-  </dgm:styleLbl>
-  <dgm:styleLbl name="parChTrans1D4">
-    <dgm:fillClrLst meth="repeat">
-      <a:schemeClr val="accent2"/>
-    </dgm:fillClrLst>
-    <dgm:linClrLst meth="repeat">
-      <a:schemeClr val="accent2">
-        <a:shade val="80000"/>
-      </a:schemeClr>
-    </dgm:linClrLst>
-    <dgm:effectClrLst/>
-    <dgm:txLinClrLst/>
-    <dgm:txFillClrLst meth="repeat">
-      <a:schemeClr val="tx1"/>
-    </dgm:txFillClrLst>
-    <dgm:txEffectClrLst/>
-  </dgm:styleLbl>
-  <dgm:styleLbl name="fgAcc1">
-    <dgm:fillClrLst meth="repeat">
-      <a:schemeClr val="lt1">
-        <a:alpha val="90000"/>
-      </a:schemeClr>
-    </dgm:fillClrLst>
-    <dgm:linClrLst meth="repeat">
-      <a:schemeClr val="accent2"/>
-    </dgm:linClrLst>
-    <dgm:effectClrLst/>
-    <dgm:txLinClrLst/>
-    <dgm:txFillClrLst meth="repeat">
-      <a:schemeClr val="dk1"/>
-    </dgm:txFillClrLst>
-    <dgm:txEffectClrLst/>
-  </dgm:styleLbl>
-  <dgm:styleLbl name="conFgAcc1">
-    <dgm:fillClrLst meth="repeat">
-      <a:schemeClr val="lt1">
-        <a:alpha val="90000"/>
-      </a:schemeClr>
-    </dgm:fillClrLst>
-    <dgm:linClrLst meth="repeat">
-      <a:schemeClr val="accent2"/>
-    </dgm:linClrLst>
-    <dgm:effectClrLst/>
-    <dgm:txLinClrLst/>
-    <dgm:txFillClrLst meth="repeat">
-      <a:schemeClr val="dk1"/>
-    </dgm:txFillClrLst>
-    <dgm:txEffectClrLst/>
-  </dgm:styleLbl>
-  <dgm:styleLbl name="alignAcc1">
-    <dgm:fillClrLst meth="repeat">
-      <a:schemeClr val="lt1">
-        <a:alpha val="90000"/>
-      </a:schemeClr>
-    </dgm:fillClrLst>
-    <dgm:linClrLst meth="repeat">
-      <a:schemeClr val="accent2"/>
-    </dgm:linClrLst>
-    <dgm:effectClrLst/>
-    <dgm:txLinClrLst/>
-    <dgm:txFillClrLst meth="repeat">
-      <a:schemeClr val="dk1"/>
-    </dgm:txFillClrLst>
-    <dgm:txEffectClrLst/>
-  </dgm:styleLbl>
-  <dgm:styleLbl name="trAlignAcc1">
-    <dgm:fillClrLst meth="repeat">
-      <a:schemeClr val="lt1">
-        <a:alpha val="40000"/>
-      </a:schemeClr>
-    </dgm:fillClrLst>
-    <dgm:linClrLst meth="repeat">
-      <a:schemeClr val="accent2"/>
-    </dgm:linClrLst>
-    <dgm:effectClrLst/>
-    <dgm:txLinClrLst/>
-    <dgm:txFillClrLst meth="repeat">
-      <a:schemeClr val="dk1"/>
-    </dgm:txFillClrLst>
-    <dgm:txEffectClrLst/>
-  </dgm:styleLbl>
-  <dgm:styleLbl name="bgAcc1">
-    <dgm:fillClrLst meth="repeat">
-      <a:schemeClr val="lt1">
-        <a:alpha val="90000"/>
-      </a:schemeClr>
-    </dgm:fillClrLst>
-    <dgm:linClrLst meth="repeat">
-      <a:schemeClr val="accent2"/>
-    </dgm:linClrLst>
-    <dgm:effectClrLst/>
-    <dgm:txLinClrLst/>
-    <dgm:txFillClrLst meth="repeat">
-      <a:schemeClr val="dk1"/>
-    </dgm:txFillClrLst>
-    <dgm:txEffectClrLst/>
-  </dgm:styleLbl>
-  <dgm:styleLbl name="solidFgAcc1">
-    <dgm:fillClrLst meth="repeat">
-      <a:schemeClr val="lt1"/>
-    </dgm:fillClrLst>
-    <dgm:linClrLst meth="repeat">
-      <a:schemeClr val="accent2"/>
-    </dgm:linClrLst>
-    <dgm:effectClrLst/>
-    <dgm:txLinClrLst/>
-    <dgm:txFillClrLst meth="repeat">
-      <a:schemeClr val="dk1"/>
-    </dgm:txFillClrLst>
-    <dgm:txEffectClrLst/>
-  </dgm:styleLbl>
-  <dgm:styleLbl name="solidAlignAcc1">
-    <dgm:fillClrLst meth="repeat">
-      <a:schemeClr val="lt1"/>
-    </dgm:fillClrLst>
-    <dgm:linClrLst meth="repeat">
-      <a:schemeClr val="accent2"/>
-    </dgm:linClrLst>
-    <dgm:effectClrLst/>
-    <dgm:txLinClrLst/>
-    <dgm:txFillClrLst meth="repeat">
-      <a:schemeClr val="dk1"/>
-    </dgm:txFillClrLst>
-    <dgm:txEffectClrLst/>
-  </dgm:styleLbl>
-  <dgm:styleLbl name="solidBgAcc1">
-    <dgm:fillClrLst meth="repeat">
-      <a:schemeClr val="lt1"/>
-    </dgm:fillClrLst>
-    <dgm:linClrLst meth="repeat">
-      <a:schemeClr val="accent2"/>
-    </dgm:linClrLst>
-    <dgm:effectClrLst/>
-    <dgm:txLinClrLst/>
-    <dgm:txFillClrLst meth="repeat">
-      <a:schemeClr val="dk1"/>
-    </dgm:txFillClrLst>
-    <dgm:txEffectClrLst/>
-  </dgm:styleLbl>
-  <dgm:styleLbl name="fgAccFollowNode1">
-    <dgm:fillClrLst meth="repeat">
-      <a:schemeClr val="accent2">
-        <a:alpha val="90000"/>
-        <a:tint val="40000"/>
-      </a:schemeClr>
-    </dgm:fillClrLst>
-    <dgm:linClrLst meth="repeat">
-      <a:schemeClr val="accent2">
-        <a:alpha val="90000"/>
-        <a:tint val="40000"/>
-      </a:schemeClr>
-    </dgm:linClrLst>
-    <dgm:effectClrLst/>
-    <dgm:txLinClrLst/>
-    <dgm:txFillClrLst meth="repeat">
-      <a:schemeClr val="dk1"/>
-    </dgm:txFillClrLst>
-    <dgm:txEffectClrLst/>
-  </dgm:styleLbl>
-  <dgm:styleLbl name="alignAccFollowNode1">
-    <dgm:fillClrLst meth="repeat">
-      <a:schemeClr val="accent2">
-        <a:alpha val="90000"/>
-        <a:tint val="40000"/>
-      </a:schemeClr>
-    </dgm:fillClrLst>
-    <dgm:linClrLst meth="repeat">
-      <a:schemeClr val="accent2">
-        <a:alpha val="90000"/>
-        <a:tint val="40000"/>
-      </a:schemeClr>
-    </dgm:linClrLst>
-    <dgm:effectClrLst/>
-    <dgm:txLinClrLst/>
-    <dgm:txFillClrLst meth="repeat">
-      <a:schemeClr val="dk1"/>
-    </dgm:txFillClrLst>
-    <dgm:txEffectClrLst/>
-  </dgm:styleLbl>
-  <dgm:styleLbl name="bgAccFollowNode1">
-    <dgm:fillClrLst meth="repeat">
-      <a:schemeClr val="accent2">
-        <a:alpha val="90000"/>
-        <a:tint val="40000"/>
-      </a:schemeClr>
-    </dgm:fillClrLst>
-    <dgm:linClrLst meth="repeat">
-      <a:schemeClr val="accent2">
-        <a:alpha val="90000"/>
-        <a:tint val="40000"/>
-      </a:schemeClr>
-    </dgm:linClrLst>
-    <dgm:effectClrLst/>
-    <dgm:txLinClrLst/>
-    <dgm:txFillClrLst meth="repeat">
-      <a:schemeClr val="dk1"/>
-    </dgm:txFillClrLst>
-    <dgm:txEffectClrLst/>
-  </dgm:styleLbl>
-  <dgm:styleLbl name="fgAcc0">
-    <dgm:fillClrLst meth="repeat">
-      <a:schemeClr val="lt1">
-        <a:alpha val="90000"/>
-      </a:schemeClr>
-    </dgm:fillClrLst>
-    <dgm:linClrLst meth="repeat">
-      <a:schemeClr val="accent2"/>
-    </dgm:linClrLst>
-    <dgm:effectClrLst/>
-    <dgm:txLinClrLst/>
-    <dgm:txFillClrLst meth="repeat">
-      <a:schemeClr val="dk1"/>
-    </dgm:txFillClrLst>
-    <dgm:txEffectClrLst/>
-  </dgm:styleLbl>
-  <dgm:styleLbl name="fgAcc2">
-    <dgm:fillClrLst meth="repeat">
-      <a:schemeClr val="lt1">
-        <a:alpha val="90000"/>
-      </a:schemeClr>
-    </dgm:fillClrLst>
-    <dgm:linClrLst meth="repeat">
-      <a:schemeClr val="accent2"/>
-    </dgm:linClrLst>
-    <dgm:effectClrLst/>
-    <dgm:txLinClrLst/>
-    <dgm:txFillClrLst meth="repeat">
-      <a:schemeClr val="dk1"/>
-    </dgm:txFillClrLst>
-    <dgm:txEffectClrLst/>
-  </dgm:styleLbl>
-  <dgm:styleLbl name="fgAcc3">
-    <dgm:fillClrLst meth="repeat">
-      <a:schemeClr val="lt1">
-        <a:alpha val="90000"/>
-      </a:schemeClr>
-    </dgm:fillClrLst>
-    <dgm:linClrLst meth="repeat">
-      <a:schemeClr val="accent2"/>
-    </dgm:linClrLst>
-    <dgm:effectClrLst/>
-    <dgm:txLinClrLst/>
-    <dgm:txFillClrLst meth="repeat">
-      <a:schemeClr val="dk1"/>
-    </dgm:txFillClrLst>
-    <dgm:txEffectClrLst/>
-  </dgm:styleLbl>
-  <dgm:styleLbl name="fgAcc4">
-    <dgm:fillClrLst meth="repeat">
-      <a:schemeClr val="lt1">
-        <a:alpha val="90000"/>
-      </a:schemeClr>
-    </dgm:fillClrLst>
-    <dgm:linClrLst meth="repeat">
-      <a:schemeClr val="accent2"/>
-    </dgm:linClrLst>
-    <dgm:effectClrLst/>
-    <dgm:txLinClrLst/>
-    <dgm:txFillClrLst meth="repeat">
-      <a:schemeClr val="dk1"/>
-    </dgm:txFillClrLst>
-    <dgm:txEffectClrLst/>
-  </dgm:styleLbl>
-  <dgm:styleLbl name="bgShp">
-    <dgm:fillClrLst meth="repeat">
-      <a:schemeClr val="accent2">
-        <a:tint val="40000"/>
-      </a:schemeClr>
-    </dgm:fillClrLst>
-    <dgm:linClrLst meth="repeat">
-      <a:schemeClr val="accent2"/>
-    </dgm:linClrLst>
-    <dgm:effectClrLst/>
-    <dgm:txLinClrLst/>
-    <dgm:txFillClrLst meth="repeat">
-      <a:schemeClr val="dk1"/>
-    </dgm:txFillClrLst>
-    <dgm:txEffectClrLst/>
-  </dgm:styleLbl>
-  <dgm:styleLbl name="dkBgShp">
-    <dgm:fillClrLst meth="repeat">
-      <a:schemeClr val="accent2">
-        <a:shade val="80000"/>
-      </a:schemeClr>
-    </dgm:fillClrLst>
-    <dgm:linClrLst meth="repeat">
-      <a:schemeClr val="accent2"/>
-    </dgm:linClrLst>
-    <dgm:effectClrLst/>
-    <dgm:txLinClrLst/>
-    <dgm:txFillClrLst meth="repeat">
-      <a:schemeClr val="lt1"/>
-    </dgm:txFillClrLst>
-    <dgm:txEffectClrLst/>
-  </dgm:styleLbl>
-  <dgm:styleLbl name="trBgShp">
-    <dgm:fillClrLst meth="repeat">
-      <a:schemeClr val="accent2">
-        <a:tint val="50000"/>
-        <a:alpha val="40000"/>
-      </a:schemeClr>
-    </dgm:fillClrLst>
-    <dgm:linClrLst meth="repeat">
-      <a:schemeClr val="accent2"/>
-    </dgm:linClrLst>
-    <dgm:effectClrLst/>
-    <dgm:txLinClrLst/>
-    <dgm:txFillClrLst meth="repeat">
-      <a:schemeClr val="lt1"/>
-    </dgm:txFillClrLst>
-    <dgm:txEffectClrLst/>
-  </dgm:styleLbl>
-  <dgm:styleLbl name="fgShp">
-    <dgm:fillClrLst meth="repeat">
-      <a:schemeClr val="accent2">
-        <a:tint val="60000"/>
-      </a:schemeClr>
-    </dgm:fillClrLst>
-    <dgm:linClrLst meth="repeat">
-      <a:schemeClr val="lt1"/>
-    </dgm:linClrLst>
-    <dgm:effectClrLst/>
-    <dgm:txLinClrLst/>
-    <dgm:txFillClrLst meth="repeat">
-      <a:schemeClr val="dk1"/>
-    </dgm:txFillClrLst>
-    <dgm:txEffectClrLst/>
-  </dgm:styleLbl>
-  <dgm:styleLbl name="revTx">
-    <dgm:fillClrLst meth="repeat">
-      <a:schemeClr val="lt1">
-        <a:alpha val="0"/>
-      </a:schemeClr>
-    </dgm:fillClrLst>
-    <dgm:linClrLst meth="repeat">
-      <a:schemeClr val="dk1">
-        <a:alpha val="0"/>
-      </a:schemeClr>
-    </dgm:linClrLst>
-    <dgm:effectClrLst/>
-    <dgm:txLinClrLst/>
-    <dgm:txFillClrLst meth="repeat">
-      <a:schemeClr val="tx1"/>
-    </dgm:txFillClrLst>
-    <dgm:txEffectClrLst/>
-  </dgm:styleLbl>
-</dgm:colorsDef>
-</file>
-
 <file path=ppt/diagrams/data1.xml><?xml version="1.0" encoding="utf-8"?>
 <dgm:dataModel xmlns:dgm="http://schemas.openxmlformats.org/drawingml/2006/diagram" xmlns:a="http://schemas.openxmlformats.org/drawingml/2006/main">
   <dgm:ptLst>
-    <dgm:pt modelId="{7D9C16A6-8C48-4165-8DAF-8C957C12A8FA}" type="doc">
-      <dgm:prSet loTypeId="urn:microsoft.com/office/officeart/2018/2/layout/IconLabelList" loCatId="icon" qsTypeId="urn:microsoft.com/office/officeart/2005/8/quickstyle/simple1" qsCatId="simple" csTypeId="urn:microsoft.com/office/officeart/2018/5/colors/Iconchunking_neutralbg_accent2_2" csCatId="accent2" phldr="1"/>
-      <dgm:spPr/>
-    </dgm:pt>
-    <dgm:pt modelId="{701D68F5-42F8-47BC-8FED-84C50F595DF0}">
-      <dgm:prSet phldrT="[Text]"/>
+    <dgm:pt modelId="{16CF1B22-C015-4149-8E9D-6A09CE1CD716}" type="doc">
+      <dgm:prSet loTypeId="urn:microsoft.com/office/officeart/2018/5/layout/IconCircleLabelList" loCatId="icon" qsTypeId="urn:microsoft.com/office/officeart/2005/8/quickstyle/simple1" qsCatId="simple" csTypeId="urn:microsoft.com/office/officeart/2005/8/colors/accent3_2" csCatId="accent3" phldr="1"/>
       <dgm:spPr/>
       <dgm:t>
-        <a:bodyPr rtlCol="0"/>
+        <a:bodyPr/>
         <a:lstStyle/>
         <a:p>
-          <a:pPr rtl="0"/>
-          <a:r>
-            <a:rPr lang="es-ES" noProof="0" dirty="0"/>
-            <a:t>Red</a:t>
-          </a:r>
+          <a:endParaRPr lang="en-US"/>
         </a:p>
       </dgm:t>
     </dgm:pt>
-    <dgm:pt modelId="{9617668C-C38C-4017-8DDF-37855B15D110}" type="parTrans" cxnId="{C4BA385D-31ED-40EF-A5D6-98DFBA64E71A}">
+    <dgm:pt modelId="{F50199A5-826D-4424-8186-B68E33A7EC06}">
       <dgm:prSet/>
       <dgm:spPr/>
       <dgm:t>
-        <a:bodyPr rtlCol="0"/>
+        <a:bodyPr/>
         <a:lstStyle/>
         <a:p>
-          <a:pPr rtl="0"/>
-          <a:endParaRPr lang="es-ES" noProof="0" dirty="0"/>
+          <a:pPr>
+            <a:defRPr cap="all"/>
+          </a:pPr>
+          <a:r>
+            <a:rPr lang="es-ES"/>
+            <a:t>¿Qué es Integromat Make?</a:t>
+          </a:r>
+          <a:endParaRPr lang="en-US"/>
         </a:p>
       </dgm:t>
     </dgm:pt>
-    <dgm:pt modelId="{0C95B389-AC0C-4055-9AA3-38815EFC8B0A}" type="sibTrans" cxnId="{C4BA385D-31ED-40EF-A5D6-98DFBA64E71A}">
+    <dgm:pt modelId="{C43673A2-A65A-4D51-A72A-E7E72E9BCDDD}" type="parTrans" cxnId="{20EE4A48-7C66-475D-A6C9-30090930EAD2}">
       <dgm:prSet/>
       <dgm:spPr/>
       <dgm:t>
-        <a:bodyPr rtlCol="0"/>
+        <a:bodyPr/>
         <a:lstStyle/>
         <a:p>
-          <a:pPr rtl="0"/>
-          <a:endParaRPr lang="es-ES" noProof="0" dirty="0"/>
+          <a:endParaRPr lang="en-US"/>
         </a:p>
       </dgm:t>
     </dgm:pt>
-    <dgm:pt modelId="{91A66877-AC1C-46D9-BF2C-6024B638DEA9}">
-      <dgm:prSet phldrT="[Text]"/>
+    <dgm:pt modelId="{AF6C86A3-DDDD-408F-B954-52D707508EB4}" type="sibTrans" cxnId="{20EE4A48-7C66-475D-A6C9-30090930EAD2}">
+      <dgm:prSet/>
       <dgm:spPr/>
       <dgm:t>
-        <a:bodyPr rtlCol="0"/>
+        <a:bodyPr/>
         <a:lstStyle/>
         <a:p>
-          <a:pPr rtl="0"/>
-          <a:r>
-            <a:rPr lang="es-ES" noProof="0" dirty="0"/>
-            <a:t>Satélite</a:t>
-          </a:r>
+          <a:endParaRPr lang="en-US"/>
         </a:p>
       </dgm:t>
     </dgm:pt>
-    <dgm:pt modelId="{913FED05-DF41-48A7-B1F8-81937A468EF9}" type="parTrans" cxnId="{7F0DAB6F-9257-4F2D-B31A-3418F73F6952}">
+    <dgm:pt modelId="{FBF17E4F-4C7D-4086-878B-D970C58B54A0}">
       <dgm:prSet/>
       <dgm:spPr/>
       <dgm:t>
-        <a:bodyPr rtlCol="0"/>
+        <a:bodyPr/>
         <a:lstStyle/>
         <a:p>
-          <a:pPr rtl="0"/>
-          <a:endParaRPr lang="es-ES" noProof="0" dirty="0"/>
+          <a:pPr>
+            <a:defRPr cap="all"/>
+          </a:pPr>
+          <a:r>
+            <a:rPr lang="es-ES" dirty="0"/>
+            <a:t>Cómo utilizar </a:t>
+          </a:r>
+          <a:r>
+            <a:rPr lang="es-ES" dirty="0" err="1"/>
+            <a:t>Integromat</a:t>
+          </a:r>
+          <a:r>
+            <a:rPr lang="es-ES" dirty="0"/>
+            <a:t> </a:t>
+          </a:r>
+          <a:r>
+            <a:rPr lang="es-ES" dirty="0" err="1"/>
+            <a:t>Make</a:t>
+          </a:r>
+          <a:endParaRPr lang="en-US" dirty="0"/>
         </a:p>
       </dgm:t>
     </dgm:pt>
-    <dgm:pt modelId="{BFCE4A28-C381-46FF-935A-B11534EF7D87}" type="sibTrans" cxnId="{7F0DAB6F-9257-4F2D-B31A-3418F73F6952}">
+    <dgm:pt modelId="{818FA6F3-B448-4C28-AFBE-ABAB80DCE0BE}" type="parTrans" cxnId="{48EC5033-44BB-4DAD-AB34-6532B53ABF6D}">
       <dgm:prSet/>
       <dgm:spPr/>
       <dgm:t>
-        <a:bodyPr rtlCol="0"/>
+        <a:bodyPr/>
         <a:lstStyle/>
         <a:p>
-          <a:pPr rtl="0"/>
-          <a:endParaRPr lang="es-ES" noProof="0" dirty="0"/>
+          <a:endParaRPr lang="en-US"/>
         </a:p>
       </dgm:t>
     </dgm:pt>
-    <dgm:pt modelId="{76CC3289-2662-43F0-A3C6-BA04A135F08C}">
-      <dgm:prSet phldrT="[Text]"/>
+    <dgm:pt modelId="{6C394F4C-C4AE-482E-A787-46C0D9DA4B51}" type="sibTrans" cxnId="{48EC5033-44BB-4DAD-AB34-6532B53ABF6D}">
+      <dgm:prSet/>
       <dgm:spPr/>
       <dgm:t>
-        <a:bodyPr rtlCol="0"/>
+        <a:bodyPr/>
         <a:lstStyle/>
         <a:p>
-          <a:pPr rtl="0"/>
-          <a:r>
-            <a:rPr lang="es-ES" noProof="0" dirty="0"/>
-            <a:t>Vínculo</a:t>
-          </a:r>
+          <a:endParaRPr lang="en-US"/>
         </a:p>
       </dgm:t>
     </dgm:pt>
-    <dgm:pt modelId="{D46DB4DA-1442-4ECE-89FE-BBB1E3489E3D}" type="parTrans" cxnId="{0400886E-8A1A-44C2-95A7-DB0EF4911494}">
+    <dgm:pt modelId="{8869DB9E-2A80-4955-9147-0237F9A7099F}">
       <dgm:prSet/>
       <dgm:spPr/>
       <dgm:t>
-        <a:bodyPr rtlCol="0"/>
+        <a:bodyPr/>
         <a:lstStyle/>
         <a:p>
-          <a:pPr rtl="0"/>
-          <a:endParaRPr lang="es-ES" noProof="0" dirty="0"/>
+          <a:pPr>
+            <a:defRPr cap="all"/>
+          </a:pPr>
+          <a:r>
+            <a:rPr lang="es-ES" dirty="0"/>
+            <a:t>Ejemplo práctico: </a:t>
+          </a:r>
+          <a:r>
+            <a:rPr lang="es-ES" dirty="0" err="1"/>
+            <a:t>Discord</a:t>
+          </a:r>
+          <a:r>
+            <a:rPr lang="es-ES" dirty="0"/>
+            <a:t> y Google </a:t>
+          </a:r>
+          <a:r>
+            <a:rPr lang="es-ES" dirty="0" err="1"/>
+            <a:t>Sheets</a:t>
+          </a:r>
+          <a:endParaRPr lang="en-US" dirty="0"/>
         </a:p>
       </dgm:t>
     </dgm:pt>
-    <dgm:pt modelId="{FA28C9D6-476E-43CD-BA23-D6D990FD78D0}" type="sibTrans" cxnId="{0400886E-8A1A-44C2-95A7-DB0EF4911494}">
+    <dgm:pt modelId="{37DD88A6-5E64-4588-B533-24E23EC8C3C1}" type="parTrans" cxnId="{E57ED8D6-9F75-447E-9D32-254D6D3FDCF5}">
       <dgm:prSet/>
       <dgm:spPr/>
       <dgm:t>
-        <a:bodyPr rtlCol="0"/>
+        <a:bodyPr/>
         <a:lstStyle/>
         <a:p>
-          <a:pPr rtl="0"/>
-          <a:endParaRPr lang="es-ES" noProof="0" dirty="0"/>
+          <a:endParaRPr lang="en-US"/>
         </a:p>
       </dgm:t>
     </dgm:pt>
-    <dgm:pt modelId="{8994D886-A75F-411A-A9D7-D31991FF12BD}" type="pres">
-      <dgm:prSet presAssocID="{7D9C16A6-8C48-4165-8DAF-8C957C12A8FA}" presName="root" presStyleCnt="0">
+    <dgm:pt modelId="{7863903F-6E6E-444C-94A7-A8C6BB7018C4}" type="sibTrans" cxnId="{E57ED8D6-9F75-447E-9D32-254D6D3FDCF5}">
+      <dgm:prSet/>
+      <dgm:spPr/>
+      <dgm:t>
+        <a:bodyPr/>
+        <a:lstStyle/>
+        <a:p>
+          <a:endParaRPr lang="en-US"/>
+        </a:p>
+      </dgm:t>
+    </dgm:pt>
+    <dgm:pt modelId="{DA43B6AA-A5FB-4CCB-B609-7FEF56CCBF58}" type="pres">
+      <dgm:prSet presAssocID="{16CF1B22-C015-4149-8E9D-6A09CE1CD716}" presName="root" presStyleCnt="0">
         <dgm:presLayoutVars>
           <dgm:dir/>
           <dgm:resizeHandles val="exact"/>
@@ -1754,22 +1039,28 @@
       </dgm:prSet>
       <dgm:spPr/>
     </dgm:pt>
-    <dgm:pt modelId="{E1DBA6D5-BD14-4CD2-A0CC-80F867FEFA81}" type="pres">
-      <dgm:prSet presAssocID="{701D68F5-42F8-47BC-8FED-84C50F595DF0}" presName="compNode" presStyleCnt="0"/>
+    <dgm:pt modelId="{67B138C8-5E28-4B80-93CC-DB29A724F1FF}" type="pres">
+      <dgm:prSet presAssocID="{F50199A5-826D-4424-8186-B68E33A7EC06}" presName="compNode" presStyleCnt="0"/>
       <dgm:spPr/>
     </dgm:pt>
-    <dgm:pt modelId="{19A8DC21-3E65-409D-AD53-DA51BB9198A0}" type="pres">
-      <dgm:prSet presAssocID="{701D68F5-42F8-47BC-8FED-84C50F595DF0}" presName="iconRect" presStyleLbl="node1" presStyleIdx="0" presStyleCnt="3" custScaleX="157625" custScaleY="157625"/>
+    <dgm:pt modelId="{0E78D703-32A8-4E53-9047-37B36336CE2A}" type="pres">
+      <dgm:prSet presAssocID="{F50199A5-826D-4424-8186-B68E33A7EC06}" presName="iconBgRect" presStyleLbl="bgShp" presStyleIdx="0" presStyleCnt="3"/>
+      <dgm:spPr/>
+    </dgm:pt>
+    <dgm:pt modelId="{BA28FE02-94C1-4F00-95A3-27595839FD4E}" type="pres">
+      <dgm:prSet presAssocID="{F50199A5-826D-4424-8186-B68E33A7EC06}" presName="iconRect" presStyleLbl="node1" presStyleIdx="0" presStyleCnt="3"/>
       <dgm:spPr>
         <a:blipFill>
           <a:blip xmlns:r="http://schemas.openxmlformats.org/officeDocument/2006/relationships" r:embed="rId1">
             <a:extLst>
+              <a:ext uri="{28A0092B-C50C-407E-A947-70E740481C1C}">
+                <a14:useLocalDpi xmlns:a14="http://schemas.microsoft.com/office/drawing/2010/main" val="0"/>
+              </a:ext>
               <a:ext uri="{96DAC541-7B7A-43D3-8B79-37D633B846F1}">
                 <asvg:svgBlip xmlns:asvg="http://schemas.microsoft.com/office/drawing/2016/SVG/main" r:embed="rId2"/>
               </a:ext>
             </a:extLst>
           </a:blip>
-          <a:srcRect/>
           <a:stretch>
             <a:fillRect/>
           </a:stretch>
@@ -1780,16 +1071,16 @@
       </dgm:spPr>
       <dgm:extLst>
         <a:ext uri="{E40237B7-FDA0-4F09-8148-C483321AD2D9}">
-          <dgm14:cNvPr xmlns:dgm14="http://schemas.microsoft.com/office/drawing/2010/diagram" id="0" name="" descr="Network"/>
+          <dgm14:cNvPr xmlns:dgm14="http://schemas.microsoft.com/office/drawing/2010/diagram" id="0" name="" descr="Customer Review"/>
         </a:ext>
       </dgm:extLst>
     </dgm:pt>
-    <dgm:pt modelId="{B9F90A48-FF94-4C94-A587-0190406F6FD3}" type="pres">
-      <dgm:prSet presAssocID="{701D68F5-42F8-47BC-8FED-84C50F595DF0}" presName="spaceRect" presStyleCnt="0"/>
+    <dgm:pt modelId="{5B148EA5-8E31-4262-A066-42DA010B2AD6}" type="pres">
+      <dgm:prSet presAssocID="{F50199A5-826D-4424-8186-B68E33A7EC06}" presName="spaceRect" presStyleCnt="0"/>
       <dgm:spPr/>
     </dgm:pt>
-    <dgm:pt modelId="{A99B5DD6-89E9-4537-B415-4205CEB9323A}" type="pres">
-      <dgm:prSet presAssocID="{701D68F5-42F8-47BC-8FED-84C50F595DF0}" presName="textRect" presStyleLbl="revTx" presStyleIdx="0" presStyleCnt="3">
+    <dgm:pt modelId="{01F8FBE3-53F5-4545-81FB-0B9F38426585}" type="pres">
+      <dgm:prSet presAssocID="{F50199A5-826D-4424-8186-B68E33A7EC06}" presName="textRect" presStyleLbl="revTx" presStyleIdx="0" presStyleCnt="3">
         <dgm:presLayoutVars>
           <dgm:chMax val="1"/>
           <dgm:chPref val="1"/>
@@ -1797,16 +1088,20 @@
       </dgm:prSet>
       <dgm:spPr/>
     </dgm:pt>
-    <dgm:pt modelId="{8B391436-B9B0-45BD-A57F-792D6376D868}" type="pres">
-      <dgm:prSet presAssocID="{0C95B389-AC0C-4055-9AA3-38815EFC8B0A}" presName="sibTrans" presStyleCnt="0"/>
+    <dgm:pt modelId="{7757E854-9860-4F8F-8C23-159FB5DB2DBF}" type="pres">
+      <dgm:prSet presAssocID="{AF6C86A3-DDDD-408F-B954-52D707508EB4}" presName="sibTrans" presStyleCnt="0"/>
       <dgm:spPr/>
     </dgm:pt>
-    <dgm:pt modelId="{95872155-C45D-46D3-874C-D838089A06F8}" type="pres">
-      <dgm:prSet presAssocID="{91A66877-AC1C-46D9-BF2C-6024B638DEA9}" presName="compNode" presStyleCnt="0"/>
+    <dgm:pt modelId="{9DAD2045-F86A-4BF2-BC69-62B0F817EFE0}" type="pres">
+      <dgm:prSet presAssocID="{FBF17E4F-4C7D-4086-878B-D970C58B54A0}" presName="compNode" presStyleCnt="0"/>
       <dgm:spPr/>
     </dgm:pt>
-    <dgm:pt modelId="{CE9DF0E8-B0DE-4E1E-9FF4-6006AD8428DB}" type="pres">
-      <dgm:prSet presAssocID="{91A66877-AC1C-46D9-BF2C-6024B638DEA9}" presName="iconRect" presStyleLbl="node1" presStyleIdx="1" presStyleCnt="3" custScaleX="157625" custScaleY="157625"/>
+    <dgm:pt modelId="{716B0CEF-2D3E-41CA-928A-E334E49CAEF5}" type="pres">
+      <dgm:prSet presAssocID="{FBF17E4F-4C7D-4086-878B-D970C58B54A0}" presName="iconBgRect" presStyleLbl="bgShp" presStyleIdx="1" presStyleCnt="3"/>
+      <dgm:spPr/>
+    </dgm:pt>
+    <dgm:pt modelId="{D107E640-7D7E-4995-8C39-99BD0C5B36F5}" type="pres">
+      <dgm:prSet presAssocID="{FBF17E4F-4C7D-4086-878B-D970C58B54A0}" presName="iconRect" presStyleLbl="node1" presStyleIdx="1" presStyleCnt="3"/>
       <dgm:spPr>
         <a:blipFill>
           <a:blip xmlns:r="http://schemas.openxmlformats.org/officeDocument/2006/relationships" r:embed="rId3">
@@ -1829,16 +1124,16 @@
       </dgm:spPr>
       <dgm:extLst>
         <a:ext uri="{E40237B7-FDA0-4F09-8148-C483321AD2D9}">
-          <dgm14:cNvPr xmlns:dgm14="http://schemas.microsoft.com/office/drawing/2010/diagram" id="0" name="" descr="Satellite"/>
+          <dgm14:cNvPr xmlns:dgm14="http://schemas.microsoft.com/office/drawing/2010/diagram" id="0" name="" descr="Head with Gears"/>
         </a:ext>
       </dgm:extLst>
     </dgm:pt>
-    <dgm:pt modelId="{AA0423A1-55B2-45E9-BFE7-3FBE5BDA65ED}" type="pres">
-      <dgm:prSet presAssocID="{91A66877-AC1C-46D9-BF2C-6024B638DEA9}" presName="spaceRect" presStyleCnt="0"/>
+    <dgm:pt modelId="{1291B84E-A3AC-4F64-8AA5-2EC230923DEA}" type="pres">
+      <dgm:prSet presAssocID="{FBF17E4F-4C7D-4086-878B-D970C58B54A0}" presName="spaceRect" presStyleCnt="0"/>
       <dgm:spPr/>
     </dgm:pt>
-    <dgm:pt modelId="{55120873-6F5C-4053-8EAD-6287A7F1097E}" type="pres">
-      <dgm:prSet presAssocID="{91A66877-AC1C-46D9-BF2C-6024B638DEA9}" presName="textRect" presStyleLbl="revTx" presStyleIdx="1" presStyleCnt="3">
+    <dgm:pt modelId="{A531832A-90CB-406C-BD46-B0D56793B419}" type="pres">
+      <dgm:prSet presAssocID="{FBF17E4F-4C7D-4086-878B-D970C58B54A0}" presName="textRect" presStyleLbl="revTx" presStyleIdx="1" presStyleCnt="3">
         <dgm:presLayoutVars>
           <dgm:chMax val="1"/>
           <dgm:chPref val="1"/>
@@ -1846,16 +1141,20 @@
       </dgm:prSet>
       <dgm:spPr/>
     </dgm:pt>
-    <dgm:pt modelId="{F679C986-30E4-4F0A-A3A6-CAE528BFED76}" type="pres">
-      <dgm:prSet presAssocID="{BFCE4A28-C381-46FF-935A-B11534EF7D87}" presName="sibTrans" presStyleCnt="0"/>
+    <dgm:pt modelId="{BEC90832-4DF6-429C-8E3D-447ABE687568}" type="pres">
+      <dgm:prSet presAssocID="{6C394F4C-C4AE-482E-A787-46C0D9DA4B51}" presName="sibTrans" presStyleCnt="0"/>
       <dgm:spPr/>
     </dgm:pt>
-    <dgm:pt modelId="{2EC2FDE3-8908-45C7-A3FD-EB370213FE69}" type="pres">
-      <dgm:prSet presAssocID="{76CC3289-2662-43F0-A3C6-BA04A135F08C}" presName="compNode" presStyleCnt="0"/>
+    <dgm:pt modelId="{D50D362A-15D3-46CF-B41F-EF4A25D0E178}" type="pres">
+      <dgm:prSet presAssocID="{8869DB9E-2A80-4955-9147-0237F9A7099F}" presName="compNode" presStyleCnt="0"/>
       <dgm:spPr/>
     </dgm:pt>
-    <dgm:pt modelId="{6DB1FE51-13D0-4A38-AD6E-48D4371A1AF3}" type="pres">
-      <dgm:prSet presAssocID="{76CC3289-2662-43F0-A3C6-BA04A135F08C}" presName="iconRect" presStyleLbl="node1" presStyleIdx="2" presStyleCnt="3" custScaleX="157625" custScaleY="157625"/>
+    <dgm:pt modelId="{7B808951-30E6-4AD5-93FD-F9BB88BC6135}" type="pres">
+      <dgm:prSet presAssocID="{8869DB9E-2A80-4955-9147-0237F9A7099F}" presName="iconBgRect" presStyleLbl="bgShp" presStyleIdx="2" presStyleCnt="3"/>
+      <dgm:spPr/>
+    </dgm:pt>
+    <dgm:pt modelId="{8D420BC1-536A-4C57-A7E8-2E38F0EDF3AC}" type="pres">
+      <dgm:prSet presAssocID="{8869DB9E-2A80-4955-9147-0237F9A7099F}" presName="iconRect" presStyleLbl="node1" presStyleIdx="2" presStyleCnt="3"/>
       <dgm:spPr>
         <a:blipFill>
           <a:blip xmlns:r="http://schemas.openxmlformats.org/officeDocument/2006/relationships" r:embed="rId5">
@@ -1868,7 +1167,6 @@
               </a:ext>
             </a:extLst>
           </a:blip>
-          <a:srcRect/>
           <a:stretch>
             <a:fillRect/>
           </a:stretch>
@@ -1879,16 +1177,16 @@
       </dgm:spPr>
       <dgm:extLst>
         <a:ext uri="{E40237B7-FDA0-4F09-8148-C483321AD2D9}">
-          <dgm14:cNvPr xmlns:dgm14="http://schemas.microsoft.com/office/drawing/2010/diagram" id="0" name="" descr="Link"/>
+          <dgm14:cNvPr xmlns:dgm14="http://schemas.microsoft.com/office/drawing/2010/diagram" id="0" name="" descr="Documento"/>
         </a:ext>
       </dgm:extLst>
     </dgm:pt>
-    <dgm:pt modelId="{0928538A-05CC-4A79-BD5D-92F985D1EEE5}" type="pres">
-      <dgm:prSet presAssocID="{76CC3289-2662-43F0-A3C6-BA04A135F08C}" presName="spaceRect" presStyleCnt="0"/>
+    <dgm:pt modelId="{34473DB5-5F75-4870-9881-936B2E81012C}" type="pres">
+      <dgm:prSet presAssocID="{8869DB9E-2A80-4955-9147-0237F9A7099F}" presName="spaceRect" presStyleCnt="0"/>
       <dgm:spPr/>
     </dgm:pt>
-    <dgm:pt modelId="{133097FC-B1F8-4953-B0AB-E8E73D968D1C}" type="pres">
-      <dgm:prSet presAssocID="{76CC3289-2662-43F0-A3C6-BA04A135F08C}" presName="textRect" presStyleLbl="revTx" presStyleIdx="2" presStyleCnt="3">
+    <dgm:pt modelId="{51A9044E-2CDF-4ED8-AA2E-9B648BEFBC78}" type="pres">
+      <dgm:prSet presAssocID="{8869DB9E-2A80-4955-9147-0237F9A7099F}" presName="textRect" presStyleLbl="revTx" presStyleIdx="2" presStyleCnt="3">
         <dgm:presLayoutVars>
           <dgm:chMax val="1"/>
           <dgm:chPref val="1"/>
@@ -1898,298 +1196,36 @@
     </dgm:pt>
   </dgm:ptLst>
   <dgm:cxnLst>
-    <dgm:cxn modelId="{1B8CB22C-9648-419B-97E9-4AA6C3555723}" type="presOf" srcId="{701D68F5-42F8-47BC-8FED-84C50F595DF0}" destId="{A99B5DD6-89E9-4537-B415-4205CEB9323A}" srcOrd="0" destOrd="0" presId="urn:microsoft.com/office/officeart/2018/2/layout/IconLabelList"/>
-    <dgm:cxn modelId="{C4BA385D-31ED-40EF-A5D6-98DFBA64E71A}" srcId="{7D9C16A6-8C48-4165-8DAF-8C957C12A8FA}" destId="{701D68F5-42F8-47BC-8FED-84C50F595DF0}" srcOrd="0" destOrd="0" parTransId="{9617668C-C38C-4017-8DDF-37855B15D110}" sibTransId="{0C95B389-AC0C-4055-9AA3-38815EFC8B0A}"/>
-    <dgm:cxn modelId="{5574CC64-4BF2-43BE-BABC-6DF1E58A4C74}" type="presOf" srcId="{7D9C16A6-8C48-4165-8DAF-8C957C12A8FA}" destId="{8994D886-A75F-411A-A9D7-D31991FF12BD}" srcOrd="0" destOrd="0" presId="urn:microsoft.com/office/officeart/2018/2/layout/IconLabelList"/>
-    <dgm:cxn modelId="{0400886E-8A1A-44C2-95A7-DB0EF4911494}" srcId="{7D9C16A6-8C48-4165-8DAF-8C957C12A8FA}" destId="{76CC3289-2662-43F0-A3C6-BA04A135F08C}" srcOrd="2" destOrd="0" parTransId="{D46DB4DA-1442-4ECE-89FE-BBB1E3489E3D}" sibTransId="{FA28C9D6-476E-43CD-BA23-D6D990FD78D0}"/>
-    <dgm:cxn modelId="{7F0DAB6F-9257-4F2D-B31A-3418F73F6952}" srcId="{7D9C16A6-8C48-4165-8DAF-8C957C12A8FA}" destId="{91A66877-AC1C-46D9-BF2C-6024B638DEA9}" srcOrd="1" destOrd="0" parTransId="{913FED05-DF41-48A7-B1F8-81937A468EF9}" sibTransId="{BFCE4A28-C381-46FF-935A-B11534EF7D87}"/>
-    <dgm:cxn modelId="{EC5C6E85-C523-4B60-976B-342F12E3A6CB}" type="presOf" srcId="{91A66877-AC1C-46D9-BF2C-6024B638DEA9}" destId="{55120873-6F5C-4053-8EAD-6287A7F1097E}" srcOrd="0" destOrd="0" presId="urn:microsoft.com/office/officeart/2018/2/layout/IconLabelList"/>
-    <dgm:cxn modelId="{6E31C6AB-C9E6-448F-A8CC-566A63619D4D}" type="presOf" srcId="{76CC3289-2662-43F0-A3C6-BA04A135F08C}" destId="{133097FC-B1F8-4953-B0AB-E8E73D968D1C}" srcOrd="0" destOrd="0" presId="urn:microsoft.com/office/officeart/2018/2/layout/IconLabelList"/>
-    <dgm:cxn modelId="{2AD6E781-3ED2-484E-B438-73386D2C583D}" type="presParOf" srcId="{8994D886-A75F-411A-A9D7-D31991FF12BD}" destId="{E1DBA6D5-BD14-4CD2-A0CC-80F867FEFA81}" srcOrd="0" destOrd="0" presId="urn:microsoft.com/office/officeart/2018/2/layout/IconLabelList"/>
-    <dgm:cxn modelId="{10B2B212-528C-471D-ABD0-D66ED992B833}" type="presParOf" srcId="{E1DBA6D5-BD14-4CD2-A0CC-80F867FEFA81}" destId="{19A8DC21-3E65-409D-AD53-DA51BB9198A0}" srcOrd="0" destOrd="0" presId="urn:microsoft.com/office/officeart/2018/2/layout/IconLabelList"/>
-    <dgm:cxn modelId="{2A8FB3D0-F98B-4F5A-BACA-4315E38776FB}" type="presParOf" srcId="{E1DBA6D5-BD14-4CD2-A0CC-80F867FEFA81}" destId="{B9F90A48-FF94-4C94-A587-0190406F6FD3}" srcOrd="1" destOrd="0" presId="urn:microsoft.com/office/officeart/2018/2/layout/IconLabelList"/>
-    <dgm:cxn modelId="{95FEF629-9884-451C-89B4-41B897ABE3D6}" type="presParOf" srcId="{E1DBA6D5-BD14-4CD2-A0CC-80F867FEFA81}" destId="{A99B5DD6-89E9-4537-B415-4205CEB9323A}" srcOrd="2" destOrd="0" presId="urn:microsoft.com/office/officeart/2018/2/layout/IconLabelList"/>
-    <dgm:cxn modelId="{0FE6827F-DE80-4F8A-8E9D-7F88C0F7EF29}" type="presParOf" srcId="{8994D886-A75F-411A-A9D7-D31991FF12BD}" destId="{8B391436-B9B0-45BD-A57F-792D6376D868}" srcOrd="1" destOrd="0" presId="urn:microsoft.com/office/officeart/2018/2/layout/IconLabelList"/>
-    <dgm:cxn modelId="{4857BE3A-D518-473D-AC79-7B9BF18B9824}" type="presParOf" srcId="{8994D886-A75F-411A-A9D7-D31991FF12BD}" destId="{95872155-C45D-46D3-874C-D838089A06F8}" srcOrd="2" destOrd="0" presId="urn:microsoft.com/office/officeart/2018/2/layout/IconLabelList"/>
-    <dgm:cxn modelId="{B4B325C4-81F2-4B3E-8CBF-4532B0BFA343}" type="presParOf" srcId="{95872155-C45D-46D3-874C-D838089A06F8}" destId="{CE9DF0E8-B0DE-4E1E-9FF4-6006AD8428DB}" srcOrd="0" destOrd="0" presId="urn:microsoft.com/office/officeart/2018/2/layout/IconLabelList"/>
-    <dgm:cxn modelId="{0AE6D335-6E55-47E1-BAD8-0368620AB8F6}" type="presParOf" srcId="{95872155-C45D-46D3-874C-D838089A06F8}" destId="{AA0423A1-55B2-45E9-BFE7-3FBE5BDA65ED}" srcOrd="1" destOrd="0" presId="urn:microsoft.com/office/officeart/2018/2/layout/IconLabelList"/>
-    <dgm:cxn modelId="{AFEE8CCD-97FE-4EFA-A584-DF6AFDAD2B20}" type="presParOf" srcId="{95872155-C45D-46D3-874C-D838089A06F8}" destId="{55120873-6F5C-4053-8EAD-6287A7F1097E}" srcOrd="2" destOrd="0" presId="urn:microsoft.com/office/officeart/2018/2/layout/IconLabelList"/>
-    <dgm:cxn modelId="{26649F18-C204-4047-8300-905486AB3755}" type="presParOf" srcId="{8994D886-A75F-411A-A9D7-D31991FF12BD}" destId="{F679C986-30E4-4F0A-A3A6-CAE528BFED76}" srcOrd="3" destOrd="0" presId="urn:microsoft.com/office/officeart/2018/2/layout/IconLabelList"/>
-    <dgm:cxn modelId="{898D629F-DA37-435F-A0B2-0617605D711A}" type="presParOf" srcId="{8994D886-A75F-411A-A9D7-D31991FF12BD}" destId="{2EC2FDE3-8908-45C7-A3FD-EB370213FE69}" srcOrd="4" destOrd="0" presId="urn:microsoft.com/office/officeart/2018/2/layout/IconLabelList"/>
-    <dgm:cxn modelId="{2BDADB1C-15B1-4763-9B35-3792147F8F87}" type="presParOf" srcId="{2EC2FDE3-8908-45C7-A3FD-EB370213FE69}" destId="{6DB1FE51-13D0-4A38-AD6E-48D4371A1AF3}" srcOrd="0" destOrd="0" presId="urn:microsoft.com/office/officeart/2018/2/layout/IconLabelList"/>
-    <dgm:cxn modelId="{F692F1E6-C6EC-4391-8432-EB6C34194240}" type="presParOf" srcId="{2EC2FDE3-8908-45C7-A3FD-EB370213FE69}" destId="{0928538A-05CC-4A79-BD5D-92F985D1EEE5}" srcOrd="1" destOrd="0" presId="urn:microsoft.com/office/officeart/2018/2/layout/IconLabelList"/>
-    <dgm:cxn modelId="{0E6AF6C4-A4E5-4234-9E16-F9F2334264CD}" type="presParOf" srcId="{2EC2FDE3-8908-45C7-A3FD-EB370213FE69}" destId="{133097FC-B1F8-4953-B0AB-E8E73D968D1C}" srcOrd="2" destOrd="0" presId="urn:microsoft.com/office/officeart/2018/2/layout/IconLabelList"/>
+    <dgm:cxn modelId="{F8F6FB22-0EA4-4B05-B8C2-3B2B9233D716}" type="presOf" srcId="{FBF17E4F-4C7D-4086-878B-D970C58B54A0}" destId="{A531832A-90CB-406C-BD46-B0D56793B419}" srcOrd="0" destOrd="0" presId="urn:microsoft.com/office/officeart/2018/5/layout/IconCircleLabelList"/>
+    <dgm:cxn modelId="{48EC5033-44BB-4DAD-AB34-6532B53ABF6D}" srcId="{16CF1B22-C015-4149-8E9D-6A09CE1CD716}" destId="{FBF17E4F-4C7D-4086-878B-D970C58B54A0}" srcOrd="1" destOrd="0" parTransId="{818FA6F3-B448-4C28-AFBE-ABAB80DCE0BE}" sibTransId="{6C394F4C-C4AE-482E-A787-46C0D9DA4B51}"/>
+    <dgm:cxn modelId="{20EE4A48-7C66-475D-A6C9-30090930EAD2}" srcId="{16CF1B22-C015-4149-8E9D-6A09CE1CD716}" destId="{F50199A5-826D-4424-8186-B68E33A7EC06}" srcOrd="0" destOrd="0" parTransId="{C43673A2-A65A-4D51-A72A-E7E72E9BCDDD}" sibTransId="{AF6C86A3-DDDD-408F-B954-52D707508EB4}"/>
+    <dgm:cxn modelId="{B10E3088-D388-42B4-BBDF-15FB9183EDF4}" type="presOf" srcId="{16CF1B22-C015-4149-8E9D-6A09CE1CD716}" destId="{DA43B6AA-A5FB-4CCB-B609-7FEF56CCBF58}" srcOrd="0" destOrd="0" presId="urn:microsoft.com/office/officeart/2018/5/layout/IconCircleLabelList"/>
+    <dgm:cxn modelId="{F0FE5BA6-42D4-4C41-90DF-2F9837F6E445}" type="presOf" srcId="{F50199A5-826D-4424-8186-B68E33A7EC06}" destId="{01F8FBE3-53F5-4545-81FB-0B9F38426585}" srcOrd="0" destOrd="0" presId="urn:microsoft.com/office/officeart/2018/5/layout/IconCircleLabelList"/>
+    <dgm:cxn modelId="{2D7132CE-0125-466A-B9F6-23F410CC6AC7}" type="presOf" srcId="{8869DB9E-2A80-4955-9147-0237F9A7099F}" destId="{51A9044E-2CDF-4ED8-AA2E-9B648BEFBC78}" srcOrd="0" destOrd="0" presId="urn:microsoft.com/office/officeart/2018/5/layout/IconCircleLabelList"/>
+    <dgm:cxn modelId="{E57ED8D6-9F75-447E-9D32-254D6D3FDCF5}" srcId="{16CF1B22-C015-4149-8E9D-6A09CE1CD716}" destId="{8869DB9E-2A80-4955-9147-0237F9A7099F}" srcOrd="2" destOrd="0" parTransId="{37DD88A6-5E64-4588-B533-24E23EC8C3C1}" sibTransId="{7863903F-6E6E-444C-94A7-A8C6BB7018C4}"/>
+    <dgm:cxn modelId="{1C8B3C05-6A21-4DCF-9852-33A457A82BE9}" type="presParOf" srcId="{DA43B6AA-A5FB-4CCB-B609-7FEF56CCBF58}" destId="{67B138C8-5E28-4B80-93CC-DB29A724F1FF}" srcOrd="0" destOrd="0" presId="urn:microsoft.com/office/officeart/2018/5/layout/IconCircleLabelList"/>
+    <dgm:cxn modelId="{1D4C0A48-F064-4DB5-B3BF-5217F7182EB6}" type="presParOf" srcId="{67B138C8-5E28-4B80-93CC-DB29A724F1FF}" destId="{0E78D703-32A8-4E53-9047-37B36336CE2A}" srcOrd="0" destOrd="0" presId="urn:microsoft.com/office/officeart/2018/5/layout/IconCircleLabelList"/>
+    <dgm:cxn modelId="{7D1F7AF9-783D-4A6D-A507-D05DBE330B24}" type="presParOf" srcId="{67B138C8-5E28-4B80-93CC-DB29A724F1FF}" destId="{BA28FE02-94C1-4F00-95A3-27595839FD4E}" srcOrd="1" destOrd="0" presId="urn:microsoft.com/office/officeart/2018/5/layout/IconCircleLabelList"/>
+    <dgm:cxn modelId="{D2F62D9A-3BB5-4405-9564-EB5937049207}" type="presParOf" srcId="{67B138C8-5E28-4B80-93CC-DB29A724F1FF}" destId="{5B148EA5-8E31-4262-A066-42DA010B2AD6}" srcOrd="2" destOrd="0" presId="urn:microsoft.com/office/officeart/2018/5/layout/IconCircleLabelList"/>
+    <dgm:cxn modelId="{59DA689D-077C-41C8-B20D-20CDE5D4B2CF}" type="presParOf" srcId="{67B138C8-5E28-4B80-93CC-DB29A724F1FF}" destId="{01F8FBE3-53F5-4545-81FB-0B9F38426585}" srcOrd="3" destOrd="0" presId="urn:microsoft.com/office/officeart/2018/5/layout/IconCircleLabelList"/>
+    <dgm:cxn modelId="{904CC677-418C-4322-A518-941285EC8FA1}" type="presParOf" srcId="{DA43B6AA-A5FB-4CCB-B609-7FEF56CCBF58}" destId="{7757E854-9860-4F8F-8C23-159FB5DB2DBF}" srcOrd="1" destOrd="0" presId="urn:microsoft.com/office/officeart/2018/5/layout/IconCircleLabelList"/>
+    <dgm:cxn modelId="{C9A1685C-92AA-460A-A4C9-C4FC64F1F841}" type="presParOf" srcId="{DA43B6AA-A5FB-4CCB-B609-7FEF56CCBF58}" destId="{9DAD2045-F86A-4BF2-BC69-62B0F817EFE0}" srcOrd="2" destOrd="0" presId="urn:microsoft.com/office/officeart/2018/5/layout/IconCircleLabelList"/>
+    <dgm:cxn modelId="{159716F9-ED2D-4C96-9E55-1401AC378591}" type="presParOf" srcId="{9DAD2045-F86A-4BF2-BC69-62B0F817EFE0}" destId="{716B0CEF-2D3E-41CA-928A-E334E49CAEF5}" srcOrd="0" destOrd="0" presId="urn:microsoft.com/office/officeart/2018/5/layout/IconCircleLabelList"/>
+    <dgm:cxn modelId="{2745BF4A-3667-4C8C-8840-0253A88A52EC}" type="presParOf" srcId="{9DAD2045-F86A-4BF2-BC69-62B0F817EFE0}" destId="{D107E640-7D7E-4995-8C39-99BD0C5B36F5}" srcOrd="1" destOrd="0" presId="urn:microsoft.com/office/officeart/2018/5/layout/IconCircleLabelList"/>
+    <dgm:cxn modelId="{0EAF0635-AFA0-4630-9CD6-D4194DA39331}" type="presParOf" srcId="{9DAD2045-F86A-4BF2-BC69-62B0F817EFE0}" destId="{1291B84E-A3AC-4F64-8AA5-2EC230923DEA}" srcOrd="2" destOrd="0" presId="urn:microsoft.com/office/officeart/2018/5/layout/IconCircleLabelList"/>
+    <dgm:cxn modelId="{95AD6F28-05C2-4E73-BCAF-349E9D85AAFD}" type="presParOf" srcId="{9DAD2045-F86A-4BF2-BC69-62B0F817EFE0}" destId="{A531832A-90CB-406C-BD46-B0D56793B419}" srcOrd="3" destOrd="0" presId="urn:microsoft.com/office/officeart/2018/5/layout/IconCircleLabelList"/>
+    <dgm:cxn modelId="{DC6C5117-E6FC-4E93-92B4-5E772C4CE009}" type="presParOf" srcId="{DA43B6AA-A5FB-4CCB-B609-7FEF56CCBF58}" destId="{BEC90832-4DF6-429C-8E3D-447ABE687568}" srcOrd="3" destOrd="0" presId="urn:microsoft.com/office/officeart/2018/5/layout/IconCircleLabelList"/>
+    <dgm:cxn modelId="{C364F4A1-A23F-4F30-A070-FE8381E347A4}" type="presParOf" srcId="{DA43B6AA-A5FB-4CCB-B609-7FEF56CCBF58}" destId="{D50D362A-15D3-46CF-B41F-EF4A25D0E178}" srcOrd="4" destOrd="0" presId="urn:microsoft.com/office/officeart/2018/5/layout/IconCircleLabelList"/>
+    <dgm:cxn modelId="{1BFB15D1-6572-4110-9221-C6556F362EF0}" type="presParOf" srcId="{D50D362A-15D3-46CF-B41F-EF4A25D0E178}" destId="{7B808951-30E6-4AD5-93FD-F9BB88BC6135}" srcOrd="0" destOrd="0" presId="urn:microsoft.com/office/officeart/2018/5/layout/IconCircleLabelList"/>
+    <dgm:cxn modelId="{946E60B7-D576-4F3A-8DDB-6530AE93BCA0}" type="presParOf" srcId="{D50D362A-15D3-46CF-B41F-EF4A25D0E178}" destId="{8D420BC1-536A-4C57-A7E8-2E38F0EDF3AC}" srcOrd="1" destOrd="0" presId="urn:microsoft.com/office/officeart/2018/5/layout/IconCircleLabelList"/>
+    <dgm:cxn modelId="{2C7B6BA5-F423-4886-B208-C2CF0B713D12}" type="presParOf" srcId="{D50D362A-15D3-46CF-B41F-EF4A25D0E178}" destId="{34473DB5-5F75-4870-9881-936B2E81012C}" srcOrd="2" destOrd="0" presId="urn:microsoft.com/office/officeart/2018/5/layout/IconCircleLabelList"/>
+    <dgm:cxn modelId="{5F489E14-DDC2-49BD-93F6-221E22D287F7}" type="presParOf" srcId="{D50D362A-15D3-46CF-B41F-EF4A25D0E178}" destId="{51A9044E-2CDF-4ED8-AA2E-9B648BEFBC78}" srcOrd="3" destOrd="0" presId="urn:microsoft.com/office/officeart/2018/5/layout/IconCircleLabelList"/>
   </dgm:cxnLst>
   <dgm:bg/>
   <dgm:whole/>
   <dgm:extLst>
     <a:ext uri="http://schemas.microsoft.com/office/drawing/2008/diagram">
-      <dsp:dataModelExt xmlns:dsp="http://schemas.microsoft.com/office/drawing/2008/diagram" relId="rId7" minVer="http://schemas.openxmlformats.org/drawingml/2006/diagram"/>
-    </a:ext>
-    <a:ext uri="{C62137D5-CB1D-491B-B009-E17868A290BF}">
-      <dgm14:recolorImg xmlns:dgm14="http://schemas.microsoft.com/office/drawing/2010/diagram" val="1"/>
-    </a:ext>
-  </dgm:extLst>
-</dgm:dataModel>
-</file>
-
-<file path=ppt/diagrams/data2.xml><?xml version="1.0" encoding="utf-8"?>
-<dgm:dataModel xmlns:dgm="http://schemas.openxmlformats.org/drawingml/2006/diagram" xmlns:a="http://schemas.openxmlformats.org/drawingml/2006/main">
-  <dgm:ptLst>
-    <dgm:pt modelId="{7E5AA53B-3EEE-4DE4-BB81-9044890C2946}" type="doc">
-      <dgm:prSet loTypeId="urn:microsoft.com/office/officeart/2008/layout/VerticalCurvedList" loCatId="list" qsTypeId="urn:microsoft.com/office/officeart/2005/8/quickstyle/simple4" qsCatId="simple" csTypeId="urn:microsoft.com/office/officeart/2005/8/colors/accent2_2" csCatId="accent2" phldr="1"/>
-      <dgm:spPr/>
-      <dgm:t>
-        <a:bodyPr rtlCol="0"/>
-        <a:lstStyle/>
-        <a:p>
-          <a:pPr rtl="0"/>
-          <a:endParaRPr lang="en-US"/>
-        </a:p>
-      </dgm:t>
-    </dgm:pt>
-    <dgm:pt modelId="{6750AC01-D39D-4F3A-9DC8-2A211EE986A2}">
-      <dgm:prSet phldrT="[Text]"/>
-      <dgm:spPr/>
-      <dgm:t>
-        <a:bodyPr rtlCol="0"/>
-        <a:lstStyle/>
-        <a:p>
-          <a:pPr rtl="0">
-            <a:lnSpc>
-              <a:spcPct val="100000"/>
-            </a:lnSpc>
-          </a:pPr>
-          <a:r>
-            <a:rPr lang="es-ES" noProof="0" dirty="0"/>
-            <a:t>Nube	</a:t>
-          </a:r>
-        </a:p>
-      </dgm:t>
-    </dgm:pt>
-    <dgm:pt modelId="{720680DC-AAA4-4434-A582-60EBCC5BA355}" type="parTrans" cxnId="{0B5DAE5F-BCDC-4BF7-A6E7-CF856886A64D}">
-      <dgm:prSet/>
-      <dgm:spPr/>
-      <dgm:t>
-        <a:bodyPr rtlCol="0"/>
-        <a:lstStyle/>
-        <a:p>
-          <a:pPr rtl="0"/>
-          <a:endParaRPr lang="es-ES" noProof="0" dirty="0"/>
-        </a:p>
-      </dgm:t>
-    </dgm:pt>
-    <dgm:pt modelId="{CA077D98-8478-47EA-B6A9-99ACE60C64D4}" type="sibTrans" cxnId="{0B5DAE5F-BCDC-4BF7-A6E7-CF856886A64D}">
-      <dgm:prSet/>
-      <dgm:spPr/>
-      <dgm:t>
-        <a:bodyPr rtlCol="0"/>
-        <a:lstStyle/>
-        <a:p>
-          <a:pPr rtl="0"/>
-          <a:endParaRPr lang="es-ES" noProof="0" dirty="0"/>
-        </a:p>
-      </dgm:t>
-    </dgm:pt>
-    <dgm:pt modelId="{0BEF68B8-1228-47BB-83B5-7B9CD1E3F84E}">
-      <dgm:prSet phldrT="[Text]"/>
-      <dgm:spPr/>
-      <dgm:t>
-        <a:bodyPr rtlCol="0"/>
-        <a:lstStyle/>
-        <a:p>
-          <a:pPr rtl="0">
-            <a:lnSpc>
-              <a:spcPct val="100000"/>
-            </a:lnSpc>
-          </a:pPr>
-          <a:r>
-            <a:rPr lang="es-ES" noProof="0" dirty="0"/>
-            <a:t>Local</a:t>
-          </a:r>
-        </a:p>
-      </dgm:t>
-    </dgm:pt>
-    <dgm:pt modelId="{ED3A4BC2-B75A-4952-A38B-A42B5995DF05}" type="parTrans" cxnId="{EDEF4F82-1237-4639-A0F7-385C1897CE66}">
-      <dgm:prSet/>
-      <dgm:spPr/>
-      <dgm:t>
-        <a:bodyPr rtlCol="0"/>
-        <a:lstStyle/>
-        <a:p>
-          <a:pPr rtl="0"/>
-          <a:endParaRPr lang="es-ES" noProof="0" dirty="0"/>
-        </a:p>
-      </dgm:t>
-    </dgm:pt>
-    <dgm:pt modelId="{FD949706-EDCC-4ADC-8EDF-8EDA49C92325}" type="sibTrans" cxnId="{EDEF4F82-1237-4639-A0F7-385C1897CE66}">
-      <dgm:prSet/>
-      <dgm:spPr/>
-      <dgm:t>
-        <a:bodyPr rtlCol="0"/>
-        <a:lstStyle/>
-        <a:p>
-          <a:pPr rtl="0"/>
-          <a:endParaRPr lang="es-ES" noProof="0" dirty="0"/>
-        </a:p>
-      </dgm:t>
-    </dgm:pt>
-    <dgm:pt modelId="{5605D28D-2CE6-4513-8566-952984E21E14}">
-      <dgm:prSet phldrT="[Text]"/>
-      <dgm:spPr/>
-      <dgm:t>
-        <a:bodyPr rtlCol="0"/>
-        <a:lstStyle/>
-        <a:p>
-          <a:pPr rtl="0">
-            <a:lnSpc>
-              <a:spcPct val="100000"/>
-            </a:lnSpc>
-          </a:pPr>
-          <a:r>
-            <a:rPr lang="es-ES" noProof="0" dirty="0"/>
-            <a:t>Híbrido</a:t>
-          </a:r>
-        </a:p>
-      </dgm:t>
-    </dgm:pt>
-    <dgm:pt modelId="{EB15AB98-362B-4E70-A3DA-995FC3E8BA79}" type="parTrans" cxnId="{FAF3F884-F0CF-440F-8CB1-B7648AB1B138}">
-      <dgm:prSet/>
-      <dgm:spPr/>
-      <dgm:t>
-        <a:bodyPr rtlCol="0"/>
-        <a:lstStyle/>
-        <a:p>
-          <a:pPr rtl="0"/>
-          <a:endParaRPr lang="es-ES" noProof="0" dirty="0"/>
-        </a:p>
-      </dgm:t>
-    </dgm:pt>
-    <dgm:pt modelId="{823D1971-2C4D-4EC5-A874-2F463DE37109}" type="sibTrans" cxnId="{FAF3F884-F0CF-440F-8CB1-B7648AB1B138}">
-      <dgm:prSet/>
-      <dgm:spPr/>
-      <dgm:t>
-        <a:bodyPr rtlCol="0"/>
-        <a:lstStyle/>
-        <a:p>
-          <a:pPr rtl="0"/>
-          <a:endParaRPr lang="es-ES" noProof="0" dirty="0"/>
-        </a:p>
-      </dgm:t>
-    </dgm:pt>
-    <dgm:pt modelId="{57806726-6E60-4ACC-9C1C-7DF9CC365A10}" type="pres">
-      <dgm:prSet presAssocID="{7E5AA53B-3EEE-4DE4-BB81-9044890C2946}" presName="Name0" presStyleCnt="0">
-        <dgm:presLayoutVars>
-          <dgm:chMax val="7"/>
-          <dgm:chPref val="7"/>
-          <dgm:dir/>
-        </dgm:presLayoutVars>
-      </dgm:prSet>
-      <dgm:spPr/>
-    </dgm:pt>
-    <dgm:pt modelId="{90561C55-3C6E-4D53-85E1-2C50BCDDA392}" type="pres">
-      <dgm:prSet presAssocID="{7E5AA53B-3EEE-4DE4-BB81-9044890C2946}" presName="Name1" presStyleCnt="0"/>
-      <dgm:spPr/>
-    </dgm:pt>
-    <dgm:pt modelId="{B6CD42EC-5AD4-4004-AE5B-47EDA668DAA8}" type="pres">
-      <dgm:prSet presAssocID="{7E5AA53B-3EEE-4DE4-BB81-9044890C2946}" presName="cycle" presStyleCnt="0"/>
-      <dgm:spPr/>
-    </dgm:pt>
-    <dgm:pt modelId="{963B8EE3-40CC-4A0A-B420-D0BF920973CE}" type="pres">
-      <dgm:prSet presAssocID="{7E5AA53B-3EEE-4DE4-BB81-9044890C2946}" presName="srcNode" presStyleLbl="node1" presStyleIdx="0" presStyleCnt="3"/>
-      <dgm:spPr/>
-    </dgm:pt>
-    <dgm:pt modelId="{D79B43FC-100B-4A0D-A4D5-0D2D04B99064}" type="pres">
-      <dgm:prSet presAssocID="{7E5AA53B-3EEE-4DE4-BB81-9044890C2946}" presName="conn" presStyleLbl="parChTrans1D2" presStyleIdx="0" presStyleCnt="1"/>
-      <dgm:spPr/>
-    </dgm:pt>
-    <dgm:pt modelId="{3CAD8DA1-8D53-445C-ACE8-D8449E4F0F55}" type="pres">
-      <dgm:prSet presAssocID="{7E5AA53B-3EEE-4DE4-BB81-9044890C2946}" presName="extraNode" presStyleLbl="node1" presStyleIdx="0" presStyleCnt="3"/>
-      <dgm:spPr/>
-    </dgm:pt>
-    <dgm:pt modelId="{429CABD1-4116-474B-81BF-735E2CA9DD00}" type="pres">
-      <dgm:prSet presAssocID="{7E5AA53B-3EEE-4DE4-BB81-9044890C2946}" presName="dstNode" presStyleLbl="node1" presStyleIdx="0" presStyleCnt="3"/>
-      <dgm:spPr/>
-    </dgm:pt>
-    <dgm:pt modelId="{58319267-C71E-43C9-94E1-827D0616C7A7}" type="pres">
-      <dgm:prSet presAssocID="{6750AC01-D39D-4F3A-9DC8-2A211EE986A2}" presName="text_1" presStyleLbl="node1" presStyleIdx="0" presStyleCnt="3">
-        <dgm:presLayoutVars>
-          <dgm:bulletEnabled val="1"/>
-        </dgm:presLayoutVars>
-      </dgm:prSet>
-      <dgm:spPr/>
-    </dgm:pt>
-    <dgm:pt modelId="{79F9B8A9-2412-4B74-84A9-69422DB81CDC}" type="pres">
-      <dgm:prSet presAssocID="{6750AC01-D39D-4F3A-9DC8-2A211EE986A2}" presName="accent_1" presStyleCnt="0"/>
-      <dgm:spPr/>
-    </dgm:pt>
-    <dgm:pt modelId="{07CB3071-D555-47DA-A36A-69EB91531FD8}" type="pres">
-      <dgm:prSet presAssocID="{6750AC01-D39D-4F3A-9DC8-2A211EE986A2}" presName="accentRepeatNode" presStyleLbl="solidFgAcc1" presStyleIdx="0" presStyleCnt="3"/>
-      <dgm:spPr/>
-    </dgm:pt>
-    <dgm:pt modelId="{95DE6538-27BD-44AF-A1A8-CA8F6B10FDD2}" type="pres">
-      <dgm:prSet presAssocID="{0BEF68B8-1228-47BB-83B5-7B9CD1E3F84E}" presName="text_2" presStyleLbl="node1" presStyleIdx="1" presStyleCnt="3">
-        <dgm:presLayoutVars>
-          <dgm:bulletEnabled val="1"/>
-        </dgm:presLayoutVars>
-      </dgm:prSet>
-      <dgm:spPr/>
-    </dgm:pt>
-    <dgm:pt modelId="{312BDEE8-85BD-4F02-B35B-2CC8E701C98B}" type="pres">
-      <dgm:prSet presAssocID="{0BEF68B8-1228-47BB-83B5-7B9CD1E3F84E}" presName="accent_2" presStyleCnt="0"/>
-      <dgm:spPr/>
-    </dgm:pt>
-    <dgm:pt modelId="{3F8116AC-FAC3-4E95-9865-93CCFEB191B9}" type="pres">
-      <dgm:prSet presAssocID="{0BEF68B8-1228-47BB-83B5-7B9CD1E3F84E}" presName="accentRepeatNode" presStyleLbl="solidFgAcc1" presStyleIdx="1" presStyleCnt="3"/>
-      <dgm:spPr/>
-    </dgm:pt>
-    <dgm:pt modelId="{E131CE4A-9776-44F4-BC03-867682E21374}" type="pres">
-      <dgm:prSet presAssocID="{5605D28D-2CE6-4513-8566-952984E21E14}" presName="text_3" presStyleLbl="node1" presStyleIdx="2" presStyleCnt="3">
-        <dgm:presLayoutVars>
-          <dgm:bulletEnabled val="1"/>
-        </dgm:presLayoutVars>
-      </dgm:prSet>
-      <dgm:spPr/>
-    </dgm:pt>
-    <dgm:pt modelId="{AC9A216A-8375-48F9-A4E6-8E0B64C0209B}" type="pres">
-      <dgm:prSet presAssocID="{5605D28D-2CE6-4513-8566-952984E21E14}" presName="accent_3" presStyleCnt="0"/>
-      <dgm:spPr/>
-    </dgm:pt>
-    <dgm:pt modelId="{A965097E-32F1-4AB8-8C4E-2814A7596B2F}" type="pres">
-      <dgm:prSet presAssocID="{5605D28D-2CE6-4513-8566-952984E21E14}" presName="accentRepeatNode" presStyleLbl="solidFgAcc1" presStyleIdx="2" presStyleCnt="3"/>
-      <dgm:spPr/>
-    </dgm:pt>
-  </dgm:ptLst>
-  <dgm:cxnLst>
-    <dgm:cxn modelId="{A11E3B12-1828-45A7-86C3-BB85832DF84D}" type="presOf" srcId="{CA077D98-8478-47EA-B6A9-99ACE60C64D4}" destId="{D79B43FC-100B-4A0D-A4D5-0D2D04B99064}" srcOrd="0" destOrd="0" presId="urn:microsoft.com/office/officeart/2008/layout/VerticalCurvedList"/>
-    <dgm:cxn modelId="{0B5DAE5F-BCDC-4BF7-A6E7-CF856886A64D}" srcId="{7E5AA53B-3EEE-4DE4-BB81-9044890C2946}" destId="{6750AC01-D39D-4F3A-9DC8-2A211EE986A2}" srcOrd="0" destOrd="0" parTransId="{720680DC-AAA4-4434-A582-60EBCC5BA355}" sibTransId="{CA077D98-8478-47EA-B6A9-99ACE60C64D4}"/>
-    <dgm:cxn modelId="{29DA474E-5DFA-4C66-882F-319C49ABBB19}" type="presOf" srcId="{6750AC01-D39D-4F3A-9DC8-2A211EE986A2}" destId="{58319267-C71E-43C9-94E1-827D0616C7A7}" srcOrd="0" destOrd="0" presId="urn:microsoft.com/office/officeart/2008/layout/VerticalCurvedList"/>
-    <dgm:cxn modelId="{7084AA77-BACB-46CB-AE4A-77B62D3ED1AF}" type="presOf" srcId="{5605D28D-2CE6-4513-8566-952984E21E14}" destId="{E131CE4A-9776-44F4-BC03-867682E21374}" srcOrd="0" destOrd="0" presId="urn:microsoft.com/office/officeart/2008/layout/VerticalCurvedList"/>
-    <dgm:cxn modelId="{EDEF4F82-1237-4639-A0F7-385C1897CE66}" srcId="{7E5AA53B-3EEE-4DE4-BB81-9044890C2946}" destId="{0BEF68B8-1228-47BB-83B5-7B9CD1E3F84E}" srcOrd="1" destOrd="0" parTransId="{ED3A4BC2-B75A-4952-A38B-A42B5995DF05}" sibTransId="{FD949706-EDCC-4ADC-8EDF-8EDA49C92325}"/>
-    <dgm:cxn modelId="{FAF3F884-F0CF-440F-8CB1-B7648AB1B138}" srcId="{7E5AA53B-3EEE-4DE4-BB81-9044890C2946}" destId="{5605D28D-2CE6-4513-8566-952984E21E14}" srcOrd="2" destOrd="0" parTransId="{EB15AB98-362B-4E70-A3DA-995FC3E8BA79}" sibTransId="{823D1971-2C4D-4EC5-A874-2F463DE37109}"/>
-    <dgm:cxn modelId="{4F65CC8F-B5A8-40BE-A32B-05862B543D6A}" type="presOf" srcId="{7E5AA53B-3EEE-4DE4-BB81-9044890C2946}" destId="{57806726-6E60-4ACC-9C1C-7DF9CC365A10}" srcOrd="0" destOrd="0" presId="urn:microsoft.com/office/officeart/2008/layout/VerticalCurvedList"/>
-    <dgm:cxn modelId="{4A378892-5CCC-4F0D-8A38-4BEAECF30F24}" type="presOf" srcId="{0BEF68B8-1228-47BB-83B5-7B9CD1E3F84E}" destId="{95DE6538-27BD-44AF-A1A8-CA8F6B10FDD2}" srcOrd="0" destOrd="0" presId="urn:microsoft.com/office/officeart/2008/layout/VerticalCurvedList"/>
-    <dgm:cxn modelId="{4E25B52E-70EF-4A0F-B410-0B49263AF380}" type="presParOf" srcId="{57806726-6E60-4ACC-9C1C-7DF9CC365A10}" destId="{90561C55-3C6E-4D53-85E1-2C50BCDDA392}" srcOrd="0" destOrd="0" presId="urn:microsoft.com/office/officeart/2008/layout/VerticalCurvedList"/>
-    <dgm:cxn modelId="{2B3DD9E4-EC9C-4B92-B380-F89BF82E7CF3}" type="presParOf" srcId="{90561C55-3C6E-4D53-85E1-2C50BCDDA392}" destId="{B6CD42EC-5AD4-4004-AE5B-47EDA668DAA8}" srcOrd="0" destOrd="0" presId="urn:microsoft.com/office/officeart/2008/layout/VerticalCurvedList"/>
-    <dgm:cxn modelId="{EA357085-80A4-4D1D-9BD2-56B1E9A721FB}" type="presParOf" srcId="{B6CD42EC-5AD4-4004-AE5B-47EDA668DAA8}" destId="{963B8EE3-40CC-4A0A-B420-D0BF920973CE}" srcOrd="0" destOrd="0" presId="urn:microsoft.com/office/officeart/2008/layout/VerticalCurvedList"/>
-    <dgm:cxn modelId="{F175C6D0-411C-40FD-A19B-860D49F42061}" type="presParOf" srcId="{B6CD42EC-5AD4-4004-AE5B-47EDA668DAA8}" destId="{D79B43FC-100B-4A0D-A4D5-0D2D04B99064}" srcOrd="1" destOrd="0" presId="urn:microsoft.com/office/officeart/2008/layout/VerticalCurvedList"/>
-    <dgm:cxn modelId="{794BB944-68C0-47A5-9792-652802EB36AC}" type="presParOf" srcId="{B6CD42EC-5AD4-4004-AE5B-47EDA668DAA8}" destId="{3CAD8DA1-8D53-445C-ACE8-D8449E4F0F55}" srcOrd="2" destOrd="0" presId="urn:microsoft.com/office/officeart/2008/layout/VerticalCurvedList"/>
-    <dgm:cxn modelId="{B8CC75C4-3D1A-49E7-80D2-915668C1368C}" type="presParOf" srcId="{B6CD42EC-5AD4-4004-AE5B-47EDA668DAA8}" destId="{429CABD1-4116-474B-81BF-735E2CA9DD00}" srcOrd="3" destOrd="0" presId="urn:microsoft.com/office/officeart/2008/layout/VerticalCurvedList"/>
-    <dgm:cxn modelId="{28110BB8-F33F-498C-9A75-98364B05EFA5}" type="presParOf" srcId="{90561C55-3C6E-4D53-85E1-2C50BCDDA392}" destId="{58319267-C71E-43C9-94E1-827D0616C7A7}" srcOrd="1" destOrd="0" presId="urn:microsoft.com/office/officeart/2008/layout/VerticalCurvedList"/>
-    <dgm:cxn modelId="{3866F6C9-5521-48F2-B6C3-40C9896E1605}" type="presParOf" srcId="{90561C55-3C6E-4D53-85E1-2C50BCDDA392}" destId="{79F9B8A9-2412-4B74-84A9-69422DB81CDC}" srcOrd="2" destOrd="0" presId="urn:microsoft.com/office/officeart/2008/layout/VerticalCurvedList"/>
-    <dgm:cxn modelId="{D2205A4F-BB7A-4399-BC2F-78E18EC6EAFE}" type="presParOf" srcId="{79F9B8A9-2412-4B74-84A9-69422DB81CDC}" destId="{07CB3071-D555-47DA-A36A-69EB91531FD8}" srcOrd="0" destOrd="0" presId="urn:microsoft.com/office/officeart/2008/layout/VerticalCurvedList"/>
-    <dgm:cxn modelId="{602753E6-8A03-492B-861A-6B9532B5AA28}" type="presParOf" srcId="{90561C55-3C6E-4D53-85E1-2C50BCDDA392}" destId="{95DE6538-27BD-44AF-A1A8-CA8F6B10FDD2}" srcOrd="3" destOrd="0" presId="urn:microsoft.com/office/officeart/2008/layout/VerticalCurvedList"/>
-    <dgm:cxn modelId="{AEC540A3-E86A-4075-8BE4-263F4AFF4EA1}" type="presParOf" srcId="{90561C55-3C6E-4D53-85E1-2C50BCDDA392}" destId="{312BDEE8-85BD-4F02-B35B-2CC8E701C98B}" srcOrd="4" destOrd="0" presId="urn:microsoft.com/office/officeart/2008/layout/VerticalCurvedList"/>
-    <dgm:cxn modelId="{CD5D1014-B7CB-4B47-9A02-5FBF90928A73}" type="presParOf" srcId="{312BDEE8-85BD-4F02-B35B-2CC8E701C98B}" destId="{3F8116AC-FAC3-4E95-9865-93CCFEB191B9}" srcOrd="0" destOrd="0" presId="urn:microsoft.com/office/officeart/2008/layout/VerticalCurvedList"/>
-    <dgm:cxn modelId="{987EB7C0-CA3E-4874-85E0-01E9060A2D35}" type="presParOf" srcId="{90561C55-3C6E-4D53-85E1-2C50BCDDA392}" destId="{E131CE4A-9776-44F4-BC03-867682E21374}" srcOrd="5" destOrd="0" presId="urn:microsoft.com/office/officeart/2008/layout/VerticalCurvedList"/>
-    <dgm:cxn modelId="{91E55363-8DCA-455E-A203-06A9410994CB}" type="presParOf" srcId="{90561C55-3C6E-4D53-85E1-2C50BCDDA392}" destId="{AC9A216A-8375-48F9-A4E6-8E0B64C0209B}" srcOrd="6" destOrd="0" presId="urn:microsoft.com/office/officeart/2008/layout/VerticalCurvedList"/>
-    <dgm:cxn modelId="{D866D586-1293-4049-B6E3-B467C1D5ED64}" type="presParOf" srcId="{AC9A216A-8375-48F9-A4E6-8E0B64C0209B}" destId="{A965097E-32F1-4AB8-8C4E-2814A7596B2F}" srcOrd="0" destOrd="0" presId="urn:microsoft.com/office/officeart/2008/layout/VerticalCurvedList"/>
-  </dgm:cxnLst>
-  <dgm:bg/>
-  <dgm:whole/>
-  <dgm:extLst>
-    <a:ext uri="http://schemas.microsoft.com/office/drawing/2008/diagram">
-      <dsp:dataModelExt xmlns:dsp="http://schemas.microsoft.com/office/drawing/2008/diagram" relId="rId8" minVer="http://schemas.openxmlformats.org/drawingml/2006/diagram"/>
+      <dsp:dataModelExt xmlns:dsp="http://schemas.microsoft.com/office/drawing/2008/diagram" relId="rId6" minVer="http://schemas.openxmlformats.org/drawingml/2006/diagram"/>
     </a:ext>
   </dgm:extLst>
 </dgm:dataModel>
@@ -2203,15 +1239,55 @@
       <dsp:cNvGrpSpPr/>
     </dsp:nvGrpSpPr>
     <dsp:grpSpPr/>
-    <dsp:sp modelId="{19A8DC21-3E65-409D-AD53-DA51BB9198A0}">
+    <dsp:sp modelId="{0E78D703-32A8-4E53-9047-37B36336CE2A}">
       <dsp:nvSpPr>
         <dsp:cNvPr id="0" name=""/>
         <dsp:cNvSpPr/>
       </dsp:nvSpPr>
       <dsp:spPr>
         <a:xfrm>
-          <a:off x="523237" y="494935"/>
-          <a:ext cx="2285995" cy="2285995"/>
+          <a:off x="686307" y="174151"/>
+          <a:ext cx="1990125" cy="1990125"/>
+        </a:xfrm>
+        <a:prstGeom prst="ellipse">
+          <a:avLst/>
+        </a:prstGeom>
+        <a:solidFill>
+          <a:schemeClr val="accent3">
+            <a:tint val="40000"/>
+            <a:hueOff val="0"/>
+            <a:satOff val="0"/>
+            <a:lumOff val="0"/>
+            <a:alphaOff val="0"/>
+          </a:schemeClr>
+        </a:solidFill>
+        <a:ln>
+          <a:noFill/>
+        </a:ln>
+        <a:effectLst/>
+      </dsp:spPr>
+      <dsp:style>
+        <a:lnRef idx="0">
+          <a:scrgbClr r="0" g="0" b="0"/>
+        </a:lnRef>
+        <a:fillRef idx="1">
+          <a:scrgbClr r="0" g="0" b="0"/>
+        </a:fillRef>
+        <a:effectRef idx="0">
+          <a:scrgbClr r="0" g="0" b="0"/>
+        </a:effectRef>
+        <a:fontRef idx="minor"/>
+      </dsp:style>
+    </dsp:sp>
+    <dsp:sp modelId="{BA28FE02-94C1-4F00-95A3-27595839FD4E}">
+      <dsp:nvSpPr>
+        <dsp:cNvPr id="0" name=""/>
+        <dsp:cNvSpPr/>
+      </dsp:nvSpPr>
+      <dsp:spPr>
+        <a:xfrm>
+          <a:off x="1110432" y="598276"/>
+          <a:ext cx="1141875" cy="1141875"/>
         </a:xfrm>
         <a:prstGeom prst="rect">
           <a:avLst/>
@@ -2219,12 +1295,14 @@
         <a:blipFill>
           <a:blip xmlns:r="http://schemas.openxmlformats.org/officeDocument/2006/relationships" r:embed="rId1">
             <a:extLst>
+              <a:ext uri="{28A0092B-C50C-407E-A947-70E740481C1C}">
+                <a14:useLocalDpi xmlns:a14="http://schemas.microsoft.com/office/drawing/2010/main" val="0"/>
+              </a:ext>
               <a:ext uri="{96DAC541-7B7A-43D3-8B79-37D633B846F1}">
                 <asvg:svgBlip xmlns:asvg="http://schemas.microsoft.com/office/drawing/2016/SVG/main" r:embed="rId2"/>
               </a:ext>
             </a:extLst>
           </a:blip>
-          <a:srcRect/>
           <a:stretch>
             <a:fillRect/>
           </a:stretch>
@@ -2250,15 +1328,15 @@
         </a:fontRef>
       </dsp:style>
     </dsp:sp>
-    <dsp:sp modelId="{A99B5DD6-89E9-4537-B415-4205CEB9323A}">
+    <dsp:sp modelId="{01F8FBE3-53F5-4545-81FB-0B9F38426585}">
       <dsp:nvSpPr>
         <dsp:cNvPr id="0" name=""/>
         <dsp:cNvSpPr/>
       </dsp:nvSpPr>
       <dsp:spPr>
         <a:xfrm>
-          <a:off x="54818" y="2746269"/>
-          <a:ext cx="3222832" cy="720000"/>
+          <a:off x="50119" y="2784151"/>
+          <a:ext cx="3262500" cy="720000"/>
         </a:xfrm>
         <a:prstGeom prst="rect">
           <a:avLst/>
@@ -2282,12 +1360,12 @@
         <a:fontRef idx="minor"/>
       </dsp:style>
       <dsp:txBody>
-        <a:bodyPr spcFirstLastPara="0" vert="horz" wrap="square" lIns="0" tIns="0" rIns="0" bIns="0" numCol="1" spcCol="1270" rtlCol="0" anchor="t" anchorCtr="0">
+        <a:bodyPr spcFirstLastPara="0" vert="horz" wrap="square" lIns="0" tIns="0" rIns="0" bIns="0" numCol="1" spcCol="1270" anchor="t" anchorCtr="0">
           <a:noAutofit/>
         </a:bodyPr>
         <a:lstStyle/>
         <a:p>
-          <a:pPr marL="0" lvl="0" indent="0" algn="ctr" defTabSz="1600200" rtl="0">
+          <a:pPr marL="0" lvl="0" indent="0" algn="ctr" defTabSz="844550">
             <a:lnSpc>
               <a:spcPct val="90000"/>
             </a:lnSpc>
@@ -2298,27 +1376,69 @@
               <a:spcPct val="35000"/>
             </a:spcAft>
             <a:buNone/>
+            <a:defRPr cap="all"/>
           </a:pPr>
           <a:r>
-            <a:rPr lang="es-ES" sz="3600" kern="1200" noProof="0" dirty="0"/>
-            <a:t>Red</a:t>
+            <a:rPr lang="es-ES" sz="1900" kern="1200"/>
+            <a:t>¿Qué es Integromat Make?</a:t>
           </a:r>
+          <a:endParaRPr lang="en-US" sz="1900" kern="1200"/>
         </a:p>
       </dsp:txBody>
       <dsp:txXfrm>
-        <a:off x="54818" y="2746269"/>
-        <a:ext cx="3222832" cy="720000"/>
+        <a:off x="50119" y="2784151"/>
+        <a:ext cx="3262500" cy="720000"/>
       </dsp:txXfrm>
     </dsp:sp>
-    <dsp:sp modelId="{CE9DF0E8-B0DE-4E1E-9FF4-6006AD8428DB}">
+    <dsp:sp modelId="{716B0CEF-2D3E-41CA-928A-E334E49CAEF5}">
       <dsp:nvSpPr>
         <dsp:cNvPr id="0" name=""/>
         <dsp:cNvSpPr/>
       </dsp:nvSpPr>
       <dsp:spPr>
         <a:xfrm>
-          <a:off x="4310064" y="494935"/>
-          <a:ext cx="2285995" cy="2285995"/>
+          <a:off x="4519745" y="174151"/>
+          <a:ext cx="1990125" cy="1990125"/>
+        </a:xfrm>
+        <a:prstGeom prst="ellipse">
+          <a:avLst/>
+        </a:prstGeom>
+        <a:solidFill>
+          <a:schemeClr val="accent3">
+            <a:tint val="40000"/>
+            <a:hueOff val="0"/>
+            <a:satOff val="0"/>
+            <a:lumOff val="0"/>
+            <a:alphaOff val="0"/>
+          </a:schemeClr>
+        </a:solidFill>
+        <a:ln>
+          <a:noFill/>
+        </a:ln>
+        <a:effectLst/>
+      </dsp:spPr>
+      <dsp:style>
+        <a:lnRef idx="0">
+          <a:scrgbClr r="0" g="0" b="0"/>
+        </a:lnRef>
+        <a:fillRef idx="1">
+          <a:scrgbClr r="0" g="0" b="0"/>
+        </a:fillRef>
+        <a:effectRef idx="0">
+          <a:scrgbClr r="0" g="0" b="0"/>
+        </a:effectRef>
+        <a:fontRef idx="minor"/>
+      </dsp:style>
+    </dsp:sp>
+    <dsp:sp modelId="{D107E640-7D7E-4995-8C39-99BD0C5B36F5}">
+      <dsp:nvSpPr>
+        <dsp:cNvPr id="0" name=""/>
+        <dsp:cNvSpPr/>
+      </dsp:nvSpPr>
+      <dsp:spPr>
+        <a:xfrm>
+          <a:off x="4943870" y="598276"/>
+          <a:ext cx="1141875" cy="1141875"/>
         </a:xfrm>
         <a:prstGeom prst="rect">
           <a:avLst/>
@@ -2359,15 +1479,15 @@
         </a:fontRef>
       </dsp:style>
     </dsp:sp>
-    <dsp:sp modelId="{55120873-6F5C-4053-8EAD-6287A7F1097E}">
+    <dsp:sp modelId="{A531832A-90CB-406C-BD46-B0D56793B419}">
       <dsp:nvSpPr>
         <dsp:cNvPr id="0" name=""/>
         <dsp:cNvSpPr/>
       </dsp:nvSpPr>
       <dsp:spPr>
         <a:xfrm>
-          <a:off x="3841646" y="2746269"/>
-          <a:ext cx="3222832" cy="720000"/>
+          <a:off x="3883557" y="2784151"/>
+          <a:ext cx="3262500" cy="720000"/>
         </a:xfrm>
         <a:prstGeom prst="rect">
           <a:avLst/>
@@ -2391,12 +1511,12 @@
         <a:fontRef idx="minor"/>
       </dsp:style>
       <dsp:txBody>
-        <a:bodyPr spcFirstLastPara="0" vert="horz" wrap="square" lIns="0" tIns="0" rIns="0" bIns="0" numCol="1" spcCol="1270" rtlCol="0" anchor="t" anchorCtr="0">
+        <a:bodyPr spcFirstLastPara="0" vert="horz" wrap="square" lIns="0" tIns="0" rIns="0" bIns="0" numCol="1" spcCol="1270" anchor="t" anchorCtr="0">
           <a:noAutofit/>
         </a:bodyPr>
         <a:lstStyle/>
         <a:p>
-          <a:pPr marL="0" lvl="0" indent="0" algn="ctr" defTabSz="1600200" rtl="0">
+          <a:pPr marL="0" lvl="0" indent="0" algn="ctr" defTabSz="844550">
             <a:lnSpc>
               <a:spcPct val="90000"/>
             </a:lnSpc>
@@ -2407,27 +1527,81 @@
               <a:spcPct val="35000"/>
             </a:spcAft>
             <a:buNone/>
+            <a:defRPr cap="all"/>
           </a:pPr>
           <a:r>
-            <a:rPr lang="es-ES" sz="3600" kern="1200" noProof="0" dirty="0"/>
-            <a:t>Satélite</a:t>
+            <a:rPr lang="es-ES" sz="1900" kern="1200" dirty="0"/>
+            <a:t>Cómo utilizar </a:t>
           </a:r>
+          <a:r>
+            <a:rPr lang="es-ES" sz="1900" kern="1200" dirty="0" err="1"/>
+            <a:t>Integromat</a:t>
+          </a:r>
+          <a:r>
+            <a:rPr lang="es-ES" sz="1900" kern="1200" dirty="0"/>
+            <a:t> </a:t>
+          </a:r>
+          <a:r>
+            <a:rPr lang="es-ES" sz="1900" kern="1200" dirty="0" err="1"/>
+            <a:t>Make</a:t>
+          </a:r>
+          <a:endParaRPr lang="en-US" sz="1900" kern="1200" dirty="0"/>
         </a:p>
       </dsp:txBody>
       <dsp:txXfrm>
-        <a:off x="3841646" y="2746269"/>
-        <a:ext cx="3222832" cy="720000"/>
+        <a:off x="3883557" y="2784151"/>
+        <a:ext cx="3262500" cy="720000"/>
       </dsp:txXfrm>
     </dsp:sp>
-    <dsp:sp modelId="{6DB1FE51-13D0-4A38-AD6E-48D4371A1AF3}">
+    <dsp:sp modelId="{7B808951-30E6-4AD5-93FD-F9BB88BC6135}">
       <dsp:nvSpPr>
         <dsp:cNvPr id="0" name=""/>
         <dsp:cNvSpPr/>
       </dsp:nvSpPr>
       <dsp:spPr>
         <a:xfrm>
-          <a:off x="8096892" y="494935"/>
-          <a:ext cx="2285995" cy="2285995"/>
+          <a:off x="8353182" y="174151"/>
+          <a:ext cx="1990125" cy="1990125"/>
+        </a:xfrm>
+        <a:prstGeom prst="ellipse">
+          <a:avLst/>
+        </a:prstGeom>
+        <a:solidFill>
+          <a:schemeClr val="accent3">
+            <a:tint val="40000"/>
+            <a:hueOff val="0"/>
+            <a:satOff val="0"/>
+            <a:lumOff val="0"/>
+            <a:alphaOff val="0"/>
+          </a:schemeClr>
+        </a:solidFill>
+        <a:ln>
+          <a:noFill/>
+        </a:ln>
+        <a:effectLst/>
+      </dsp:spPr>
+      <dsp:style>
+        <a:lnRef idx="0">
+          <a:scrgbClr r="0" g="0" b="0"/>
+        </a:lnRef>
+        <a:fillRef idx="1">
+          <a:scrgbClr r="0" g="0" b="0"/>
+        </a:fillRef>
+        <a:effectRef idx="0">
+          <a:scrgbClr r="0" g="0" b="0"/>
+        </a:effectRef>
+        <a:fontRef idx="minor"/>
+      </dsp:style>
+    </dsp:sp>
+    <dsp:sp modelId="{8D420BC1-536A-4C57-A7E8-2E38F0EDF3AC}">
+      <dsp:nvSpPr>
+        <dsp:cNvPr id="0" name=""/>
+        <dsp:cNvSpPr/>
+      </dsp:nvSpPr>
+      <dsp:spPr>
+        <a:xfrm>
+          <a:off x="8777307" y="598276"/>
+          <a:ext cx="1141875" cy="1141875"/>
         </a:xfrm>
         <a:prstGeom prst="rect">
           <a:avLst/>
@@ -2443,7 +1617,6 @@
               </a:ext>
             </a:extLst>
           </a:blip>
-          <a:srcRect/>
           <a:stretch>
             <a:fillRect/>
           </a:stretch>
@@ -2469,15 +1642,15 @@
         </a:fontRef>
       </dsp:style>
     </dsp:sp>
-    <dsp:sp modelId="{133097FC-B1F8-4953-B0AB-E8E73D968D1C}">
+    <dsp:sp modelId="{51A9044E-2CDF-4ED8-AA2E-9B648BEFBC78}">
       <dsp:nvSpPr>
         <dsp:cNvPr id="0" name=""/>
         <dsp:cNvSpPr/>
       </dsp:nvSpPr>
       <dsp:spPr>
         <a:xfrm>
-          <a:off x="7628474" y="2746269"/>
-          <a:ext cx="3222832" cy="720000"/>
+          <a:off x="7716995" y="2784151"/>
+          <a:ext cx="3262500" cy="720000"/>
         </a:xfrm>
         <a:prstGeom prst="rect">
           <a:avLst/>
@@ -2501,12 +1674,12 @@
         <a:fontRef idx="minor"/>
       </dsp:style>
       <dsp:txBody>
-        <a:bodyPr spcFirstLastPara="0" vert="horz" wrap="square" lIns="0" tIns="0" rIns="0" bIns="0" numCol="1" spcCol="1270" rtlCol="0" anchor="t" anchorCtr="0">
+        <a:bodyPr spcFirstLastPara="0" vert="horz" wrap="square" lIns="0" tIns="0" rIns="0" bIns="0" numCol="1" spcCol="1270" anchor="t" anchorCtr="0">
           <a:noAutofit/>
         </a:bodyPr>
         <a:lstStyle/>
         <a:p>
-          <a:pPr marL="0" lvl="0" indent="0" algn="ctr" defTabSz="1600200" rtl="0">
+          <a:pPr marL="0" lvl="0" indent="0" algn="ctr" defTabSz="844550">
             <a:lnSpc>
               <a:spcPct val="90000"/>
             </a:lnSpc>
@@ -2517,500 +1690,40 @@
               <a:spcPct val="35000"/>
             </a:spcAft>
             <a:buNone/>
+            <a:defRPr cap="all"/>
           </a:pPr>
           <a:r>
-            <a:rPr lang="es-ES" sz="3600" kern="1200" noProof="0" dirty="0"/>
-            <a:t>Vínculo</a:t>
+            <a:rPr lang="es-ES" sz="1900" kern="1200" dirty="0"/>
+            <a:t>Ejemplo práctico: </a:t>
           </a:r>
+          <a:r>
+            <a:rPr lang="es-ES" sz="1900" kern="1200" dirty="0" err="1"/>
+            <a:t>Discord</a:t>
+          </a:r>
+          <a:r>
+            <a:rPr lang="es-ES" sz="1900" kern="1200" dirty="0"/>
+            <a:t> y Google </a:t>
+          </a:r>
+          <a:r>
+            <a:rPr lang="es-ES" sz="1900" kern="1200" dirty="0" err="1"/>
+            <a:t>Sheets</a:t>
+          </a:r>
+          <a:endParaRPr lang="en-US" sz="1900" kern="1200" dirty="0"/>
         </a:p>
       </dsp:txBody>
       <dsp:txXfrm>
-        <a:off x="7628474" y="2746269"/>
-        <a:ext cx="3222832" cy="720000"/>
+        <a:off x="7716995" y="2784151"/>
+        <a:ext cx="3262500" cy="720000"/>
       </dsp:txXfrm>
     </dsp:sp>
   </dsp:spTree>
 </dsp:drawing>
 </file>
 
-<file path=ppt/diagrams/drawing2.xml><?xml version="1.0" encoding="utf-8"?>
-<dsp:drawing xmlns:dgm="http://schemas.openxmlformats.org/drawingml/2006/diagram" xmlns:dsp="http://schemas.microsoft.com/office/drawing/2008/diagram" xmlns:a="http://schemas.openxmlformats.org/drawingml/2006/main">
-  <dsp:spTree>
-    <dsp:nvGrpSpPr>
-      <dsp:cNvPr id="0" name=""/>
-      <dsp:cNvGrpSpPr/>
-    </dsp:nvGrpSpPr>
-    <dsp:grpSpPr/>
-    <dsp:sp modelId="{D79B43FC-100B-4A0D-A4D5-0D2D04B99064}">
-      <dsp:nvSpPr>
-        <dsp:cNvPr id="0" name=""/>
-        <dsp:cNvSpPr/>
-      </dsp:nvSpPr>
-      <dsp:spPr>
-        <a:xfrm>
-          <a:off x="-4028574" y="-618397"/>
-          <a:ext cx="4800732" cy="4800732"/>
-        </a:xfrm>
-        <a:prstGeom prst="blockArc">
-          <a:avLst>
-            <a:gd name="adj1" fmla="val 18900000"/>
-            <a:gd name="adj2" fmla="val 2700000"/>
-            <a:gd name="adj3" fmla="val 450"/>
-          </a:avLst>
-        </a:prstGeom>
-        <a:noFill/>
-        <a:ln w="12700" cap="rnd" cmpd="sng" algn="ctr">
-          <a:solidFill>
-            <a:schemeClr val="accent2">
-              <a:shade val="60000"/>
-              <a:hueOff val="0"/>
-              <a:satOff val="0"/>
-              <a:lumOff val="0"/>
-              <a:alphaOff val="0"/>
-            </a:schemeClr>
-          </a:solidFill>
-          <a:prstDash val="solid"/>
-        </a:ln>
-        <a:effectLst/>
-      </dsp:spPr>
-      <dsp:style>
-        <a:lnRef idx="1">
-          <a:scrgbClr r="0" g="0" b="0"/>
-        </a:lnRef>
-        <a:fillRef idx="0">
-          <a:scrgbClr r="0" g="0" b="0"/>
-        </a:fillRef>
-        <a:effectRef idx="0">
-          <a:scrgbClr r="0" g="0" b="0"/>
-        </a:effectRef>
-        <a:fontRef idx="minor"/>
-      </dsp:style>
-    </dsp:sp>
-    <dsp:sp modelId="{58319267-C71E-43C9-94E1-827D0616C7A7}">
-      <dsp:nvSpPr>
-        <dsp:cNvPr id="0" name=""/>
-        <dsp:cNvSpPr/>
-      </dsp:nvSpPr>
-      <dsp:spPr>
-        <a:xfrm>
-          <a:off x="496568" y="356393"/>
-          <a:ext cx="6310391" cy="712787"/>
-        </a:xfrm>
-        <a:prstGeom prst="rect">
-          <a:avLst/>
-        </a:prstGeom>
-        <a:gradFill rotWithShape="0">
-          <a:gsLst>
-            <a:gs pos="0">
-              <a:schemeClr val="accent2">
-                <a:hueOff val="0"/>
-                <a:satOff val="0"/>
-                <a:lumOff val="0"/>
-                <a:alphaOff val="0"/>
-                <a:tint val="98000"/>
-                <a:lumMod val="110000"/>
-              </a:schemeClr>
-            </a:gs>
-            <a:gs pos="84000">
-              <a:schemeClr val="accent2">
-                <a:hueOff val="0"/>
-                <a:satOff val="0"/>
-                <a:lumOff val="0"/>
-                <a:alphaOff val="0"/>
-                <a:shade val="90000"/>
-                <a:lumMod val="88000"/>
-              </a:schemeClr>
-            </a:gs>
-          </a:gsLst>
-          <a:lin ang="5400000" scaled="0"/>
-        </a:gradFill>
-        <a:ln>
-          <a:noFill/>
-        </a:ln>
-        <a:effectLst>
-          <a:outerShdw blurRad="38100" dist="25400" dir="5400000" rotWithShape="0">
-            <a:srgbClr val="000000">
-              <a:alpha val="55000"/>
-            </a:srgbClr>
-          </a:outerShdw>
-        </a:effectLst>
-      </dsp:spPr>
-      <dsp:style>
-        <a:lnRef idx="0">
-          <a:scrgbClr r="0" g="0" b="0"/>
-        </a:lnRef>
-        <a:fillRef idx="3">
-          <a:scrgbClr r="0" g="0" b="0"/>
-        </a:fillRef>
-        <a:effectRef idx="2">
-          <a:scrgbClr r="0" g="0" b="0"/>
-        </a:effectRef>
-        <a:fontRef idx="minor">
-          <a:schemeClr val="lt1"/>
-        </a:fontRef>
-      </dsp:style>
-      <dsp:txBody>
-        <a:bodyPr spcFirstLastPara="0" vert="horz" wrap="square" lIns="565775" tIns="88900" rIns="88900" bIns="88900" numCol="1" spcCol="1270" rtlCol="0" anchor="ctr" anchorCtr="0">
-          <a:noAutofit/>
-        </a:bodyPr>
-        <a:lstStyle/>
-        <a:p>
-          <a:pPr marL="0" lvl="0" indent="0" algn="l" defTabSz="1555750" rtl="0">
-            <a:lnSpc>
-              <a:spcPct val="100000"/>
-            </a:lnSpc>
-            <a:spcBef>
-              <a:spcPct val="0"/>
-            </a:spcBef>
-            <a:spcAft>
-              <a:spcPct val="35000"/>
-            </a:spcAft>
-            <a:buNone/>
-          </a:pPr>
-          <a:r>
-            <a:rPr lang="es-ES" sz="3500" kern="1200" noProof="0" dirty="0"/>
-            <a:t>Nube	</a:t>
-          </a:r>
-        </a:p>
-      </dsp:txBody>
-      <dsp:txXfrm>
-        <a:off x="496568" y="356393"/>
-        <a:ext cx="6310391" cy="712787"/>
-      </dsp:txXfrm>
-    </dsp:sp>
-    <dsp:sp modelId="{07CB3071-D555-47DA-A36A-69EB91531FD8}">
-      <dsp:nvSpPr>
-        <dsp:cNvPr id="0" name=""/>
-        <dsp:cNvSpPr/>
-      </dsp:nvSpPr>
-      <dsp:spPr>
-        <a:xfrm>
-          <a:off x="51076" y="267295"/>
-          <a:ext cx="890984" cy="890984"/>
-        </a:xfrm>
-        <a:prstGeom prst="ellipse">
-          <a:avLst/>
-        </a:prstGeom>
-        <a:solidFill>
-          <a:schemeClr val="lt1">
-            <a:hueOff val="0"/>
-            <a:satOff val="0"/>
-            <a:lumOff val="0"/>
-            <a:alphaOff val="0"/>
-          </a:schemeClr>
-        </a:solidFill>
-        <a:ln w="12700" cap="rnd" cmpd="sng" algn="ctr">
-          <a:solidFill>
-            <a:schemeClr val="accent2">
-              <a:hueOff val="0"/>
-              <a:satOff val="0"/>
-              <a:lumOff val="0"/>
-              <a:alphaOff val="0"/>
-            </a:schemeClr>
-          </a:solidFill>
-          <a:prstDash val="solid"/>
-        </a:ln>
-        <a:effectLst/>
-      </dsp:spPr>
-      <dsp:style>
-        <a:lnRef idx="1">
-          <a:scrgbClr r="0" g="0" b="0"/>
-        </a:lnRef>
-        <a:fillRef idx="1">
-          <a:scrgbClr r="0" g="0" b="0"/>
-        </a:fillRef>
-        <a:effectRef idx="0">
-          <a:scrgbClr r="0" g="0" b="0"/>
-        </a:effectRef>
-        <a:fontRef idx="minor"/>
-      </dsp:style>
-    </dsp:sp>
-    <dsp:sp modelId="{95DE6538-27BD-44AF-A1A8-CA8F6B10FDD2}">
-      <dsp:nvSpPr>
-        <dsp:cNvPr id="0" name=""/>
-        <dsp:cNvSpPr/>
-      </dsp:nvSpPr>
-      <dsp:spPr>
-        <a:xfrm>
-          <a:off x="755666" y="1425575"/>
-          <a:ext cx="6051292" cy="712787"/>
-        </a:xfrm>
-        <a:prstGeom prst="rect">
-          <a:avLst/>
-        </a:prstGeom>
-        <a:gradFill rotWithShape="0">
-          <a:gsLst>
-            <a:gs pos="0">
-              <a:schemeClr val="accent2">
-                <a:hueOff val="0"/>
-                <a:satOff val="0"/>
-                <a:lumOff val="0"/>
-                <a:alphaOff val="0"/>
-                <a:tint val="98000"/>
-                <a:lumMod val="110000"/>
-              </a:schemeClr>
-            </a:gs>
-            <a:gs pos="84000">
-              <a:schemeClr val="accent2">
-                <a:hueOff val="0"/>
-                <a:satOff val="0"/>
-                <a:lumOff val="0"/>
-                <a:alphaOff val="0"/>
-                <a:shade val="90000"/>
-                <a:lumMod val="88000"/>
-              </a:schemeClr>
-            </a:gs>
-          </a:gsLst>
-          <a:lin ang="5400000" scaled="0"/>
-        </a:gradFill>
-        <a:ln>
-          <a:noFill/>
-        </a:ln>
-        <a:effectLst>
-          <a:outerShdw blurRad="38100" dist="25400" dir="5400000" rotWithShape="0">
-            <a:srgbClr val="000000">
-              <a:alpha val="55000"/>
-            </a:srgbClr>
-          </a:outerShdw>
-        </a:effectLst>
-      </dsp:spPr>
-      <dsp:style>
-        <a:lnRef idx="0">
-          <a:scrgbClr r="0" g="0" b="0"/>
-        </a:lnRef>
-        <a:fillRef idx="3">
-          <a:scrgbClr r="0" g="0" b="0"/>
-        </a:fillRef>
-        <a:effectRef idx="2">
-          <a:scrgbClr r="0" g="0" b="0"/>
-        </a:effectRef>
-        <a:fontRef idx="minor">
-          <a:schemeClr val="lt1"/>
-        </a:fontRef>
-      </dsp:style>
-      <dsp:txBody>
-        <a:bodyPr spcFirstLastPara="0" vert="horz" wrap="square" lIns="565775" tIns="88900" rIns="88900" bIns="88900" numCol="1" spcCol="1270" rtlCol="0" anchor="ctr" anchorCtr="0">
-          <a:noAutofit/>
-        </a:bodyPr>
-        <a:lstStyle/>
-        <a:p>
-          <a:pPr marL="0" lvl="0" indent="0" algn="l" defTabSz="1555750" rtl="0">
-            <a:lnSpc>
-              <a:spcPct val="100000"/>
-            </a:lnSpc>
-            <a:spcBef>
-              <a:spcPct val="0"/>
-            </a:spcBef>
-            <a:spcAft>
-              <a:spcPct val="35000"/>
-            </a:spcAft>
-            <a:buNone/>
-          </a:pPr>
-          <a:r>
-            <a:rPr lang="es-ES" sz="3500" kern="1200" noProof="0" dirty="0"/>
-            <a:t>Local</a:t>
-          </a:r>
-        </a:p>
-      </dsp:txBody>
-      <dsp:txXfrm>
-        <a:off x="755666" y="1425575"/>
-        <a:ext cx="6051292" cy="712787"/>
-      </dsp:txXfrm>
-    </dsp:sp>
-    <dsp:sp modelId="{3F8116AC-FAC3-4E95-9865-93CCFEB191B9}">
-      <dsp:nvSpPr>
-        <dsp:cNvPr id="0" name=""/>
-        <dsp:cNvSpPr/>
-      </dsp:nvSpPr>
-      <dsp:spPr>
-        <a:xfrm>
-          <a:off x="310174" y="1336476"/>
-          <a:ext cx="890984" cy="890984"/>
-        </a:xfrm>
-        <a:prstGeom prst="ellipse">
-          <a:avLst/>
-        </a:prstGeom>
-        <a:solidFill>
-          <a:schemeClr val="lt1">
-            <a:hueOff val="0"/>
-            <a:satOff val="0"/>
-            <a:lumOff val="0"/>
-            <a:alphaOff val="0"/>
-          </a:schemeClr>
-        </a:solidFill>
-        <a:ln w="12700" cap="rnd" cmpd="sng" algn="ctr">
-          <a:solidFill>
-            <a:schemeClr val="accent2">
-              <a:hueOff val="0"/>
-              <a:satOff val="0"/>
-              <a:lumOff val="0"/>
-              <a:alphaOff val="0"/>
-            </a:schemeClr>
-          </a:solidFill>
-          <a:prstDash val="solid"/>
-        </a:ln>
-        <a:effectLst/>
-      </dsp:spPr>
-      <dsp:style>
-        <a:lnRef idx="1">
-          <a:scrgbClr r="0" g="0" b="0"/>
-        </a:lnRef>
-        <a:fillRef idx="1">
-          <a:scrgbClr r="0" g="0" b="0"/>
-        </a:fillRef>
-        <a:effectRef idx="0">
-          <a:scrgbClr r="0" g="0" b="0"/>
-        </a:effectRef>
-        <a:fontRef idx="minor"/>
-      </dsp:style>
-    </dsp:sp>
-    <dsp:sp modelId="{E131CE4A-9776-44F4-BC03-867682E21374}">
-      <dsp:nvSpPr>
-        <dsp:cNvPr id="0" name=""/>
-        <dsp:cNvSpPr/>
-      </dsp:nvSpPr>
-      <dsp:spPr>
-        <a:xfrm>
-          <a:off x="496568" y="2494756"/>
-          <a:ext cx="6310391" cy="712787"/>
-        </a:xfrm>
-        <a:prstGeom prst="rect">
-          <a:avLst/>
-        </a:prstGeom>
-        <a:gradFill rotWithShape="0">
-          <a:gsLst>
-            <a:gs pos="0">
-              <a:schemeClr val="accent2">
-                <a:hueOff val="0"/>
-                <a:satOff val="0"/>
-                <a:lumOff val="0"/>
-                <a:alphaOff val="0"/>
-                <a:tint val="98000"/>
-                <a:lumMod val="110000"/>
-              </a:schemeClr>
-            </a:gs>
-            <a:gs pos="84000">
-              <a:schemeClr val="accent2">
-                <a:hueOff val="0"/>
-                <a:satOff val="0"/>
-                <a:lumOff val="0"/>
-                <a:alphaOff val="0"/>
-                <a:shade val="90000"/>
-                <a:lumMod val="88000"/>
-              </a:schemeClr>
-            </a:gs>
-          </a:gsLst>
-          <a:lin ang="5400000" scaled="0"/>
-        </a:gradFill>
-        <a:ln>
-          <a:noFill/>
-        </a:ln>
-        <a:effectLst>
-          <a:outerShdw blurRad="38100" dist="25400" dir="5400000" rotWithShape="0">
-            <a:srgbClr val="000000">
-              <a:alpha val="55000"/>
-            </a:srgbClr>
-          </a:outerShdw>
-        </a:effectLst>
-      </dsp:spPr>
-      <dsp:style>
-        <a:lnRef idx="0">
-          <a:scrgbClr r="0" g="0" b="0"/>
-        </a:lnRef>
-        <a:fillRef idx="3">
-          <a:scrgbClr r="0" g="0" b="0"/>
-        </a:fillRef>
-        <a:effectRef idx="2">
-          <a:scrgbClr r="0" g="0" b="0"/>
-        </a:effectRef>
-        <a:fontRef idx="minor">
-          <a:schemeClr val="lt1"/>
-        </a:fontRef>
-      </dsp:style>
-      <dsp:txBody>
-        <a:bodyPr spcFirstLastPara="0" vert="horz" wrap="square" lIns="565775" tIns="88900" rIns="88900" bIns="88900" numCol="1" spcCol="1270" rtlCol="0" anchor="ctr" anchorCtr="0">
-          <a:noAutofit/>
-        </a:bodyPr>
-        <a:lstStyle/>
-        <a:p>
-          <a:pPr marL="0" lvl="0" indent="0" algn="l" defTabSz="1555750" rtl="0">
-            <a:lnSpc>
-              <a:spcPct val="100000"/>
-            </a:lnSpc>
-            <a:spcBef>
-              <a:spcPct val="0"/>
-            </a:spcBef>
-            <a:spcAft>
-              <a:spcPct val="35000"/>
-            </a:spcAft>
-            <a:buNone/>
-          </a:pPr>
-          <a:r>
-            <a:rPr lang="es-ES" sz="3500" kern="1200" noProof="0" dirty="0"/>
-            <a:t>Híbrido</a:t>
-          </a:r>
-        </a:p>
-      </dsp:txBody>
-      <dsp:txXfrm>
-        <a:off x="496568" y="2494756"/>
-        <a:ext cx="6310391" cy="712787"/>
-      </dsp:txXfrm>
-    </dsp:sp>
-    <dsp:sp modelId="{A965097E-32F1-4AB8-8C4E-2814A7596B2F}">
-      <dsp:nvSpPr>
-        <dsp:cNvPr id="0" name=""/>
-        <dsp:cNvSpPr/>
-      </dsp:nvSpPr>
-      <dsp:spPr>
-        <a:xfrm>
-          <a:off x="51076" y="2405658"/>
-          <a:ext cx="890984" cy="890984"/>
-        </a:xfrm>
-        <a:prstGeom prst="ellipse">
-          <a:avLst/>
-        </a:prstGeom>
-        <a:solidFill>
-          <a:schemeClr val="lt1">
-            <a:hueOff val="0"/>
-            <a:satOff val="0"/>
-            <a:lumOff val="0"/>
-            <a:alphaOff val="0"/>
-          </a:schemeClr>
-        </a:solidFill>
-        <a:ln w="12700" cap="rnd" cmpd="sng" algn="ctr">
-          <a:solidFill>
-            <a:schemeClr val="accent2">
-              <a:hueOff val="0"/>
-              <a:satOff val="0"/>
-              <a:lumOff val="0"/>
-              <a:alphaOff val="0"/>
-            </a:schemeClr>
-          </a:solidFill>
-          <a:prstDash val="solid"/>
-        </a:ln>
-        <a:effectLst/>
-      </dsp:spPr>
-      <dsp:style>
-        <a:lnRef idx="1">
-          <a:scrgbClr r="0" g="0" b="0"/>
-        </a:lnRef>
-        <a:fillRef idx="1">
-          <a:scrgbClr r="0" g="0" b="0"/>
-        </a:fillRef>
-        <a:effectRef idx="0">
-          <a:scrgbClr r="0" g="0" b="0"/>
-        </a:effectRef>
-        <a:fontRef idx="minor"/>
-      </dsp:style>
-    </dsp:sp>
-  </dsp:spTree>
-</dsp:drawing>
-</file>
-
 <file path=ppt/diagrams/layout1.xml><?xml version="1.0" encoding="utf-8"?>
-<dgm:layoutDef xmlns:dgm="http://schemas.openxmlformats.org/drawingml/2006/diagram" xmlns:a="http://schemas.openxmlformats.org/drawingml/2006/main" uniqueId="urn:microsoft.com/office/officeart/2018/2/layout/IconLabelList">
-  <dgm:title val="Icono de lista de etiquetas"/>
-  <dgm:desc val="Se usa para mostrar fragmentos no secuenciales o agrupados de información acompañados de elementos visuales relacionados. Funciona mejor con iconos o imágenes pequeñas con leyendas de texto breve."/>
+<dgm:layoutDef xmlns:dgm="http://schemas.openxmlformats.org/drawingml/2006/diagram" xmlns:a="http://schemas.openxmlformats.org/drawingml/2006/main" uniqueId="urn:microsoft.com/office/officeart/2018/5/layout/IconCircleLabelList">
+  <dgm:title val="Icon Circle Label List"/>
+  <dgm:desc val="Use to show non-sequential or grouped chunks of information accompanied by a related visuals. Works best with icons or small pictures with short text captions."/>
   <dgm:catLst>
     <dgm:cat type="icon" pri="500"/>
   </dgm:catLst>
@@ -3070,26 +1783,37 @@
       <dgm:if name="Name4" axis="ch" ptType="node" func="cnt" op="lte" val="2">
         <dgm:constrLst>
           <dgm:constr type="h" for="ch" forName="compNode" refType="h" fact="0.4"/>
-          <dgm:constr type="w" for="ch" forName="compNode" val="120"/>
+          <dgm:constr type="w" for="ch" forName="compNode" val="100"/>
           <dgm:constr type="w" for="ch" forName="sibTrans" refType="w" refFor="ch" refForName="compNode" fact="0.175"/>
           <dgm:constr type="sp" refType="w" refFor="ch" refForName="compNode" op="equ" fact="0.25"/>
-          <dgm:constr type="primFontSz" for="des" ptType="node" op="equ" val="50"/>
+          <dgm:constr type="primFontSz" for="des" ptType="node" op="equ" val="44"/>
           <dgm:constr type="h" for="des" forName="compNode" op="equ"/>
           <dgm:constr type="h" for="des" forName="textRect" op="equ"/>
         </dgm:constrLst>
       </dgm:if>
-      <dgm:if name="Name5" axis="ch" ptType="node" func="cnt" op="lte" val="4">
+      <dgm:if name="Name5" axis="ch" ptType="node" func="cnt" op="lte" val="3">
+        <dgm:constrLst>
+          <dgm:constr type="h" for="ch" forName="compNode" refType="h" fact="0.4"/>
+          <dgm:constr type="w" for="ch" forName="compNode" val="100"/>
+          <dgm:constr type="w" for="ch" forName="sibTrans" refType="w" refFor="ch" refForName="compNode" fact="0.175"/>
+          <dgm:constr type="sp" refType="w" refFor="ch" refForName="compNode" op="equ" fact="0.25"/>
+          <dgm:constr type="primFontSz" for="des" ptType="node" op="equ" val="40"/>
+          <dgm:constr type="h" for="des" forName="compNode" op="equ"/>
+          <dgm:constr type="h" for="des" forName="textRect" op="equ"/>
+        </dgm:constrLst>
+      </dgm:if>
+      <dgm:if name="Name6" axis="ch" ptType="node" func="cnt" op="lte" val="4">
         <dgm:constrLst>
           <dgm:constr type="h" for="ch" forName="compNode" refType="h" fact="0.4"/>
           <dgm:constr type="w" for="ch" forName="compNode" refType="w"/>
           <dgm:constr type="w" for="ch" forName="sibTrans" refType="w" refFor="ch" refForName="compNode" fact="0.175"/>
           <dgm:constr type="sp" refType="w" refFor="ch" refForName="compNode" op="equ" fact="0.25"/>
-          <dgm:constr type="primFontSz" for="des" ptType="node" op="equ" val="36"/>
+          <dgm:constr type="primFontSz" for="des" ptType="node" op="equ" val="32"/>
           <dgm:constr type="h" for="des" forName="compNode" op="equ"/>
           <dgm:constr type="h" for="des" forName="textRect" op="equ"/>
         </dgm:constrLst>
       </dgm:if>
-      <dgm:else name="Name6">
+      <dgm:else name="Name7">
         <dgm:constrLst>
           <dgm:constr type="h" for="ch" forName="compNode" refType="h" fact="0.4"/>
           <dgm:constr type="w" for="ch" forName="compNode" refType="w"/>
@@ -3104,7 +1828,7 @@
     <dgm:ruleLst>
       <dgm:rule type="w" for="ch" forName="compNode" val="50" fact="NaN" max="NaN"/>
     </dgm:ruleLst>
-    <dgm:forEach name="Name7" axis="ch" ptType="node">
+    <dgm:forEach name="Name8" axis="ch" ptType="node">
       <dgm:layoutNode name="compNode">
         <dgm:alg type="composite"/>
         <dgm:shape xmlns:r="http://schemas.openxmlformats.org/officeDocument/2006/relationships" r:blip="">
@@ -3112,14 +1836,18 @@
         </dgm:shape>
         <dgm:presOf axis="self"/>
         <dgm:constrLst>
-          <dgm:constr type="w" for="ch" forName="iconRect" refType="w" fact="0.45"/>
+          <dgm:constr type="w" for="ch" forName="iconBgRect" refType="w" fact="0.61"/>
+          <dgm:constr type="h" for="ch" forName="iconBgRect" refType="w" refFor="ch" refForName="iconBgRect"/>
+          <dgm:constr type="t" for="ch" forName="iconBgRect"/>
+          <dgm:constr type="ctrX" for="ch" forName="iconBgRect" refType="w" fact="0.5"/>
+          <dgm:constr type="w" for="ch" forName="iconRect" refType="w" fact="0.35"/>
           <dgm:constr type="h" for="ch" forName="iconRect" refType="w" refFor="ch" refForName="iconRect"/>
-          <dgm:constr type="ctrX" for="ch" forName="iconRect" refType="w" fact="0.5"/>
-          <dgm:constr type="t" for="ch" forName="iconRect"/>
-          <dgm:constr type="h" for="ch" forName="spaceRect" refType="h" fact="0.15"/>
+          <dgm:constr type="ctrX" for="ch" forName="iconRect" refType="ctrX" refFor="ch" refForName="iconBgRect"/>
+          <dgm:constr type="ctrY" for="ch" forName="iconRect" refType="ctrY" refFor="ch" refForName="iconBgRect"/>
+          <dgm:constr type="h" for="ch" forName="spaceRect" refType="w" fact="0.19"/>
           <dgm:constr type="w" for="ch" forName="spaceRect" refType="w"/>
           <dgm:constr type="l" for="ch" forName="spaceRect"/>
-          <dgm:constr type="t" for="ch" forName="spaceRect" refType="b" refFor="ch" refForName="iconRect"/>
+          <dgm:constr type="t" for="ch" forName="spaceRect" refType="b" refFor="ch" refForName="iconBgRect"/>
           <dgm:constr type="h" for="ch" forName="textRect" val="20"/>
           <dgm:constr type="w" for="ch" forName="textRect" refType="w"/>
           <dgm:constr type="l" for="ch" forName="textRect"/>
@@ -3128,6 +1856,15 @@
         <dgm:ruleLst>
           <dgm:rule type="h" val="INF" fact="NaN" max="NaN"/>
         </dgm:ruleLst>
+        <dgm:layoutNode name="iconBgRect" styleLbl="bgShp">
+          <dgm:alg type="sp"/>
+          <dgm:shape xmlns:r="http://schemas.openxmlformats.org/officeDocument/2006/relationships" type="ellipse" r:blip="">
+            <dgm:adjLst/>
+          </dgm:shape>
+          <dgm:presOf/>
+          <dgm:constrLst/>
+          <dgm:ruleLst/>
+        </dgm:layoutNode>
         <dgm:layoutNode name="iconRect" styleLbl="node1">
           <dgm:alg type="sp"/>
           <dgm:shape xmlns:r="http://schemas.openxmlformats.org/officeDocument/2006/relationships" type="rect" r:blip="" blipPhldr="1">
@@ -3170,7 +1907,7 @@
           </dgm:ruleLst>
         </dgm:layoutNode>
       </dgm:layoutNode>
-      <dgm:forEach name="Name8" axis="followSib" ptType="sibTrans" cnt="1">
+      <dgm:forEach name="Name9" axis="followSib" ptType="sibTrans" cnt="1">
         <dgm:layoutNode name="sibTrans">
           <dgm:alg type="sp"/>
           <dgm:shape xmlns:r="http://schemas.openxmlformats.org/officeDocument/2006/relationships" r:blip="">
@@ -3190,1288 +1927,11 @@
           <a:lnSpc>
             <a:spcPct val="100000"/>
           </a:lnSpc>
+          <a:defRPr cap="all"/>
         </a:lvl1pPr>
       </dgm1612:lstStyle>
     </a:ext>
   </dgm:extLst>
-</dgm:layoutDef>
-</file>
-
-<file path=ppt/diagrams/layout2.xml><?xml version="1.0" encoding="utf-8"?>
-<dgm:layoutDef xmlns:dgm="http://schemas.openxmlformats.org/drawingml/2006/diagram" xmlns:a="http://schemas.openxmlformats.org/drawingml/2006/main" uniqueId="urn:microsoft.com/office/officeart/2008/layout/VerticalCurvedList">
-  <dgm:title val=""/>
-  <dgm:desc val=""/>
-  <dgm:catLst>
-    <dgm:cat type="list" pri="20000"/>
-  </dgm:catLst>
-  <dgm:sampData>
-    <dgm:dataModel>
-      <dgm:ptLst>
-        <dgm:pt modelId="0" type="doc"/>
-        <dgm:pt modelId="1">
-          <dgm:prSet phldr="1"/>
-        </dgm:pt>
-        <dgm:pt modelId="2">
-          <dgm:prSet phldr="1"/>
-        </dgm:pt>
-        <dgm:pt modelId="3">
-          <dgm:prSet phldr="1"/>
-        </dgm:pt>
-      </dgm:ptLst>
-      <dgm:cxnLst>
-        <dgm:cxn modelId="4" srcId="0" destId="1" srcOrd="0" destOrd="0"/>
-        <dgm:cxn modelId="5" srcId="0" destId="2" srcOrd="1" destOrd="0"/>
-        <dgm:cxn modelId="6" srcId="0" destId="3" srcOrd="2" destOrd="0"/>
-      </dgm:cxnLst>
-      <dgm:bg/>
-      <dgm:whole/>
-    </dgm:dataModel>
-  </dgm:sampData>
-  <dgm:styleData>
-    <dgm:dataModel>
-      <dgm:ptLst>
-        <dgm:pt modelId="0" type="doc"/>
-        <dgm:pt modelId="1">
-          <dgm:prSet phldr="1"/>
-        </dgm:pt>
-        <dgm:pt modelId="2">
-          <dgm:prSet phldr="1"/>
-        </dgm:pt>
-      </dgm:ptLst>
-      <dgm:cxnLst>
-        <dgm:cxn modelId="3" srcId="0" destId="1" srcOrd="0" destOrd="0"/>
-        <dgm:cxn modelId="4" srcId="0" destId="2" srcOrd="1" destOrd="0"/>
-      </dgm:cxnLst>
-      <dgm:bg/>
-      <dgm:whole/>
-    </dgm:dataModel>
-  </dgm:styleData>
-  <dgm:clrData>
-    <dgm:dataModel>
-      <dgm:ptLst>
-        <dgm:pt modelId="0" type="doc"/>
-        <dgm:pt modelId="1">
-          <dgm:prSet phldr="1"/>
-        </dgm:pt>
-        <dgm:pt modelId="2">
-          <dgm:prSet phldr="1"/>
-        </dgm:pt>
-        <dgm:pt modelId="3">
-          <dgm:prSet phldr="1"/>
-        </dgm:pt>
-        <dgm:pt modelId="4">
-          <dgm:prSet phldr="1"/>
-        </dgm:pt>
-      </dgm:ptLst>
-      <dgm:cxnLst>
-        <dgm:cxn modelId="5" srcId="0" destId="1" srcOrd="0" destOrd="0"/>
-        <dgm:cxn modelId="6" srcId="0" destId="2" srcOrd="1" destOrd="0"/>
-        <dgm:cxn modelId="7" srcId="0" destId="3" srcOrd="2" destOrd="0"/>
-        <dgm:cxn modelId="8" srcId="0" destId="4" srcOrd="3" destOrd="0"/>
-      </dgm:cxnLst>
-      <dgm:bg/>
-      <dgm:whole/>
-    </dgm:dataModel>
-  </dgm:clrData>
-  <dgm:layoutNode name="Name0">
-    <dgm:varLst>
-      <dgm:chMax val="7"/>
-      <dgm:chPref val="7"/>
-      <dgm:dir/>
-    </dgm:varLst>
-    <dgm:alg type="composite"/>
-    <dgm:shape xmlns:r="http://schemas.openxmlformats.org/officeDocument/2006/relationships" r:blip="">
-      <dgm:adjLst/>
-    </dgm:shape>
-    <dgm:constrLst>
-      <dgm:constr type="w" for="ch" refType="h" refFor="ch" op="gte" fact="0.8"/>
-    </dgm:constrLst>
-    <dgm:layoutNode name="Name1">
-      <dgm:alg type="composite"/>
-      <dgm:shape xmlns:r="http://schemas.openxmlformats.org/officeDocument/2006/relationships" r:blip="">
-        <dgm:adjLst/>
-      </dgm:shape>
-      <dgm:choose name="Name2">
-        <dgm:if name="Name3" func="var" arg="dir" op="equ" val="norm">
-          <dgm:choose name="Name4">
-            <dgm:if name="Name5" axis="ch" ptType="node" func="cnt" op="equ" val="1">
-              <dgm:constrLst>
-                <dgm:constr type="h" for="ch" forName="cycle" refType="h"/>
-                <dgm:constr type="w" for="ch" forName="cycle" refType="h" refFor="ch" refForName="cycle" fact="0.26"/>
-                <dgm:constr type="l" for="ch" forName="cycle"/>
-                <dgm:constr type="ctrY" for="ch" forName="cycle" refType="h" fact="0.5"/>
-                <dgm:constr type="diam" for="ch" forName="cycle" refType="h" fact="1.344"/>
-                <dgm:constr type="h" for="ch" forName="accent_1" refType="h" fact="0.625"/>
-                <dgm:constr type="w" for="ch" forName="accent_1" refType="h" refFor="ch" refForName="accent_1" op="equ"/>
-                <dgm:constr type="ctrY" for="ch" forName="accent_1" refType="h" fact="0.5"/>
-                <dgm:constr type="ctrX" for="ch" forName="accent_1" refType="h" fact="0.2253"/>
-                <dgm:constr type="l" for="ch" forName="text_1" refType="ctrX" refFor="ch" refForName="accent_1"/>
-                <dgm:constr type="r" for="ch" forName="text_1" refType="w"/>
-                <dgm:constr type="w" for="ch" forName="text_1" refType="h" refFor="ch" refForName="text_1" op="gte"/>
-                <dgm:constr type="h" for="ch" forName="text_1" refType="h" refFor="ch" refForName="accent_1" fact="0.8"/>
-                <dgm:constr type="ctrY" for="ch" forName="text_1" refType="ctrY" refFor="ch" refForName="accent_1"/>
-                <dgm:constr type="lMarg" for="ch" forName="text_1" refType="w" refFor="ch" refForName="accent_1" fact="1.8"/>
-                <dgm:constr type="primFontSz" for="ch" ptType="node" op="equ" val="65"/>
-              </dgm:constrLst>
-            </dgm:if>
-            <dgm:if name="Name6" axis="ch" ptType="node" func="cnt" op="equ" val="2">
-              <dgm:constrLst>
-                <dgm:constr type="h" for="ch" forName="cycle" refType="h"/>
-                <dgm:constr type="w" for="ch" forName="cycle" refType="h" refFor="ch" refForName="cycle" fact="0.26"/>
-                <dgm:constr type="l" for="ch" forName="cycle"/>
-                <dgm:constr type="ctrY" for="ch" forName="cycle" refType="h" fact="0.5"/>
-                <dgm:constr type="diam" for="ch" forName="cycle" refType="h" fact="1.344"/>
-                <dgm:constr type="h" for="ch" forName="accent_1" refType="h" fact="0.3571"/>
-                <dgm:constr type="w" for="ch" forName="accent_1" refType="h" refFor="ch" refForName="accent_1" op="equ"/>
-                <dgm:constr type="ctrY" for="ch" forName="accent_1" refType="h" fact="0.2857"/>
-                <dgm:constr type="ctrX" for="ch" forName="accent_1" refType="h" fact="0.1891"/>
-                <dgm:constr type="l" for="ch" forName="text_1" refType="ctrX" refFor="ch" refForName="accent_1"/>
-                <dgm:constr type="r" for="ch" forName="text_1" refType="w"/>
-                <dgm:constr type="w" for="ch" forName="text_1" refType="h" refFor="ch" refForName="text_1" op="gte"/>
-                <dgm:constr type="h" for="ch" forName="text_1" refType="h" refFor="ch" refForName="accent_1" fact="0.8"/>
-                <dgm:constr type="ctrY" for="ch" forName="text_1" refType="ctrY" refFor="ch" refForName="accent_1"/>
-                <dgm:constr type="lMarg" for="ch" forName="text_1" refType="w" refFor="ch" refForName="accent_1" fact="1.8"/>
-                <dgm:constr type="h" for="ch" forName="accent_2" refType="h" fact="0.3571"/>
-                <dgm:constr type="w" for="ch" forName="accent_2" refType="h" refFor="ch" refForName="accent_2" op="equ"/>
-                <dgm:constr type="ctrY" for="ch" forName="accent_2" refType="h" fact="0.7143"/>
-                <dgm:constr type="ctrX" for="ch" forName="accent_2" refType="h" fact="0.1891"/>
-                <dgm:constr type="l" for="ch" forName="text_2" refType="ctrX" refFor="ch" refForName="accent_2"/>
-                <dgm:constr type="r" for="ch" forName="text_2" refType="w"/>
-                <dgm:constr type="w" for="ch" forName="text_2" refType="h" refFor="ch" refForName="text_2" op="gte"/>
-                <dgm:constr type="h" for="ch" forName="text_2" refType="h" refFor="ch" refForName="accent_2" fact="0.8"/>
-                <dgm:constr type="ctrY" for="ch" forName="text_2" refType="ctrY" refFor="ch" refForName="accent_2"/>
-                <dgm:constr type="lMarg" for="ch" forName="text_2" refType="w" refFor="ch" refForName="accent_2" fact="1.8"/>
-                <dgm:constr type="primFontSz" for="ch" ptType="node" op="equ" val="65"/>
-              </dgm:constrLst>
-            </dgm:if>
-            <dgm:if name="Name7" axis="ch" ptType="node" func="cnt" op="equ" val="3">
-              <dgm:constrLst>
-                <dgm:constr type="h" for="ch" forName="cycle" refType="h"/>
-                <dgm:constr type="w" for="ch" forName="cycle" refType="h" refFor="ch" refForName="cycle" fact="0.26"/>
-                <dgm:constr type="l" for="ch" forName="cycle"/>
-                <dgm:constr type="ctrY" for="ch" forName="cycle" refType="h" fact="0.5"/>
-                <dgm:constr type="diam" for="ch" forName="cycle" refType="h" fact="1.344"/>
-                <dgm:constr type="h" for="ch" forName="accent_1" refType="h" fact="0.25"/>
-                <dgm:constr type="w" for="ch" forName="accent_1" refType="h" refFor="ch" refForName="accent_1" op="equ"/>
-                <dgm:constr type="ctrY" for="ch" forName="accent_1" refType="h" fact="0.2"/>
-                <dgm:constr type="ctrX" for="ch" forName="accent_1" refType="h" fact="0.1526"/>
-                <dgm:constr type="l" for="ch" forName="text_1" refType="ctrX" refFor="ch" refForName="accent_1"/>
-                <dgm:constr type="r" for="ch" forName="text_1" refType="w"/>
-                <dgm:constr type="w" for="ch" forName="text_1" refType="h" refFor="ch" refForName="text_1" op="gte"/>
-                <dgm:constr type="h" for="ch" forName="text_1" refType="h" refFor="ch" refForName="accent_1" fact="0.8"/>
-                <dgm:constr type="ctrY" for="ch" forName="text_1" refType="ctrY" refFor="ch" refForName="accent_1"/>
-                <dgm:constr type="lMarg" for="ch" forName="text_1" refType="w" refFor="ch" refForName="accent_1" fact="1.8"/>
-                <dgm:constr type="h" for="ch" forName="accent_2" refType="h" fact="0.25"/>
-                <dgm:constr type="w" for="ch" forName="accent_2" refType="h" refFor="ch" refForName="accent_2" op="equ"/>
-                <dgm:constr type="ctrY" for="ch" forName="accent_2" refType="h" fact="0.5"/>
-                <dgm:constr type="ctrX" for="ch" forName="accent_2" refType="h" fact="0.2253"/>
-                <dgm:constr type="l" for="ch" forName="text_2" refType="ctrX" refFor="ch" refForName="accent_2"/>
-                <dgm:constr type="r" for="ch" forName="text_2" refType="w"/>
-                <dgm:constr type="w" for="ch" forName="text_2" refType="h" refFor="ch" refForName="text_2" op="gte"/>
-                <dgm:constr type="h" for="ch" forName="text_2" refType="h" refFor="ch" refForName="accent_2" fact="0.8"/>
-                <dgm:constr type="ctrY" for="ch" forName="text_2" refType="ctrY" refFor="ch" refForName="accent_2"/>
-                <dgm:constr type="lMarg" for="ch" forName="text_2" refType="w" refFor="ch" refForName="accent_2" fact="1.8"/>
-                <dgm:constr type="h" for="ch" forName="accent_3" refType="h" fact="0.25"/>
-                <dgm:constr type="w" for="ch" forName="accent_3" refType="h" refFor="ch" refForName="accent_3" op="equ"/>
-                <dgm:constr type="ctrY" for="ch" forName="accent_3" refType="h" fact="0.8"/>
-                <dgm:constr type="ctrX" for="ch" forName="accent_3" refType="h" fact="0.1526"/>
-                <dgm:constr type="l" for="ch" forName="text_3" refType="ctrX" refFor="ch" refForName="accent_3"/>
-                <dgm:constr type="r" for="ch" forName="text_3" refType="w"/>
-                <dgm:constr type="w" for="ch" forName="text_3" refType="h" refFor="ch" refForName="text_3" op="gte"/>
-                <dgm:constr type="h" for="ch" forName="text_3" refType="h" refFor="ch" refForName="accent_3" fact="0.8"/>
-                <dgm:constr type="ctrY" for="ch" forName="text_3" refType="ctrY" refFor="ch" refForName="accent_3"/>
-                <dgm:constr type="lMarg" for="ch" forName="text_3" refType="w" refFor="ch" refForName="accent_3" fact="1.8"/>
-                <dgm:constr type="primFontSz" for="ch" ptType="node" op="equ" val="65"/>
-              </dgm:constrLst>
-            </dgm:if>
-            <dgm:if name="Name8" axis="ch" ptType="node" func="cnt" op="equ" val="4">
-              <dgm:constrLst>
-                <dgm:constr type="h" for="ch" forName="cycle" refType="h"/>
-                <dgm:constr type="w" for="ch" forName="cycle" refType="h" refFor="ch" refForName="cycle" fact="0.26"/>
-                <dgm:constr type="l" for="ch" forName="cycle"/>
-                <dgm:constr type="ctrY" for="ch" forName="cycle" refType="h" fact="0.5"/>
-                <dgm:constr type="diam" for="ch" forName="cycle" refType="h" fact="1.344"/>
-                <dgm:constr type="h" for="ch" forName="accent_1" refType="h" fact="0.1923"/>
-                <dgm:constr type="w" for="ch" forName="accent_1" refType="h" refFor="ch" refForName="accent_1" op="equ"/>
-                <dgm:constr type="ctrY" for="ch" forName="accent_1" refType="h" fact="0.1538"/>
-                <dgm:constr type="ctrX" for="ch" forName="accent_1" refType="h" fact="0.1268"/>
-                <dgm:constr type="l" for="ch" forName="text_1" refType="ctrX" refFor="ch" refForName="accent_1"/>
-                <dgm:constr type="r" for="ch" forName="text_1" refType="w"/>
-                <dgm:constr type="w" for="ch" forName="text_1" refType="h" refFor="ch" refForName="text_1" op="gte"/>
-                <dgm:constr type="h" for="ch" forName="text_1" refType="h" refFor="ch" refForName="accent_1" fact="0.8"/>
-                <dgm:constr type="ctrY" for="ch" forName="text_1" refType="ctrY" refFor="ch" refForName="accent_1"/>
-                <dgm:constr type="lMarg" for="ch" forName="text_1" refType="w" refFor="ch" refForName="accent_1" fact="1.8"/>
-                <dgm:constr type="h" for="ch" forName="accent_2" refType="h" fact="0.1923"/>
-                <dgm:constr type="w" for="ch" forName="accent_2" refType="h" refFor="ch" refForName="accent_2" op="equ"/>
-                <dgm:constr type="ctrY" for="ch" forName="accent_2" refType="h" fact="0.3846"/>
-                <dgm:constr type="ctrX" for="ch" forName="accent_2" refType="h" fact="0.215"/>
-                <dgm:constr type="l" for="ch" forName="text_2" refType="ctrX" refFor="ch" refForName="accent_2"/>
-                <dgm:constr type="r" for="ch" forName="text_2" refType="w"/>
-                <dgm:constr type="w" for="ch" forName="text_2" refType="h" refFor="ch" refForName="text_2" op="gte"/>
-                <dgm:constr type="h" for="ch" forName="text_2" refType="h" refFor="ch" refForName="accent_2" fact="0.8"/>
-                <dgm:constr type="ctrY" for="ch" forName="text_2" refType="ctrY" refFor="ch" refForName="accent_2"/>
-                <dgm:constr type="lMarg" for="ch" forName="text_2" refType="w" refFor="ch" refForName="accent_2" fact="1.8"/>
-                <dgm:constr type="h" for="ch" forName="accent_3" refType="h" fact="0.1923"/>
-                <dgm:constr type="w" for="ch" forName="accent_3" refType="h" refFor="ch" refForName="accent_3" op="equ"/>
-                <dgm:constr type="ctrY" for="ch" forName="accent_3" refType="h" fact="0.6154"/>
-                <dgm:constr type="ctrX" for="ch" forName="accent_3" refType="h" fact="0.215"/>
-                <dgm:constr type="l" for="ch" forName="text_3" refType="ctrX" refFor="ch" refForName="accent_3"/>
-                <dgm:constr type="r" for="ch" forName="text_3" refType="w"/>
-                <dgm:constr type="w" for="ch" forName="text_3" refType="h" refFor="ch" refForName="text_3" op="gte"/>
-                <dgm:constr type="h" for="ch" forName="text_3" refType="h" refFor="ch" refForName="accent_3" fact="0.8"/>
-                <dgm:constr type="ctrY" for="ch" forName="text_3" refType="ctrY" refFor="ch" refForName="accent_3"/>
-                <dgm:constr type="lMarg" for="ch" forName="text_3" refType="w" refFor="ch" refForName="accent_3" fact="1.8"/>
-                <dgm:constr type="h" for="ch" forName="accent_4" refType="h" fact="0.1923"/>
-                <dgm:constr type="w" for="ch" forName="accent_4" refType="h" refFor="ch" refForName="accent_4" op="equ"/>
-                <dgm:constr type="ctrY" for="ch" forName="accent_4" refType="h" fact="0.8462"/>
-                <dgm:constr type="ctrX" for="ch" forName="accent_4" refType="h" fact="0.1268"/>
-                <dgm:constr type="l" for="ch" forName="text_4" refType="ctrX" refFor="ch" refForName="accent_4"/>
-                <dgm:constr type="r" for="ch" forName="text_4" refType="w"/>
-                <dgm:constr type="w" for="ch" forName="text_4" refType="h" refFor="ch" refForName="text_4" op="gte"/>
-                <dgm:constr type="h" for="ch" forName="text_4" refType="h" refFor="ch" refForName="accent_4" fact="0.8"/>
-                <dgm:constr type="ctrY" for="ch" forName="text_4" refType="ctrY" refFor="ch" refForName="accent_4"/>
-                <dgm:constr type="lMarg" for="ch" forName="text_4" refType="w" refFor="ch" refForName="accent_4" fact="1.8"/>
-                <dgm:constr type="primFontSz" for="ch" ptType="node" op="equ" val="65"/>
-              </dgm:constrLst>
-            </dgm:if>
-            <dgm:if name="Name9" axis="ch" ptType="node" func="cnt" op="equ" val="5">
-              <dgm:constrLst>
-                <dgm:constr type="h" for="ch" forName="cycle" refType="h"/>
-                <dgm:constr type="w" for="ch" forName="cycle" refType="h" refFor="ch" refForName="cycle" fact="0.26"/>
-                <dgm:constr type="l" for="ch" forName="cycle"/>
-                <dgm:constr type="ctrY" for="ch" forName="cycle" refType="h" fact="0.5"/>
-                <dgm:constr type="diam" for="ch" forName="cycle" refType="h" fact="1.344"/>
-                <dgm:constr type="h" for="ch" forName="accent_1" refType="h" fact="0.1563"/>
-                <dgm:constr type="w" for="ch" forName="accent_1" refType="h" refFor="ch" refForName="accent_1" op="equ"/>
-                <dgm:constr type="ctrY" for="ch" forName="accent_1" refType="h" fact="0.125"/>
-                <dgm:constr type="ctrX" for="ch" forName="accent_1" refType="h" fact="0.1082"/>
-                <dgm:constr type="l" for="ch" forName="text_1" refType="ctrX" refFor="ch" refForName="accent_1"/>
-                <dgm:constr type="r" for="ch" forName="text_1" refType="w"/>
-                <dgm:constr type="w" for="ch" forName="text_1" refType="h" refFor="ch" refForName="text_1" op="gte"/>
-                <dgm:constr type="h" for="ch" forName="text_1" refType="h" refFor="ch" refForName="accent_1" fact="0.8"/>
-                <dgm:constr type="ctrY" for="ch" forName="text_1" refType="ctrY" refFor="ch" refForName="accent_1"/>
-                <dgm:constr type="lMarg" for="ch" forName="text_1" refType="w" refFor="ch" refForName="accent_1" fact="1.8"/>
-                <dgm:constr type="h" for="ch" forName="accent_2" refType="h" fact="0.1563"/>
-                <dgm:constr type="w" for="ch" forName="accent_2" refType="h" refFor="ch" refForName="accent_2" op="equ"/>
-                <dgm:constr type="ctrY" for="ch" forName="accent_2" refType="h" fact="0.3125"/>
-                <dgm:constr type="ctrX" for="ch" forName="accent_2" refType="h" fact="0.1978"/>
-                <dgm:constr type="l" for="ch" forName="text_2" refType="ctrX" refFor="ch" refForName="accent_2"/>
-                <dgm:constr type="r" for="ch" forName="text_2" refType="w"/>
-                <dgm:constr type="w" for="ch" forName="text_2" refType="h" refFor="ch" refForName="text_2" op="gte"/>
-                <dgm:constr type="h" for="ch" forName="text_2" refType="h" refFor="ch" refForName="accent_2" fact="0.8"/>
-                <dgm:constr type="ctrY" for="ch" forName="text_2" refType="ctrY" refFor="ch" refForName="accent_2"/>
-                <dgm:constr type="lMarg" for="ch" forName="text_2" refType="w" refFor="ch" refForName="accent_2" fact="1.8"/>
-                <dgm:constr type="h" for="ch" forName="accent_3" refType="h" fact="0.1563"/>
-                <dgm:constr type="w" for="ch" forName="accent_3" refType="h" refFor="ch" refForName="accent_3" op="equ"/>
-                <dgm:constr type="ctrY" for="ch" forName="accent_3" refType="h" fact="0.5"/>
-                <dgm:constr type="ctrX" for="ch" forName="accent_3" refType="h" fact="0.2253"/>
-                <dgm:constr type="l" for="ch" forName="text_3" refType="ctrX" refFor="ch" refForName="accent_3"/>
-                <dgm:constr type="r" for="ch" forName="text_3" refType="w"/>
-                <dgm:constr type="w" for="ch" forName="text_3" refType="h" refFor="ch" refForName="text_3" op="gte"/>
-                <dgm:constr type="h" for="ch" forName="text_3" refType="h" refFor="ch" refForName="accent_3" fact="0.8"/>
-                <dgm:constr type="ctrY" for="ch" forName="text_3" refType="ctrY" refFor="ch" refForName="accent_3"/>
-                <dgm:constr type="lMarg" for="ch" forName="text_3" refType="w" refFor="ch" refForName="accent_3" fact="1.8"/>
-                <dgm:constr type="h" for="ch" forName="accent_4" refType="h" fact="0.1563"/>
-                <dgm:constr type="w" for="ch" forName="accent_4" refType="h" refFor="ch" refForName="accent_4" op="equ"/>
-                <dgm:constr type="ctrY" for="ch" forName="accent_4" refType="h" fact="0.6875"/>
-                <dgm:constr type="ctrX" for="ch" forName="accent_4" refType="h" fact="0.1978"/>
-                <dgm:constr type="l" for="ch" forName="text_4" refType="ctrX" refFor="ch" refForName="accent_4"/>
-                <dgm:constr type="r" for="ch" forName="text_4" refType="w"/>
-                <dgm:constr type="w" for="ch" forName="text_4" refType="h" refFor="ch" refForName="text_4" op="gte"/>
-                <dgm:constr type="h" for="ch" forName="text_4" refType="h" refFor="ch" refForName="accent_4" fact="0.8"/>
-                <dgm:constr type="ctrY" for="ch" forName="text_4" refType="ctrY" refFor="ch" refForName="accent_4"/>
-                <dgm:constr type="lMarg" for="ch" forName="text_4" refType="w" refFor="ch" refForName="accent_4" fact="1.8"/>
-                <dgm:constr type="h" for="ch" forName="accent_5" refType="h" fact="0.1563"/>
-                <dgm:constr type="w" for="ch" forName="accent_5" refType="h" refFor="ch" refForName="accent_5" op="equ"/>
-                <dgm:constr type="ctrY" for="ch" forName="accent_5" refType="h" fact="0.875"/>
-                <dgm:constr type="ctrX" for="ch" forName="accent_5" refType="h" fact="0.1082"/>
-                <dgm:constr type="l" for="ch" forName="text_5" refType="ctrX" refFor="ch" refForName="accent_5"/>
-                <dgm:constr type="r" for="ch" forName="text_5" refType="w"/>
-                <dgm:constr type="w" for="ch" forName="text_5" refType="h" refFor="ch" refForName="text_5" op="gte"/>
-                <dgm:constr type="h" for="ch" forName="text_5" refType="h" refFor="ch" refForName="accent_5" fact="0.8"/>
-                <dgm:constr type="ctrY" for="ch" forName="text_5" refType="ctrY" refFor="ch" refForName="accent_5"/>
-                <dgm:constr type="lMarg" for="ch" forName="text_5" refType="w" refFor="ch" refForName="accent_5" fact="1.8"/>
-                <dgm:constr type="primFontSz" for="ch" ptType="node" op="equ" val="65"/>
-              </dgm:constrLst>
-            </dgm:if>
-            <dgm:if name="Name10" axis="ch" ptType="node" func="cnt" op="equ" val="6">
-              <dgm:constrLst>
-                <dgm:constr type="h" for="ch" forName="cycle" refType="h"/>
-                <dgm:constr type="w" for="ch" forName="cycle" refType="h" refFor="ch" refForName="cycle" fact="0.26"/>
-                <dgm:constr type="l" for="ch" forName="cycle"/>
-                <dgm:constr type="ctrY" for="ch" forName="cycle" refType="h" fact="0.5"/>
-                <dgm:constr type="diam" for="ch" forName="cycle" refType="h" fact="1.344"/>
-                <dgm:constr type="h" for="ch" forName="accent_1" refType="h" fact="0.1316"/>
-                <dgm:constr type="w" for="ch" forName="accent_1" refType="h" refFor="ch" refForName="accent_1" op="equ"/>
-                <dgm:constr type="ctrY" for="ch" forName="accent_1" refType="h" fact="0.1053"/>
-                <dgm:constr type="ctrX" for="ch" forName="accent_1" refType="h" fact="0.0943"/>
-                <dgm:constr type="l" for="ch" forName="text_1" refType="ctrX" refFor="ch" refForName="accent_1"/>
-                <dgm:constr type="r" for="ch" forName="text_1" refType="w"/>
-                <dgm:constr type="w" for="ch" forName="text_1" refType="h" refFor="ch" refForName="text_1" op="gte"/>
-                <dgm:constr type="h" for="ch" forName="text_1" refType="h" refFor="ch" refForName="accent_1" fact="0.8"/>
-                <dgm:constr type="ctrY" for="ch" forName="text_1" refType="ctrY" refFor="ch" refForName="accent_1"/>
-                <dgm:constr type="lMarg" for="ch" forName="text_1" refType="w" refFor="ch" refForName="accent_1" fact="1.8"/>
-                <dgm:constr type="h" for="ch" forName="accent_2" refType="h" fact="0.1316"/>
-                <dgm:constr type="w" for="ch" forName="accent_2" refType="h" refFor="ch" refForName="accent_2" op="equ"/>
-                <dgm:constr type="ctrY" for="ch" forName="accent_2" refType="h" fact="0.2632"/>
-                <dgm:constr type="ctrX" for="ch" forName="accent_2" refType="h" fact="0.1809"/>
-                <dgm:constr type="l" for="ch" forName="text_2" refType="ctrX" refFor="ch" refForName="accent_2"/>
-                <dgm:constr type="r" for="ch" forName="text_2" refType="w"/>
-                <dgm:constr type="w" for="ch" forName="text_2" refType="h" refFor="ch" refForName="text_2" op="gte"/>
-                <dgm:constr type="h" for="ch" forName="text_2" refType="h" refFor="ch" refForName="accent_2" fact="0.8"/>
-                <dgm:constr type="ctrY" for="ch" forName="text_2" refType="ctrY" refFor="ch" refForName="accent_2"/>
-                <dgm:constr type="lMarg" for="ch" forName="text_2" refType="w" refFor="ch" refForName="accent_2" fact="1.8"/>
-                <dgm:constr type="h" for="ch" forName="accent_3" refType="h" fact="0.1316"/>
-                <dgm:constr type="w" for="ch" forName="accent_3" refType="h" refFor="ch" refForName="accent_3" op="equ"/>
-                <dgm:constr type="ctrY" for="ch" forName="accent_3" refType="h" fact="0.4211"/>
-                <dgm:constr type="ctrX" for="ch" forName="accent_3" refType="h" fact="0.2205"/>
-                <dgm:constr type="l" for="ch" forName="text_3" refType="ctrX" refFor="ch" refForName="accent_3"/>
-                <dgm:constr type="r" for="ch" forName="text_3" refType="w"/>
-                <dgm:constr type="w" for="ch" forName="text_3" refType="h" refFor="ch" refForName="text_3" op="gte"/>
-                <dgm:constr type="h" for="ch" forName="text_3" refType="h" refFor="ch" refForName="accent_3" fact="0.8"/>
-                <dgm:constr type="ctrY" for="ch" forName="text_3" refType="ctrY" refFor="ch" refForName="accent_3"/>
-                <dgm:constr type="lMarg" for="ch" forName="text_3" refType="w" refFor="ch" refForName="accent_3" fact="1.8"/>
-                <dgm:constr type="h" for="ch" forName="accent_4" refType="h" fact="0.1316"/>
-                <dgm:constr type="w" for="ch" forName="accent_4" refType="h" refFor="ch" refForName="accent_4" op="equ"/>
-                <dgm:constr type="ctrY" for="ch" forName="accent_4" refType="h" fact="0.5789"/>
-                <dgm:constr type="ctrX" for="ch" forName="accent_4" refType="h" fact="0.2205"/>
-                <dgm:constr type="l" for="ch" forName="text_4" refType="ctrX" refFor="ch" refForName="accent_4"/>
-                <dgm:constr type="r" for="ch" forName="text_4" refType="w"/>
-                <dgm:constr type="w" for="ch" forName="text_4" refType="h" refFor="ch" refForName="text_4" op="gte"/>
-                <dgm:constr type="h" for="ch" forName="text_4" refType="h" refFor="ch" refForName="accent_4" fact="0.8"/>
-                <dgm:constr type="ctrY" for="ch" forName="text_4" refType="ctrY" refFor="ch" refForName="accent_4"/>
-                <dgm:constr type="lMarg" for="ch" forName="text_4" refType="w" refFor="ch" refForName="accent_4" fact="1.8"/>
-                <dgm:constr type="h" for="ch" forName="accent_5" refType="h" fact="0.1316"/>
-                <dgm:constr type="w" for="ch" forName="accent_5" refType="h" refFor="ch" refForName="accent_5" op="equ"/>
-                <dgm:constr type="ctrY" for="ch" forName="accent_5" refType="h" fact="0.7368"/>
-                <dgm:constr type="ctrX" for="ch" forName="accent_5" refType="h" fact="0.1809"/>
-                <dgm:constr type="l" for="ch" forName="text_5" refType="ctrX" refFor="ch" refForName="accent_5"/>
-                <dgm:constr type="r" for="ch" forName="text_5" refType="w"/>
-                <dgm:constr type="w" for="ch" forName="text_5" refType="h" refFor="ch" refForName="text_5" op="gte"/>
-                <dgm:constr type="h" for="ch" forName="text_5" refType="h" refFor="ch" refForName="accent_5" fact="0.8"/>
-                <dgm:constr type="ctrY" for="ch" forName="text_5" refType="ctrY" refFor="ch" refForName="accent_5"/>
-                <dgm:constr type="lMarg" for="ch" forName="text_5" refType="w" refFor="ch" refForName="accent_5" fact="1.8"/>
-                <dgm:constr type="h" for="ch" forName="accent_6" refType="h" fact="0.1316"/>
-                <dgm:constr type="w" for="ch" forName="accent_6" refType="h" refFor="ch" refForName="accent_6" op="equ"/>
-                <dgm:constr type="ctrY" for="ch" forName="accent_6" refType="h" fact="0.8947"/>
-                <dgm:constr type="ctrX" for="ch" forName="accent_6" refType="h" fact="0.0943"/>
-                <dgm:constr type="l" for="ch" forName="text_6" refType="ctrX" refFor="ch" refForName="accent_6"/>
-                <dgm:constr type="r" for="ch" forName="text_6" refType="w"/>
-                <dgm:constr type="w" for="ch" forName="text_6" refType="h" refFor="ch" refForName="text_6" op="gte"/>
-                <dgm:constr type="h" for="ch" forName="text_6" refType="h" refFor="ch" refForName="accent_6" fact="0.8"/>
-                <dgm:constr type="ctrY" for="ch" forName="text_6" refType="ctrY" refFor="ch" refForName="accent_6"/>
-                <dgm:constr type="lMarg" for="ch" forName="text_6" refType="w" refFor="ch" refForName="accent_6" fact="1.8"/>
-                <dgm:constr type="primFontSz" for="ch" ptType="node" op="equ" val="65"/>
-              </dgm:constrLst>
-            </dgm:if>
-            <dgm:else name="Name11">
-              <dgm:constrLst>
-                <dgm:constr type="h" for="ch" forName="cycle" refType="h"/>
-                <dgm:constr type="w" for="ch" forName="cycle" refType="h" refFor="ch" refForName="cycle" fact="0.26"/>
-                <dgm:constr type="l" for="ch" forName="cycle"/>
-                <dgm:constr type="ctrY" for="ch" forName="cycle" refType="h" fact="0.5"/>
-                <dgm:constr type="diam" for="ch" forName="cycle" refType="h" fact="1.344"/>
-                <dgm:constr type="h" for="ch" forName="accent_1" refType="h" fact="0.1136"/>
-                <dgm:constr type="w" for="ch" forName="accent_1" refType="h" refFor="ch" refForName="accent_1" op="equ"/>
-                <dgm:constr type="ctrY" for="ch" forName="accent_1" refType="h" fact="0.0909"/>
-                <dgm:constr type="ctrX" for="ch" forName="accent_1" refType="h" fact="0.0835"/>
-                <dgm:constr type="l" for="ch" forName="text_1" refType="ctrX" refFor="ch" refForName="accent_1"/>
-                <dgm:constr type="r" for="ch" forName="text_1" refType="w"/>
-                <dgm:constr type="w" for="ch" forName="text_1" refType="h" refFor="ch" refForName="text_1" op="gte"/>
-                <dgm:constr type="h" for="ch" forName="text_1" refType="h" refFor="ch" refForName="accent_1" fact="0.8"/>
-                <dgm:constr type="ctrY" for="ch" forName="text_1" refType="ctrY" refFor="ch" refForName="accent_1"/>
-                <dgm:constr type="lMarg" for="ch" forName="text_1" refType="w" refFor="ch" refForName="accent_1" fact="1.8"/>
-                <dgm:constr type="h" for="ch" forName="accent_2" refType="h" fact="0.1136"/>
-                <dgm:constr type="w" for="ch" forName="accent_2" refType="h" refFor="ch" refForName="accent_2" op="equ"/>
-                <dgm:constr type="ctrY" for="ch" forName="accent_2" refType="h" fact="0.2273"/>
-                <dgm:constr type="ctrX" for="ch" forName="accent_2" refType="h" fact="0.1658"/>
-                <dgm:constr type="l" for="ch" forName="text_2" refType="ctrX" refFor="ch" refForName="accent_2"/>
-                <dgm:constr type="r" for="ch" forName="text_2" refType="w"/>
-                <dgm:constr type="w" for="ch" forName="text_2" refType="h" refFor="ch" refForName="text_2" op="gte"/>
-                <dgm:constr type="h" for="ch" forName="text_2" refType="h" refFor="ch" refForName="accent_2" fact="0.8"/>
-                <dgm:constr type="ctrY" for="ch" forName="text_2" refType="ctrY" refFor="ch" refForName="accent_2"/>
-                <dgm:constr type="lMarg" for="ch" forName="text_2" refType="w" refFor="ch" refForName="accent_2" fact="1.8"/>
-                <dgm:constr type="h" for="ch" forName="accent_3" refType="h" fact="0.1136"/>
-                <dgm:constr type="w" for="ch" forName="accent_3" refType="h" refFor="ch" refForName="accent_3" op="equ"/>
-                <dgm:constr type="ctrY" for="ch" forName="accent_3" refType="h" fact="0.3636"/>
-                <dgm:constr type="ctrX" for="ch" forName="accent_3" refType="h" fact="0.2109"/>
-                <dgm:constr type="l" for="ch" forName="text_3" refType="ctrX" refFor="ch" refForName="accent_3"/>
-                <dgm:constr type="r" for="ch" forName="text_3" refType="w"/>
-                <dgm:constr type="w" for="ch" forName="text_3" refType="h" refFor="ch" refForName="text_3" op="gte"/>
-                <dgm:constr type="h" for="ch" forName="text_3" refType="h" refFor="ch" refForName="accent_3" fact="0.8"/>
-                <dgm:constr type="ctrY" for="ch" forName="text_3" refType="ctrY" refFor="ch" refForName="accent_3"/>
-                <dgm:constr type="lMarg" for="ch" forName="text_3" refType="w" refFor="ch" refForName="accent_3" fact="1.8"/>
-                <dgm:constr type="h" for="ch" forName="accent_4" refType="h" fact="0.1136"/>
-                <dgm:constr type="w" for="ch" forName="accent_4" refType="h" refFor="ch" refForName="accent_4" op="equ"/>
-                <dgm:constr type="ctrY" for="ch" forName="accent_4" refType="h" fact="0.5"/>
-                <dgm:constr type="ctrX" for="ch" forName="accent_4" refType="h" fact="0.2253"/>
-                <dgm:constr type="l" for="ch" forName="text_4" refType="ctrX" refFor="ch" refForName="accent_4"/>
-                <dgm:constr type="r" for="ch" forName="text_4" refType="w"/>
-                <dgm:constr type="w" for="ch" forName="text_4" refType="h" refFor="ch" refForName="text_4" op="gte"/>
-                <dgm:constr type="h" for="ch" forName="text_4" refType="h" refFor="ch" refForName="accent_4" fact="0.8"/>
-                <dgm:constr type="ctrY" for="ch" forName="text_4" refType="ctrY" refFor="ch" refForName="accent_4"/>
-                <dgm:constr type="lMarg" for="ch" forName="text_4" refType="w" refFor="ch" refForName="accent_4" fact="1.8"/>
-                <dgm:constr type="h" for="ch" forName="accent_5" refType="h" fact="0.1136"/>
-                <dgm:constr type="w" for="ch" forName="accent_5" refType="h" refFor="ch" refForName="accent_5" op="equ"/>
-                <dgm:constr type="ctrY" for="ch" forName="accent_5" refType="h" fact="0.6364"/>
-                <dgm:constr type="ctrX" for="ch" forName="accent_5" refType="h" fact="0.2109"/>
-                <dgm:constr type="l" for="ch" forName="text_5" refType="ctrX" refFor="ch" refForName="accent_5"/>
-                <dgm:constr type="r" for="ch" forName="text_5" refType="w"/>
-                <dgm:constr type="w" for="ch" forName="text_5" refType="h" refFor="ch" refForName="text_5" op="gte"/>
-                <dgm:constr type="h" for="ch" forName="text_5" refType="h" refFor="ch" refForName="accent_5" fact="0.8"/>
-                <dgm:constr type="ctrY" for="ch" forName="text_5" refType="ctrY" refFor="ch" refForName="accent_5"/>
-                <dgm:constr type="lMarg" for="ch" forName="text_5" refType="w" refFor="ch" refForName="accent_5" fact="1.8"/>
-                <dgm:constr type="h" for="ch" forName="accent_6" refType="h" fact="0.1136"/>
-                <dgm:constr type="w" for="ch" forName="accent_6" refType="h" refFor="ch" refForName="accent_6" op="equ"/>
-                <dgm:constr type="ctrY" for="ch" forName="accent_6" refType="h" fact="0.7727"/>
-                <dgm:constr type="ctrX" for="ch" forName="accent_6" refType="h" fact="0.1658"/>
-                <dgm:constr type="l" for="ch" forName="text_6" refType="ctrX" refFor="ch" refForName="accent_6"/>
-                <dgm:constr type="r" for="ch" forName="text_6" refType="w"/>
-                <dgm:constr type="w" for="ch" forName="text_6" refType="h" refFor="ch" refForName="text_6" op="gte"/>
-                <dgm:constr type="h" for="ch" forName="text_6" refType="h" refFor="ch" refForName="accent_6" fact="0.8"/>
-                <dgm:constr type="ctrY" for="ch" forName="text_6" refType="ctrY" refFor="ch" refForName="accent_6"/>
-                <dgm:constr type="lMarg" for="ch" forName="text_6" refType="w" refFor="ch" refForName="accent_6" fact="1.8"/>
-                <dgm:constr type="h" for="ch" forName="accent_7" refType="h" fact="0.1136"/>
-                <dgm:constr type="w" for="ch" forName="accent_7" refType="h" refFor="ch" refForName="accent_7" op="equ"/>
-                <dgm:constr type="ctrY" for="ch" forName="accent_7" refType="h" fact="0.9091"/>
-                <dgm:constr type="ctrX" for="ch" forName="accent_7" refType="h" fact="0.0835"/>
-                <dgm:constr type="l" for="ch" forName="text_7" refType="ctrX" refFor="ch" refForName="accent_7"/>
-                <dgm:constr type="r" for="ch" forName="text_7" refType="w"/>
-                <dgm:constr type="w" for="ch" forName="text_7" refType="h" refFor="ch" refForName="text_7" op="gte"/>
-                <dgm:constr type="h" for="ch" forName="text_7" refType="h" refFor="ch" refForName="accent_7" fact="0.8"/>
-                <dgm:constr type="ctrY" for="ch" forName="text_7" refType="ctrY" refFor="ch" refForName="accent_7"/>
-                <dgm:constr type="lMarg" for="ch" forName="text_7" refType="w" refFor="ch" refForName="accent_7" fact="1.8"/>
-                <dgm:constr type="primFontSz" for="ch" ptType="node" op="equ" val="65"/>
-              </dgm:constrLst>
-            </dgm:else>
-          </dgm:choose>
-        </dgm:if>
-        <dgm:else name="Name12">
-          <dgm:choose name="Name13">
-            <dgm:if name="Name14" axis="ch" ptType="node" func="cnt" op="equ" val="1">
-              <dgm:constrLst>
-                <dgm:constr type="h" for="ch" forName="cycle" refType="h"/>
-                <dgm:constr type="w" for="ch" forName="cycle" refType="h" refFor="ch" refForName="cycle" fact="0.26"/>
-                <dgm:constr type="r" for="ch" forName="cycle" refType="w"/>
-                <dgm:constr type="ctrY" for="ch" forName="cycle" refType="h" fact="0.5"/>
-                <dgm:constr type="diam" for="ch" forName="cycle" refType="h" fact="1.344"/>
-                <dgm:constr type="h" for="ch" forName="accent_1" refType="h" fact="0.625"/>
-                <dgm:constr type="w" for="ch" forName="accent_1" refType="h" refFor="ch" refForName="accent_1" op="equ"/>
-                <dgm:constr type="ctrY" for="ch" forName="accent_1" refType="h" fact="0.5"/>
-                <dgm:constr type="ctrX" for="ch" forName="accent_1" refType="w"/>
-                <dgm:constr type="ctrXOff" for="ch" forName="accent_1" refType="h" fact="-0.2253"/>
-                <dgm:constr type="r" for="ch" forName="text_1" refType="ctrX" refFor="ch" refForName="accent_1"/>
-                <dgm:constr type="rOff" for="ch" forName="text_1" refType="ctrXOff" refFor="ch" refForName="accent_1"/>
-                <dgm:constr type="l" for="ch" forName="text_1"/>
-                <dgm:constr type="w" for="ch" forName="text_1" refType="h" refFor="ch" refForName="text_1" op="gte"/>
-                <dgm:constr type="h" for="ch" forName="text_1" refType="h" refFor="ch" refForName="accent_1" fact="0.8"/>
-                <dgm:constr type="ctrY" for="ch" forName="text_1" refType="ctrY" refFor="ch" refForName="accent_1"/>
-                <dgm:constr type="rMarg" for="ch" forName="text_1" refType="w" refFor="ch" refForName="accent_1" fact="1.8"/>
-                <dgm:constr type="primFontSz" for="ch" ptType="node" op="equ" val="65"/>
-              </dgm:constrLst>
-            </dgm:if>
-            <dgm:if name="Name15" axis="ch" ptType="node" func="cnt" op="equ" val="2">
-              <dgm:constrLst>
-                <dgm:constr type="h" for="ch" forName="cycle" refType="h"/>
-                <dgm:constr type="w" for="ch" forName="cycle" refType="h" refFor="ch" refForName="cycle" fact="0.26"/>
-                <dgm:constr type="r" for="ch" forName="cycle" refType="w"/>
-                <dgm:constr type="ctrY" for="ch" forName="cycle" refType="h" fact="0.5"/>
-                <dgm:constr type="diam" for="ch" forName="cycle" refType="h" fact="1.344"/>
-                <dgm:constr type="h" for="ch" forName="accent_1" refType="h" fact="0.3571"/>
-                <dgm:constr type="w" for="ch" forName="accent_1" refType="h" refFor="ch" refForName="accent_1" op="equ"/>
-                <dgm:constr type="ctrY" for="ch" forName="accent_1" refType="h" fact="0.2857"/>
-                <dgm:constr type="ctrX" for="ch" forName="accent_1" refType="w"/>
-                <dgm:constr type="ctrXOff" for="ch" forName="accent_1" refType="h" fact="-0.1891"/>
-                <dgm:constr type="r" for="ch" forName="text_1" refType="ctrX" refFor="ch" refForName="accent_1"/>
-                <dgm:constr type="rOff" for="ch" forName="text_1" refType="ctrXOff" refFor="ch" refForName="accent_1"/>
-                <dgm:constr type="l" for="ch" forName="text_1"/>
-                <dgm:constr type="w" for="ch" forName="text_1" refType="h" refFor="ch" refForName="text_1" op="gte"/>
-                <dgm:constr type="h" for="ch" forName="text_1" refType="h" refFor="ch" refForName="accent_1" fact="0.8"/>
-                <dgm:constr type="ctrY" for="ch" forName="text_1" refType="ctrY" refFor="ch" refForName="accent_1"/>
-                <dgm:constr type="rMarg" for="ch" forName="text_1" refType="w" refFor="ch" refForName="accent_1" fact="1.8"/>
-                <dgm:constr type="h" for="ch" forName="accent_2" refType="h" fact="0.3571"/>
-                <dgm:constr type="w" for="ch" forName="accent_2" refType="h" refFor="ch" refForName="accent_2" op="equ"/>
-                <dgm:constr type="ctrY" for="ch" forName="accent_2" refType="h" fact="0.7143"/>
-                <dgm:constr type="ctrX" for="ch" forName="accent_2" refType="w"/>
-                <dgm:constr type="ctrXOff" for="ch" forName="accent_2" refType="h" fact="-0.1891"/>
-                <dgm:constr type="r" for="ch" forName="text_2" refType="ctrX" refFor="ch" refForName="accent_2"/>
-                <dgm:constr type="rOff" for="ch" forName="text_2" refType="ctrXOff" refFor="ch" refForName="accent_2"/>
-                <dgm:constr type="l" for="ch" forName="text_2"/>
-                <dgm:constr type="w" for="ch" forName="text_2" refType="h" refFor="ch" refForName="text_2" op="gte"/>
-                <dgm:constr type="h" for="ch" forName="text_2" refType="h" refFor="ch" refForName="accent_2" fact="0.8"/>
-                <dgm:constr type="ctrY" for="ch" forName="text_2" refType="ctrY" refFor="ch" refForName="accent_2"/>
-                <dgm:constr type="rMarg" for="ch" forName="text_2" refType="w" refFor="ch" refForName="accent_2" fact="1.8"/>
-                <dgm:constr type="primFontSz" for="ch" ptType="node" op="equ" val="65"/>
-              </dgm:constrLst>
-            </dgm:if>
-            <dgm:if name="Name16" axis="ch" ptType="node" func="cnt" op="equ" val="3">
-              <dgm:constrLst>
-                <dgm:constr type="h" for="ch" forName="cycle" refType="h"/>
-                <dgm:constr type="w" for="ch" forName="cycle" refType="h" refFor="ch" refForName="cycle" fact="0.26"/>
-                <dgm:constr type="r" for="ch" forName="cycle" refType="w"/>
-                <dgm:constr type="ctrY" for="ch" forName="cycle" refType="h" fact="0.5"/>
-                <dgm:constr type="diam" for="ch" forName="cycle" refType="h" fact="1.344"/>
-                <dgm:constr type="h" for="ch" forName="accent_1" refType="h" fact="0.25"/>
-                <dgm:constr type="w" for="ch" forName="accent_1" refType="h" refFor="ch" refForName="accent_1" op="equ"/>
-                <dgm:constr type="ctrY" for="ch" forName="accent_1" refType="h" fact="0.2"/>
-                <dgm:constr type="ctrX" for="ch" forName="accent_1" refType="w"/>
-                <dgm:constr type="ctrXOff" for="ch" forName="accent_1" refType="h" fact="-0.1526"/>
-                <dgm:constr type="r" for="ch" forName="text_1" refType="ctrX" refFor="ch" refForName="accent_1"/>
-                <dgm:constr type="rOff" for="ch" forName="text_1" refType="ctrXOff" refFor="ch" refForName="accent_1"/>
-                <dgm:constr type="l" for="ch" forName="text_1"/>
-                <dgm:constr type="w" for="ch" forName="text_1" refType="h" refFor="ch" refForName="text_1" op="gte"/>
-                <dgm:constr type="h" for="ch" forName="text_1" refType="h" refFor="ch" refForName="accent_1" fact="0.8"/>
-                <dgm:constr type="ctrY" for="ch" forName="text_1" refType="ctrY" refFor="ch" refForName="accent_1"/>
-                <dgm:constr type="rMarg" for="ch" forName="text_1" refType="w" refFor="ch" refForName="accent_1" fact="1.8"/>
-                <dgm:constr type="h" for="ch" forName="accent_2" refType="h" fact="0.25"/>
-                <dgm:constr type="w" for="ch" forName="accent_2" refType="h" refFor="ch" refForName="accent_2" op="equ"/>
-                <dgm:constr type="ctrY" for="ch" forName="accent_2" refType="h" fact="0.5"/>
-                <dgm:constr type="ctrX" for="ch" forName="accent_2" refType="w"/>
-                <dgm:constr type="ctrXOff" for="ch" forName="accent_2" refType="h" fact="-0.2253"/>
-                <dgm:constr type="r" for="ch" forName="text_2" refType="ctrX" refFor="ch" refForName="accent_2"/>
-                <dgm:constr type="rOff" for="ch" forName="text_2" refType="ctrXOff" refFor="ch" refForName="accent_2"/>
-                <dgm:constr type="l" for="ch" forName="text_2"/>
-                <dgm:constr type="w" for="ch" forName="text_2" refType="h" refFor="ch" refForName="text_2" op="gte"/>
-                <dgm:constr type="h" for="ch" forName="text_2" refType="h" refFor="ch" refForName="accent_2" fact="0.8"/>
-                <dgm:constr type="ctrY" for="ch" forName="text_2" refType="ctrY" refFor="ch" refForName="accent_2"/>
-                <dgm:constr type="rMarg" for="ch" forName="text_2" refType="w" refFor="ch" refForName="accent_2" fact="1.8"/>
-                <dgm:constr type="h" for="ch" forName="accent_3" refType="h" fact="0.25"/>
-                <dgm:constr type="w" for="ch" forName="accent_3" refType="h" refFor="ch" refForName="accent_3" op="equ"/>
-                <dgm:constr type="ctrY" for="ch" forName="accent_3" refType="h" fact="0.8"/>
-                <dgm:constr type="ctrX" for="ch" forName="accent_3" refType="w"/>
-                <dgm:constr type="ctrXOff" for="ch" forName="accent_3" refType="h" fact="-0.1526"/>
-                <dgm:constr type="r" for="ch" forName="text_3" refType="ctrX" refFor="ch" refForName="accent_3"/>
-                <dgm:constr type="rOff" for="ch" forName="text_3" refType="ctrXOff" refFor="ch" refForName="accent_3"/>
-                <dgm:constr type="l" for="ch" forName="text_3"/>
-                <dgm:constr type="w" for="ch" forName="text_3" refType="h" refFor="ch" refForName="text_3" op="gte"/>
-                <dgm:constr type="h" for="ch" forName="text_3" refType="h" refFor="ch" refForName="accent_3" fact="0.8"/>
-                <dgm:constr type="ctrY" for="ch" forName="text_3" refType="ctrY" refFor="ch" refForName="accent_3"/>
-                <dgm:constr type="rMarg" for="ch" forName="text_3" refType="w" refFor="ch" refForName="accent_3" fact="1.8"/>
-                <dgm:constr type="primFontSz" for="ch" ptType="node" op="equ" val="65"/>
-              </dgm:constrLst>
-            </dgm:if>
-            <dgm:if name="Name17" axis="ch" ptType="node" func="cnt" op="equ" val="4">
-              <dgm:constrLst>
-                <dgm:constr type="h" for="ch" forName="cycle" refType="h"/>
-                <dgm:constr type="w" for="ch" forName="cycle" refType="h" refFor="ch" refForName="cycle" fact="0.26"/>
-                <dgm:constr type="r" for="ch" forName="cycle" refType="w"/>
-                <dgm:constr type="ctrY" for="ch" forName="cycle" refType="h" fact="0.5"/>
-                <dgm:constr type="diam" for="ch" forName="cycle" refType="h" fact="1.344"/>
-                <dgm:constr type="h" for="ch" forName="accent_1" refType="h" fact="0.1923"/>
-                <dgm:constr type="w" for="ch" forName="accent_1" refType="h" refFor="ch" refForName="accent_1" op="equ"/>
-                <dgm:constr type="ctrY" for="ch" forName="accent_1" refType="h" fact="0.1538"/>
-                <dgm:constr type="ctrX" for="ch" forName="accent_1" refType="w"/>
-                <dgm:constr type="ctrXOff" for="ch" forName="accent_1" refType="h" fact="-0.1268"/>
-                <dgm:constr type="r" for="ch" forName="text_1" refType="ctrX" refFor="ch" refForName="accent_1"/>
-                <dgm:constr type="rOff" for="ch" forName="text_1" refType="ctrXOff" refFor="ch" refForName="accent_1"/>
-                <dgm:constr type="l" for="ch" forName="text_1"/>
-                <dgm:constr type="w" for="ch" forName="text_1" refType="h" refFor="ch" refForName="text_1" op="gte"/>
-                <dgm:constr type="h" for="ch" forName="text_1" refType="h" refFor="ch" refForName="accent_1" fact="0.8"/>
-                <dgm:constr type="ctrY" for="ch" forName="text_1" refType="ctrY" refFor="ch" refForName="accent_1"/>
-                <dgm:constr type="rMarg" for="ch" forName="text_1" refType="w" refFor="ch" refForName="accent_1" fact="1.8"/>
-                <dgm:constr type="h" for="ch" forName="accent_2" refType="h" fact="0.1923"/>
-                <dgm:constr type="w" for="ch" forName="accent_2" refType="h" refFor="ch" refForName="accent_2" op="equ"/>
-                <dgm:constr type="ctrY" for="ch" forName="accent_2" refType="h" fact="0.3846"/>
-                <dgm:constr type="ctrX" for="ch" forName="accent_2" refType="w"/>
-                <dgm:constr type="ctrXOff" for="ch" forName="accent_2" refType="h" fact="-0.215"/>
-                <dgm:constr type="r" for="ch" forName="text_2" refType="ctrX" refFor="ch" refForName="accent_2"/>
-                <dgm:constr type="rOff" for="ch" forName="text_2" refType="ctrXOff" refFor="ch" refForName="accent_2"/>
-                <dgm:constr type="l" for="ch" forName="text_2"/>
-                <dgm:constr type="w" for="ch" forName="text_2" refType="h" refFor="ch" refForName="text_2" op="gte"/>
-                <dgm:constr type="h" for="ch" forName="text_2" refType="h" refFor="ch" refForName="accent_2" fact="0.8"/>
-                <dgm:constr type="ctrY" for="ch" forName="text_2" refType="ctrY" refFor="ch" refForName="accent_2"/>
-                <dgm:constr type="rMarg" for="ch" forName="text_2" refType="w" refFor="ch" refForName="accent_2" fact="1.8"/>
-                <dgm:constr type="h" for="ch" forName="accent_3" refType="h" fact="0.1923"/>
-                <dgm:constr type="w" for="ch" forName="accent_3" refType="h" refFor="ch" refForName="accent_3" op="equ"/>
-                <dgm:constr type="ctrY" for="ch" forName="accent_3" refType="h" fact="0.6154"/>
-                <dgm:constr type="ctrX" for="ch" forName="accent_3" refType="w"/>
-                <dgm:constr type="ctrXOff" for="ch" forName="accent_3" refType="h" fact="-0.215"/>
-                <dgm:constr type="r" for="ch" forName="text_3" refType="ctrX" refFor="ch" refForName="accent_3"/>
-                <dgm:constr type="rOff" for="ch" forName="text_3" refType="ctrXOff" refFor="ch" refForName="accent_3"/>
-                <dgm:constr type="l" for="ch" forName="text_3"/>
-                <dgm:constr type="w" for="ch" forName="text_3" refType="h" refFor="ch" refForName="text_3" op="gte"/>
-                <dgm:constr type="h" for="ch" forName="text_3" refType="h" refFor="ch" refForName="accent_3" fact="0.8"/>
-                <dgm:constr type="ctrY" for="ch" forName="text_3" refType="ctrY" refFor="ch" refForName="accent_3"/>
-                <dgm:constr type="rMarg" for="ch" forName="text_3" refType="w" refFor="ch" refForName="accent_3" fact="1.8"/>
-                <dgm:constr type="h" for="ch" forName="accent_4" refType="h" fact="0.1923"/>
-                <dgm:constr type="w" for="ch" forName="accent_4" refType="h" refFor="ch" refForName="accent_4" op="equ"/>
-                <dgm:constr type="ctrY" for="ch" forName="accent_4" refType="h" fact="0.8462"/>
-                <dgm:constr type="ctrX" for="ch" forName="accent_4" refType="w"/>
-                <dgm:constr type="ctrXOff" for="ch" forName="accent_4" refType="h" fact="-0.1268"/>
-                <dgm:constr type="r" for="ch" forName="text_4" refType="ctrX" refFor="ch" refForName="accent_4"/>
-                <dgm:constr type="rOff" for="ch" forName="text_4" refType="ctrXOff" refFor="ch" refForName="accent_4"/>
-                <dgm:constr type="l" for="ch" forName="text_4"/>
-                <dgm:constr type="w" for="ch" forName="text_4" refType="h" refFor="ch" refForName="text_4" op="gte"/>
-                <dgm:constr type="h" for="ch" forName="text_4" refType="h" refFor="ch" refForName="accent_4" fact="0.8"/>
-                <dgm:constr type="ctrY" for="ch" forName="text_4" refType="ctrY" refFor="ch" refForName="accent_4"/>
-                <dgm:constr type="rMarg" for="ch" forName="text_4" refType="w" refFor="ch" refForName="accent_4" fact="1.8"/>
-                <dgm:constr type="primFontSz" for="ch" ptType="node" op="equ" val="65"/>
-              </dgm:constrLst>
-            </dgm:if>
-            <dgm:if name="Name18" axis="ch" ptType="node" func="cnt" op="equ" val="5">
-              <dgm:constrLst>
-                <dgm:constr type="h" for="ch" forName="cycle" refType="h"/>
-                <dgm:constr type="w" for="ch" forName="cycle" refType="h" refFor="ch" refForName="cycle" fact="0.26"/>
-                <dgm:constr type="r" for="ch" forName="cycle" refType="w"/>
-                <dgm:constr type="ctrY" for="ch" forName="cycle" refType="h" fact="0.5"/>
-                <dgm:constr type="diam" for="ch" forName="cycle" refType="h" fact="1.344"/>
-                <dgm:constr type="h" for="ch" forName="accent_1" refType="h" fact="0.1563"/>
-                <dgm:constr type="w" for="ch" forName="accent_1" refType="h" refFor="ch" refForName="accent_1" op="equ"/>
-                <dgm:constr type="ctrY" for="ch" forName="accent_1" refType="h" fact="0.125"/>
-                <dgm:constr type="ctrX" for="ch" forName="accent_1" refType="w"/>
-                <dgm:constr type="ctrXOff" for="ch" forName="accent_1" refType="h" fact="-0.1082"/>
-                <dgm:constr type="r" for="ch" forName="text_1" refType="ctrX" refFor="ch" refForName="accent_1"/>
-                <dgm:constr type="rOff" for="ch" forName="text_1" refType="ctrXOff" refFor="ch" refForName="accent_1"/>
-                <dgm:constr type="l" for="ch" forName="text_1"/>
-                <dgm:constr type="w" for="ch" forName="text_1" refType="h" refFor="ch" refForName="text_1" op="gte"/>
-                <dgm:constr type="h" for="ch" forName="text_1" refType="h" refFor="ch" refForName="accent_1" fact="0.8"/>
-                <dgm:constr type="ctrY" for="ch" forName="text_1" refType="ctrY" refFor="ch" refForName="accent_1"/>
-                <dgm:constr type="rMarg" for="ch" forName="text_1" refType="w" refFor="ch" refForName="accent_1" fact="1.8"/>
-                <dgm:constr type="h" for="ch" forName="accent_2" refType="h" fact="0.1563"/>
-                <dgm:constr type="w" for="ch" forName="accent_2" refType="h" refFor="ch" refForName="accent_2" op="equ"/>
-                <dgm:constr type="ctrY" for="ch" forName="accent_2" refType="h" fact="0.3125"/>
-                <dgm:constr type="ctrX" for="ch" forName="accent_2" refType="w"/>
-                <dgm:constr type="ctrXOff" for="ch" forName="accent_2" refType="h" fact="-0.1978"/>
-                <dgm:constr type="r" for="ch" forName="text_2" refType="ctrX" refFor="ch" refForName="accent_2"/>
-                <dgm:constr type="rOff" for="ch" forName="text_2" refType="ctrXOff" refFor="ch" refForName="accent_2"/>
-                <dgm:constr type="l" for="ch" forName="text_2"/>
-                <dgm:constr type="w" for="ch" forName="text_2" refType="h" refFor="ch" refForName="text_2" op="gte"/>
-                <dgm:constr type="h" for="ch" forName="text_2" refType="h" refFor="ch" refForName="accent_2" fact="0.8"/>
-                <dgm:constr type="ctrY" for="ch" forName="text_2" refType="ctrY" refFor="ch" refForName="accent_2"/>
-                <dgm:constr type="rMarg" for="ch" forName="text_2" refType="w" refFor="ch" refForName="accent_2" fact="1.8"/>
-                <dgm:constr type="h" for="ch" forName="accent_3" refType="h" fact="0.1563"/>
-                <dgm:constr type="w" for="ch" forName="accent_3" refType="h" refFor="ch" refForName="accent_3" op="equ"/>
-                <dgm:constr type="ctrY" for="ch" forName="accent_3" refType="h" fact="0.5"/>
-                <dgm:constr type="ctrX" for="ch" forName="accent_3" refType="w"/>
-                <dgm:constr type="ctrXOff" for="ch" forName="accent_3" refType="h" fact="-0.2253"/>
-                <dgm:constr type="r" for="ch" forName="text_3" refType="ctrX" refFor="ch" refForName="accent_3"/>
-                <dgm:constr type="rOff" for="ch" forName="text_3" refType="ctrXOff" refFor="ch" refForName="accent_3"/>
-                <dgm:constr type="l" for="ch" forName="text_3"/>
-                <dgm:constr type="w" for="ch" forName="text_3" refType="h" refFor="ch" refForName="text_3" op="gte"/>
-                <dgm:constr type="h" for="ch" forName="text_3" refType="h" refFor="ch" refForName="accent_3" fact="0.8"/>
-                <dgm:constr type="ctrY" for="ch" forName="text_3" refType="ctrY" refFor="ch" refForName="accent_3"/>
-                <dgm:constr type="rMarg" for="ch" forName="text_3" refType="w" refFor="ch" refForName="accent_3" fact="1.8"/>
-                <dgm:constr type="h" for="ch" forName="accent_4" refType="h" fact="0.1563"/>
-                <dgm:constr type="w" for="ch" forName="accent_4" refType="h" refFor="ch" refForName="accent_4" op="equ"/>
-                <dgm:constr type="ctrY" for="ch" forName="accent_4" refType="h" fact="0.6875"/>
-                <dgm:constr type="ctrX" for="ch" forName="accent_4" refType="w"/>
-                <dgm:constr type="ctrXOff" for="ch" forName="accent_4" refType="h" fact="-0.1978"/>
-                <dgm:constr type="r" for="ch" forName="text_4" refType="ctrX" refFor="ch" refForName="accent_4"/>
-                <dgm:constr type="rOff" for="ch" forName="text_4" refType="ctrXOff" refFor="ch" refForName="accent_4"/>
-                <dgm:constr type="l" for="ch" forName="text_4"/>
-                <dgm:constr type="w" for="ch" forName="text_4" refType="h" refFor="ch" refForName="text_4" op="gte"/>
-                <dgm:constr type="h" for="ch" forName="text_4" refType="h" refFor="ch" refForName="accent_4" fact="0.8"/>
-                <dgm:constr type="ctrY" for="ch" forName="text_4" refType="ctrY" refFor="ch" refForName="accent_4"/>
-                <dgm:constr type="rMarg" for="ch" forName="text_4" refType="w" refFor="ch" refForName="accent_4" fact="1.8"/>
-                <dgm:constr type="h" for="ch" forName="accent_5" refType="h" fact="0.1563"/>
-                <dgm:constr type="w" for="ch" forName="accent_5" refType="h" refFor="ch" refForName="accent_5" op="equ"/>
-                <dgm:constr type="ctrY" for="ch" forName="accent_5" refType="h" fact="0.875"/>
-                <dgm:constr type="ctrX" for="ch" forName="accent_5" refType="w"/>
-                <dgm:constr type="ctrXOff" for="ch" forName="accent_5" refType="h" fact="-0.1082"/>
-                <dgm:constr type="r" for="ch" forName="text_5" refType="ctrX" refFor="ch" refForName="accent_5"/>
-                <dgm:constr type="rOff" for="ch" forName="text_5" refType="ctrXOff" refFor="ch" refForName="accent_5"/>
-                <dgm:constr type="l" for="ch" forName="text_5"/>
-                <dgm:constr type="w" for="ch" forName="text_5" refType="h" refFor="ch" refForName="text_5" op="gte"/>
-                <dgm:constr type="h" for="ch" forName="text_5" refType="h" refFor="ch" refForName="accent_5" fact="0.8"/>
-                <dgm:constr type="ctrY" for="ch" forName="text_5" refType="ctrY" refFor="ch" refForName="accent_5"/>
-                <dgm:constr type="rMarg" for="ch" forName="text_5" refType="w" refFor="ch" refForName="accent_5" fact="1.8"/>
-                <dgm:constr type="primFontSz" for="ch" ptType="node" op="equ" val="65"/>
-              </dgm:constrLst>
-            </dgm:if>
-            <dgm:if name="Name19" axis="ch" ptType="node" func="cnt" op="equ" val="6">
-              <dgm:constrLst>
-                <dgm:constr type="h" for="ch" forName="cycle" refType="h"/>
-                <dgm:constr type="w" for="ch" forName="cycle" refType="h" refFor="ch" refForName="cycle" fact="0.26"/>
-                <dgm:constr type="r" for="ch" forName="cycle" refType="w"/>
-                <dgm:constr type="ctrY" for="ch" forName="cycle" refType="h" fact="0.5"/>
-                <dgm:constr type="diam" for="ch" forName="cycle" refType="h" fact="1.344"/>
-                <dgm:constr type="h" for="ch" forName="accent_1" refType="h" fact="0.1316"/>
-                <dgm:constr type="w" for="ch" forName="accent_1" refType="h" refFor="ch" refForName="accent_1" op="equ"/>
-                <dgm:constr type="ctrY" for="ch" forName="accent_1" refType="h" fact="0.1053"/>
-                <dgm:constr type="ctrX" for="ch" forName="accent_1" refType="w"/>
-                <dgm:constr type="ctrXOff" for="ch" forName="accent_1" refType="h" fact="-0.0943"/>
-                <dgm:constr type="r" for="ch" forName="text_1" refType="ctrX" refFor="ch" refForName="accent_1"/>
-                <dgm:constr type="rOff" for="ch" forName="text_1" refType="ctrXOff" refFor="ch" refForName="accent_1"/>
-                <dgm:constr type="l" for="ch" forName="text_1"/>
-                <dgm:constr type="w" for="ch" forName="text_1" refType="h" refFor="ch" refForName="text_1" op="gte"/>
-                <dgm:constr type="h" for="ch" forName="text_1" refType="h" refFor="ch" refForName="accent_1" fact="0.8"/>
-                <dgm:constr type="ctrY" for="ch" forName="text_1" refType="ctrY" refFor="ch" refForName="accent_1"/>
-                <dgm:constr type="rMarg" for="ch" forName="text_1" refType="w" refFor="ch" refForName="accent_1" fact="1.8"/>
-                <dgm:constr type="h" for="ch" forName="accent_2" refType="h" fact="0.1316"/>
-                <dgm:constr type="w" for="ch" forName="accent_2" refType="h" refFor="ch" refForName="accent_2" op="equ"/>
-                <dgm:constr type="ctrY" for="ch" forName="accent_2" refType="h" fact="0.2632"/>
-                <dgm:constr type="ctrX" for="ch" forName="accent_2" refType="w"/>
-                <dgm:constr type="ctrXOff" for="ch" forName="accent_2" refType="h" fact="-0.1809"/>
-                <dgm:constr type="r" for="ch" forName="text_2" refType="ctrX" refFor="ch" refForName="accent_2"/>
-                <dgm:constr type="rOff" for="ch" forName="text_2" refType="ctrXOff" refFor="ch" refForName="accent_2"/>
-                <dgm:constr type="l" for="ch" forName="text_2"/>
-                <dgm:constr type="w" for="ch" forName="text_2" refType="h" refFor="ch" refForName="text_2" op="gte"/>
-                <dgm:constr type="h" for="ch" forName="text_2" refType="h" refFor="ch" refForName="accent_2" fact="0.8"/>
-                <dgm:constr type="ctrY" for="ch" forName="text_2" refType="ctrY" refFor="ch" refForName="accent_2"/>
-                <dgm:constr type="rMarg" for="ch" forName="text_2" refType="w" refFor="ch" refForName="accent_2" fact="1.8"/>
-                <dgm:constr type="h" for="ch" forName="accent_3" refType="h" fact="0.1316"/>
-                <dgm:constr type="w" for="ch" forName="accent_3" refType="h" refFor="ch" refForName="accent_3" op="equ"/>
-                <dgm:constr type="ctrY" for="ch" forName="accent_3" refType="h" fact="0.4211"/>
-                <dgm:constr type="ctrX" for="ch" forName="accent_3" refType="w"/>
-                <dgm:constr type="ctrXOff" for="ch" forName="accent_3" refType="h" fact="-0.2205"/>
-                <dgm:constr type="r" for="ch" forName="text_3" refType="ctrX" refFor="ch" refForName="accent_3"/>
-                <dgm:constr type="rOff" for="ch" forName="text_3" refType="ctrXOff" refFor="ch" refForName="accent_3"/>
-                <dgm:constr type="l" for="ch" forName="text_3"/>
-                <dgm:constr type="w" for="ch" forName="text_3" refType="h" refFor="ch" refForName="text_3" op="gte"/>
-                <dgm:constr type="h" for="ch" forName="text_3" refType="h" refFor="ch" refForName="accent_3" fact="0.8"/>
-                <dgm:constr type="ctrY" for="ch" forName="text_3" refType="ctrY" refFor="ch" refForName="accent_3"/>
-                <dgm:constr type="rMarg" for="ch" forName="text_3" refType="w" refFor="ch" refForName="accent_3" fact="1.8"/>
-                <dgm:constr type="h" for="ch" forName="accent_4" refType="h" fact="0.1316"/>
-                <dgm:constr type="w" for="ch" forName="accent_4" refType="h" refFor="ch" refForName="accent_4" op="equ"/>
-                <dgm:constr type="ctrY" for="ch" forName="accent_4" refType="h" fact="0.5789"/>
-                <dgm:constr type="ctrX" for="ch" forName="accent_4" refType="w"/>
-                <dgm:constr type="ctrXOff" for="ch" forName="accent_4" refType="h" fact="-0.2205"/>
-                <dgm:constr type="r" for="ch" forName="text_4" refType="ctrX" refFor="ch" refForName="accent_4"/>
-                <dgm:constr type="rOff" for="ch" forName="text_4" refType="ctrXOff" refFor="ch" refForName="accent_4"/>
-                <dgm:constr type="l" for="ch" forName="text_4"/>
-                <dgm:constr type="w" for="ch" forName="text_4" refType="h" refFor="ch" refForName="text_4" op="gte"/>
-                <dgm:constr type="h" for="ch" forName="text_4" refType="h" refFor="ch" refForName="accent_4" fact="0.8"/>
-                <dgm:constr type="ctrY" for="ch" forName="text_4" refType="ctrY" refFor="ch" refForName="accent_4"/>
-                <dgm:constr type="rMarg" for="ch" forName="text_4" refType="w" refFor="ch" refForName="accent_4" fact="1.8"/>
-                <dgm:constr type="h" for="ch" forName="accent_5" refType="h" fact="0.1316"/>
-                <dgm:constr type="w" for="ch" forName="accent_5" refType="h" refFor="ch" refForName="accent_5" op="equ"/>
-                <dgm:constr type="ctrY" for="ch" forName="accent_5" refType="h" fact="0.7368"/>
-                <dgm:constr type="ctrX" for="ch" forName="accent_5" refType="w"/>
-                <dgm:constr type="ctrXOff" for="ch" forName="accent_5" refType="h" fact="-0.1809"/>
-                <dgm:constr type="r" for="ch" forName="text_5" refType="ctrX" refFor="ch" refForName="accent_5"/>
-                <dgm:constr type="rOff" for="ch" forName="text_5" refType="ctrXOff" refFor="ch" refForName="accent_5"/>
-                <dgm:constr type="l" for="ch" forName="text_5"/>
-                <dgm:constr type="w" for="ch" forName="text_5" refType="h" refFor="ch" refForName="text_5" op="gte"/>
-                <dgm:constr type="h" for="ch" forName="text_5" refType="h" refFor="ch" refForName="accent_5" fact="0.8"/>
-                <dgm:constr type="ctrY" for="ch" forName="text_5" refType="ctrY" refFor="ch" refForName="accent_5"/>
-                <dgm:constr type="rMarg" for="ch" forName="text_5" refType="w" refFor="ch" refForName="accent_5" fact="1.8"/>
-                <dgm:constr type="h" for="ch" forName="accent_6" refType="h" fact="0.1316"/>
-                <dgm:constr type="w" for="ch" forName="accent_6" refType="h" refFor="ch" refForName="accent_6" op="equ"/>
-                <dgm:constr type="ctrY" for="ch" forName="accent_6" refType="h" fact="0.8947"/>
-                <dgm:constr type="ctrX" for="ch" forName="accent_6" refType="w"/>
-                <dgm:constr type="ctrXOff" for="ch" forName="accent_6" refType="h" fact="-0.0943"/>
-                <dgm:constr type="r" for="ch" forName="text_6" refType="ctrX" refFor="ch" refForName="accent_6"/>
-                <dgm:constr type="rOff" for="ch" forName="text_6" refType="ctrXOff" refFor="ch" refForName="accent_6"/>
-                <dgm:constr type="l" for="ch" forName="text_6"/>
-                <dgm:constr type="w" for="ch" forName="text_6" refType="h" refFor="ch" refForName="text_6" op="gte"/>
-                <dgm:constr type="h" for="ch" forName="text_6" refType="h" refFor="ch" refForName="accent_6" fact="0.8"/>
-                <dgm:constr type="ctrY" for="ch" forName="text_6" refType="ctrY" refFor="ch" refForName="accent_6"/>
-                <dgm:constr type="rMarg" for="ch" forName="text_6" refType="w" refFor="ch" refForName="accent_6" fact="1.8"/>
-                <dgm:constr type="primFontSz" for="ch" ptType="node" op="equ" val="65"/>
-              </dgm:constrLst>
-            </dgm:if>
-            <dgm:else name="Name20">
-              <dgm:constrLst>
-                <dgm:constr type="h" for="ch" forName="cycle" refType="h"/>
-                <dgm:constr type="w" for="ch" forName="cycle" refType="h" refFor="ch" refForName="cycle" fact="0.26"/>
-                <dgm:constr type="r" for="ch" forName="cycle" refType="w"/>
-                <dgm:constr type="ctrY" for="ch" forName="cycle" refType="h" fact="0.5"/>
-                <dgm:constr type="diam" for="ch" forName="cycle" refType="h" fact="1.344"/>
-                <dgm:constr type="h" for="ch" forName="accent_1" refType="h" fact="0.1136"/>
-                <dgm:constr type="w" for="ch" forName="accent_1" refType="h" refFor="ch" refForName="accent_1" op="equ"/>
-                <dgm:constr type="ctrY" for="ch" forName="accent_1" refType="h" fact="0.0909"/>
-                <dgm:constr type="ctrX" for="ch" forName="accent_1" refType="w"/>
-                <dgm:constr type="ctrXOff" for="ch" forName="accent_1" refType="h" fact="-0.0835"/>
-                <dgm:constr type="r" for="ch" forName="text_1" refType="ctrX" refFor="ch" refForName="accent_1"/>
-                <dgm:constr type="rOff" for="ch" forName="text_1" refType="ctrXOff" refFor="ch" refForName="accent_1"/>
-                <dgm:constr type="l" for="ch" forName="text_1"/>
-                <dgm:constr type="w" for="ch" forName="text_1" refType="h" refFor="ch" refForName="text_1" op="gte"/>
-                <dgm:constr type="h" for="ch" forName="text_1" refType="h" refFor="ch" refForName="accent_1" fact="0.8"/>
-                <dgm:constr type="ctrY" for="ch" forName="text_1" refType="ctrY" refFor="ch" refForName="accent_1"/>
-                <dgm:constr type="rMarg" for="ch" forName="text_1" refType="w" refFor="ch" refForName="accent_1" fact="1.8"/>
-                <dgm:constr type="h" for="ch" forName="accent_2" refType="h" fact="0.1136"/>
-                <dgm:constr type="w" for="ch" forName="accent_2" refType="h" refFor="ch" refForName="accent_2" op="equ"/>
-                <dgm:constr type="ctrY" for="ch" forName="accent_2" refType="h" fact="0.2273"/>
-                <dgm:constr type="ctrX" for="ch" forName="accent_2" refType="w"/>
-                <dgm:constr type="ctrXOff" for="ch" forName="accent_2" refType="h" fact="-0.1658"/>
-                <dgm:constr type="r" for="ch" forName="text_2" refType="ctrX" refFor="ch" refForName="accent_2"/>
-                <dgm:constr type="rOff" for="ch" forName="text_2" refType="ctrXOff" refFor="ch" refForName="accent_2"/>
-                <dgm:constr type="l" for="ch" forName="text_2"/>
-                <dgm:constr type="w" for="ch" forName="text_2" refType="h" refFor="ch" refForName="text_2" op="gte"/>
-                <dgm:constr type="h" for="ch" forName="text_2" refType="h" refFor="ch" refForName="accent_2" fact="0.8"/>
-                <dgm:constr type="ctrY" for="ch" forName="text_2" refType="ctrY" refFor="ch" refForName="accent_2"/>
-                <dgm:constr type="rMarg" for="ch" forName="text_2" refType="w" refFor="ch" refForName="accent_2" fact="1.8"/>
-                <dgm:constr type="h" for="ch" forName="accent_3" refType="h" fact="0.1136"/>
-                <dgm:constr type="w" for="ch" forName="accent_3" refType="h" refFor="ch" refForName="accent_3" op="equ"/>
-                <dgm:constr type="ctrY" for="ch" forName="accent_3" refType="h" fact="0.3636"/>
-                <dgm:constr type="ctrX" for="ch" forName="accent_3" refType="w"/>
-                <dgm:constr type="ctrXOff" for="ch" forName="accent_3" refType="h" fact="-0.2109"/>
-                <dgm:constr type="r" for="ch" forName="text_3" refType="ctrX" refFor="ch" refForName="accent_3"/>
-                <dgm:constr type="rOff" for="ch" forName="text_3" refType="ctrXOff" refFor="ch" refForName="accent_3"/>
-                <dgm:constr type="l" for="ch" forName="text_3"/>
-                <dgm:constr type="w" for="ch" forName="text_3" refType="h" refFor="ch" refForName="text_3" op="gte"/>
-                <dgm:constr type="h" for="ch" forName="text_3" refType="h" refFor="ch" refForName="accent_3" fact="0.8"/>
-                <dgm:constr type="ctrY" for="ch" forName="text_3" refType="ctrY" refFor="ch" refForName="accent_3"/>
-                <dgm:constr type="rMarg" for="ch" forName="text_3" refType="w" refFor="ch" refForName="accent_3" fact="1.8"/>
-                <dgm:constr type="h" for="ch" forName="accent_4" refType="h" fact="0.1136"/>
-                <dgm:constr type="w" for="ch" forName="accent_4" refType="h" refFor="ch" refForName="accent_4" op="equ"/>
-                <dgm:constr type="ctrY" for="ch" forName="accent_4" refType="h" fact="0.5"/>
-                <dgm:constr type="ctrX" for="ch" forName="accent_4" refType="w"/>
-                <dgm:constr type="ctrXOff" for="ch" forName="accent_4" refType="h" fact="-0.2253"/>
-                <dgm:constr type="r" for="ch" forName="text_4" refType="ctrX" refFor="ch" refForName="accent_4"/>
-                <dgm:constr type="rOff" for="ch" forName="text_4" refType="ctrXOff" refFor="ch" refForName="accent_4"/>
-                <dgm:constr type="l" for="ch" forName="text_4"/>
-                <dgm:constr type="w" for="ch" forName="text_4" refType="h" refFor="ch" refForName="text_4" op="gte"/>
-                <dgm:constr type="h" for="ch" forName="text_4" refType="h" refFor="ch" refForName="accent_4" fact="0.8"/>
-                <dgm:constr type="ctrY" for="ch" forName="text_4" refType="ctrY" refFor="ch" refForName="accent_4"/>
-                <dgm:constr type="rMarg" for="ch" forName="text_4" refType="w" refFor="ch" refForName="accent_4" fact="1.8"/>
-                <dgm:constr type="h" for="ch" forName="accent_5" refType="h" fact="0.1136"/>
-                <dgm:constr type="w" for="ch" forName="accent_5" refType="h" refFor="ch" refForName="accent_5" op="equ"/>
-                <dgm:constr type="ctrY" for="ch" forName="accent_5" refType="h" fact="0.6364"/>
-                <dgm:constr type="ctrX" for="ch" forName="accent_5" refType="w"/>
-                <dgm:constr type="ctrXOff" for="ch" forName="accent_5" refType="h" fact="-0.2109"/>
-                <dgm:constr type="r" for="ch" forName="text_5" refType="ctrX" refFor="ch" refForName="accent_5"/>
-                <dgm:constr type="rOff" for="ch" forName="text_5" refType="ctrXOff" refFor="ch" refForName="accent_5"/>
-                <dgm:constr type="l" for="ch" forName="text_5"/>
-                <dgm:constr type="w" for="ch" forName="text_5" refType="h" refFor="ch" refForName="text_5" op="gte"/>
-                <dgm:constr type="h" for="ch" forName="text_5" refType="h" refFor="ch" refForName="accent_5" fact="0.8"/>
-                <dgm:constr type="ctrY" for="ch" forName="text_5" refType="ctrY" refFor="ch" refForName="accent_5"/>
-                <dgm:constr type="rMarg" for="ch" forName="text_5" refType="w" refFor="ch" refForName="accent_5" fact="1.8"/>
-                <dgm:constr type="h" for="ch" forName="accent_6" refType="h" fact="0.1136"/>
-                <dgm:constr type="w" for="ch" forName="accent_6" refType="h" refFor="ch" refForName="accent_6" op="equ"/>
-                <dgm:constr type="ctrY" for="ch" forName="accent_6" refType="h" fact="0.7727"/>
-                <dgm:constr type="ctrX" for="ch" forName="accent_6" refType="w"/>
-                <dgm:constr type="ctrXOff" for="ch" forName="accent_6" refType="h" fact="-0.1658"/>
-                <dgm:constr type="r" for="ch" forName="text_6" refType="ctrX" refFor="ch" refForName="accent_6"/>
-                <dgm:constr type="rOff" for="ch" forName="text_6" refType="ctrXOff" refFor="ch" refForName="accent_6"/>
-                <dgm:constr type="l" for="ch" forName="text_6"/>
-                <dgm:constr type="w" for="ch" forName="text_6" refType="h" refFor="ch" refForName="text_6" op="gte"/>
-                <dgm:constr type="h" for="ch" forName="text_6" refType="h" refFor="ch" refForName="accent_6" fact="0.8"/>
-                <dgm:constr type="ctrY" for="ch" forName="text_6" refType="ctrY" refFor="ch" refForName="accent_6"/>
-                <dgm:constr type="rMarg" for="ch" forName="text_6" refType="w" refFor="ch" refForName="accent_6" fact="1.8"/>
-                <dgm:constr type="h" for="ch" forName="accent_7" refType="h" fact="0.1136"/>
-                <dgm:constr type="w" for="ch" forName="accent_7" refType="h" refFor="ch" refForName="accent_7" op="equ"/>
-                <dgm:constr type="ctrY" for="ch" forName="accent_7" refType="h" fact="0.9091"/>
-                <dgm:constr type="ctrX" for="ch" forName="accent_7" refType="w"/>
-                <dgm:constr type="ctrXOff" for="ch" forName="accent_7" refType="h" fact="-0.0835"/>
-                <dgm:constr type="r" for="ch" forName="text_7" refType="ctrX" refFor="ch" refForName="accent_7"/>
-                <dgm:constr type="rOff" for="ch" forName="text_7" refType="ctrXOff" refFor="ch" refForName="accent_7"/>
-                <dgm:constr type="l" for="ch" forName="text_7"/>
-                <dgm:constr type="w" for="ch" forName="text_7" refType="h" refFor="ch" refForName="text_7" op="gte"/>
-                <dgm:constr type="h" for="ch" forName="text_7" refType="h" refFor="ch" refForName="accent_7" fact="0.8"/>
-                <dgm:constr type="ctrY" for="ch" forName="text_7" refType="ctrY" refFor="ch" refForName="accent_7"/>
-                <dgm:constr type="rMarg" for="ch" forName="text_7" refType="w" refFor="ch" refForName="accent_7" fact="1.8"/>
-                <dgm:constr type="primFontSz" for="ch" ptType="node" op="equ" val="65"/>
-              </dgm:constrLst>
-            </dgm:else>
-          </dgm:choose>
-        </dgm:else>
-      </dgm:choose>
-      <dgm:layoutNode name="cycle">
-        <dgm:choose name="Name21">
-          <dgm:if name="Name22" func="var" arg="dir" op="equ" val="norm">
-            <dgm:alg type="cycle">
-              <dgm:param type="stAng" val="45"/>
-              <dgm:param type="spanAng" val="90"/>
-            </dgm:alg>
-          </dgm:if>
-          <dgm:else name="Name23">
-            <dgm:alg type="cycle">
-              <dgm:param type="stAng" val="225"/>
-              <dgm:param type="spanAng" val="90"/>
-            </dgm:alg>
-          </dgm:else>
-        </dgm:choose>
-        <dgm:shape xmlns:r="http://schemas.openxmlformats.org/officeDocument/2006/relationships" r:blip="">
-          <dgm:adjLst/>
-        </dgm:shape>
-        <dgm:presOf/>
-        <dgm:constrLst>
-          <dgm:constr type="w" for="ch" val="1"/>
-          <dgm:constr type="h" for="ch" val="1"/>
-          <dgm:constr type="diam" for="ch" forName="conn" refType="diam"/>
-        </dgm:constrLst>
-        <dgm:layoutNode name="srcNode">
-          <dgm:alg type="sp"/>
-          <dgm:shape xmlns:r="http://schemas.openxmlformats.org/officeDocument/2006/relationships" type="rect" r:blip="" hideGeom="1">
-            <dgm:adjLst/>
-          </dgm:shape>
-          <dgm:presOf/>
-        </dgm:layoutNode>
-        <dgm:layoutNode name="conn" styleLbl="parChTrans1D2">
-          <dgm:alg type="conn">
-            <dgm:param type="connRout" val="curve"/>
-            <dgm:param type="srcNode" val="srcNode"/>
-            <dgm:param type="dstNode" val="dstNode"/>
-            <dgm:param type="begPts" val="ctr"/>
-            <dgm:param type="endPts" val="ctr"/>
-            <dgm:param type="endSty" val="noArr"/>
-          </dgm:alg>
-          <dgm:shape xmlns:r="http://schemas.openxmlformats.org/officeDocument/2006/relationships" type="conn" r:blip="">
-            <dgm:adjLst/>
-          </dgm:shape>
-          <dgm:presOf axis="desOrSelf" ptType="sibTrans" hideLastTrans="0" st="0" cnt="1"/>
-          <dgm:constrLst>
-            <dgm:constr type="begPad"/>
-            <dgm:constr type="endPad"/>
-          </dgm:constrLst>
-        </dgm:layoutNode>
-        <dgm:layoutNode name="extraNode">
-          <dgm:alg type="sp"/>
-          <dgm:shape xmlns:r="http://schemas.openxmlformats.org/officeDocument/2006/relationships" type="rect" r:blip="" hideGeom="1">
-            <dgm:adjLst/>
-          </dgm:shape>
-          <dgm:presOf/>
-        </dgm:layoutNode>
-        <dgm:layoutNode name="dstNode">
-          <dgm:alg type="sp"/>
-          <dgm:shape xmlns:r="http://schemas.openxmlformats.org/officeDocument/2006/relationships" type="rect" r:blip="" hideGeom="1">
-            <dgm:adjLst/>
-          </dgm:shape>
-          <dgm:presOf/>
-        </dgm:layoutNode>
-      </dgm:layoutNode>
-      <dgm:forEach name="wrapper" axis="self" ptType="parTrans">
-        <dgm:forEach name="wrapper2" axis="self" ptType="sibTrans" st="2">
-          <dgm:forEach name="accentRepeat" axis="self">
-            <dgm:layoutNode name="accentRepeatNode" styleLbl="solidFgAcc1">
-              <dgm:alg type="sp"/>
-              <dgm:shape xmlns:r="http://schemas.openxmlformats.org/officeDocument/2006/relationships" type="ellipse" r:blip="">
-                <dgm:adjLst/>
-              </dgm:shape>
-              <dgm:presOf/>
-            </dgm:layoutNode>
-          </dgm:forEach>
-        </dgm:forEach>
-      </dgm:forEach>
-      <dgm:forEach name="Name24" axis="ch" ptType="node" cnt="1">
-        <dgm:layoutNode name="text_1" styleLbl="node1">
-          <dgm:varLst>
-            <dgm:bulletEnabled val="1"/>
-          </dgm:varLst>
-          <dgm:choose name="Name25">
-            <dgm:if name="Name26" func="var" arg="dir" op="equ" val="norm">
-              <dgm:alg type="tx">
-                <dgm:param type="parTxLTRAlign" val="l"/>
-                <dgm:param type="shpTxLTRAlignCh" val="l"/>
-                <dgm:param type="parTxRTLAlign" val="l"/>
-                <dgm:param type="shpTxRTLAlignCh" val="l"/>
-              </dgm:alg>
-            </dgm:if>
-            <dgm:else name="Name27">
-              <dgm:alg type="tx">
-                <dgm:param type="parTxLTRAlign" val="r"/>
-                <dgm:param type="shpTxLTRAlignCh" val="r"/>
-                <dgm:param type="parTxRTLAlign" val="r"/>
-                <dgm:param type="shpTxRTLAlignCh" val="r"/>
-              </dgm:alg>
-            </dgm:else>
-          </dgm:choose>
-          <dgm:shape xmlns:r="http://schemas.openxmlformats.org/officeDocument/2006/relationships" type="rect" r:blip="">
-            <dgm:adjLst/>
-          </dgm:shape>
-          <dgm:presOf axis="desOrSelf" ptType="node"/>
-          <dgm:constrLst>
-            <dgm:constr type="primFontSz" val="65"/>
-            <dgm:constr type="lMarg" refType="primFontSz" fact="0.2"/>
-            <dgm:constr type="rMarg" refType="primFontSz" fact="0.2"/>
-            <dgm:constr type="tMarg" refType="primFontSz" fact="0.2"/>
-            <dgm:constr type="bMarg" refType="primFontSz" fact="0.2"/>
-          </dgm:constrLst>
-          <dgm:ruleLst>
-            <dgm:rule type="primFontSz" val="5" fact="NaN" max="NaN"/>
-          </dgm:ruleLst>
-        </dgm:layoutNode>
-        <dgm:layoutNode name="accent_1">
-          <dgm:alg type="sp"/>
-          <dgm:shape xmlns:r="http://schemas.openxmlformats.org/officeDocument/2006/relationships" r:blip="">
-            <dgm:adjLst/>
-          </dgm:shape>
-          <dgm:presOf/>
-          <dgm:constrLst/>
-          <dgm:forEach name="Name28" ref="accentRepeat"/>
-        </dgm:layoutNode>
-      </dgm:forEach>
-      <dgm:forEach name="Name29" axis="ch" ptType="node" st="2" cnt="1">
-        <dgm:layoutNode name="text_2" styleLbl="node1">
-          <dgm:varLst>
-            <dgm:bulletEnabled val="1"/>
-          </dgm:varLst>
-          <dgm:choose name="Name30">
-            <dgm:if name="Name31" func="var" arg="dir" op="equ" val="norm">
-              <dgm:alg type="tx">
-                <dgm:param type="parTxLTRAlign" val="l"/>
-                <dgm:param type="shpTxLTRAlignCh" val="l"/>
-                <dgm:param type="parTxRTLAlign" val="l"/>
-                <dgm:param type="shpTxRTLAlignCh" val="l"/>
-              </dgm:alg>
-            </dgm:if>
-            <dgm:else name="Name32">
-              <dgm:alg type="tx">
-                <dgm:param type="parTxLTRAlign" val="r"/>
-                <dgm:param type="shpTxLTRAlignCh" val="r"/>
-                <dgm:param type="parTxRTLAlign" val="r"/>
-                <dgm:param type="shpTxRTLAlignCh" val="r"/>
-              </dgm:alg>
-            </dgm:else>
-          </dgm:choose>
-          <dgm:shape xmlns:r="http://schemas.openxmlformats.org/officeDocument/2006/relationships" type="rect" r:blip="">
-            <dgm:adjLst/>
-          </dgm:shape>
-          <dgm:presOf axis="desOrSelf" ptType="node"/>
-          <dgm:constrLst>
-            <dgm:constr type="primFontSz" val="65"/>
-            <dgm:constr type="lMarg" refType="primFontSz" fact="0.2"/>
-            <dgm:constr type="rMarg" refType="primFontSz" fact="0.2"/>
-            <dgm:constr type="tMarg" refType="primFontSz" fact="0.2"/>
-            <dgm:constr type="bMarg" refType="primFontSz" fact="0.2"/>
-          </dgm:constrLst>
-          <dgm:ruleLst>
-            <dgm:rule type="primFontSz" val="5" fact="NaN" max="NaN"/>
-          </dgm:ruleLst>
-        </dgm:layoutNode>
-        <dgm:layoutNode name="accent_2">
-          <dgm:alg type="sp"/>
-          <dgm:shape xmlns:r="http://schemas.openxmlformats.org/officeDocument/2006/relationships" r:blip="">
-            <dgm:adjLst/>
-          </dgm:shape>
-          <dgm:presOf/>
-          <dgm:constrLst/>
-          <dgm:forEach name="Name33" ref="accentRepeat"/>
-        </dgm:layoutNode>
-      </dgm:forEach>
-      <dgm:forEach name="Name34" axis="ch" ptType="node" st="3" cnt="1">
-        <dgm:layoutNode name="text_3" styleLbl="node1">
-          <dgm:varLst>
-            <dgm:bulletEnabled val="1"/>
-          </dgm:varLst>
-          <dgm:choose name="Name35">
-            <dgm:if name="Name36" func="var" arg="dir" op="equ" val="norm">
-              <dgm:alg type="tx">
-                <dgm:param type="parTxLTRAlign" val="l"/>
-                <dgm:param type="shpTxLTRAlignCh" val="l"/>
-                <dgm:param type="parTxRTLAlign" val="l"/>
-                <dgm:param type="shpTxRTLAlignCh" val="l"/>
-              </dgm:alg>
-            </dgm:if>
-            <dgm:else name="Name37">
-              <dgm:alg type="tx">
-                <dgm:param type="parTxLTRAlign" val="r"/>
-                <dgm:param type="shpTxLTRAlignCh" val="r"/>
-                <dgm:param type="parTxRTLAlign" val="r"/>
-                <dgm:param type="shpTxRTLAlignCh" val="r"/>
-              </dgm:alg>
-            </dgm:else>
-          </dgm:choose>
-          <dgm:shape xmlns:r="http://schemas.openxmlformats.org/officeDocument/2006/relationships" type="rect" r:blip="">
-            <dgm:adjLst/>
-          </dgm:shape>
-          <dgm:presOf axis="desOrSelf" ptType="node"/>
-          <dgm:constrLst>
-            <dgm:constr type="primFontSz" val="65"/>
-            <dgm:constr type="lMarg" refType="primFontSz" fact="0.2"/>
-            <dgm:constr type="rMarg" refType="primFontSz" fact="0.2"/>
-            <dgm:constr type="tMarg" refType="primFontSz" fact="0.2"/>
-            <dgm:constr type="bMarg" refType="primFontSz" fact="0.2"/>
-          </dgm:constrLst>
-          <dgm:ruleLst>
-            <dgm:rule type="primFontSz" val="5" fact="NaN" max="NaN"/>
-          </dgm:ruleLst>
-        </dgm:layoutNode>
-        <dgm:layoutNode name="accent_3">
-          <dgm:alg type="sp"/>
-          <dgm:shape xmlns:r="http://schemas.openxmlformats.org/officeDocument/2006/relationships" r:blip="">
-            <dgm:adjLst/>
-          </dgm:shape>
-          <dgm:presOf/>
-          <dgm:constrLst/>
-          <dgm:forEach name="Name38" ref="accentRepeat"/>
-        </dgm:layoutNode>
-      </dgm:forEach>
-      <dgm:forEach name="Name39" axis="ch" ptType="node" st="4" cnt="1">
-        <dgm:layoutNode name="text_4" styleLbl="node1">
-          <dgm:varLst>
-            <dgm:bulletEnabled val="1"/>
-          </dgm:varLst>
-          <dgm:choose name="Name40">
-            <dgm:if name="Name41" func="var" arg="dir" op="equ" val="norm">
-              <dgm:alg type="tx">
-                <dgm:param type="parTxLTRAlign" val="l"/>
-                <dgm:param type="shpTxLTRAlignCh" val="l"/>
-                <dgm:param type="parTxRTLAlign" val="l"/>
-                <dgm:param type="shpTxRTLAlignCh" val="l"/>
-              </dgm:alg>
-            </dgm:if>
-            <dgm:else name="Name42">
-              <dgm:alg type="tx">
-                <dgm:param type="parTxLTRAlign" val="r"/>
-                <dgm:param type="shpTxLTRAlignCh" val="r"/>
-                <dgm:param type="parTxRTLAlign" val="r"/>
-                <dgm:param type="shpTxRTLAlignCh" val="r"/>
-              </dgm:alg>
-            </dgm:else>
-          </dgm:choose>
-          <dgm:shape xmlns:r="http://schemas.openxmlformats.org/officeDocument/2006/relationships" type="rect" r:blip="">
-            <dgm:adjLst/>
-          </dgm:shape>
-          <dgm:presOf axis="desOrSelf" ptType="node"/>
-          <dgm:constrLst>
-            <dgm:constr type="primFontSz" val="65"/>
-            <dgm:constr type="lMarg" refType="primFontSz" fact="0.2"/>
-            <dgm:constr type="rMarg" refType="primFontSz" fact="0.2"/>
-            <dgm:constr type="tMarg" refType="primFontSz" fact="0.2"/>
-            <dgm:constr type="bMarg" refType="primFontSz" fact="0.2"/>
-          </dgm:constrLst>
-          <dgm:ruleLst>
-            <dgm:rule type="primFontSz" val="5" fact="NaN" max="NaN"/>
-          </dgm:ruleLst>
-        </dgm:layoutNode>
-        <dgm:layoutNode name="accent_4">
-          <dgm:alg type="sp"/>
-          <dgm:shape xmlns:r="http://schemas.openxmlformats.org/officeDocument/2006/relationships" r:blip="">
-            <dgm:adjLst/>
-          </dgm:shape>
-          <dgm:presOf/>
-          <dgm:constrLst/>
-          <dgm:forEach name="Name43" ref="accentRepeat"/>
-        </dgm:layoutNode>
-      </dgm:forEach>
-      <dgm:forEach name="Name44" axis="ch" ptType="node" st="5" cnt="1">
-        <dgm:layoutNode name="text_5" styleLbl="node1">
-          <dgm:varLst>
-            <dgm:bulletEnabled val="1"/>
-          </dgm:varLst>
-          <dgm:choose name="Name45">
-            <dgm:if name="Name46" func="var" arg="dir" op="equ" val="norm">
-              <dgm:alg type="tx">
-                <dgm:param type="parTxLTRAlign" val="l"/>
-                <dgm:param type="shpTxLTRAlignCh" val="l"/>
-                <dgm:param type="parTxRTLAlign" val="l"/>
-                <dgm:param type="shpTxRTLAlignCh" val="l"/>
-              </dgm:alg>
-            </dgm:if>
-            <dgm:else name="Name47">
-              <dgm:alg type="tx">
-                <dgm:param type="parTxLTRAlign" val="r"/>
-                <dgm:param type="shpTxLTRAlignCh" val="r"/>
-                <dgm:param type="parTxRTLAlign" val="r"/>
-                <dgm:param type="shpTxRTLAlignCh" val="r"/>
-              </dgm:alg>
-            </dgm:else>
-          </dgm:choose>
-          <dgm:shape xmlns:r="http://schemas.openxmlformats.org/officeDocument/2006/relationships" type="rect" r:blip="">
-            <dgm:adjLst/>
-          </dgm:shape>
-          <dgm:presOf axis="desOrSelf" ptType="node"/>
-          <dgm:constrLst>
-            <dgm:constr type="primFontSz" val="65"/>
-            <dgm:constr type="lMarg" refType="primFontSz" fact="0.2"/>
-            <dgm:constr type="rMarg" refType="primFontSz" fact="0.2"/>
-            <dgm:constr type="tMarg" refType="primFontSz" fact="0.2"/>
-            <dgm:constr type="bMarg" refType="primFontSz" fact="0.2"/>
-          </dgm:constrLst>
-          <dgm:ruleLst>
-            <dgm:rule type="primFontSz" val="5" fact="NaN" max="NaN"/>
-          </dgm:ruleLst>
-        </dgm:layoutNode>
-        <dgm:layoutNode name="accent_5">
-          <dgm:alg type="sp"/>
-          <dgm:shape xmlns:r="http://schemas.openxmlformats.org/officeDocument/2006/relationships" r:blip="">
-            <dgm:adjLst/>
-          </dgm:shape>
-          <dgm:presOf/>
-          <dgm:constrLst/>
-          <dgm:forEach name="Name48" ref="accentRepeat"/>
-        </dgm:layoutNode>
-      </dgm:forEach>
-      <dgm:forEach name="Name49" axis="ch" ptType="node" st="6" cnt="1">
-        <dgm:layoutNode name="text_6" styleLbl="node1">
-          <dgm:varLst>
-            <dgm:bulletEnabled val="1"/>
-          </dgm:varLst>
-          <dgm:choose name="Name50">
-            <dgm:if name="Name51" func="var" arg="dir" op="equ" val="norm">
-              <dgm:alg type="tx">
-                <dgm:param type="parTxLTRAlign" val="l"/>
-                <dgm:param type="shpTxLTRAlignCh" val="l"/>
-                <dgm:param type="parTxRTLAlign" val="l"/>
-                <dgm:param type="shpTxRTLAlignCh" val="l"/>
-              </dgm:alg>
-            </dgm:if>
-            <dgm:else name="Name52">
-              <dgm:alg type="tx">
-                <dgm:param type="parTxLTRAlign" val="r"/>
-                <dgm:param type="shpTxLTRAlignCh" val="r"/>
-                <dgm:param type="parTxRTLAlign" val="r"/>
-                <dgm:param type="shpTxRTLAlignCh" val="r"/>
-              </dgm:alg>
-            </dgm:else>
-          </dgm:choose>
-          <dgm:shape xmlns:r="http://schemas.openxmlformats.org/officeDocument/2006/relationships" type="rect" r:blip="">
-            <dgm:adjLst/>
-          </dgm:shape>
-          <dgm:presOf axis="desOrSelf" ptType="node"/>
-          <dgm:constrLst>
-            <dgm:constr type="primFontSz" val="65"/>
-            <dgm:constr type="lMarg" refType="primFontSz" fact="0.2"/>
-            <dgm:constr type="rMarg" refType="primFontSz" fact="0.2"/>
-            <dgm:constr type="tMarg" refType="primFontSz" fact="0.2"/>
-            <dgm:constr type="bMarg" refType="primFontSz" fact="0.2"/>
-          </dgm:constrLst>
-          <dgm:ruleLst>
-            <dgm:rule type="primFontSz" val="5" fact="NaN" max="NaN"/>
-          </dgm:ruleLst>
-        </dgm:layoutNode>
-        <dgm:layoutNode name="accent_6">
-          <dgm:alg type="sp"/>
-          <dgm:shape xmlns:r="http://schemas.openxmlformats.org/officeDocument/2006/relationships" r:blip="">
-            <dgm:adjLst/>
-          </dgm:shape>
-          <dgm:presOf/>
-          <dgm:constrLst/>
-          <dgm:forEach name="Name53" ref="accentRepeat"/>
-        </dgm:layoutNode>
-      </dgm:forEach>
-      <dgm:forEach name="Name54" axis="ch" ptType="node" st="7" cnt="1">
-        <dgm:layoutNode name="text_7" styleLbl="node1">
-          <dgm:varLst>
-            <dgm:bulletEnabled val="1"/>
-          </dgm:varLst>
-          <dgm:choose name="Name55">
-            <dgm:if name="Name56" func="var" arg="dir" op="equ" val="norm">
-              <dgm:alg type="tx">
-                <dgm:param type="parTxLTRAlign" val="l"/>
-                <dgm:param type="shpTxLTRAlignCh" val="l"/>
-                <dgm:param type="parTxRTLAlign" val="l"/>
-                <dgm:param type="shpTxRTLAlignCh" val="l"/>
-              </dgm:alg>
-            </dgm:if>
-            <dgm:else name="Name57">
-              <dgm:alg type="tx">
-                <dgm:param type="parTxLTRAlign" val="r"/>
-                <dgm:param type="shpTxLTRAlignCh" val="r"/>
-                <dgm:param type="parTxRTLAlign" val="r"/>
-                <dgm:param type="shpTxRTLAlignCh" val="r"/>
-              </dgm:alg>
-            </dgm:else>
-          </dgm:choose>
-          <dgm:shape xmlns:r="http://schemas.openxmlformats.org/officeDocument/2006/relationships" type="rect" r:blip="">
-            <dgm:adjLst/>
-          </dgm:shape>
-          <dgm:presOf axis="desOrSelf" ptType="node"/>
-          <dgm:constrLst>
-            <dgm:constr type="primFontSz" val="65"/>
-            <dgm:constr type="lMarg" refType="primFontSz" fact="0.2"/>
-            <dgm:constr type="rMarg" refType="primFontSz" fact="0.2"/>
-            <dgm:constr type="tMarg" refType="primFontSz" fact="0.2"/>
-            <dgm:constr type="bMarg" refType="primFontSz" fact="0.2"/>
-          </dgm:constrLst>
-          <dgm:ruleLst>
-            <dgm:rule type="primFontSz" val="5" fact="NaN" max="NaN"/>
-          </dgm:ruleLst>
-        </dgm:layoutNode>
-        <dgm:layoutNode name="accent_7">
-          <dgm:alg type="sp"/>
-          <dgm:shape xmlns:r="http://schemas.openxmlformats.org/officeDocument/2006/relationships" r:blip="">
-            <dgm:adjLst/>
-          </dgm:shape>
-          <dgm:presOf/>
-          <dgm:constrLst/>
-          <dgm:forEach name="Name58" ref="accentRepeat"/>
-        </dgm:layoutNode>
-      </dgm:forEach>
-    </dgm:layoutNode>
-  </dgm:layoutNode>
 </dgm:layoutDef>
 </file>
 
@@ -5481,1040 +2941,6 @@
         <a:scrgbClr r="0" g="0" b="0"/>
       </a:fillRef>
       <a:effectRef idx="0">
-        <a:scrgbClr r="0" g="0" b="0"/>
-      </a:effectRef>
-      <a:fontRef idx="minor"/>
-    </dgm:style>
-  </dgm:styleLbl>
-  <dgm:styleLbl name="revTx">
-    <dgm:scene3d>
-      <a:camera prst="orthographicFront"/>
-      <a:lightRig rig="threePt" dir="t"/>
-    </dgm:scene3d>
-    <dgm:sp3d/>
-    <dgm:txPr/>
-    <dgm:style>
-      <a:lnRef idx="0">
-        <a:scrgbClr r="0" g="0" b="0"/>
-      </a:lnRef>
-      <a:fillRef idx="0">
-        <a:scrgbClr r="0" g="0" b="0"/>
-      </a:fillRef>
-      <a:effectRef idx="0">
-        <a:scrgbClr r="0" g="0" b="0"/>
-      </a:effectRef>
-      <a:fontRef idx="minor"/>
-    </dgm:style>
-  </dgm:styleLbl>
-</dgm:styleDef>
-</file>
-
-<file path=ppt/diagrams/quickStyle2.xml><?xml version="1.0" encoding="utf-8"?>
-<dgm:styleDef xmlns:dgm="http://schemas.openxmlformats.org/drawingml/2006/diagram" xmlns:a="http://schemas.openxmlformats.org/drawingml/2006/main" uniqueId="urn:microsoft.com/office/officeart/2005/8/quickstyle/simple4">
-  <dgm:title val=""/>
-  <dgm:desc val=""/>
-  <dgm:catLst>
-    <dgm:cat type="simple" pri="10400"/>
-  </dgm:catLst>
-  <dgm:scene3d>
-    <a:camera prst="orthographicFront"/>
-    <a:lightRig rig="threePt" dir="t"/>
-  </dgm:scene3d>
-  <dgm:styleLbl name="node0">
-    <dgm:scene3d>
-      <a:camera prst="orthographicFront"/>
-      <a:lightRig rig="threePt" dir="t"/>
-    </dgm:scene3d>
-    <dgm:sp3d/>
-    <dgm:txPr/>
-    <dgm:style>
-      <a:lnRef idx="0">
-        <a:scrgbClr r="0" g="0" b="0"/>
-      </a:lnRef>
-      <a:fillRef idx="3">
-        <a:scrgbClr r="0" g="0" b="0"/>
-      </a:fillRef>
-      <a:effectRef idx="2">
-        <a:scrgbClr r="0" g="0" b="0"/>
-      </a:effectRef>
-      <a:fontRef idx="minor">
-        <a:schemeClr val="lt1"/>
-      </a:fontRef>
-    </dgm:style>
-  </dgm:styleLbl>
-  <dgm:styleLbl name="lnNode1">
-    <dgm:scene3d>
-      <a:camera prst="orthographicFront"/>
-      <a:lightRig rig="threePt" dir="t"/>
-    </dgm:scene3d>
-    <dgm:sp3d/>
-    <dgm:txPr/>
-    <dgm:style>
-      <a:lnRef idx="1">
-        <a:scrgbClr r="0" g="0" b="0"/>
-      </a:lnRef>
-      <a:fillRef idx="3">
-        <a:scrgbClr r="0" g="0" b="0"/>
-      </a:fillRef>
-      <a:effectRef idx="2">
-        <a:scrgbClr r="0" g="0" b="0"/>
-      </a:effectRef>
-      <a:fontRef idx="minor">
-        <a:schemeClr val="lt1"/>
-      </a:fontRef>
-    </dgm:style>
-  </dgm:styleLbl>
-  <dgm:styleLbl name="vennNode1">
-    <dgm:scene3d>
-      <a:camera prst="orthographicFront"/>
-      <a:lightRig rig="threePt" dir="t"/>
-    </dgm:scene3d>
-    <dgm:sp3d/>
-    <dgm:txPr/>
-    <dgm:style>
-      <a:lnRef idx="0">
-        <a:scrgbClr r="0" g="0" b="0"/>
-      </a:lnRef>
-      <a:fillRef idx="3">
-        <a:scrgbClr r="0" g="0" b="0"/>
-      </a:fillRef>
-      <a:effectRef idx="0">
-        <a:scrgbClr r="0" g="0" b="0"/>
-      </a:effectRef>
-      <a:fontRef idx="minor">
-        <a:schemeClr val="tx1"/>
-      </a:fontRef>
-    </dgm:style>
-  </dgm:styleLbl>
-  <dgm:styleLbl name="alignNode1">
-    <dgm:scene3d>
-      <a:camera prst="orthographicFront"/>
-      <a:lightRig rig="threePt" dir="t"/>
-    </dgm:scene3d>
-    <dgm:sp3d/>
-    <dgm:txPr/>
-    <dgm:style>
-      <a:lnRef idx="1">
-        <a:scrgbClr r="0" g="0" b="0"/>
-      </a:lnRef>
-      <a:fillRef idx="3">
-        <a:scrgbClr r="0" g="0" b="0"/>
-      </a:fillRef>
-      <a:effectRef idx="2">
-        <a:scrgbClr r="0" g="0" b="0"/>
-      </a:effectRef>
-      <a:fontRef idx="minor">
-        <a:schemeClr val="lt1"/>
-      </a:fontRef>
-    </dgm:style>
-  </dgm:styleLbl>
-  <dgm:styleLbl name="node1">
-    <dgm:scene3d>
-      <a:camera prst="orthographicFront"/>
-      <a:lightRig rig="threePt" dir="t"/>
-    </dgm:scene3d>
-    <dgm:sp3d/>
-    <dgm:txPr/>
-    <dgm:style>
-      <a:lnRef idx="0">
-        <a:scrgbClr r="0" g="0" b="0"/>
-      </a:lnRef>
-      <a:fillRef idx="3">
-        <a:scrgbClr r="0" g="0" b="0"/>
-      </a:fillRef>
-      <a:effectRef idx="2">
-        <a:scrgbClr r="0" g="0" b="0"/>
-      </a:effectRef>
-      <a:fontRef idx="minor">
-        <a:schemeClr val="lt1"/>
-      </a:fontRef>
-    </dgm:style>
-  </dgm:styleLbl>
-  <dgm:styleLbl name="node2">
-    <dgm:scene3d>
-      <a:camera prst="orthographicFront"/>
-      <a:lightRig rig="threePt" dir="t"/>
-    </dgm:scene3d>
-    <dgm:sp3d/>
-    <dgm:txPr/>
-    <dgm:style>
-      <a:lnRef idx="0">
-        <a:scrgbClr r="0" g="0" b="0"/>
-      </a:lnRef>
-      <a:fillRef idx="3">
-        <a:scrgbClr r="0" g="0" b="0"/>
-      </a:fillRef>
-      <a:effectRef idx="2">
-        <a:scrgbClr r="0" g="0" b="0"/>
-      </a:effectRef>
-      <a:fontRef idx="minor">
-        <a:schemeClr val="lt1"/>
-      </a:fontRef>
-    </dgm:style>
-  </dgm:styleLbl>
-  <dgm:styleLbl name="node3">
-    <dgm:scene3d>
-      <a:camera prst="orthographicFront"/>
-      <a:lightRig rig="threePt" dir="t"/>
-    </dgm:scene3d>
-    <dgm:sp3d/>
-    <dgm:txPr/>
-    <dgm:style>
-      <a:lnRef idx="0">
-        <a:scrgbClr r="0" g="0" b="0"/>
-      </a:lnRef>
-      <a:fillRef idx="3">
-        <a:scrgbClr r="0" g="0" b="0"/>
-      </a:fillRef>
-      <a:effectRef idx="2">
-        <a:scrgbClr r="0" g="0" b="0"/>
-      </a:effectRef>
-      <a:fontRef idx="minor">
-        <a:schemeClr val="lt1"/>
-      </a:fontRef>
-    </dgm:style>
-  </dgm:styleLbl>
-  <dgm:styleLbl name="node4">
-    <dgm:scene3d>
-      <a:camera prst="orthographicFront"/>
-      <a:lightRig rig="threePt" dir="t"/>
-    </dgm:scene3d>
-    <dgm:sp3d/>
-    <dgm:txPr/>
-    <dgm:style>
-      <a:lnRef idx="0">
-        <a:scrgbClr r="0" g="0" b="0"/>
-      </a:lnRef>
-      <a:fillRef idx="3">
-        <a:scrgbClr r="0" g="0" b="0"/>
-      </a:fillRef>
-      <a:effectRef idx="2">
-        <a:scrgbClr r="0" g="0" b="0"/>
-      </a:effectRef>
-      <a:fontRef idx="minor">
-        <a:schemeClr val="lt1"/>
-      </a:fontRef>
-    </dgm:style>
-  </dgm:styleLbl>
-  <dgm:styleLbl name="fgImgPlace1">
-    <dgm:scene3d>
-      <a:camera prst="orthographicFront"/>
-      <a:lightRig rig="threePt" dir="t"/>
-    </dgm:scene3d>
-    <dgm:sp3d/>
-    <dgm:txPr/>
-    <dgm:style>
-      <a:lnRef idx="0">
-        <a:scrgbClr r="0" g="0" b="0"/>
-      </a:lnRef>
-      <a:fillRef idx="1">
-        <a:scrgbClr r="0" g="0" b="0"/>
-      </a:fillRef>
-      <a:effectRef idx="2">
-        <a:scrgbClr r="0" g="0" b="0"/>
-      </a:effectRef>
-      <a:fontRef idx="minor"/>
-    </dgm:style>
-  </dgm:styleLbl>
-  <dgm:styleLbl name="alignImgPlace1">
-    <dgm:scene3d>
-      <a:camera prst="orthographicFront"/>
-      <a:lightRig rig="threePt" dir="t"/>
-    </dgm:scene3d>
-    <dgm:sp3d/>
-    <dgm:txPr/>
-    <dgm:style>
-      <a:lnRef idx="0">
-        <a:scrgbClr r="0" g="0" b="0"/>
-      </a:lnRef>
-      <a:fillRef idx="1">
-        <a:scrgbClr r="0" g="0" b="0"/>
-      </a:fillRef>
-      <a:effectRef idx="2">
-        <a:scrgbClr r="0" g="0" b="0"/>
-      </a:effectRef>
-      <a:fontRef idx="minor"/>
-    </dgm:style>
-  </dgm:styleLbl>
-  <dgm:styleLbl name="bgImgPlace1">
-    <dgm:scene3d>
-      <a:camera prst="orthographicFront"/>
-      <a:lightRig rig="threePt" dir="t"/>
-    </dgm:scene3d>
-    <dgm:sp3d/>
-    <dgm:txPr/>
-    <dgm:style>
-      <a:lnRef idx="0">
-        <a:scrgbClr r="0" g="0" b="0"/>
-      </a:lnRef>
-      <a:fillRef idx="1">
-        <a:scrgbClr r="0" g="0" b="0"/>
-      </a:fillRef>
-      <a:effectRef idx="2">
-        <a:scrgbClr r="0" g="0" b="0"/>
-      </a:effectRef>
-      <a:fontRef idx="minor"/>
-    </dgm:style>
-  </dgm:styleLbl>
-  <dgm:styleLbl name="sibTrans2D1">
-    <dgm:scene3d>
-      <a:camera prst="orthographicFront"/>
-      <a:lightRig rig="threePt" dir="t"/>
-    </dgm:scene3d>
-    <dgm:sp3d/>
-    <dgm:txPr/>
-    <dgm:style>
-      <a:lnRef idx="0">
-        <a:scrgbClr r="0" g="0" b="0"/>
-      </a:lnRef>
-      <a:fillRef idx="3">
-        <a:scrgbClr r="0" g="0" b="0"/>
-      </a:fillRef>
-      <a:effectRef idx="2">
-        <a:scrgbClr r="0" g="0" b="0"/>
-      </a:effectRef>
-      <a:fontRef idx="minor">
-        <a:schemeClr val="lt1"/>
-      </a:fontRef>
-    </dgm:style>
-  </dgm:styleLbl>
-  <dgm:styleLbl name="fgSibTrans2D1">
-    <dgm:scene3d>
-      <a:camera prst="orthographicFront"/>
-      <a:lightRig rig="threePt" dir="t"/>
-    </dgm:scene3d>
-    <dgm:sp3d/>
-    <dgm:txPr/>
-    <dgm:style>
-      <a:lnRef idx="0">
-        <a:scrgbClr r="0" g="0" b="0"/>
-      </a:lnRef>
-      <a:fillRef idx="3">
-        <a:scrgbClr r="0" g="0" b="0"/>
-      </a:fillRef>
-      <a:effectRef idx="2">
-        <a:scrgbClr r="0" g="0" b="0"/>
-      </a:effectRef>
-      <a:fontRef idx="minor">
-        <a:schemeClr val="lt1"/>
-      </a:fontRef>
-    </dgm:style>
-  </dgm:styleLbl>
-  <dgm:styleLbl name="bgSibTrans2D1">
-    <dgm:scene3d>
-      <a:camera prst="orthographicFront"/>
-      <a:lightRig rig="threePt" dir="t"/>
-    </dgm:scene3d>
-    <dgm:sp3d/>
-    <dgm:txPr/>
-    <dgm:style>
-      <a:lnRef idx="0">
-        <a:scrgbClr r="0" g="0" b="0"/>
-      </a:lnRef>
-      <a:fillRef idx="3">
-        <a:scrgbClr r="0" g="0" b="0"/>
-      </a:fillRef>
-      <a:effectRef idx="2">
-        <a:scrgbClr r="0" g="0" b="0"/>
-      </a:effectRef>
-      <a:fontRef idx="minor">
-        <a:schemeClr val="lt1"/>
-      </a:fontRef>
-    </dgm:style>
-  </dgm:styleLbl>
-  <dgm:styleLbl name="sibTrans1D1">
-    <dgm:scene3d>
-      <a:camera prst="orthographicFront"/>
-      <a:lightRig rig="threePt" dir="t"/>
-    </dgm:scene3d>
-    <dgm:sp3d/>
-    <dgm:txPr/>
-    <dgm:style>
-      <a:lnRef idx="1">
-        <a:scrgbClr r="0" g="0" b="0"/>
-      </a:lnRef>
-      <a:fillRef idx="0">
-        <a:scrgbClr r="0" g="0" b="0"/>
-      </a:fillRef>
-      <a:effectRef idx="0">
-        <a:scrgbClr r="0" g="0" b="0"/>
-      </a:effectRef>
-      <a:fontRef idx="minor"/>
-    </dgm:style>
-  </dgm:styleLbl>
-  <dgm:styleLbl name="callout">
-    <dgm:scene3d>
-      <a:camera prst="orthographicFront"/>
-      <a:lightRig rig="threePt" dir="t"/>
-    </dgm:scene3d>
-    <dgm:sp3d/>
-    <dgm:txPr/>
-    <dgm:style>
-      <a:lnRef idx="2">
-        <a:scrgbClr r="0" g="0" b="0"/>
-      </a:lnRef>
-      <a:fillRef idx="1">
-        <a:scrgbClr r="0" g="0" b="0"/>
-      </a:fillRef>
-      <a:effectRef idx="1">
-        <a:scrgbClr r="0" g="0" b="0"/>
-      </a:effectRef>
-      <a:fontRef idx="minor"/>
-    </dgm:style>
-  </dgm:styleLbl>
-  <dgm:styleLbl name="asst0">
-    <dgm:scene3d>
-      <a:camera prst="orthographicFront"/>
-      <a:lightRig rig="threePt" dir="t"/>
-    </dgm:scene3d>
-    <dgm:sp3d/>
-    <dgm:txPr/>
-    <dgm:style>
-      <a:lnRef idx="0">
-        <a:scrgbClr r="0" g="0" b="0"/>
-      </a:lnRef>
-      <a:fillRef idx="3">
-        <a:scrgbClr r="0" g="0" b="0"/>
-      </a:fillRef>
-      <a:effectRef idx="2">
-        <a:scrgbClr r="0" g="0" b="0"/>
-      </a:effectRef>
-      <a:fontRef idx="minor">
-        <a:schemeClr val="lt1"/>
-      </a:fontRef>
-    </dgm:style>
-  </dgm:styleLbl>
-  <dgm:styleLbl name="asst1">
-    <dgm:scene3d>
-      <a:camera prst="orthographicFront"/>
-      <a:lightRig rig="threePt" dir="t"/>
-    </dgm:scene3d>
-    <dgm:sp3d/>
-    <dgm:txPr/>
-    <dgm:style>
-      <a:lnRef idx="0">
-        <a:scrgbClr r="0" g="0" b="0"/>
-      </a:lnRef>
-      <a:fillRef idx="3">
-        <a:scrgbClr r="0" g="0" b="0"/>
-      </a:fillRef>
-      <a:effectRef idx="2">
-        <a:scrgbClr r="0" g="0" b="0"/>
-      </a:effectRef>
-      <a:fontRef idx="minor">
-        <a:schemeClr val="lt1"/>
-      </a:fontRef>
-    </dgm:style>
-  </dgm:styleLbl>
-  <dgm:styleLbl name="asst2">
-    <dgm:scene3d>
-      <a:camera prst="orthographicFront"/>
-      <a:lightRig rig="threePt" dir="t"/>
-    </dgm:scene3d>
-    <dgm:sp3d/>
-    <dgm:txPr/>
-    <dgm:style>
-      <a:lnRef idx="0">
-        <a:scrgbClr r="0" g="0" b="0"/>
-      </a:lnRef>
-      <a:fillRef idx="3">
-        <a:scrgbClr r="0" g="0" b="0"/>
-      </a:fillRef>
-      <a:effectRef idx="2">
-        <a:scrgbClr r="0" g="0" b="0"/>
-      </a:effectRef>
-      <a:fontRef idx="minor">
-        <a:schemeClr val="lt1"/>
-      </a:fontRef>
-    </dgm:style>
-  </dgm:styleLbl>
-  <dgm:styleLbl name="asst3">
-    <dgm:scene3d>
-      <a:camera prst="orthographicFront"/>
-      <a:lightRig rig="threePt" dir="t"/>
-    </dgm:scene3d>
-    <dgm:sp3d/>
-    <dgm:txPr/>
-    <dgm:style>
-      <a:lnRef idx="0">
-        <a:scrgbClr r="0" g="0" b="0"/>
-      </a:lnRef>
-      <a:fillRef idx="3">
-        <a:scrgbClr r="0" g="0" b="0"/>
-      </a:fillRef>
-      <a:effectRef idx="2">
-        <a:scrgbClr r="0" g="0" b="0"/>
-      </a:effectRef>
-      <a:fontRef idx="minor">
-        <a:schemeClr val="lt1"/>
-      </a:fontRef>
-    </dgm:style>
-  </dgm:styleLbl>
-  <dgm:styleLbl name="asst4">
-    <dgm:scene3d>
-      <a:camera prst="orthographicFront"/>
-      <a:lightRig rig="threePt" dir="t"/>
-    </dgm:scene3d>
-    <dgm:sp3d/>
-    <dgm:txPr/>
-    <dgm:style>
-      <a:lnRef idx="0">
-        <a:scrgbClr r="0" g="0" b="0"/>
-      </a:lnRef>
-      <a:fillRef idx="3">
-        <a:scrgbClr r="0" g="0" b="0"/>
-      </a:fillRef>
-      <a:effectRef idx="2">
-        <a:scrgbClr r="0" g="0" b="0"/>
-      </a:effectRef>
-      <a:fontRef idx="minor">
-        <a:schemeClr val="lt1"/>
-      </a:fontRef>
-    </dgm:style>
-  </dgm:styleLbl>
-  <dgm:styleLbl name="parChTrans2D1">
-    <dgm:scene3d>
-      <a:camera prst="orthographicFront"/>
-      <a:lightRig rig="threePt" dir="t"/>
-    </dgm:scene3d>
-    <dgm:sp3d/>
-    <dgm:txPr/>
-    <dgm:style>
-      <a:lnRef idx="0">
-        <a:scrgbClr r="0" g="0" b="0"/>
-      </a:lnRef>
-      <a:fillRef idx="3">
-        <a:scrgbClr r="0" g="0" b="0"/>
-      </a:fillRef>
-      <a:effectRef idx="2">
-        <a:scrgbClr r="0" g="0" b="0"/>
-      </a:effectRef>
-      <a:fontRef idx="minor">
-        <a:schemeClr val="lt1"/>
-      </a:fontRef>
-    </dgm:style>
-  </dgm:styleLbl>
-  <dgm:styleLbl name="parChTrans2D2">
-    <dgm:scene3d>
-      <a:camera prst="orthographicFront"/>
-      <a:lightRig rig="threePt" dir="t"/>
-    </dgm:scene3d>
-    <dgm:sp3d/>
-    <dgm:txPr/>
-    <dgm:style>
-      <a:lnRef idx="0">
-        <a:scrgbClr r="0" g="0" b="0"/>
-      </a:lnRef>
-      <a:fillRef idx="3">
-        <a:scrgbClr r="0" g="0" b="0"/>
-      </a:fillRef>
-      <a:effectRef idx="2">
-        <a:scrgbClr r="0" g="0" b="0"/>
-      </a:effectRef>
-      <a:fontRef idx="minor">
-        <a:schemeClr val="lt1"/>
-      </a:fontRef>
-    </dgm:style>
-  </dgm:styleLbl>
-  <dgm:styleLbl name="parChTrans2D3">
-    <dgm:scene3d>
-      <a:camera prst="orthographicFront"/>
-      <a:lightRig rig="threePt" dir="t"/>
-    </dgm:scene3d>
-    <dgm:sp3d/>
-    <dgm:txPr/>
-    <dgm:style>
-      <a:lnRef idx="1">
-        <a:scrgbClr r="0" g="0" b="0"/>
-      </a:lnRef>
-      <a:fillRef idx="3">
-        <a:scrgbClr r="0" g="0" b="0"/>
-      </a:fillRef>
-      <a:effectRef idx="2">
-        <a:scrgbClr r="0" g="0" b="0"/>
-      </a:effectRef>
-      <a:fontRef idx="minor">
-        <a:schemeClr val="lt1"/>
-      </a:fontRef>
-    </dgm:style>
-  </dgm:styleLbl>
-  <dgm:styleLbl name="parChTrans2D4">
-    <dgm:scene3d>
-      <a:camera prst="orthographicFront"/>
-      <a:lightRig rig="threePt" dir="t"/>
-    </dgm:scene3d>
-    <dgm:sp3d/>
-    <dgm:txPr/>
-    <dgm:style>
-      <a:lnRef idx="1">
-        <a:scrgbClr r="0" g="0" b="0"/>
-      </a:lnRef>
-      <a:fillRef idx="3">
-        <a:scrgbClr r="0" g="0" b="0"/>
-      </a:fillRef>
-      <a:effectRef idx="2">
-        <a:scrgbClr r="0" g="0" b="0"/>
-      </a:effectRef>
-      <a:fontRef idx="minor">
-        <a:schemeClr val="lt1"/>
-      </a:fontRef>
-    </dgm:style>
-  </dgm:styleLbl>
-  <dgm:styleLbl name="parChTrans1D1">
-    <dgm:scene3d>
-      <a:camera prst="orthographicFront"/>
-      <a:lightRig rig="threePt" dir="t"/>
-    </dgm:scene3d>
-    <dgm:sp3d/>
-    <dgm:txPr/>
-    <dgm:style>
-      <a:lnRef idx="1">
-        <a:scrgbClr r="0" g="0" b="0"/>
-      </a:lnRef>
-      <a:fillRef idx="0">
-        <a:scrgbClr r="0" g="0" b="0"/>
-      </a:fillRef>
-      <a:effectRef idx="0">
-        <a:scrgbClr r="0" g="0" b="0"/>
-      </a:effectRef>
-      <a:fontRef idx="minor"/>
-    </dgm:style>
-  </dgm:styleLbl>
-  <dgm:styleLbl name="parChTrans1D2">
-    <dgm:scene3d>
-      <a:camera prst="orthographicFront"/>
-      <a:lightRig rig="threePt" dir="t"/>
-    </dgm:scene3d>
-    <dgm:sp3d/>
-    <dgm:txPr/>
-    <dgm:style>
-      <a:lnRef idx="1">
-        <a:scrgbClr r="0" g="0" b="0"/>
-      </a:lnRef>
-      <a:fillRef idx="0">
-        <a:scrgbClr r="0" g="0" b="0"/>
-      </a:fillRef>
-      <a:effectRef idx="0">
-        <a:scrgbClr r="0" g="0" b="0"/>
-      </a:effectRef>
-      <a:fontRef idx="minor"/>
-    </dgm:style>
-  </dgm:styleLbl>
-  <dgm:styleLbl name="parChTrans1D3">
-    <dgm:scene3d>
-      <a:camera prst="orthographicFront"/>
-      <a:lightRig rig="threePt" dir="t"/>
-    </dgm:scene3d>
-    <dgm:sp3d/>
-    <dgm:txPr/>
-    <dgm:style>
-      <a:lnRef idx="1">
-        <a:scrgbClr r="0" g="0" b="0"/>
-      </a:lnRef>
-      <a:fillRef idx="0">
-        <a:scrgbClr r="0" g="0" b="0"/>
-      </a:fillRef>
-      <a:effectRef idx="0">
-        <a:scrgbClr r="0" g="0" b="0"/>
-      </a:effectRef>
-      <a:fontRef idx="minor"/>
-    </dgm:style>
-  </dgm:styleLbl>
-  <dgm:styleLbl name="parChTrans1D4">
-    <dgm:scene3d>
-      <a:camera prst="orthographicFront"/>
-      <a:lightRig rig="threePt" dir="t"/>
-    </dgm:scene3d>
-    <dgm:sp3d/>
-    <dgm:txPr/>
-    <dgm:style>
-      <a:lnRef idx="1">
-        <a:scrgbClr r="0" g="0" b="0"/>
-      </a:lnRef>
-      <a:fillRef idx="0">
-        <a:scrgbClr r="0" g="0" b="0"/>
-      </a:fillRef>
-      <a:effectRef idx="0">
-        <a:scrgbClr r="0" g="0" b="0"/>
-      </a:effectRef>
-      <a:fontRef idx="minor"/>
-    </dgm:style>
-  </dgm:styleLbl>
-  <dgm:styleLbl name="fgAcc1">
-    <dgm:scene3d>
-      <a:camera prst="orthographicFront"/>
-      <a:lightRig rig="threePt" dir="t"/>
-    </dgm:scene3d>
-    <dgm:sp3d/>
-    <dgm:txPr/>
-    <dgm:style>
-      <a:lnRef idx="1">
-        <a:scrgbClr r="0" g="0" b="0"/>
-      </a:lnRef>
-      <a:fillRef idx="1">
-        <a:scrgbClr r="0" g="0" b="0"/>
-      </a:fillRef>
-      <a:effectRef idx="0">
-        <a:scrgbClr r="0" g="0" b="0"/>
-      </a:effectRef>
-      <a:fontRef idx="minor"/>
-    </dgm:style>
-  </dgm:styleLbl>
-  <dgm:styleLbl name="conFgAcc1">
-    <dgm:scene3d>
-      <a:camera prst="orthographicFront"/>
-      <a:lightRig rig="threePt" dir="t"/>
-    </dgm:scene3d>
-    <dgm:sp3d/>
-    <dgm:txPr/>
-    <dgm:style>
-      <a:lnRef idx="1">
-        <a:scrgbClr r="0" g="0" b="0"/>
-      </a:lnRef>
-      <a:fillRef idx="1">
-        <a:scrgbClr r="0" g="0" b="0"/>
-      </a:fillRef>
-      <a:effectRef idx="0">
-        <a:scrgbClr r="0" g="0" b="0"/>
-      </a:effectRef>
-      <a:fontRef idx="minor"/>
-    </dgm:style>
-  </dgm:styleLbl>
-  <dgm:styleLbl name="alignAcc1">
-    <dgm:scene3d>
-      <a:camera prst="orthographicFront"/>
-      <a:lightRig rig="threePt" dir="t"/>
-    </dgm:scene3d>
-    <dgm:sp3d/>
-    <dgm:txPr/>
-    <dgm:style>
-      <a:lnRef idx="1">
-        <a:scrgbClr r="0" g="0" b="0"/>
-      </a:lnRef>
-      <a:fillRef idx="1">
-        <a:scrgbClr r="0" g="0" b="0"/>
-      </a:fillRef>
-      <a:effectRef idx="0">
-        <a:scrgbClr r="0" g="0" b="0"/>
-      </a:effectRef>
-      <a:fontRef idx="minor"/>
-    </dgm:style>
-  </dgm:styleLbl>
-  <dgm:styleLbl name="trAlignAcc1">
-    <dgm:scene3d>
-      <a:camera prst="orthographicFront"/>
-      <a:lightRig rig="threePt" dir="t"/>
-    </dgm:scene3d>
-    <dgm:sp3d/>
-    <dgm:txPr/>
-    <dgm:style>
-      <a:lnRef idx="1">
-        <a:scrgbClr r="0" g="0" b="0"/>
-      </a:lnRef>
-      <a:fillRef idx="1">
-        <a:scrgbClr r="0" g="0" b="0"/>
-      </a:fillRef>
-      <a:effectRef idx="0">
-        <a:scrgbClr r="0" g="0" b="0"/>
-      </a:effectRef>
-      <a:fontRef idx="minor"/>
-    </dgm:style>
-  </dgm:styleLbl>
-  <dgm:styleLbl name="bgAcc1">
-    <dgm:scene3d>
-      <a:camera prst="orthographicFront"/>
-      <a:lightRig rig="threePt" dir="t"/>
-    </dgm:scene3d>
-    <dgm:sp3d/>
-    <dgm:txPr/>
-    <dgm:style>
-      <a:lnRef idx="1">
-        <a:scrgbClr r="0" g="0" b="0"/>
-      </a:lnRef>
-      <a:fillRef idx="1">
-        <a:scrgbClr r="0" g="0" b="0"/>
-      </a:fillRef>
-      <a:effectRef idx="0">
-        <a:scrgbClr r="0" g="0" b="0"/>
-      </a:effectRef>
-      <a:fontRef idx="minor"/>
-    </dgm:style>
-  </dgm:styleLbl>
-  <dgm:styleLbl name="solidFgAcc1">
-    <dgm:scene3d>
-      <a:camera prst="orthographicFront"/>
-      <a:lightRig rig="threePt" dir="t"/>
-    </dgm:scene3d>
-    <dgm:sp3d/>
-    <dgm:txPr/>
-    <dgm:style>
-      <a:lnRef idx="1">
-        <a:scrgbClr r="0" g="0" b="0"/>
-      </a:lnRef>
-      <a:fillRef idx="1">
-        <a:scrgbClr r="0" g="0" b="0"/>
-      </a:fillRef>
-      <a:effectRef idx="0">
-        <a:scrgbClr r="0" g="0" b="0"/>
-      </a:effectRef>
-      <a:fontRef idx="minor"/>
-    </dgm:style>
-  </dgm:styleLbl>
-  <dgm:styleLbl name="solidAlignAcc1">
-    <dgm:scene3d>
-      <a:camera prst="orthographicFront"/>
-      <a:lightRig rig="threePt" dir="t"/>
-    </dgm:scene3d>
-    <dgm:sp3d/>
-    <dgm:txPr/>
-    <dgm:style>
-      <a:lnRef idx="1">
-        <a:scrgbClr r="0" g="0" b="0"/>
-      </a:lnRef>
-      <a:fillRef idx="1">
-        <a:scrgbClr r="0" g="0" b="0"/>
-      </a:fillRef>
-      <a:effectRef idx="0">
-        <a:scrgbClr r="0" g="0" b="0"/>
-      </a:effectRef>
-      <a:fontRef idx="minor"/>
-    </dgm:style>
-  </dgm:styleLbl>
-  <dgm:styleLbl name="solidBgAcc1">
-    <dgm:scene3d>
-      <a:camera prst="orthographicFront"/>
-      <a:lightRig rig="threePt" dir="t"/>
-    </dgm:scene3d>
-    <dgm:sp3d/>
-    <dgm:txPr/>
-    <dgm:style>
-      <a:lnRef idx="1">
-        <a:scrgbClr r="0" g="0" b="0"/>
-      </a:lnRef>
-      <a:fillRef idx="1">
-        <a:scrgbClr r="0" g="0" b="0"/>
-      </a:fillRef>
-      <a:effectRef idx="0">
-        <a:scrgbClr r="0" g="0" b="0"/>
-      </a:effectRef>
-      <a:fontRef idx="minor"/>
-    </dgm:style>
-  </dgm:styleLbl>
-  <dgm:styleLbl name="fgAccFollowNode1">
-    <dgm:scene3d>
-      <a:camera prst="orthographicFront"/>
-      <a:lightRig rig="threePt" dir="t"/>
-    </dgm:scene3d>
-    <dgm:sp3d/>
-    <dgm:txPr/>
-    <dgm:style>
-      <a:lnRef idx="1">
-        <a:scrgbClr r="0" g="0" b="0"/>
-      </a:lnRef>
-      <a:fillRef idx="1">
-        <a:scrgbClr r="0" g="0" b="0"/>
-      </a:fillRef>
-      <a:effectRef idx="0">
-        <a:scrgbClr r="0" g="0" b="0"/>
-      </a:effectRef>
-      <a:fontRef idx="minor"/>
-    </dgm:style>
-  </dgm:styleLbl>
-  <dgm:styleLbl name="alignAccFollowNode1">
-    <dgm:scene3d>
-      <a:camera prst="orthographicFront"/>
-      <a:lightRig rig="threePt" dir="t"/>
-    </dgm:scene3d>
-    <dgm:sp3d/>
-    <dgm:txPr/>
-    <dgm:style>
-      <a:lnRef idx="1">
-        <a:scrgbClr r="0" g="0" b="0"/>
-      </a:lnRef>
-      <a:fillRef idx="1">
-        <a:scrgbClr r="0" g="0" b="0"/>
-      </a:fillRef>
-      <a:effectRef idx="0">
-        <a:scrgbClr r="0" g="0" b="0"/>
-      </a:effectRef>
-      <a:fontRef idx="minor"/>
-    </dgm:style>
-  </dgm:styleLbl>
-  <dgm:styleLbl name="bgAccFollowNode1">
-    <dgm:scene3d>
-      <a:camera prst="orthographicFront"/>
-      <a:lightRig rig="threePt" dir="t"/>
-    </dgm:scene3d>
-    <dgm:sp3d/>
-    <dgm:txPr/>
-    <dgm:style>
-      <a:lnRef idx="1">
-        <a:scrgbClr r="0" g="0" b="0"/>
-      </a:lnRef>
-      <a:fillRef idx="1">
-        <a:scrgbClr r="0" g="0" b="0"/>
-      </a:fillRef>
-      <a:effectRef idx="0">
-        <a:scrgbClr r="0" g="0" b="0"/>
-      </a:effectRef>
-      <a:fontRef idx="minor"/>
-    </dgm:style>
-  </dgm:styleLbl>
-  <dgm:styleLbl name="fgAcc0">
-    <dgm:scene3d>
-      <a:camera prst="orthographicFront"/>
-      <a:lightRig rig="threePt" dir="t"/>
-    </dgm:scene3d>
-    <dgm:sp3d/>
-    <dgm:txPr/>
-    <dgm:style>
-      <a:lnRef idx="1">
-        <a:scrgbClr r="0" g="0" b="0"/>
-      </a:lnRef>
-      <a:fillRef idx="1">
-        <a:scrgbClr r="0" g="0" b="0"/>
-      </a:fillRef>
-      <a:effectRef idx="0">
-        <a:scrgbClr r="0" g="0" b="0"/>
-      </a:effectRef>
-      <a:fontRef idx="minor"/>
-    </dgm:style>
-  </dgm:styleLbl>
-  <dgm:styleLbl name="fgAcc2">
-    <dgm:scene3d>
-      <a:camera prst="orthographicFront"/>
-      <a:lightRig rig="threePt" dir="t"/>
-    </dgm:scene3d>
-    <dgm:sp3d/>
-    <dgm:txPr/>
-    <dgm:style>
-      <a:lnRef idx="1">
-        <a:scrgbClr r="0" g="0" b="0"/>
-      </a:lnRef>
-      <a:fillRef idx="1">
-        <a:scrgbClr r="0" g="0" b="0"/>
-      </a:fillRef>
-      <a:effectRef idx="0">
-        <a:scrgbClr r="0" g="0" b="0"/>
-      </a:effectRef>
-      <a:fontRef idx="minor"/>
-    </dgm:style>
-  </dgm:styleLbl>
-  <dgm:styleLbl name="fgAcc3">
-    <dgm:scene3d>
-      <a:camera prst="orthographicFront"/>
-      <a:lightRig rig="threePt" dir="t"/>
-    </dgm:scene3d>
-    <dgm:sp3d/>
-    <dgm:txPr/>
-    <dgm:style>
-      <a:lnRef idx="1">
-        <a:scrgbClr r="0" g="0" b="0"/>
-      </a:lnRef>
-      <a:fillRef idx="1">
-        <a:scrgbClr r="0" g="0" b="0"/>
-      </a:fillRef>
-      <a:effectRef idx="0">
-        <a:scrgbClr r="0" g="0" b="0"/>
-      </a:effectRef>
-      <a:fontRef idx="minor"/>
-    </dgm:style>
-  </dgm:styleLbl>
-  <dgm:styleLbl name="fgAcc4">
-    <dgm:scene3d>
-      <a:camera prst="orthographicFront"/>
-      <a:lightRig rig="threePt" dir="t"/>
-    </dgm:scene3d>
-    <dgm:sp3d/>
-    <dgm:txPr/>
-    <dgm:style>
-      <a:lnRef idx="1">
-        <a:scrgbClr r="0" g="0" b="0"/>
-      </a:lnRef>
-      <a:fillRef idx="1">
-        <a:scrgbClr r="0" g="0" b="0"/>
-      </a:fillRef>
-      <a:effectRef idx="0">
-        <a:scrgbClr r="0" g="0" b="0"/>
-      </a:effectRef>
-      <a:fontRef idx="minor"/>
-    </dgm:style>
-  </dgm:styleLbl>
-  <dgm:styleLbl name="bgShp">
-    <dgm:scene3d>
-      <a:camera prst="orthographicFront"/>
-      <a:lightRig rig="threePt" dir="t"/>
-    </dgm:scene3d>
-    <dgm:sp3d/>
-    <dgm:txPr/>
-    <dgm:style>
-      <a:lnRef idx="0">
-        <a:scrgbClr r="0" g="0" b="0"/>
-      </a:lnRef>
-      <a:fillRef idx="1">
-        <a:scrgbClr r="0" g="0" b="0"/>
-      </a:fillRef>
-      <a:effectRef idx="2">
-        <a:scrgbClr r="0" g="0" b="0"/>
-      </a:effectRef>
-      <a:fontRef idx="minor"/>
-    </dgm:style>
-  </dgm:styleLbl>
-  <dgm:styleLbl name="dkBgShp">
-    <dgm:scene3d>
-      <a:camera prst="orthographicFront"/>
-      <a:lightRig rig="threePt" dir="t"/>
-    </dgm:scene3d>
-    <dgm:sp3d/>
-    <dgm:txPr/>
-    <dgm:style>
-      <a:lnRef idx="0">
-        <a:scrgbClr r="0" g="0" b="0"/>
-      </a:lnRef>
-      <a:fillRef idx="1">
-        <a:scrgbClr r="0" g="0" b="0"/>
-      </a:fillRef>
-      <a:effectRef idx="2">
-        <a:scrgbClr r="0" g="0" b="0"/>
-      </a:effectRef>
-      <a:fontRef idx="minor"/>
-    </dgm:style>
-  </dgm:styleLbl>
-  <dgm:styleLbl name="trBgShp">
-    <dgm:scene3d>
-      <a:camera prst="orthographicFront"/>
-      <a:lightRig rig="threePt" dir="t"/>
-    </dgm:scene3d>
-    <dgm:sp3d/>
-    <dgm:txPr/>
-    <dgm:style>
-      <a:lnRef idx="0">
-        <a:scrgbClr r="0" g="0" b="0"/>
-      </a:lnRef>
-      <a:fillRef idx="1">
-        <a:scrgbClr r="0" g="0" b="0"/>
-      </a:fillRef>
-      <a:effectRef idx="0">
-        <a:scrgbClr r="0" g="0" b="0"/>
-      </a:effectRef>
-      <a:fontRef idx="minor"/>
-    </dgm:style>
-  </dgm:styleLbl>
-  <dgm:styleLbl name="fgShp">
-    <dgm:scene3d>
-      <a:camera prst="orthographicFront"/>
-      <a:lightRig rig="threePt" dir="t"/>
-    </dgm:scene3d>
-    <dgm:sp3d/>
-    <dgm:txPr/>
-    <dgm:style>
-      <a:lnRef idx="0">
-        <a:scrgbClr r="0" g="0" b="0"/>
-      </a:lnRef>
-      <a:fillRef idx="3">
-        <a:scrgbClr r="0" g="0" b="0"/>
-      </a:fillRef>
-      <a:effectRef idx="2">
         <a:scrgbClr r="0" g="0" b="0"/>
       </a:effectRef>
       <a:fontRef idx="minor"/>
@@ -7169,349 +3595,6 @@
     <p:extLst>
       <p:ext uri="{BB962C8B-B14F-4D97-AF65-F5344CB8AC3E}">
         <p14:creationId xmlns:p14="http://schemas.microsoft.com/office/powerpoint/2010/main" val="1390047011"/>
-      </p:ext>
-    </p:extLst>
-  </p:cSld>
-  <p:clrMapOvr>
-    <a:masterClrMapping/>
-  </p:clrMapOvr>
-</p:notes>
-</file>
-
-<file path=ppt/notesSlides/notesSlide2.xml><?xml version="1.0" encoding="utf-8"?>
-<p:notes xmlns:a="http://schemas.openxmlformats.org/drawingml/2006/main" xmlns:r="http://schemas.openxmlformats.org/officeDocument/2006/relationships" xmlns:p="http://schemas.openxmlformats.org/presentationml/2006/main">
-  <p:cSld>
-    <p:spTree>
-      <p:nvGrpSpPr>
-        <p:cNvPr id="1" name=""/>
-        <p:cNvGrpSpPr/>
-        <p:nvPr/>
-      </p:nvGrpSpPr>
-      <p:grpSpPr>
-        <a:xfrm>
-          <a:off x="0" y="0"/>
-          <a:ext cx="0" cy="0"/>
-          <a:chOff x="0" y="0"/>
-          <a:chExt cx="0" cy="0"/>
-        </a:xfrm>
-      </p:grpSpPr>
-      <p:sp>
-        <p:nvSpPr>
-          <p:cNvPr id="2" name="Marcador de imagen de diapositiva 1"/>
-          <p:cNvSpPr>
-            <a:spLocks noGrp="1" noRot="1" noChangeAspect="1"/>
-          </p:cNvSpPr>
-          <p:nvPr>
-            <p:ph type="sldImg"/>
-          </p:nvPr>
-        </p:nvSpPr>
-        <p:spPr/>
-      </p:sp>
-      <p:sp>
-        <p:nvSpPr>
-          <p:cNvPr id="3" name="Marcador de notas 2"/>
-          <p:cNvSpPr>
-            <a:spLocks noGrp="1"/>
-          </p:cNvSpPr>
-          <p:nvPr>
-            <p:ph type="body" idx="1"/>
-          </p:nvPr>
-        </p:nvSpPr>
-        <p:spPr/>
-        <p:txBody>
-          <a:bodyPr rtlCol="0"/>
-          <a:lstStyle/>
-          <a:p>
-            <a:pPr rtl="0"/>
-            <a:endParaRPr lang="es-ES"/>
-          </a:p>
-        </p:txBody>
-      </p:sp>
-      <p:sp>
-        <p:nvSpPr>
-          <p:cNvPr id="4" name="Marcador de número de diapositiva 3"/>
-          <p:cNvSpPr>
-            <a:spLocks noGrp="1"/>
-          </p:cNvSpPr>
-          <p:nvPr>
-            <p:ph type="sldNum" sz="quarter" idx="5"/>
-          </p:nvPr>
-        </p:nvSpPr>
-        <p:spPr/>
-        <p:txBody>
-          <a:bodyPr rtlCol="0"/>
-          <a:lstStyle/>
-          <a:p>
-            <a:pPr rtl="0"/>
-            <a:fld id="{C6B3AB32-59DF-41F1-9618-EDFBF5049629}" type="slidenum">
-              <a:rPr lang="es-ES" smtClean="0"/>
-              <a:t>2</a:t>
-            </a:fld>
-            <a:endParaRPr lang="es-ES"/>
-          </a:p>
-        </p:txBody>
-      </p:sp>
-    </p:spTree>
-    <p:extLst>
-      <p:ext uri="{BB962C8B-B14F-4D97-AF65-F5344CB8AC3E}">
-        <p14:creationId xmlns:p14="http://schemas.microsoft.com/office/powerpoint/2010/main" val="431927585"/>
-      </p:ext>
-    </p:extLst>
-  </p:cSld>
-  <p:clrMapOvr>
-    <a:masterClrMapping/>
-  </p:clrMapOvr>
-</p:notes>
-</file>
-
-<file path=ppt/notesSlides/notesSlide3.xml><?xml version="1.0" encoding="utf-8"?>
-<p:notes xmlns:a="http://schemas.openxmlformats.org/drawingml/2006/main" xmlns:r="http://schemas.openxmlformats.org/officeDocument/2006/relationships" xmlns:p="http://schemas.openxmlformats.org/presentationml/2006/main">
-  <p:cSld>
-    <p:spTree>
-      <p:nvGrpSpPr>
-        <p:cNvPr id="1" name=""/>
-        <p:cNvGrpSpPr/>
-        <p:nvPr/>
-      </p:nvGrpSpPr>
-      <p:grpSpPr>
-        <a:xfrm>
-          <a:off x="0" y="0"/>
-          <a:ext cx="0" cy="0"/>
-          <a:chOff x="0" y="0"/>
-          <a:chExt cx="0" cy="0"/>
-        </a:xfrm>
-      </p:grpSpPr>
-      <p:sp>
-        <p:nvSpPr>
-          <p:cNvPr id="2" name="Marcador de imagen de diapositiva 1"/>
-          <p:cNvSpPr>
-            <a:spLocks noGrp="1" noRot="1" noChangeAspect="1"/>
-          </p:cNvSpPr>
-          <p:nvPr>
-            <p:ph type="sldImg"/>
-          </p:nvPr>
-        </p:nvSpPr>
-        <p:spPr/>
-      </p:sp>
-      <p:sp>
-        <p:nvSpPr>
-          <p:cNvPr id="3" name="Marcador de notas 2"/>
-          <p:cNvSpPr>
-            <a:spLocks noGrp="1"/>
-          </p:cNvSpPr>
-          <p:nvPr>
-            <p:ph type="body" idx="1"/>
-          </p:nvPr>
-        </p:nvSpPr>
-        <p:spPr/>
-        <p:txBody>
-          <a:bodyPr/>
-          <a:lstStyle/>
-          <a:p>
-            <a:endParaRPr lang="es-ES"/>
-          </a:p>
-        </p:txBody>
-      </p:sp>
-      <p:sp>
-        <p:nvSpPr>
-          <p:cNvPr id="4" name="Marcador de número de diapositiva 3"/>
-          <p:cNvSpPr>
-            <a:spLocks noGrp="1"/>
-          </p:cNvSpPr>
-          <p:nvPr>
-            <p:ph type="sldNum" sz="quarter" idx="5"/>
-          </p:nvPr>
-        </p:nvSpPr>
-        <p:spPr/>
-        <p:txBody>
-          <a:bodyPr/>
-          <a:lstStyle/>
-          <a:p>
-            <a:pPr rtl="0"/>
-            <a:fld id="{C6B3AB32-59DF-41F1-9618-EDFBF5049629}" type="slidenum">
-              <a:rPr lang="es-ES" smtClean="0"/>
-              <a:t>3</a:t>
-            </a:fld>
-            <a:endParaRPr lang="es-ES"/>
-          </a:p>
-        </p:txBody>
-      </p:sp>
-    </p:spTree>
-    <p:extLst>
-      <p:ext uri="{BB962C8B-B14F-4D97-AF65-F5344CB8AC3E}">
-        <p14:creationId xmlns:p14="http://schemas.microsoft.com/office/powerpoint/2010/main" val="4082966393"/>
-      </p:ext>
-    </p:extLst>
-  </p:cSld>
-  <p:clrMapOvr>
-    <a:masterClrMapping/>
-  </p:clrMapOvr>
-</p:notes>
-</file>
-
-<file path=ppt/notesSlides/notesSlide4.xml><?xml version="1.0" encoding="utf-8"?>
-<p:notes xmlns:a="http://schemas.openxmlformats.org/drawingml/2006/main" xmlns:r="http://schemas.openxmlformats.org/officeDocument/2006/relationships" xmlns:p="http://schemas.openxmlformats.org/presentationml/2006/main">
-  <p:cSld>
-    <p:spTree>
-      <p:nvGrpSpPr>
-        <p:cNvPr id="1" name=""/>
-        <p:cNvGrpSpPr/>
-        <p:nvPr/>
-      </p:nvGrpSpPr>
-      <p:grpSpPr>
-        <a:xfrm>
-          <a:off x="0" y="0"/>
-          <a:ext cx="0" cy="0"/>
-          <a:chOff x="0" y="0"/>
-          <a:chExt cx="0" cy="0"/>
-        </a:xfrm>
-      </p:grpSpPr>
-      <p:sp>
-        <p:nvSpPr>
-          <p:cNvPr id="2" name="Marcador de imagen de diapositiva 1"/>
-          <p:cNvSpPr>
-            <a:spLocks noGrp="1" noRot="1" noChangeAspect="1"/>
-          </p:cNvSpPr>
-          <p:nvPr>
-            <p:ph type="sldImg"/>
-          </p:nvPr>
-        </p:nvSpPr>
-        <p:spPr/>
-      </p:sp>
-      <p:sp>
-        <p:nvSpPr>
-          <p:cNvPr id="3" name="Marcador de notas 2"/>
-          <p:cNvSpPr>
-            <a:spLocks noGrp="1"/>
-          </p:cNvSpPr>
-          <p:nvPr>
-            <p:ph type="body" idx="1"/>
-          </p:nvPr>
-        </p:nvSpPr>
-        <p:spPr/>
-        <p:txBody>
-          <a:bodyPr rtlCol="0"/>
-          <a:lstStyle/>
-          <a:p>
-            <a:pPr rtl="0"/>
-            <a:endParaRPr lang="es-ES"/>
-          </a:p>
-        </p:txBody>
-      </p:sp>
-      <p:sp>
-        <p:nvSpPr>
-          <p:cNvPr id="4" name="Marcador de número de diapositiva 3"/>
-          <p:cNvSpPr>
-            <a:spLocks noGrp="1"/>
-          </p:cNvSpPr>
-          <p:nvPr>
-            <p:ph type="sldNum" sz="quarter" idx="5"/>
-          </p:nvPr>
-        </p:nvSpPr>
-        <p:spPr/>
-        <p:txBody>
-          <a:bodyPr rtlCol="0"/>
-          <a:lstStyle/>
-          <a:p>
-            <a:pPr rtl="0"/>
-            <a:fld id="{C6B3AB32-59DF-41F1-9618-EDFBF5049629}" type="slidenum">
-              <a:rPr lang="es-ES" smtClean="0"/>
-              <a:t>4</a:t>
-            </a:fld>
-            <a:endParaRPr lang="es-ES"/>
-          </a:p>
-        </p:txBody>
-      </p:sp>
-    </p:spTree>
-    <p:extLst>
-      <p:ext uri="{BB962C8B-B14F-4D97-AF65-F5344CB8AC3E}">
-        <p14:creationId xmlns:p14="http://schemas.microsoft.com/office/powerpoint/2010/main" val="3505115597"/>
-      </p:ext>
-    </p:extLst>
-  </p:cSld>
-  <p:clrMapOvr>
-    <a:masterClrMapping/>
-  </p:clrMapOvr>
-</p:notes>
-</file>
-
-<file path=ppt/notesSlides/notesSlide5.xml><?xml version="1.0" encoding="utf-8"?>
-<p:notes xmlns:a="http://schemas.openxmlformats.org/drawingml/2006/main" xmlns:r="http://schemas.openxmlformats.org/officeDocument/2006/relationships" xmlns:p="http://schemas.openxmlformats.org/presentationml/2006/main">
-  <p:cSld>
-    <p:spTree>
-      <p:nvGrpSpPr>
-        <p:cNvPr id="1" name=""/>
-        <p:cNvGrpSpPr/>
-        <p:nvPr/>
-      </p:nvGrpSpPr>
-      <p:grpSpPr>
-        <a:xfrm>
-          <a:off x="0" y="0"/>
-          <a:ext cx="0" cy="0"/>
-          <a:chOff x="0" y="0"/>
-          <a:chExt cx="0" cy="0"/>
-        </a:xfrm>
-      </p:grpSpPr>
-      <p:sp>
-        <p:nvSpPr>
-          <p:cNvPr id="2" name="Marcador de imagen de diapositiva 1"/>
-          <p:cNvSpPr>
-            <a:spLocks noGrp="1" noRot="1" noChangeAspect="1"/>
-          </p:cNvSpPr>
-          <p:nvPr>
-            <p:ph type="sldImg"/>
-          </p:nvPr>
-        </p:nvSpPr>
-        <p:spPr/>
-      </p:sp>
-      <p:sp>
-        <p:nvSpPr>
-          <p:cNvPr id="3" name="Marcador de notas 2"/>
-          <p:cNvSpPr>
-            <a:spLocks noGrp="1"/>
-          </p:cNvSpPr>
-          <p:nvPr>
-            <p:ph type="body" idx="1"/>
-          </p:nvPr>
-        </p:nvSpPr>
-        <p:spPr/>
-        <p:txBody>
-          <a:bodyPr rtlCol="0"/>
-          <a:lstStyle/>
-          <a:p>
-            <a:pPr rtl="0"/>
-            <a:endParaRPr lang="es-ES"/>
-          </a:p>
-        </p:txBody>
-      </p:sp>
-      <p:sp>
-        <p:nvSpPr>
-          <p:cNvPr id="4" name="Marcador de número de diapositiva 3"/>
-          <p:cNvSpPr>
-            <a:spLocks noGrp="1"/>
-          </p:cNvSpPr>
-          <p:nvPr>
-            <p:ph type="sldNum" sz="quarter" idx="5"/>
-          </p:nvPr>
-        </p:nvSpPr>
-        <p:spPr/>
-        <p:txBody>
-          <a:bodyPr rtlCol="0"/>
-          <a:lstStyle/>
-          <a:p>
-            <a:pPr rtl="0"/>
-            <a:fld id="{C6B3AB32-59DF-41F1-9618-EDFBF5049629}" type="slidenum">
-              <a:rPr lang="es-ES" smtClean="0"/>
-              <a:t>5</a:t>
-            </a:fld>
-            <a:endParaRPr lang="es-ES"/>
-          </a:p>
-        </p:txBody>
-      </p:sp>
-    </p:spTree>
-    <p:extLst>
-      <p:ext uri="{BB962C8B-B14F-4D97-AF65-F5344CB8AC3E}">
-        <p14:creationId xmlns:p14="http://schemas.microsoft.com/office/powerpoint/2010/main" val="1046714131"/>
       </p:ext>
     </p:extLst>
   </p:cSld>
@@ -11380,7 +7463,7 @@
       </p:sp>
       <p:pic>
         <p:nvPicPr>
-          <p:cNvPr id="7" name="Imagen 6" descr="Conexiones digitales">
+          <p:cNvPr id="7" name="Imagen 6">
             <a:extLst>
               <a:ext uri="{FF2B5EF4-FFF2-40B4-BE49-F238E27FC236}">
                 <a16:creationId xmlns:a16="http://schemas.microsoft.com/office/drawing/2014/main" id="{3840F91C-EDD0-4D4E-A4AB-E6C77856C88C}"/>
@@ -11393,14 +7476,8 @@
           <p:nvPr/>
         </p:nvPicPr>
         <p:blipFill rotWithShape="1">
-          <a:blip r:embed="rId3" cstate="screen">
-            <a:extLst>
-              <a:ext uri="{28A0092B-C50C-407E-A947-70E740481C1C}">
-                <a14:useLocalDpi xmlns:a14="http://schemas.microsoft.com/office/drawing/2010/main"/>
-              </a:ext>
-            </a:extLst>
-          </a:blip>
-          <a:srcRect l="13265" t="9091" r="3502" b="-1"/>
+          <a:blip r:embed="rId3"/>
+          <a:srcRect l="3333" r="3333"/>
           <a:stretch/>
         </p:blipFill>
         <p:spPr>
@@ -11715,12 +7792,12 @@
           <a:p>
             <a:pPr rtl="0"/>
             <a:r>
-              <a:rPr lang="es-ES" sz="6000">
+              <a:rPr lang="es-ES" sz="6000" dirty="0">
                 <a:solidFill>
                   <a:schemeClr val="bg1"/>
                 </a:solidFill>
               </a:rPr>
-              <a:t>Diseño tecnológico</a:t>
+              <a:t>INTEGROMAT MAKE</a:t>
             </a:r>
           </a:p>
         </p:txBody>
@@ -11754,11 +7831,14 @@
           <a:lstStyle/>
           <a:p>
             <a:pPr rtl="0"/>
-            <a:endParaRPr lang="es-ES">
-              <a:solidFill>
-                <a:srgbClr val="7CEBFF"/>
-              </a:solidFill>
-            </a:endParaRPr>
+            <a:r>
+              <a:rPr lang="es-ES" dirty="0">
+                <a:solidFill>
+                  <a:srgbClr val="7CEBFF"/>
+                </a:solidFill>
+              </a:rPr>
+              <a:t>JUAN ALBERTO DOMÍNGUEZ VÁZQUEZ Y SAÚL RODRÍGUEZ NARANJO</a:t>
+            </a:r>
           </a:p>
         </p:txBody>
       </p:sp>
@@ -11778,14 +7858,6 @@
 <file path=ppt/slides/slide2.xml><?xml version="1.0" encoding="utf-8"?>
 <p:sld xmlns:a="http://schemas.openxmlformats.org/drawingml/2006/main" xmlns:r="http://schemas.openxmlformats.org/officeDocument/2006/relationships" xmlns:p="http://schemas.openxmlformats.org/presentationml/2006/main">
   <p:cSld>
-    <p:bg>
-      <p:bgPr>
-        <a:solidFill>
-          <a:schemeClr val="bg1"/>
-        </a:solidFill>
-        <a:effectLst/>
-      </p:bgPr>
-    </p:bg>
     <p:spTree>
       <p:nvGrpSpPr>
         <p:cNvPr id="1" name=""/>
@@ -11800,137 +7872,16 @@
           <a:chExt cx="0" cy="0"/>
         </a:xfrm>
       </p:grpSpPr>
-      <p:sp useBgFill="1">
-        <p:nvSpPr>
-          <p:cNvPr id="29" name="Rectángulo 28">
+      <p:sp>
+        <p:nvSpPr>
+          <p:cNvPr id="2" name="Título 1">
             <a:extLst>
               <a:ext uri="{FF2B5EF4-FFF2-40B4-BE49-F238E27FC236}">
-                <a16:creationId xmlns:a16="http://schemas.microsoft.com/office/drawing/2014/main" id="{BFDA9692-ECDC-4B59-86B2-8C90FDE1A055}"/>
-              </a:ext>
-              <a:ext uri="{C183D7F6-B498-43B3-948B-1728B52AA6E4}">
-                <adec:decorative xmlns:adec="http://schemas.microsoft.com/office/drawing/2017/decorative" val="1"/>
+                <a16:creationId xmlns:a16="http://schemas.microsoft.com/office/drawing/2014/main" id="{0C9DE6D6-A4F4-CC41-E4E4-C6E0AD7682DC}"/>
               </a:ext>
             </a:extLst>
           </p:cNvPr>
           <p:cNvSpPr>
-            <a:spLocks noGrp="1" noRot="1" noChangeAspect="1" noMove="1" noResize="1" noEditPoints="1" noAdjustHandles="1" noChangeArrowheads="1" noChangeShapeType="1" noTextEdit="1"/>
-          </p:cNvSpPr>
-          <p:nvPr>
-            <p:extLst>
-              <p:ext uri="{386F3935-93C4-4BCD-93E2-E3B085C9AB24}">
-                <p16:designElem xmlns:p16="http://schemas.microsoft.com/office/powerpoint/2015/main" val="1"/>
-              </p:ext>
-            </p:extLst>
-          </p:nvPr>
-        </p:nvSpPr>
-        <p:spPr>
-          <a:xfrm>
-            <a:off x="0" y="536712"/>
-            <a:ext cx="12192000" cy="6321287"/>
-          </a:xfrm>
-          <a:prstGeom prst="rect">
-            <a:avLst/>
-          </a:prstGeom>
-          <a:ln>
-            <a:noFill/>
-          </a:ln>
-        </p:spPr>
-        <p:style>
-          <a:lnRef idx="2">
-            <a:schemeClr val="accent1">
-              <a:shade val="50000"/>
-            </a:schemeClr>
-          </a:lnRef>
-          <a:fillRef idx="1">
-            <a:schemeClr val="accent1"/>
-          </a:fillRef>
-          <a:effectRef idx="0">
-            <a:schemeClr val="accent1"/>
-          </a:effectRef>
-          <a:fontRef idx="minor">
-            <a:schemeClr val="lt1"/>
-          </a:fontRef>
-        </p:style>
-        <p:txBody>
-          <a:bodyPr rtlCol="0" anchor="ctr"/>
-          <a:lstStyle/>
-          <a:p>
-            <a:pPr algn="ctr" rtl="0"/>
-            <a:endParaRPr lang="en-US" dirty="0"/>
-          </a:p>
-        </p:txBody>
-      </p:sp>
-      <p:sp>
-        <p:nvSpPr>
-          <p:cNvPr id="31" name="Rectángulo 30">
-            <a:extLst>
-              <a:ext uri="{FF2B5EF4-FFF2-40B4-BE49-F238E27FC236}">
-                <a16:creationId xmlns:a16="http://schemas.microsoft.com/office/drawing/2014/main" id="{12C05506-42A1-49C0-9D87-081CCD9023D6}"/>
-              </a:ext>
-              <a:ext uri="{C183D7F6-B498-43B3-948B-1728B52AA6E4}">
-                <adec:decorative xmlns:adec="http://schemas.microsoft.com/office/drawing/2017/decorative" val="1"/>
-              </a:ext>
-            </a:extLst>
-          </p:cNvPr>
-          <p:cNvSpPr>
-            <a:spLocks noGrp="1" noRot="1" noChangeAspect="1" noMove="1" noResize="1" noEditPoints="1" noAdjustHandles="1" noChangeArrowheads="1" noChangeShapeType="1" noTextEdit="1"/>
-          </p:cNvSpPr>
-          <p:nvPr>
-            <p:extLst>
-              <p:ext uri="{386F3935-93C4-4BCD-93E2-E3B085C9AB24}">
-                <p16:designElem xmlns:p16="http://schemas.microsoft.com/office/powerpoint/2015/main" val="1"/>
-              </p:ext>
-            </p:extLst>
-          </p:nvPr>
-        </p:nvSpPr>
-        <p:spPr>
-          <a:xfrm>
-            <a:off x="447817" y="5141974"/>
-            <a:ext cx="11290860" cy="1258827"/>
-          </a:xfrm>
-          <a:prstGeom prst="rect">
-            <a:avLst/>
-          </a:prstGeom>
-          <a:solidFill>
-            <a:schemeClr val="accent1"/>
-          </a:solidFill>
-          <a:ln>
-            <a:noFill/>
-          </a:ln>
-          <a:effectLst/>
-        </p:spPr>
-        <p:style>
-          <a:lnRef idx="1">
-            <a:schemeClr val="accent1"/>
-          </a:lnRef>
-          <a:fillRef idx="3">
-            <a:schemeClr val="accent1"/>
-          </a:fillRef>
-          <a:effectRef idx="2">
-            <a:schemeClr val="accent1"/>
-          </a:effectRef>
-          <a:fontRef idx="minor">
-            <a:schemeClr val="lt1"/>
-          </a:fontRef>
-        </p:style>
-        <p:txBody>
-          <a:bodyPr/>
-          <a:lstStyle/>
-          <a:p>
-            <a:endParaRPr lang="es-ES"/>
-          </a:p>
-        </p:txBody>
-      </p:sp>
-      <p:sp>
-        <p:nvSpPr>
-          <p:cNvPr id="2" name="Título 1">
-            <a:extLst>
-              <a:ext uri="{FF2B5EF4-FFF2-40B4-BE49-F238E27FC236}">
-                <a16:creationId xmlns:a16="http://schemas.microsoft.com/office/drawing/2014/main" id="{5B040558-A365-4CCE-92FA-5A48CD98F9C9}"/>
-              </a:ext>
-            </a:extLst>
-          </p:cNvPr>
-          <p:cNvSpPr>
             <a:spLocks noGrp="1"/>
           </p:cNvSpPr>
           <p:nvPr>
@@ -11939,34 +7890,29 @@
         </p:nvSpPr>
         <p:spPr>
           <a:xfrm>
-            <a:off x="581192" y="5264487"/>
-            <a:ext cx="11029616" cy="718870"/>
+            <a:off x="581192" y="702156"/>
+            <a:ext cx="11029616" cy="1013800"/>
           </a:xfrm>
         </p:spPr>
         <p:txBody>
-          <a:bodyPr rtlCol="0">
+          <a:bodyPr anchor="b">
             <a:normAutofit/>
           </a:bodyPr>
           <a:lstStyle/>
           <a:p>
-            <a:pPr rtl="0"/>
             <a:r>
-              <a:rPr lang="es-ES" dirty="0">
-                <a:solidFill>
-                  <a:srgbClr val="FFFEFF"/>
-                </a:solidFill>
-              </a:rPr>
-              <a:t>Requisitos de tecnología</a:t>
+              <a:rPr lang="es-ES"/>
+              <a:t>índice</a:t>
             </a:r>
           </a:p>
         </p:txBody>
       </p:sp>
       <p:graphicFrame>
         <p:nvGraphicFramePr>
-          <p:cNvPr id="4" name="Marcador de contenido 3" descr="Gráfico de SmartArt, icono">
+          <p:cNvPr id="5" name="Marcador de contenido 2">
             <a:extLst>
               <a:ext uri="{FF2B5EF4-FFF2-40B4-BE49-F238E27FC236}">
-                <a16:creationId xmlns:a16="http://schemas.microsoft.com/office/drawing/2014/main" id="{81E592E1-99DF-4294-A2E9-EF46299BD3F4}"/>
+                <a16:creationId xmlns:a16="http://schemas.microsoft.com/office/drawing/2014/main" id="{8DF677D4-D939-6158-D8E4-0B2A95D8EE14}"/>
               </a:ext>
             </a:extLst>
           </p:cNvPr>
@@ -11977,25 +7923,25 @@
             <p:ph idx="1"/>
             <p:extLst>
               <p:ext uri="{D42A27DB-BD31-4B8C-83A1-F6EECF244321}">
-                <p14:modId xmlns:p14="http://schemas.microsoft.com/office/powerpoint/2010/main" val="2201117458"/>
+                <p14:modId xmlns:p14="http://schemas.microsoft.com/office/powerpoint/2010/main" val="1220853205"/>
               </p:ext>
             </p:extLst>
           </p:nvPr>
         </p:nvGraphicFramePr>
         <p:xfrm>
-          <a:off x="642938" y="858445"/>
-          <a:ext cx="10906125" cy="3961205"/>
+          <a:off x="581192" y="2180496"/>
+          <a:ext cx="11029615" cy="3678303"/>
         </p:xfrm>
         <a:graphic>
           <a:graphicData uri="http://schemas.openxmlformats.org/drawingml/2006/diagram">
-            <dgm:relIds xmlns:dgm="http://schemas.openxmlformats.org/drawingml/2006/diagram" xmlns:r="http://schemas.openxmlformats.org/officeDocument/2006/relationships" r:dm="rId3" r:lo="rId4" r:qs="rId5" r:cs="rId6"/>
+            <dgm:relIds xmlns:dgm="http://schemas.openxmlformats.org/drawingml/2006/diagram" xmlns:r="http://schemas.openxmlformats.org/officeDocument/2006/relationships" r:dm="rId2" r:lo="rId3" r:qs="rId4" r:cs="rId5"/>
           </a:graphicData>
         </a:graphic>
       </p:graphicFrame>
     </p:spTree>
     <p:extLst>
       <p:ext uri="{BB962C8B-B14F-4D97-AF65-F5344CB8AC3E}">
-        <p14:creationId xmlns:p14="http://schemas.microsoft.com/office/powerpoint/2010/main" val="1703342593"/>
+        <p14:creationId xmlns:p14="http://schemas.microsoft.com/office/powerpoint/2010/main" val="2369039888"/>
       </p:ext>
     </p:extLst>
   </p:cSld>
@@ -12027,7 +7973,7 @@
           <p:cNvPr id="2" name="Título 1">
             <a:extLst>
               <a:ext uri="{FF2B5EF4-FFF2-40B4-BE49-F238E27FC236}">
-                <a16:creationId xmlns:a16="http://schemas.microsoft.com/office/drawing/2014/main" id="{921633EB-7DCB-4DDC-80AF-C885A3EE1245}"/>
+                <a16:creationId xmlns:a16="http://schemas.microsoft.com/office/drawing/2014/main" id="{6F7F93AD-E727-D8DB-1412-55A5B91A66BE}"/>
               </a:ext>
             </a:extLst>
           </p:cNvPr>
@@ -12038,87 +7984,43 @@
             <p:ph type="title"/>
           </p:nvPr>
         </p:nvSpPr>
-        <p:spPr/>
-        <p:txBody>
-          <a:bodyPr rtlCol="0"/>
-          <a:lstStyle/>
-          <a:p>
-            <a:pPr rtl="0"/>
-            <a:r>
-              <a:rPr lang="es-ES"/>
-              <a:t>Panorama competitivo</a:t>
-            </a:r>
-          </a:p>
-        </p:txBody>
-      </p:sp>
-      <p:pic>
-        <p:nvPicPr>
-          <p:cNvPr id="11" name="Marcador de contenido 4" descr="Gráficos">
-            <a:extLst>
-              <a:ext uri="{FF2B5EF4-FFF2-40B4-BE49-F238E27FC236}">
-                <a16:creationId xmlns:a16="http://schemas.microsoft.com/office/drawing/2014/main" id="{47D9BE16-119C-43B2-9AE6-18C4A150C0EF}"/>
-              </a:ext>
-            </a:extLst>
-          </p:cNvPr>
-          <p:cNvPicPr>
-            <a:picLocks noGrp="1" noChangeAspect="1"/>
-          </p:cNvPicPr>
-          <p:nvPr>
-            <p:ph sz="half" idx="1"/>
-          </p:nvPr>
-        </p:nvPicPr>
-        <p:blipFill rotWithShape="1">
-          <a:blip r:embed="rId3" cstate="screen">
-            <a:extLst>
-              <a:ext uri="{28A0092B-C50C-407E-A947-70E740481C1C}">
-                <a14:useLocalDpi xmlns:a14="http://schemas.microsoft.com/office/drawing/2010/main"/>
-              </a:ext>
-            </a:extLst>
-          </a:blip>
-          <a:stretch/>
-        </p:blipFill>
         <p:spPr>
           <a:xfrm>
-            <a:off x="581025" y="2231480"/>
-            <a:ext cx="5422900" cy="3625353"/>
+            <a:off x="581192" y="3505304"/>
+            <a:ext cx="11029615" cy="1497507"/>
           </a:xfrm>
         </p:spPr>
-      </p:pic>
-      <p:pic>
-        <p:nvPicPr>
-          <p:cNvPr id="18" name="Marcador de contenido 17" descr="Marcador de posición de gráfico">
-            <a:extLst>
-              <a:ext uri="{FF2B5EF4-FFF2-40B4-BE49-F238E27FC236}">
-                <a16:creationId xmlns:a16="http://schemas.microsoft.com/office/drawing/2014/main" id="{BFEA8EC1-23A4-4843-A9C3-AE771D73392A}"/>
-              </a:ext>
-            </a:extLst>
-          </p:cNvPr>
-          <p:cNvPicPr>
-            <a:picLocks noGrp="1" noChangeAspect="1"/>
-          </p:cNvPicPr>
-          <p:nvPr>
-            <p:ph sz="half" idx="2"/>
-          </p:nvPr>
-        </p:nvPicPr>
-        <p:blipFill>
-          <a:blip r:embed="rId4"/>
-          <a:srcRect/>
-          <a:stretch/>
-        </p:blipFill>
-        <p:spPr>
-          <a:xfrm>
-            <a:off x="6201812" y="2571845"/>
-            <a:ext cx="5395426" cy="2944623"/>
-          </a:xfrm>
-          <a:prstGeom prst="rect">
-            <a:avLst/>
-          </a:prstGeom>
-        </p:spPr>
-      </p:pic>
+        <p:txBody>
+          <a:bodyPr/>
+          <a:lstStyle/>
+          <a:p>
+            <a:r>
+              <a:rPr lang="es-ES" dirty="0"/>
+              <a:t>¿Qué es </a:t>
+            </a:r>
+            <a:r>
+              <a:rPr lang="es-ES" dirty="0" err="1"/>
+              <a:t>integromat</a:t>
+            </a:r>
+            <a:r>
+              <a:rPr lang="es-ES" dirty="0"/>
+              <a:t> </a:t>
+            </a:r>
+            <a:r>
+              <a:rPr lang="es-ES" dirty="0" err="1"/>
+              <a:t>make</a:t>
+            </a:r>
+            <a:r>
+              <a:rPr lang="es-ES" dirty="0"/>
+              <a:t>?</a:t>
+            </a:r>
+          </a:p>
+        </p:txBody>
+      </p:sp>
     </p:spTree>
     <p:extLst>
       <p:ext uri="{BB962C8B-B14F-4D97-AF65-F5344CB8AC3E}">
-        <p14:creationId xmlns:p14="http://schemas.microsoft.com/office/powerpoint/2010/main" val="497607547"/>
+        <p14:creationId xmlns:p14="http://schemas.microsoft.com/office/powerpoint/2010/main" val="1678551158"/>
       </p:ext>
     </p:extLst>
   </p:cSld>
@@ -12131,14 +8033,6 @@
 <file path=ppt/slides/slide4.xml><?xml version="1.0" encoding="utf-8"?>
 <p:sld xmlns:a="http://schemas.openxmlformats.org/drawingml/2006/main" xmlns:r="http://schemas.openxmlformats.org/officeDocument/2006/relationships" xmlns:p="http://schemas.openxmlformats.org/presentationml/2006/main">
   <p:cSld>
-    <p:bg>
-      <p:bgPr>
-        <a:solidFill>
-          <a:schemeClr val="bg1"/>
-        </a:solidFill>
-        <a:effectLst/>
-      </p:bgPr>
-    </p:bg>
     <p:spTree>
       <p:nvGrpSpPr>
         <p:cNvPr id="1" name=""/>
@@ -12153,322 +8047,16 @@
           <a:chExt cx="0" cy="0"/>
         </a:xfrm>
       </p:grpSpPr>
-      <p:sp useBgFill="1">
-        <p:nvSpPr>
-          <p:cNvPr id="13" name="Rectángulo 12">
+      <p:sp>
+        <p:nvSpPr>
+          <p:cNvPr id="2" name="Título 1">
             <a:extLst>
               <a:ext uri="{FF2B5EF4-FFF2-40B4-BE49-F238E27FC236}">
-                <a16:creationId xmlns:a16="http://schemas.microsoft.com/office/drawing/2014/main" id="{4AE9D071-98CF-435C-BD2B-976514544DC5}"/>
-              </a:ext>
-              <a:ext uri="{C183D7F6-B498-43B3-948B-1728B52AA6E4}">
-                <adec:decorative xmlns:adec="http://schemas.microsoft.com/office/drawing/2017/decorative" val="1"/>
+                <a16:creationId xmlns:a16="http://schemas.microsoft.com/office/drawing/2014/main" id="{6F7F93AD-E727-D8DB-1412-55A5B91A66BE}"/>
               </a:ext>
             </a:extLst>
           </p:cNvPr>
           <p:cNvSpPr>
-            <a:spLocks noGrp="1" noRot="1" noChangeAspect="1" noMove="1" noResize="1" noEditPoints="1" noAdjustHandles="1" noChangeArrowheads="1" noChangeShapeType="1" noTextEdit="1"/>
-          </p:cNvSpPr>
-          <p:nvPr>
-            <p:extLst>
-              <p:ext uri="{386F3935-93C4-4BCD-93E2-E3B085C9AB24}">
-                <p16:designElem xmlns:p16="http://schemas.microsoft.com/office/powerpoint/2015/main" val="1"/>
-              </p:ext>
-            </p:extLst>
-          </p:nvPr>
-        </p:nvSpPr>
-        <p:spPr>
-          <a:xfrm>
-            <a:off x="0" y="0"/>
-            <a:ext cx="12192000" cy="6858000"/>
-          </a:xfrm>
-          <a:prstGeom prst="rect">
-            <a:avLst/>
-          </a:prstGeom>
-          <a:ln>
-            <a:noFill/>
-          </a:ln>
-        </p:spPr>
-        <p:style>
-          <a:lnRef idx="2">
-            <a:schemeClr val="accent1">
-              <a:shade val="50000"/>
-            </a:schemeClr>
-          </a:lnRef>
-          <a:fillRef idx="1">
-            <a:schemeClr val="accent1"/>
-          </a:fillRef>
-          <a:effectRef idx="0">
-            <a:schemeClr val="accent1"/>
-          </a:effectRef>
-          <a:fontRef idx="minor">
-            <a:schemeClr val="lt1"/>
-          </a:fontRef>
-        </p:style>
-        <p:txBody>
-          <a:bodyPr rtlCol="0" anchor="ctr"/>
-          <a:lstStyle/>
-          <a:p>
-            <a:pPr algn="ctr" rtl="0"/>
-            <a:endParaRPr lang="en-US" dirty="0"/>
-          </a:p>
-        </p:txBody>
-      </p:sp>
-      <p:pic>
-        <p:nvPicPr>
-          <p:cNvPr id="8" name="Marcador de contenido 4" descr="Números digitales">
-            <a:extLst>
-              <a:ext uri="{FF2B5EF4-FFF2-40B4-BE49-F238E27FC236}">
-                <a16:creationId xmlns:a16="http://schemas.microsoft.com/office/drawing/2014/main" id="{EA70616B-E344-4856-8DF9-707C26236613}"/>
-              </a:ext>
-            </a:extLst>
-          </p:cNvPr>
-          <p:cNvPicPr>
-            <a:picLocks noChangeAspect="1"/>
-          </p:cNvPicPr>
-          <p:nvPr/>
-        </p:nvPicPr>
-        <p:blipFill rotWithShape="1">
-          <a:blip r:embed="rId3" cstate="screen">
-            <a:extLst>
-              <a:ext uri="{28A0092B-C50C-407E-A947-70E740481C1C}">
-                <a14:useLocalDpi xmlns:a14="http://schemas.microsoft.com/office/drawing/2010/main"/>
-              </a:ext>
-            </a:extLst>
-          </a:blip>
-          <a:srcRect t="10681" r="9091" b="12711"/>
-          <a:stretch/>
-        </p:blipFill>
-        <p:spPr>
-          <a:xfrm>
-            <a:off x="20" y="10"/>
-            <a:ext cx="12191980" cy="6857990"/>
-          </a:xfrm>
-          <a:prstGeom prst="rect">
-            <a:avLst/>
-          </a:prstGeom>
-        </p:spPr>
-      </p:pic>
-      <p:grpSp>
-        <p:nvGrpSpPr>
-          <p:cNvPr id="15" name="Grupo 14">
-            <a:extLst>
-              <a:ext uri="{FF2B5EF4-FFF2-40B4-BE49-F238E27FC236}">
-                <a16:creationId xmlns:a16="http://schemas.microsoft.com/office/drawing/2014/main" id="{D619FC33-16ED-4246-9596-BEFEB55E4CF6}"/>
-              </a:ext>
-              <a:ext uri="{C183D7F6-B498-43B3-948B-1728B52AA6E4}">
-                <adec:decorative xmlns:adec="http://schemas.microsoft.com/office/drawing/2017/decorative" val="1"/>
-              </a:ext>
-            </a:extLst>
-          </p:cNvPr>
-          <p:cNvGrpSpPr>
-            <a:grpSpLocks noGrp="1" noUngrp="1" noRot="1" noChangeAspect="1" noMove="1" noResize="1"/>
-          </p:cNvGrpSpPr>
-          <p:nvPr>
-            <p:extLst>
-              <p:ext uri="{386F3935-93C4-4BCD-93E2-E3B085C9AB24}">
-                <p16:designElem xmlns:p16="http://schemas.microsoft.com/office/powerpoint/2015/main" val="1"/>
-              </p:ext>
-            </p:extLst>
-          </p:nvPr>
-        </p:nvGrpSpPr>
-        <p:grpSpPr>
-          <a:xfrm>
-            <a:off x="438067" y="457200"/>
-            <a:ext cx="7507083" cy="5935132"/>
-            <a:chOff x="438067" y="457200"/>
-            <a:chExt cx="7507083" cy="5935132"/>
-          </a:xfrm>
-        </p:grpSpPr>
-        <p:sp>
-          <p:nvSpPr>
-            <p:cNvPr id="16" name="Rectángulo 15">
-              <a:extLst>
-                <a:ext uri="{FF2B5EF4-FFF2-40B4-BE49-F238E27FC236}">
-                  <a16:creationId xmlns:a16="http://schemas.microsoft.com/office/drawing/2014/main" id="{2EEA80E1-F99F-4009-837F-2F72F8A5D580}"/>
-                </a:ext>
-                <a:ext uri="{C183D7F6-B498-43B3-948B-1728B52AA6E4}">
-                  <adec:decorative xmlns:adec="http://schemas.microsoft.com/office/drawing/2017/decorative" val="1"/>
-                </a:ext>
-              </a:extLst>
-            </p:cNvPr>
-            <p:cNvSpPr/>
-            <p:nvPr>
-              <p:extLst>
-                <p:ext uri="{386F3935-93C4-4BCD-93E2-E3B085C9AB24}">
-                  <p16:designElem xmlns:p16="http://schemas.microsoft.com/office/powerpoint/2015/main" val="1"/>
-                </p:ext>
-              </p:extLst>
-            </p:nvPr>
-          </p:nvSpPr>
-          <p:spPr>
-            <a:xfrm>
-              <a:off x="438067" y="618067"/>
-              <a:ext cx="7503665" cy="5774265"/>
-            </a:xfrm>
-            <a:prstGeom prst="rect">
-              <a:avLst/>
-            </a:prstGeom>
-            <a:solidFill>
-              <a:schemeClr val="accent1">
-                <a:alpha val="97000"/>
-              </a:schemeClr>
-            </a:solidFill>
-            <a:ln w="6350" cmpd="sng">
-              <a:noFill/>
-            </a:ln>
-            <a:effectLst/>
-          </p:spPr>
-          <p:style>
-            <a:lnRef idx="1">
-              <a:schemeClr val="accent1"/>
-            </a:lnRef>
-            <a:fillRef idx="3">
-              <a:schemeClr val="accent1"/>
-            </a:fillRef>
-            <a:effectRef idx="2">
-              <a:schemeClr val="accent1"/>
-            </a:effectRef>
-            <a:fontRef idx="minor">
-              <a:schemeClr val="lt1"/>
-            </a:fontRef>
-          </p:style>
-          <p:txBody>
-            <a:bodyPr/>
-            <a:lstStyle/>
-            <a:p>
-              <a:endParaRPr lang="es-ES"/>
-            </a:p>
-          </p:txBody>
-        </p:sp>
-        <p:sp>
-          <p:nvSpPr>
-            <p:cNvPr id="17" name="Rectángulo 16">
-              <a:extLst>
-                <a:ext uri="{FF2B5EF4-FFF2-40B4-BE49-F238E27FC236}">
-                  <a16:creationId xmlns:a16="http://schemas.microsoft.com/office/drawing/2014/main" id="{0230AF9A-4641-4BD8-9F95-9607CD304039}"/>
-                </a:ext>
-                <a:ext uri="{C183D7F6-B498-43B3-948B-1728B52AA6E4}">
-                  <adec:decorative xmlns:adec="http://schemas.microsoft.com/office/drawing/2017/decorative" val="1"/>
-                </a:ext>
-              </a:extLst>
-            </p:cNvPr>
-            <p:cNvSpPr/>
-            <p:nvPr>
-              <p:extLst>
-                <p:ext uri="{386F3935-93C4-4BCD-93E2-E3B085C9AB24}">
-                  <p16:designElem xmlns:p16="http://schemas.microsoft.com/office/powerpoint/2015/main" val="1"/>
-                </p:ext>
-              </p:extLst>
-            </p:nvPr>
-          </p:nvSpPr>
-          <p:spPr>
-            <a:xfrm>
-              <a:off x="438068" y="457200"/>
-              <a:ext cx="3703320" cy="94997"/>
-            </a:xfrm>
-            <a:prstGeom prst="rect">
-              <a:avLst/>
-            </a:prstGeom>
-            <a:solidFill>
-              <a:schemeClr val="accent1"/>
-            </a:solidFill>
-            <a:ln>
-              <a:noFill/>
-            </a:ln>
-            <a:effectLst/>
-          </p:spPr>
-          <p:style>
-            <a:lnRef idx="1">
-              <a:schemeClr val="accent1"/>
-            </a:lnRef>
-            <a:fillRef idx="3">
-              <a:schemeClr val="accent1"/>
-            </a:fillRef>
-            <a:effectRef idx="2">
-              <a:schemeClr val="accent1"/>
-            </a:effectRef>
-            <a:fontRef idx="minor">
-              <a:schemeClr val="lt1"/>
-            </a:fontRef>
-          </p:style>
-          <p:txBody>
-            <a:bodyPr/>
-            <a:lstStyle/>
-            <a:p>
-              <a:endParaRPr lang="es-ES"/>
-            </a:p>
-          </p:txBody>
-        </p:sp>
-        <p:sp>
-          <p:nvSpPr>
-            <p:cNvPr id="18" name="Rectángulo 17">
-              <a:extLst>
-                <a:ext uri="{FF2B5EF4-FFF2-40B4-BE49-F238E27FC236}">
-                  <a16:creationId xmlns:a16="http://schemas.microsoft.com/office/drawing/2014/main" id="{8703D4EC-9389-41B6-B88B-B6FDC8CD3330}"/>
-                </a:ext>
-                <a:ext uri="{C183D7F6-B498-43B3-948B-1728B52AA6E4}">
-                  <adec:decorative xmlns:adec="http://schemas.microsoft.com/office/drawing/2017/decorative" val="1"/>
-                </a:ext>
-              </a:extLst>
-            </p:cNvPr>
-            <p:cNvSpPr/>
-            <p:nvPr>
-              <p:extLst>
-                <p:ext uri="{386F3935-93C4-4BCD-93E2-E3B085C9AB24}">
-                  <p16:designElem xmlns:p16="http://schemas.microsoft.com/office/powerpoint/2015/main" val="1"/>
-                </p:ext>
-              </p:extLst>
-            </p:nvPr>
-          </p:nvSpPr>
-          <p:spPr>
-            <a:xfrm>
-              <a:off x="4241830" y="457200"/>
-              <a:ext cx="3703320" cy="91440"/>
-            </a:xfrm>
-            <a:prstGeom prst="rect">
-              <a:avLst/>
-            </a:prstGeom>
-            <a:solidFill>
-              <a:schemeClr val="accent2"/>
-            </a:solidFill>
-            <a:ln>
-              <a:noFill/>
-            </a:ln>
-            <a:effectLst/>
-          </p:spPr>
-          <p:style>
-            <a:lnRef idx="1">
-              <a:schemeClr val="accent1"/>
-            </a:lnRef>
-            <a:fillRef idx="3">
-              <a:schemeClr val="accent1"/>
-            </a:fillRef>
-            <a:effectRef idx="2">
-              <a:schemeClr val="accent1"/>
-            </a:effectRef>
-            <a:fontRef idx="minor">
-              <a:schemeClr val="lt1"/>
-            </a:fontRef>
-          </p:style>
-          <p:txBody>
-            <a:bodyPr/>
-            <a:lstStyle/>
-            <a:p>
-              <a:endParaRPr lang="es-ES"/>
-            </a:p>
-          </p:txBody>
-        </p:sp>
-      </p:grpSp>
-      <p:sp>
-        <p:nvSpPr>
-          <p:cNvPr id="2" name="Título 1">
-            <a:extLst>
-              <a:ext uri="{FF2B5EF4-FFF2-40B4-BE49-F238E27FC236}">
-                <a16:creationId xmlns:a16="http://schemas.microsoft.com/office/drawing/2014/main" id="{7F2616EE-270D-4F4C-BA1F-2708D387B800}"/>
-              </a:ext>
-            </a:extLst>
-          </p:cNvPr>
-          <p:cNvSpPr>
             <a:spLocks noGrp="1"/>
           </p:cNvSpPr>
           <p:nvPr>
@@ -12477,59 +8065,41 @@
         </p:nvSpPr>
         <p:spPr>
           <a:xfrm>
-            <a:off x="584200" y="1006956"/>
-            <a:ext cx="7213600" cy="1121871"/>
+            <a:off x="581192" y="3505304"/>
+            <a:ext cx="11029615" cy="1497507"/>
           </a:xfrm>
         </p:spPr>
         <p:txBody>
-          <a:bodyPr rtlCol="0" anchor="ctr">
-            <a:normAutofit/>
-          </a:bodyPr>
+          <a:bodyPr/>
           <a:lstStyle/>
           <a:p>
-            <a:pPr algn="ctr" rtl="0"/>
+            <a:pPr lvl="0">
+              <a:defRPr cap="all"/>
+            </a:pPr>
             <a:r>
               <a:rPr lang="es-ES" dirty="0"/>
-              <a:t>Comunicaciones digitales</a:t>
+              <a:t>Cómo utilizar </a:t>
             </a:r>
+            <a:r>
+              <a:rPr lang="es-ES" dirty="0" err="1"/>
+              <a:t>Integromat</a:t>
+            </a:r>
+            <a:r>
+              <a:rPr lang="es-ES" dirty="0"/>
+              <a:t> </a:t>
+            </a:r>
+            <a:r>
+              <a:rPr lang="es-ES" dirty="0" err="1"/>
+              <a:t>Make</a:t>
+            </a:r>
+            <a:endParaRPr lang="en-US" dirty="0"/>
           </a:p>
         </p:txBody>
       </p:sp>
-      <p:graphicFrame>
-        <p:nvGraphicFramePr>
-          <p:cNvPr id="6" name="Marcador de contenido 5" descr="SmartArt">
-            <a:extLst>
-              <a:ext uri="{FF2B5EF4-FFF2-40B4-BE49-F238E27FC236}">
-                <a16:creationId xmlns:a16="http://schemas.microsoft.com/office/drawing/2014/main" id="{BF629521-FFD2-45DA-9D1D-A5F09BD5A2D9}"/>
-              </a:ext>
-            </a:extLst>
-          </p:cNvPr>
-          <p:cNvGraphicFramePr>
-            <a:graphicFrameLocks noGrp="1"/>
-          </p:cNvGraphicFramePr>
-          <p:nvPr>
-            <p:ph idx="1"/>
-            <p:extLst>
-              <p:ext uri="{D42A27DB-BD31-4B8C-83A1-F6EECF244321}">
-                <p14:modId xmlns:p14="http://schemas.microsoft.com/office/powerpoint/2010/main" val="3436664575"/>
-              </p:ext>
-            </p:extLst>
-          </p:nvPr>
-        </p:nvGraphicFramePr>
-        <p:xfrm>
-          <a:off x="719571" y="2198254"/>
-          <a:ext cx="6854248" cy="3563938"/>
-        </p:xfrm>
-        <a:graphic>
-          <a:graphicData uri="http://schemas.openxmlformats.org/drawingml/2006/diagram">
-            <dgm:relIds xmlns:dgm="http://schemas.openxmlformats.org/drawingml/2006/diagram" xmlns:r="http://schemas.openxmlformats.org/officeDocument/2006/relationships" r:dm="rId4" r:lo="rId5" r:qs="rId6" r:cs="rId7"/>
-          </a:graphicData>
-        </a:graphic>
-      </p:graphicFrame>
     </p:spTree>
     <p:extLst>
       <p:ext uri="{BB962C8B-B14F-4D97-AF65-F5344CB8AC3E}">
-        <p14:creationId xmlns:p14="http://schemas.microsoft.com/office/powerpoint/2010/main" val="4209322005"/>
+        <p14:creationId xmlns:p14="http://schemas.microsoft.com/office/powerpoint/2010/main" val="2250516715"/>
       </p:ext>
     </p:extLst>
   </p:cSld>
@@ -12542,14 +8112,6 @@
 <file path=ppt/slides/slide5.xml><?xml version="1.0" encoding="utf-8"?>
 <p:sld xmlns:a="http://schemas.openxmlformats.org/drawingml/2006/main" xmlns:r="http://schemas.openxmlformats.org/officeDocument/2006/relationships" xmlns:p="http://schemas.openxmlformats.org/presentationml/2006/main">
   <p:cSld>
-    <p:bg>
-      <p:bgPr>
-        <a:solidFill>
-          <a:schemeClr val="bg1"/>
-        </a:solidFill>
-        <a:effectLst/>
-      </p:bgPr>
-    </p:bg>
     <p:spTree>
       <p:nvGrpSpPr>
         <p:cNvPr id="1" name=""/>
@@ -12564,471 +8126,59 @@
           <a:chExt cx="0" cy="0"/>
         </a:xfrm>
       </p:grpSpPr>
-      <p:sp useBgFill="1">
-        <p:nvSpPr>
-          <p:cNvPr id="10" name="Rectángulo 9">
+      <p:sp>
+        <p:nvSpPr>
+          <p:cNvPr id="2" name="Título 1">
             <a:extLst>
               <a:ext uri="{FF2B5EF4-FFF2-40B4-BE49-F238E27FC236}">
-                <a16:creationId xmlns:a16="http://schemas.microsoft.com/office/drawing/2014/main" id="{379F11E2-8BA5-4C5C-AE7C-361E5EA011FF}"/>
-              </a:ext>
-              <a:ext uri="{C183D7F6-B498-43B3-948B-1728B52AA6E4}">
-                <adec:decorative xmlns:adec="http://schemas.microsoft.com/office/drawing/2017/decorative" val="1"/>
+                <a16:creationId xmlns:a16="http://schemas.microsoft.com/office/drawing/2014/main" id="{6F7F93AD-E727-D8DB-1412-55A5B91A66BE}"/>
               </a:ext>
             </a:extLst>
           </p:cNvPr>
           <p:cNvSpPr>
-            <a:spLocks noGrp="1" noRot="1" noChangeAspect="1" noMove="1" noResize="1" noEditPoints="1" noAdjustHandles="1" noChangeArrowheads="1" noChangeShapeType="1" noTextEdit="1"/>
+            <a:spLocks noGrp="1"/>
           </p:cNvSpPr>
           <p:nvPr>
-            <p:extLst>
-              <p:ext uri="{386F3935-93C4-4BCD-93E2-E3B085C9AB24}">
-                <p16:designElem xmlns:p16="http://schemas.microsoft.com/office/powerpoint/2015/main" val="1"/>
-              </p:ext>
-            </p:extLst>
+            <p:ph type="title"/>
           </p:nvPr>
         </p:nvSpPr>
         <p:spPr>
           <a:xfrm>
-            <a:off x="0" y="1"/>
-            <a:ext cx="12191999" cy="6858000"/>
+            <a:off x="581192" y="3505304"/>
+            <a:ext cx="11029615" cy="1497507"/>
           </a:xfrm>
-          <a:prstGeom prst="rect">
-            <a:avLst/>
-          </a:prstGeom>
-          <a:ln>
-            <a:noFill/>
-          </a:ln>
         </p:spPr>
-        <p:style>
-          <a:lnRef idx="2">
-            <a:schemeClr val="accent1">
-              <a:shade val="50000"/>
-            </a:schemeClr>
-          </a:lnRef>
-          <a:fillRef idx="1">
-            <a:schemeClr val="accent1"/>
-          </a:fillRef>
-          <a:effectRef idx="0">
-            <a:schemeClr val="accent1"/>
-          </a:effectRef>
-          <a:fontRef idx="minor">
-            <a:schemeClr val="lt1"/>
-          </a:fontRef>
-        </p:style>
-        <p:txBody>
-          <a:bodyPr rtlCol="0" anchor="ctr"/>
-          <a:lstStyle/>
-          <a:p>
-            <a:pPr algn="ctr" rtl="0"/>
-            <a:endParaRPr lang="en-US" dirty="0"/>
-          </a:p>
-        </p:txBody>
-      </p:sp>
-      <p:sp>
-        <p:nvSpPr>
-          <p:cNvPr id="12" name="Rectángulo 11">
-            <a:extLst>
-              <a:ext uri="{FF2B5EF4-FFF2-40B4-BE49-F238E27FC236}">
-                <a16:creationId xmlns:a16="http://schemas.microsoft.com/office/drawing/2014/main" id="{7C00E1DA-EC7C-40FC-95E3-11FDCD2E4291}"/>
-              </a:ext>
-              <a:ext uri="{C183D7F6-B498-43B3-948B-1728B52AA6E4}">
-                <adec:decorative xmlns:adec="http://schemas.microsoft.com/office/drawing/2017/decorative" val="1"/>
-              </a:ext>
-            </a:extLst>
-          </p:cNvPr>
-          <p:cNvSpPr>
-            <a:spLocks noGrp="1" noRot="1" noChangeAspect="1" noMove="1" noResize="1" noEditPoints="1" noAdjustHandles="1" noChangeArrowheads="1" noChangeShapeType="1" noTextEdit="1"/>
-          </p:cNvSpPr>
-          <p:nvPr>
-            <p:extLst>
-              <p:ext uri="{386F3935-93C4-4BCD-93E2-E3B085C9AB24}">
-                <p16:designElem xmlns:p16="http://schemas.microsoft.com/office/powerpoint/2015/main" val="1"/>
-              </p:ext>
-            </p:extLst>
-          </p:nvPr>
-        </p:nvSpPr>
-        <p:spPr>
-          <a:xfrm>
-            <a:off x="8042147" y="723899"/>
-            <a:ext cx="3703320" cy="5666666"/>
-          </a:xfrm>
-          <a:prstGeom prst="rect">
-            <a:avLst/>
-          </a:prstGeom>
-          <a:solidFill>
-            <a:schemeClr val="accent1"/>
-          </a:solidFill>
-          <a:ln>
-            <a:noFill/>
-          </a:ln>
-          <a:effectLst/>
-        </p:spPr>
-        <p:style>
-          <a:lnRef idx="1">
-            <a:schemeClr val="accent1"/>
-          </a:lnRef>
-          <a:fillRef idx="3">
-            <a:schemeClr val="accent1"/>
-          </a:fillRef>
-          <a:effectRef idx="2">
-            <a:schemeClr val="accent1"/>
-          </a:effectRef>
-          <a:fontRef idx="minor">
-            <a:schemeClr val="lt1"/>
-          </a:fontRef>
-        </p:style>
         <p:txBody>
           <a:bodyPr/>
           <a:lstStyle/>
           <a:p>
-            <a:endParaRPr lang="es-ES"/>
+            <a:pPr lvl="0">
+              <a:defRPr cap="all"/>
+            </a:pPr>
+            <a:r>
+              <a:rPr lang="es-ES" dirty="0"/>
+              <a:t>Ejemplo práctico: </a:t>
+            </a:r>
+            <a:r>
+              <a:rPr lang="es-ES" dirty="0" err="1"/>
+              <a:t>Discord</a:t>
+            </a:r>
+            <a:r>
+              <a:rPr lang="es-ES" dirty="0"/>
+              <a:t> y Google </a:t>
+            </a:r>
+            <a:r>
+              <a:rPr lang="es-ES" dirty="0" err="1"/>
+              <a:t>Sheets</a:t>
+            </a:r>
+            <a:endParaRPr lang="en-US" dirty="0"/>
           </a:p>
         </p:txBody>
       </p:sp>
-      <p:grpSp>
-        <p:nvGrpSpPr>
-          <p:cNvPr id="14" name="Grupo 13">
-            <a:extLst>
-              <a:ext uri="{FF2B5EF4-FFF2-40B4-BE49-F238E27FC236}">
-                <a16:creationId xmlns:a16="http://schemas.microsoft.com/office/drawing/2014/main" id="{9A421166-2996-41A7-B094-AE5316F347DD}"/>
-              </a:ext>
-              <a:ext uri="{C183D7F6-B498-43B3-948B-1728B52AA6E4}">
-                <adec:decorative xmlns:adec="http://schemas.microsoft.com/office/drawing/2017/decorative" val="1"/>
-              </a:ext>
-            </a:extLst>
-          </p:cNvPr>
-          <p:cNvGrpSpPr>
-            <a:grpSpLocks noGrp="1" noUngrp="1" noRot="1" noChangeAspect="1" noMove="1" noResize="1"/>
-          </p:cNvGrpSpPr>
-          <p:nvPr>
-            <p:extLst>
-              <p:ext uri="{386F3935-93C4-4BCD-93E2-E3B085C9AB24}">
-                <p16:designElem xmlns:p16="http://schemas.microsoft.com/office/powerpoint/2015/main" val="1"/>
-              </p:ext>
-            </p:extLst>
-          </p:nvPr>
-        </p:nvGrpSpPr>
-        <p:grpSpPr>
-          <a:xfrm>
-            <a:off x="446534" y="453643"/>
-            <a:ext cx="11298933" cy="98554"/>
-            <a:chOff x="446534" y="453643"/>
-            <a:chExt cx="11298933" cy="98554"/>
-          </a:xfrm>
-        </p:grpSpPr>
-        <p:sp>
-          <p:nvSpPr>
-            <p:cNvPr id="15" name="Rectángulo 14">
-              <a:extLst>
-                <a:ext uri="{FF2B5EF4-FFF2-40B4-BE49-F238E27FC236}">
-                  <a16:creationId xmlns:a16="http://schemas.microsoft.com/office/drawing/2014/main" id="{FDBB1B92-A3EB-43E4-8FAB-D20E8ED14CEF}"/>
-                </a:ext>
-                <a:ext uri="{C183D7F6-B498-43B3-948B-1728B52AA6E4}">
-                  <adec:decorative xmlns:adec="http://schemas.microsoft.com/office/drawing/2017/decorative" val="1"/>
-                </a:ext>
-              </a:extLst>
-            </p:cNvPr>
-            <p:cNvSpPr/>
-            <p:nvPr>
-              <p:extLst>
-                <p:ext uri="{386F3935-93C4-4BCD-93E2-E3B085C9AB24}">
-                  <p16:designElem xmlns:p16="http://schemas.microsoft.com/office/powerpoint/2015/main" val="1"/>
-                </p:ext>
-              </p:extLst>
-            </p:nvPr>
-          </p:nvSpPr>
-          <p:spPr>
-            <a:xfrm>
-              <a:off x="446534" y="457200"/>
-              <a:ext cx="3703320" cy="94997"/>
-            </a:xfrm>
-            <a:prstGeom prst="rect">
-              <a:avLst/>
-            </a:prstGeom>
-            <a:solidFill>
-              <a:schemeClr val="accent1"/>
-            </a:solidFill>
-            <a:ln>
-              <a:noFill/>
-            </a:ln>
-            <a:effectLst/>
-          </p:spPr>
-          <p:style>
-            <a:lnRef idx="1">
-              <a:schemeClr val="accent1"/>
-            </a:lnRef>
-            <a:fillRef idx="3">
-              <a:schemeClr val="accent1"/>
-            </a:fillRef>
-            <a:effectRef idx="2">
-              <a:schemeClr val="accent1"/>
-            </a:effectRef>
-            <a:fontRef idx="minor">
-              <a:schemeClr val="lt1"/>
-            </a:fontRef>
-          </p:style>
-          <p:txBody>
-            <a:bodyPr/>
-            <a:lstStyle/>
-            <a:p>
-              <a:endParaRPr lang="es-ES"/>
-            </a:p>
-          </p:txBody>
-        </p:sp>
-        <p:sp>
-          <p:nvSpPr>
-            <p:cNvPr id="16" name="Rectángulo 15">
-              <a:extLst>
-                <a:ext uri="{FF2B5EF4-FFF2-40B4-BE49-F238E27FC236}">
-                  <a16:creationId xmlns:a16="http://schemas.microsoft.com/office/drawing/2014/main" id="{3F3972F4-FE7E-48EA-AAD8-9BE5750A6672}"/>
-                </a:ext>
-                <a:ext uri="{C183D7F6-B498-43B3-948B-1728B52AA6E4}">
-                  <adec:decorative xmlns:adec="http://schemas.microsoft.com/office/drawing/2017/decorative" val="1"/>
-                </a:ext>
-              </a:extLst>
-            </p:cNvPr>
-            <p:cNvSpPr/>
-            <p:nvPr>
-              <p:extLst>
-                <p:ext uri="{386F3935-93C4-4BCD-93E2-E3B085C9AB24}">
-                  <p16:designElem xmlns:p16="http://schemas.microsoft.com/office/powerpoint/2015/main" val="1"/>
-                </p:ext>
-              </p:extLst>
-            </p:nvPr>
-          </p:nvSpPr>
-          <p:spPr>
-            <a:xfrm>
-              <a:off x="8042147" y="453643"/>
-              <a:ext cx="3703320" cy="98554"/>
-            </a:xfrm>
-            <a:prstGeom prst="rect">
-              <a:avLst/>
-            </a:prstGeom>
-            <a:solidFill>
-              <a:schemeClr val="accent4"/>
-            </a:solidFill>
-            <a:ln>
-              <a:noFill/>
-            </a:ln>
-            <a:effectLst/>
-          </p:spPr>
-          <p:style>
-            <a:lnRef idx="1">
-              <a:schemeClr val="accent1"/>
-            </a:lnRef>
-            <a:fillRef idx="3">
-              <a:schemeClr val="accent1"/>
-            </a:fillRef>
-            <a:effectRef idx="2">
-              <a:schemeClr val="accent1"/>
-            </a:effectRef>
-            <a:fontRef idx="minor">
-              <a:schemeClr val="lt1"/>
-            </a:fontRef>
-          </p:style>
-          <p:txBody>
-            <a:bodyPr/>
-            <a:lstStyle/>
-            <a:p>
-              <a:endParaRPr lang="es-ES"/>
-            </a:p>
-          </p:txBody>
-        </p:sp>
-        <p:sp>
-          <p:nvSpPr>
-            <p:cNvPr id="17" name="Rectángulo 16">
-              <a:extLst>
-                <a:ext uri="{FF2B5EF4-FFF2-40B4-BE49-F238E27FC236}">
-                  <a16:creationId xmlns:a16="http://schemas.microsoft.com/office/drawing/2014/main" id="{221614E5-870B-4D5E-A43B-8FF7E5323484}"/>
-                </a:ext>
-                <a:ext uri="{C183D7F6-B498-43B3-948B-1728B52AA6E4}">
-                  <adec:decorative xmlns:adec="http://schemas.microsoft.com/office/drawing/2017/decorative" val="1"/>
-                </a:ext>
-              </a:extLst>
-            </p:cNvPr>
-            <p:cNvSpPr/>
-            <p:nvPr>
-              <p:extLst>
-                <p:ext uri="{386F3935-93C4-4BCD-93E2-E3B085C9AB24}">
-                  <p16:designElem xmlns:p16="http://schemas.microsoft.com/office/powerpoint/2015/main" val="1"/>
-                </p:ext>
-              </p:extLst>
-            </p:nvPr>
-          </p:nvSpPr>
-          <p:spPr>
-            <a:xfrm>
-              <a:off x="4241830" y="457200"/>
-              <a:ext cx="3703320" cy="91440"/>
-            </a:xfrm>
-            <a:prstGeom prst="rect">
-              <a:avLst/>
-            </a:prstGeom>
-            <a:solidFill>
-              <a:schemeClr val="accent2"/>
-            </a:solidFill>
-            <a:ln>
-              <a:noFill/>
-            </a:ln>
-            <a:effectLst/>
-          </p:spPr>
-          <p:style>
-            <a:lnRef idx="1">
-              <a:schemeClr val="accent1"/>
-            </a:lnRef>
-            <a:fillRef idx="3">
-              <a:schemeClr val="accent1"/>
-            </a:fillRef>
-            <a:effectRef idx="2">
-              <a:schemeClr val="accent1"/>
-            </a:effectRef>
-            <a:fontRef idx="minor">
-              <a:schemeClr val="lt1"/>
-            </a:fontRef>
-          </p:style>
-          <p:txBody>
-            <a:bodyPr/>
-            <a:lstStyle/>
-            <a:p>
-              <a:endParaRPr lang="es-ES"/>
-            </a:p>
-          </p:txBody>
-        </p:sp>
-      </p:grpSp>
-      <p:sp>
-        <p:nvSpPr>
-          <p:cNvPr id="2" name="Título 1">
-            <a:extLst>
-              <a:ext uri="{FF2B5EF4-FFF2-40B4-BE49-F238E27FC236}">
-                <a16:creationId xmlns:a16="http://schemas.microsoft.com/office/drawing/2014/main" id="{0F87E73C-2B1A-4602-BFBE-CFE1E55D9B38}"/>
-              </a:ext>
-            </a:extLst>
-          </p:cNvPr>
-          <p:cNvSpPr>
-            <a:spLocks noGrp="1"/>
-          </p:cNvSpPr>
-          <p:nvPr>
-            <p:ph type="ctrTitle"/>
-          </p:nvPr>
-        </p:nvSpPr>
-        <p:spPr>
-          <a:xfrm>
-            <a:off x="8296275" y="1419226"/>
-            <a:ext cx="3081576" cy="1746762"/>
-          </a:xfrm>
-        </p:spPr>
-        <p:txBody>
-          <a:bodyPr rtlCol="0">
-            <a:normAutofit/>
-          </a:bodyPr>
-          <a:lstStyle/>
-          <a:p>
-            <a:pPr rtl="0"/>
-            <a:r>
-              <a:rPr lang="es-ES">
-                <a:solidFill>
-                  <a:srgbClr val="FFFFFF"/>
-                </a:solidFill>
-              </a:rPr>
-              <a:t>Gracias</a:t>
-            </a:r>
-          </a:p>
-        </p:txBody>
-      </p:sp>
-      <p:sp>
-        <p:nvSpPr>
-          <p:cNvPr id="3" name="Subtítulo 2">
-            <a:extLst>
-              <a:ext uri="{FF2B5EF4-FFF2-40B4-BE49-F238E27FC236}">
-                <a16:creationId xmlns:a16="http://schemas.microsoft.com/office/drawing/2014/main" id="{A9CB511D-EA45-4336-847C-1252667143B5}"/>
-              </a:ext>
-            </a:extLst>
-          </p:cNvPr>
-          <p:cNvSpPr>
-            <a:spLocks noGrp="1"/>
-          </p:cNvSpPr>
-          <p:nvPr>
-            <p:ph type="subTitle" idx="1"/>
-          </p:nvPr>
-        </p:nvSpPr>
-        <p:spPr>
-          <a:xfrm>
-            <a:off x="8296275" y="3505095"/>
-            <a:ext cx="3081576" cy="2629006"/>
-          </a:xfrm>
-        </p:spPr>
-        <p:txBody>
-          <a:bodyPr rtlCol="0">
-            <a:normAutofit/>
-          </a:bodyPr>
-          <a:lstStyle/>
-          <a:p>
-            <a:pPr rtl="0"/>
-            <a:r>
-              <a:rPr lang="es-ES">
-                <a:solidFill>
-                  <a:schemeClr val="bg2"/>
-                </a:solidFill>
-              </a:rPr>
-              <a:t>alguien@ejemplo.com</a:t>
-            </a:r>
-          </a:p>
-          <a:p>
-            <a:pPr rtl="0"/>
-            <a:endParaRPr lang="es-ES">
-              <a:solidFill>
-                <a:schemeClr val="bg2"/>
-              </a:solidFill>
-            </a:endParaRPr>
-          </a:p>
-          <a:p>
-            <a:pPr rtl="0"/>
-            <a:endParaRPr lang="es-ES">
-              <a:solidFill>
-                <a:schemeClr val="bg2"/>
-              </a:solidFill>
-            </a:endParaRPr>
-          </a:p>
-        </p:txBody>
-      </p:sp>
-      <p:pic>
-        <p:nvPicPr>
-          <p:cNvPr id="5" name="Imagen 4" descr="Números digitales">
-            <a:extLst>
-              <a:ext uri="{FF2B5EF4-FFF2-40B4-BE49-F238E27FC236}">
-                <a16:creationId xmlns:a16="http://schemas.microsoft.com/office/drawing/2014/main" id="{A21EA617-6D48-425F-97A8-7FEC82C8F401}"/>
-              </a:ext>
-            </a:extLst>
-          </p:cNvPr>
-          <p:cNvPicPr>
-            <a:picLocks noChangeAspect="1"/>
-          </p:cNvPicPr>
-          <p:nvPr/>
-        </p:nvPicPr>
-        <p:blipFill rotWithShape="1">
-          <a:blip r:embed="rId3" cstate="screen">
-            <a:extLst>
-              <a:ext uri="{28A0092B-C50C-407E-A947-70E740481C1C}">
-                <a14:useLocalDpi xmlns:a14="http://schemas.microsoft.com/office/drawing/2010/main"/>
-              </a:ext>
-            </a:extLst>
-          </a:blip>
-          <a:srcRect l="2189" r="9642" b="1"/>
-          <a:stretch/>
-        </p:blipFill>
-        <p:spPr>
-          <a:xfrm>
-            <a:off x="446534" y="723899"/>
-            <a:ext cx="7498616" cy="5676901"/>
-          </a:xfrm>
-          <a:prstGeom prst="rect">
-            <a:avLst/>
-          </a:prstGeom>
-        </p:spPr>
-      </p:pic>
     </p:spTree>
     <p:extLst>
       <p:ext uri="{BB962C8B-B14F-4D97-AF65-F5344CB8AC3E}">
-        <p14:creationId xmlns:p14="http://schemas.microsoft.com/office/powerpoint/2010/main" val="3501347425"/>
+        <p14:creationId xmlns:p14="http://schemas.microsoft.com/office/powerpoint/2010/main" val="2822278097"/>
       </p:ext>
     </p:extLst>
   </p:cSld>

--- a/Practicas/Practica 2 - Integromat Make/Herramienta Integromat Make - Juan Alberto Domínguez Vázquez Saúl Rodríguez Naranjo.pptx
+++ b/Practicas/Practica 2 - Integromat Make/Herramienta Integromat Make - Juan Alberto Domínguez Vázquez Saúl Rodríguez Naranjo.pptx
@@ -5,17 +5,25 @@
     <p:sldMasterId id="2147483672" r:id="rId1"/>
   </p:sldMasterIdLst>
   <p:notesMasterIdLst>
-    <p:notesMasterId r:id="rId7"/>
+    <p:notesMasterId r:id="rId15"/>
   </p:notesMasterIdLst>
   <p:handoutMasterIdLst>
-    <p:handoutMasterId r:id="rId8"/>
+    <p:handoutMasterId r:id="rId16"/>
   </p:handoutMasterIdLst>
   <p:sldIdLst>
     <p:sldId id="256" r:id="rId2"/>
     <p:sldId id="262" r:id="rId3"/>
     <p:sldId id="265" r:id="rId4"/>
-    <p:sldId id="266" r:id="rId5"/>
-    <p:sldId id="267" r:id="rId6"/>
+    <p:sldId id="270" r:id="rId5"/>
+    <p:sldId id="268" r:id="rId6"/>
+    <p:sldId id="272" r:id="rId7"/>
+    <p:sldId id="273" r:id="rId8"/>
+    <p:sldId id="269" r:id="rId9"/>
+    <p:sldId id="274" r:id="rId10"/>
+    <p:sldId id="271" r:id="rId11"/>
+    <p:sldId id="277" r:id="rId12"/>
+    <p:sldId id="275" r:id="rId13"/>
+    <p:sldId id="276" r:id="rId14"/>
   </p:sldIdLst>
   <p:sldSz cx="12192000" cy="6858000"/>
   <p:notesSz cx="6858000" cy="9144000"/>
@@ -7855,6 +7863,830 @@
 </p:sld>
 </file>
 
+<file path=ppt/slides/slide10.xml><?xml version="1.0" encoding="utf-8"?>
+<p:sld xmlns:a="http://schemas.openxmlformats.org/drawingml/2006/main" xmlns:r="http://schemas.openxmlformats.org/officeDocument/2006/relationships" xmlns:p="http://schemas.openxmlformats.org/presentationml/2006/main">
+  <p:cSld>
+    <p:spTree>
+      <p:nvGrpSpPr>
+        <p:cNvPr id="1" name=""/>
+        <p:cNvGrpSpPr/>
+        <p:nvPr/>
+      </p:nvGrpSpPr>
+      <p:grpSpPr>
+        <a:xfrm>
+          <a:off x="0" y="0"/>
+          <a:ext cx="0" cy="0"/>
+          <a:chOff x="0" y="0"/>
+          <a:chExt cx="0" cy="0"/>
+        </a:xfrm>
+      </p:grpSpPr>
+      <p:sp>
+        <p:nvSpPr>
+          <p:cNvPr id="2" name="Título 1">
+            <a:extLst>
+              <a:ext uri="{FF2B5EF4-FFF2-40B4-BE49-F238E27FC236}">
+                <a16:creationId xmlns:a16="http://schemas.microsoft.com/office/drawing/2014/main" id="{6E277C1B-E97D-6DF5-4801-A28E2795217D}"/>
+              </a:ext>
+            </a:extLst>
+          </p:cNvPr>
+          <p:cNvSpPr>
+            <a:spLocks noGrp="1"/>
+          </p:cNvSpPr>
+          <p:nvPr>
+            <p:ph type="title"/>
+          </p:nvPr>
+        </p:nvSpPr>
+        <p:spPr/>
+        <p:txBody>
+          <a:bodyPr/>
+          <a:lstStyle/>
+          <a:p>
+            <a:endParaRPr lang="es-ES"/>
+          </a:p>
+        </p:txBody>
+      </p:sp>
+      <p:sp>
+        <p:nvSpPr>
+          <p:cNvPr id="3" name="Marcador de contenido 2">
+            <a:extLst>
+              <a:ext uri="{FF2B5EF4-FFF2-40B4-BE49-F238E27FC236}">
+                <a16:creationId xmlns:a16="http://schemas.microsoft.com/office/drawing/2014/main" id="{D7FF1348-850A-C268-C144-D29AC444BECE}"/>
+              </a:ext>
+            </a:extLst>
+          </p:cNvPr>
+          <p:cNvSpPr>
+            <a:spLocks noGrp="1"/>
+          </p:cNvSpPr>
+          <p:nvPr>
+            <p:ph idx="1"/>
+          </p:nvPr>
+        </p:nvSpPr>
+        <p:spPr>
+          <a:xfrm>
+            <a:off x="581192" y="1894114"/>
+            <a:ext cx="11029615" cy="3964685"/>
+          </a:xfrm>
+        </p:spPr>
+        <p:txBody>
+          <a:bodyPr/>
+          <a:lstStyle/>
+          <a:p>
+            <a:r>
+              <a:rPr lang="es-ES" dirty="0"/>
+              <a:t>Primero accederemos a </a:t>
+            </a:r>
+            <a:r>
+              <a:rPr lang="es-ES" dirty="0" err="1"/>
+              <a:t>Discord</a:t>
+            </a:r>
+            <a:r>
+              <a:rPr lang="es-ES" dirty="0"/>
+              <a:t> </a:t>
+            </a:r>
+            <a:r>
+              <a:rPr lang="es-ES" dirty="0" err="1"/>
+              <a:t>Developer</a:t>
+            </a:r>
+            <a:r>
+              <a:rPr lang="es-ES" dirty="0"/>
+              <a:t>: </a:t>
+            </a:r>
+            <a:r>
+              <a:rPr lang="es-ES" b="0" i="0" dirty="0">
+                <a:effectLst/>
+                <a:latin typeface="inherit"/>
+                <a:hlinkClick r:id="rId2" tooltip="https://discord.com/login?redirect_to=%2Fdevelopers%2Fapplications"/>
+              </a:rPr>
+              <a:t>https://discord.com/login?redirect_to=%2Fdevelopers%2Fapplications</a:t>
+            </a:r>
+            <a:r>
+              <a:rPr lang="es-ES" b="0" i="0" dirty="0">
+                <a:effectLst/>
+                <a:latin typeface="inherit"/>
+              </a:rPr>
+              <a:t> y crearemos una “</a:t>
+            </a:r>
+            <a:r>
+              <a:rPr lang="es-ES" b="0" i="0" dirty="0" err="1">
+                <a:effectLst/>
+                <a:latin typeface="inherit"/>
+              </a:rPr>
+              <a:t>Application</a:t>
+            </a:r>
+            <a:r>
+              <a:rPr lang="es-ES" b="0" i="0" dirty="0">
+                <a:effectLst/>
+                <a:latin typeface="inherit"/>
+              </a:rPr>
+              <a:t>”.</a:t>
+            </a:r>
+          </a:p>
+          <a:p>
+            <a:endParaRPr lang="es-ES" b="0" i="0" dirty="0">
+              <a:effectLst/>
+              <a:latin typeface="inherit"/>
+            </a:endParaRPr>
+          </a:p>
+          <a:p>
+            <a:endParaRPr lang="es-ES" dirty="0">
+              <a:latin typeface="inherit"/>
+            </a:endParaRPr>
+          </a:p>
+          <a:p>
+            <a:endParaRPr lang="es-ES" b="0" i="0" dirty="0">
+              <a:effectLst/>
+              <a:latin typeface="inherit"/>
+            </a:endParaRPr>
+          </a:p>
+          <a:p>
+            <a:endParaRPr lang="es-ES" dirty="0">
+              <a:latin typeface="inherit"/>
+            </a:endParaRPr>
+          </a:p>
+          <a:p>
+            <a:endParaRPr lang="es-ES" b="0" i="0" dirty="0">
+              <a:effectLst/>
+              <a:latin typeface="inherit"/>
+            </a:endParaRPr>
+          </a:p>
+          <a:p>
+            <a:endParaRPr lang="es-ES" dirty="0">
+              <a:latin typeface="inherit"/>
+            </a:endParaRPr>
+          </a:p>
+          <a:p>
+            <a:endParaRPr lang="es-ES" b="0" i="0" dirty="0">
+              <a:effectLst/>
+              <a:latin typeface="inherit"/>
+            </a:endParaRPr>
+          </a:p>
+          <a:p>
+            <a:r>
+              <a:rPr lang="es-ES" dirty="0">
+                <a:latin typeface="inherit"/>
+              </a:rPr>
+              <a:t>Esta </a:t>
+            </a:r>
+            <a:r>
+              <a:rPr lang="es-ES" dirty="0" err="1">
+                <a:latin typeface="inherit"/>
+              </a:rPr>
+              <a:t>Application</a:t>
+            </a:r>
+            <a:r>
+              <a:rPr lang="es-ES" dirty="0">
+                <a:latin typeface="inherit"/>
+              </a:rPr>
+              <a:t> será la utilizada en la conexión con </a:t>
+            </a:r>
+            <a:r>
+              <a:rPr lang="es-ES" dirty="0" err="1">
+                <a:latin typeface="inherit"/>
+              </a:rPr>
+              <a:t>Integromat</a:t>
+            </a:r>
+            <a:r>
+              <a:rPr lang="es-ES" dirty="0">
+                <a:latin typeface="inherit"/>
+              </a:rPr>
+              <a:t> </a:t>
+            </a:r>
+            <a:r>
+              <a:rPr lang="es-ES" dirty="0" err="1">
+                <a:latin typeface="inherit"/>
+              </a:rPr>
+              <a:t>Make</a:t>
+            </a:r>
+            <a:r>
+              <a:rPr lang="es-ES" dirty="0">
+                <a:latin typeface="inherit"/>
+              </a:rPr>
+              <a:t>.</a:t>
+            </a:r>
+            <a:endParaRPr lang="es-ES" dirty="0"/>
+          </a:p>
+        </p:txBody>
+      </p:sp>
+      <p:pic>
+        <p:nvPicPr>
+          <p:cNvPr id="5" name="Imagen 4">
+            <a:extLst>
+              <a:ext uri="{FF2B5EF4-FFF2-40B4-BE49-F238E27FC236}">
+                <a16:creationId xmlns:a16="http://schemas.microsoft.com/office/drawing/2014/main" id="{502F6733-E91D-6137-08CB-5E0C44157299}"/>
+              </a:ext>
+            </a:extLst>
+          </p:cNvPr>
+          <p:cNvPicPr>
+            <a:picLocks noChangeAspect="1"/>
+          </p:cNvPicPr>
+          <p:nvPr/>
+        </p:nvPicPr>
+        <p:blipFill>
+          <a:blip r:embed="rId3"/>
+          <a:stretch>
+            <a:fillRect/>
+          </a:stretch>
+        </p:blipFill>
+        <p:spPr>
+          <a:xfrm>
+            <a:off x="1505338" y="2660391"/>
+            <a:ext cx="9181322" cy="2582247"/>
+          </a:xfrm>
+          <a:prstGeom prst="rect">
+            <a:avLst/>
+          </a:prstGeom>
+        </p:spPr>
+      </p:pic>
+    </p:spTree>
+    <p:extLst>
+      <p:ext uri="{BB962C8B-B14F-4D97-AF65-F5344CB8AC3E}">
+        <p14:creationId xmlns:p14="http://schemas.microsoft.com/office/powerpoint/2010/main" val="1347919039"/>
+      </p:ext>
+    </p:extLst>
+  </p:cSld>
+  <p:clrMapOvr>
+    <a:masterClrMapping/>
+  </p:clrMapOvr>
+</p:sld>
+</file>
+
+<file path=ppt/slides/slide11.xml><?xml version="1.0" encoding="utf-8"?>
+<p:sld xmlns:a="http://schemas.openxmlformats.org/drawingml/2006/main" xmlns:r="http://schemas.openxmlformats.org/officeDocument/2006/relationships" xmlns:p="http://schemas.openxmlformats.org/presentationml/2006/main">
+  <p:cSld>
+    <p:spTree>
+      <p:nvGrpSpPr>
+        <p:cNvPr id="1" name=""/>
+        <p:cNvGrpSpPr/>
+        <p:nvPr/>
+      </p:nvGrpSpPr>
+      <p:grpSpPr>
+        <a:xfrm>
+          <a:off x="0" y="0"/>
+          <a:ext cx="0" cy="0"/>
+          <a:chOff x="0" y="0"/>
+          <a:chExt cx="0" cy="0"/>
+        </a:xfrm>
+      </p:grpSpPr>
+      <p:sp>
+        <p:nvSpPr>
+          <p:cNvPr id="2" name="Título 1">
+            <a:extLst>
+              <a:ext uri="{FF2B5EF4-FFF2-40B4-BE49-F238E27FC236}">
+                <a16:creationId xmlns:a16="http://schemas.microsoft.com/office/drawing/2014/main" id="{6E277C1B-E97D-6DF5-4801-A28E2795217D}"/>
+              </a:ext>
+            </a:extLst>
+          </p:cNvPr>
+          <p:cNvSpPr>
+            <a:spLocks noGrp="1"/>
+          </p:cNvSpPr>
+          <p:nvPr>
+            <p:ph type="title"/>
+          </p:nvPr>
+        </p:nvSpPr>
+        <p:spPr/>
+        <p:txBody>
+          <a:bodyPr/>
+          <a:lstStyle/>
+          <a:p>
+            <a:endParaRPr lang="es-ES"/>
+          </a:p>
+        </p:txBody>
+      </p:sp>
+      <p:sp>
+        <p:nvSpPr>
+          <p:cNvPr id="3" name="Marcador de contenido 2">
+            <a:extLst>
+              <a:ext uri="{FF2B5EF4-FFF2-40B4-BE49-F238E27FC236}">
+                <a16:creationId xmlns:a16="http://schemas.microsoft.com/office/drawing/2014/main" id="{D7FF1348-850A-C268-C144-D29AC444BECE}"/>
+              </a:ext>
+            </a:extLst>
+          </p:cNvPr>
+          <p:cNvSpPr>
+            <a:spLocks noGrp="1"/>
+          </p:cNvSpPr>
+          <p:nvPr>
+            <p:ph idx="1"/>
+          </p:nvPr>
+        </p:nvSpPr>
+        <p:spPr>
+          <a:xfrm>
+            <a:off x="581192" y="1894114"/>
+            <a:ext cx="11029615" cy="3964685"/>
+          </a:xfrm>
+        </p:spPr>
+        <p:txBody>
+          <a:bodyPr/>
+          <a:lstStyle/>
+          <a:p>
+            <a:r>
+              <a:rPr lang="es-ES" dirty="0"/>
+              <a:t>Configuraremos la </a:t>
+            </a:r>
+            <a:r>
+              <a:rPr lang="es-ES" dirty="0" err="1"/>
+              <a:t>Application</a:t>
+            </a:r>
+            <a:r>
+              <a:rPr lang="es-ES" dirty="0"/>
+              <a:t> con los </a:t>
+            </a:r>
+            <a:r>
+              <a:rPr lang="es-ES" dirty="0" err="1"/>
+              <a:t>redirects</a:t>
+            </a:r>
+            <a:r>
+              <a:rPr lang="es-ES" dirty="0"/>
+              <a:t> hacia </a:t>
+            </a:r>
+            <a:r>
+              <a:rPr lang="es-ES" dirty="0" err="1"/>
+              <a:t>Integromat</a:t>
+            </a:r>
+            <a:r>
+              <a:rPr lang="es-ES" dirty="0"/>
+              <a:t> para su conexión, y anotaremos los parámetros Client ID y Client </a:t>
+            </a:r>
+            <a:r>
+              <a:rPr lang="es-ES" dirty="0" err="1"/>
+              <a:t>Secret</a:t>
+            </a:r>
+            <a:r>
+              <a:rPr lang="es-ES" dirty="0"/>
+              <a:t> para su posterior uso.</a:t>
+            </a:r>
+            <a:endParaRPr lang="es-ES" b="0" i="0" dirty="0">
+              <a:effectLst/>
+              <a:latin typeface="inherit"/>
+            </a:endParaRPr>
+          </a:p>
+          <a:p>
+            <a:endParaRPr lang="es-ES" b="0" i="0" dirty="0">
+              <a:effectLst/>
+              <a:latin typeface="inherit"/>
+            </a:endParaRPr>
+          </a:p>
+          <a:p>
+            <a:endParaRPr lang="es-ES" dirty="0">
+              <a:latin typeface="inherit"/>
+            </a:endParaRPr>
+          </a:p>
+          <a:p>
+            <a:endParaRPr lang="es-ES" b="0" i="0" dirty="0">
+              <a:effectLst/>
+              <a:latin typeface="inherit"/>
+            </a:endParaRPr>
+          </a:p>
+          <a:p>
+            <a:endParaRPr lang="es-ES" dirty="0">
+              <a:latin typeface="inherit"/>
+            </a:endParaRPr>
+          </a:p>
+          <a:p>
+            <a:endParaRPr lang="es-ES" b="0" i="0" dirty="0">
+              <a:effectLst/>
+              <a:latin typeface="inherit"/>
+            </a:endParaRPr>
+          </a:p>
+          <a:p>
+            <a:endParaRPr lang="es-ES" dirty="0">
+              <a:latin typeface="inherit"/>
+            </a:endParaRPr>
+          </a:p>
+          <a:p>
+            <a:endParaRPr lang="es-ES" b="0" i="0" dirty="0">
+              <a:effectLst/>
+              <a:latin typeface="inherit"/>
+            </a:endParaRPr>
+          </a:p>
+        </p:txBody>
+      </p:sp>
+      <p:pic>
+        <p:nvPicPr>
+          <p:cNvPr id="6" name="Imagen 5">
+            <a:extLst>
+              <a:ext uri="{FF2B5EF4-FFF2-40B4-BE49-F238E27FC236}">
+                <a16:creationId xmlns:a16="http://schemas.microsoft.com/office/drawing/2014/main" id="{B678ABA6-6863-3234-3205-3051C04A791E}"/>
+              </a:ext>
+            </a:extLst>
+          </p:cNvPr>
+          <p:cNvPicPr>
+            <a:picLocks noChangeAspect="1"/>
+          </p:cNvPicPr>
+          <p:nvPr/>
+        </p:nvPicPr>
+        <p:blipFill>
+          <a:blip r:embed="rId2"/>
+          <a:stretch>
+            <a:fillRect/>
+          </a:stretch>
+        </p:blipFill>
+        <p:spPr>
+          <a:xfrm>
+            <a:off x="1150775" y="2956575"/>
+            <a:ext cx="9890450" cy="3403857"/>
+          </a:xfrm>
+          <a:prstGeom prst="rect">
+            <a:avLst/>
+          </a:prstGeom>
+        </p:spPr>
+      </p:pic>
+    </p:spTree>
+    <p:extLst>
+      <p:ext uri="{BB962C8B-B14F-4D97-AF65-F5344CB8AC3E}">
+        <p14:creationId xmlns:p14="http://schemas.microsoft.com/office/powerpoint/2010/main" val="2447900090"/>
+      </p:ext>
+    </p:extLst>
+  </p:cSld>
+  <p:clrMapOvr>
+    <a:masterClrMapping/>
+  </p:clrMapOvr>
+</p:sld>
+</file>
+
+<file path=ppt/slides/slide12.xml><?xml version="1.0" encoding="utf-8"?>
+<p:sld xmlns:a="http://schemas.openxmlformats.org/drawingml/2006/main" xmlns:r="http://schemas.openxmlformats.org/officeDocument/2006/relationships" xmlns:p="http://schemas.openxmlformats.org/presentationml/2006/main">
+  <p:cSld>
+    <p:spTree>
+      <p:nvGrpSpPr>
+        <p:cNvPr id="1" name=""/>
+        <p:cNvGrpSpPr/>
+        <p:nvPr/>
+      </p:nvGrpSpPr>
+      <p:grpSpPr>
+        <a:xfrm>
+          <a:off x="0" y="0"/>
+          <a:ext cx="0" cy="0"/>
+          <a:chOff x="0" y="0"/>
+          <a:chExt cx="0" cy="0"/>
+        </a:xfrm>
+      </p:grpSpPr>
+      <p:sp>
+        <p:nvSpPr>
+          <p:cNvPr id="2" name="Título 1">
+            <a:extLst>
+              <a:ext uri="{FF2B5EF4-FFF2-40B4-BE49-F238E27FC236}">
+                <a16:creationId xmlns:a16="http://schemas.microsoft.com/office/drawing/2014/main" id="{522F770A-B751-A57F-19C1-0443BF0B96BC}"/>
+              </a:ext>
+            </a:extLst>
+          </p:cNvPr>
+          <p:cNvSpPr>
+            <a:spLocks noGrp="1"/>
+          </p:cNvSpPr>
+          <p:nvPr>
+            <p:ph type="title"/>
+          </p:nvPr>
+        </p:nvSpPr>
+        <p:spPr/>
+        <p:txBody>
+          <a:bodyPr/>
+          <a:lstStyle/>
+          <a:p>
+            <a:r>
+              <a:rPr lang="es-ES" dirty="0"/>
+              <a:t>Ejemplo Práctico: </a:t>
+            </a:r>
+            <a:r>
+              <a:rPr lang="es-ES" dirty="0" err="1"/>
+              <a:t>discord</a:t>
+            </a:r>
+            <a:r>
+              <a:rPr lang="es-ES" dirty="0"/>
+              <a:t> y Google </a:t>
+            </a:r>
+            <a:r>
+              <a:rPr lang="es-ES" dirty="0" err="1"/>
+              <a:t>sheets</a:t>
+            </a:r>
+            <a:endParaRPr lang="es-ES" dirty="0"/>
+          </a:p>
+        </p:txBody>
+      </p:sp>
+      <p:sp>
+        <p:nvSpPr>
+          <p:cNvPr id="3" name="Marcador de contenido 2">
+            <a:extLst>
+              <a:ext uri="{FF2B5EF4-FFF2-40B4-BE49-F238E27FC236}">
+                <a16:creationId xmlns:a16="http://schemas.microsoft.com/office/drawing/2014/main" id="{824DE2AA-5EEA-0ABA-D574-570AAFF433EA}"/>
+              </a:ext>
+            </a:extLst>
+          </p:cNvPr>
+          <p:cNvSpPr>
+            <a:spLocks noGrp="1"/>
+          </p:cNvSpPr>
+          <p:nvPr>
+            <p:ph sz="half" idx="1"/>
+          </p:nvPr>
+        </p:nvSpPr>
+        <p:spPr/>
+        <p:txBody>
+          <a:bodyPr/>
+          <a:lstStyle/>
+          <a:p>
+            <a:pPr algn="just"/>
+            <a:r>
+              <a:rPr lang="es-ES" dirty="0"/>
+              <a:t>Veamos primero la configuración del módulo de </a:t>
+            </a:r>
+            <a:r>
+              <a:rPr lang="es-ES" dirty="0" err="1"/>
+              <a:t>Discord</a:t>
+            </a:r>
+            <a:r>
+              <a:rPr lang="es-ES" dirty="0"/>
+              <a:t>:</a:t>
+            </a:r>
+          </a:p>
+          <a:p>
+            <a:pPr algn="just"/>
+            <a:r>
+              <a:rPr lang="es-ES" dirty="0"/>
+              <a:t>Para la creación de la conexión es necesario crear previamente una aplicación mediante la funcionalidad </a:t>
+            </a:r>
+            <a:r>
+              <a:rPr lang="es-ES" dirty="0" err="1"/>
+              <a:t>Discord</a:t>
+            </a:r>
+            <a:r>
+              <a:rPr lang="es-ES" dirty="0"/>
+              <a:t> </a:t>
+            </a:r>
+            <a:r>
+              <a:rPr lang="es-ES" dirty="0" err="1"/>
+              <a:t>Developer</a:t>
+            </a:r>
+            <a:r>
+              <a:rPr lang="es-ES" dirty="0"/>
+              <a:t> y seguir los pasos para generar un Client ID, un Client </a:t>
+            </a:r>
+            <a:r>
+              <a:rPr lang="es-ES" dirty="0" err="1"/>
+              <a:t>Secret</a:t>
+            </a:r>
+            <a:r>
+              <a:rPr lang="es-ES" dirty="0"/>
+              <a:t> y un Bot token.</a:t>
+            </a:r>
+          </a:p>
+        </p:txBody>
+      </p:sp>
+      <p:pic>
+        <p:nvPicPr>
+          <p:cNvPr id="6" name="Marcador de contenido 5" descr="Interfaz de usuario gráfica, Texto, Aplicación&#10;&#10;Descripción generada automáticamente">
+            <a:extLst>
+              <a:ext uri="{FF2B5EF4-FFF2-40B4-BE49-F238E27FC236}">
+                <a16:creationId xmlns:a16="http://schemas.microsoft.com/office/drawing/2014/main" id="{4FBCFF0A-776E-9344-9710-59942C217FF2}"/>
+              </a:ext>
+            </a:extLst>
+          </p:cNvPr>
+          <p:cNvPicPr>
+            <a:picLocks noGrp="1" noChangeAspect="1"/>
+          </p:cNvPicPr>
+          <p:nvPr>
+            <p:ph sz="half" idx="2"/>
+          </p:nvPr>
+        </p:nvPicPr>
+        <p:blipFill>
+          <a:blip r:embed="rId2"/>
+          <a:stretch>
+            <a:fillRect/>
+          </a:stretch>
+        </p:blipFill>
+        <p:spPr>
+          <a:xfrm>
+            <a:off x="7640794" y="1869950"/>
+            <a:ext cx="2396167" cy="4988050"/>
+          </a:xfrm>
+        </p:spPr>
+      </p:pic>
+    </p:spTree>
+    <p:extLst>
+      <p:ext uri="{BB962C8B-B14F-4D97-AF65-F5344CB8AC3E}">
+        <p14:creationId xmlns:p14="http://schemas.microsoft.com/office/powerpoint/2010/main" val="2567135678"/>
+      </p:ext>
+    </p:extLst>
+  </p:cSld>
+  <p:clrMapOvr>
+    <a:masterClrMapping/>
+  </p:clrMapOvr>
+</p:sld>
+</file>
+
+<file path=ppt/slides/slide13.xml><?xml version="1.0" encoding="utf-8"?>
+<p:sld xmlns:a="http://schemas.openxmlformats.org/drawingml/2006/main" xmlns:r="http://schemas.openxmlformats.org/officeDocument/2006/relationships" xmlns:p="http://schemas.openxmlformats.org/presentationml/2006/main">
+  <p:cSld>
+    <p:spTree>
+      <p:nvGrpSpPr>
+        <p:cNvPr id="1" name=""/>
+        <p:cNvGrpSpPr/>
+        <p:nvPr/>
+      </p:nvGrpSpPr>
+      <p:grpSpPr>
+        <a:xfrm>
+          <a:off x="0" y="0"/>
+          <a:ext cx="0" cy="0"/>
+          <a:chOff x="0" y="0"/>
+          <a:chExt cx="0" cy="0"/>
+        </a:xfrm>
+      </p:grpSpPr>
+      <p:sp>
+        <p:nvSpPr>
+          <p:cNvPr id="2" name="Título 1">
+            <a:extLst>
+              <a:ext uri="{FF2B5EF4-FFF2-40B4-BE49-F238E27FC236}">
+                <a16:creationId xmlns:a16="http://schemas.microsoft.com/office/drawing/2014/main" id="{7E7A30FF-DD38-6A93-5CBF-1E7CD7C0948F}"/>
+              </a:ext>
+            </a:extLst>
+          </p:cNvPr>
+          <p:cNvSpPr>
+            <a:spLocks noGrp="1"/>
+          </p:cNvSpPr>
+          <p:nvPr>
+            <p:ph type="title"/>
+          </p:nvPr>
+        </p:nvSpPr>
+        <p:spPr/>
+        <p:txBody>
+          <a:bodyPr/>
+          <a:lstStyle/>
+          <a:p>
+            <a:r>
+              <a:rPr lang="es-ES" dirty="0"/>
+              <a:t>Ejemplo Práctico: </a:t>
+            </a:r>
+            <a:r>
+              <a:rPr lang="es-ES" dirty="0" err="1"/>
+              <a:t>discord</a:t>
+            </a:r>
+            <a:r>
+              <a:rPr lang="es-ES" dirty="0"/>
+              <a:t> y Google </a:t>
+            </a:r>
+            <a:r>
+              <a:rPr lang="es-ES" dirty="0" err="1"/>
+              <a:t>sheets</a:t>
+            </a:r>
+            <a:endParaRPr lang="es-ES" dirty="0"/>
+          </a:p>
+        </p:txBody>
+      </p:sp>
+      <p:pic>
+        <p:nvPicPr>
+          <p:cNvPr id="6" name="Marcador de contenido 5" descr="Interfaz de usuario gráfica, Aplicación&#10;&#10;Descripción generada automáticamente">
+            <a:extLst>
+              <a:ext uri="{FF2B5EF4-FFF2-40B4-BE49-F238E27FC236}">
+                <a16:creationId xmlns:a16="http://schemas.microsoft.com/office/drawing/2014/main" id="{02B3615C-B2A7-776B-2F71-A08254B93D17}"/>
+              </a:ext>
+            </a:extLst>
+          </p:cNvPr>
+          <p:cNvPicPr>
+            <a:picLocks noGrp="1" noChangeAspect="1"/>
+          </p:cNvPicPr>
+          <p:nvPr>
+            <p:ph sz="half" idx="1"/>
+          </p:nvPr>
+        </p:nvPicPr>
+        <p:blipFill>
+          <a:blip r:embed="rId2"/>
+          <a:stretch>
+            <a:fillRect/>
+          </a:stretch>
+        </p:blipFill>
+        <p:spPr>
+          <a:xfrm>
+            <a:off x="3660593" y="2394857"/>
+            <a:ext cx="1762308" cy="3633787"/>
+          </a:xfrm>
+        </p:spPr>
+      </p:pic>
+      <p:pic>
+        <p:nvPicPr>
+          <p:cNvPr id="8" name="Marcador de contenido 7" descr="Interfaz de usuario gráfica, Aplicación, Tabla, Excel&#10;&#10;Descripción generada automáticamente">
+            <a:extLst>
+              <a:ext uri="{FF2B5EF4-FFF2-40B4-BE49-F238E27FC236}">
+                <a16:creationId xmlns:a16="http://schemas.microsoft.com/office/drawing/2014/main" id="{FC7A36B2-1956-9B26-79BE-C9019ABC1095}"/>
+              </a:ext>
+            </a:extLst>
+          </p:cNvPr>
+          <p:cNvPicPr>
+            <a:picLocks noGrp="1" noChangeAspect="1"/>
+          </p:cNvPicPr>
+          <p:nvPr>
+            <p:ph sz="half" idx="2"/>
+          </p:nvPr>
+        </p:nvPicPr>
+        <p:blipFill>
+          <a:blip r:embed="rId3"/>
+          <a:stretch>
+            <a:fillRect/>
+          </a:stretch>
+        </p:blipFill>
+        <p:spPr>
+          <a:xfrm>
+            <a:off x="5872117" y="3698618"/>
+            <a:ext cx="5422900" cy="2882785"/>
+          </a:xfrm>
+        </p:spPr>
+      </p:pic>
+      <p:sp>
+        <p:nvSpPr>
+          <p:cNvPr id="9" name="CuadroTexto 8">
+            <a:extLst>
+              <a:ext uri="{FF2B5EF4-FFF2-40B4-BE49-F238E27FC236}">
+                <a16:creationId xmlns:a16="http://schemas.microsoft.com/office/drawing/2014/main" id="{E5793B08-E014-5FF9-5077-C40E6828E5DE}"/>
+              </a:ext>
+            </a:extLst>
+          </p:cNvPr>
+          <p:cNvSpPr txBox="1"/>
+          <p:nvPr/>
+        </p:nvSpPr>
+        <p:spPr>
+          <a:xfrm>
+            <a:off x="896983" y="2394857"/>
+            <a:ext cx="2603863" cy="3416320"/>
+          </a:xfrm>
+          <a:prstGeom prst="rect">
+            <a:avLst/>
+          </a:prstGeom>
+          <a:noFill/>
+        </p:spPr>
+        <p:txBody>
+          <a:bodyPr wrap="square" rtlCol="0">
+            <a:spAutoFit/>
+          </a:bodyPr>
+          <a:lstStyle/>
+          <a:p>
+            <a:pPr algn="just"/>
+            <a:r>
+              <a:rPr lang="es-ES" dirty="0"/>
+              <a:t>Para la configuración del módulo de Google </a:t>
+            </a:r>
+            <a:r>
+              <a:rPr lang="es-ES" dirty="0" err="1"/>
+              <a:t>Sheets</a:t>
+            </a:r>
+            <a:r>
+              <a:rPr lang="es-ES" dirty="0"/>
+              <a:t>, debemos iniciar sesión con una cuenta de Google y especificar donde se encuentra la hoja de cálculo y que campos queremos guardar de la conversación, tal y como se observa en la siguiente imagen:</a:t>
+            </a:r>
+          </a:p>
+        </p:txBody>
+      </p:sp>
+      <p:sp>
+        <p:nvSpPr>
+          <p:cNvPr id="10" name="CuadroTexto 9">
+            <a:extLst>
+              <a:ext uri="{FF2B5EF4-FFF2-40B4-BE49-F238E27FC236}">
+                <a16:creationId xmlns:a16="http://schemas.microsoft.com/office/drawing/2014/main" id="{711CE2C0-C7CB-D71C-ACCA-93454AB1042B}"/>
+              </a:ext>
+            </a:extLst>
+          </p:cNvPr>
+          <p:cNvSpPr txBox="1"/>
+          <p:nvPr/>
+        </p:nvSpPr>
+        <p:spPr>
+          <a:xfrm>
+            <a:off x="5947954" y="2290354"/>
+            <a:ext cx="5347063" cy="1200329"/>
+          </a:xfrm>
+          <a:prstGeom prst="rect">
+            <a:avLst/>
+          </a:prstGeom>
+          <a:noFill/>
+        </p:spPr>
+        <p:txBody>
+          <a:bodyPr wrap="square" rtlCol="0">
+            <a:spAutoFit/>
+          </a:bodyPr>
+          <a:lstStyle/>
+          <a:p>
+            <a:r>
+              <a:rPr lang="es-ES" dirty="0"/>
+              <a:t>Y una vez todo configurado, si ejecutamos el escenario en el lugar especificado de la hoja de cálculo se mostrarán los resultados de la conversación del chat de </a:t>
+            </a:r>
+            <a:r>
+              <a:rPr lang="es-ES" dirty="0" err="1"/>
+              <a:t>discord</a:t>
+            </a:r>
+            <a:r>
+              <a:rPr lang="es-ES" dirty="0"/>
+              <a:t>, como vemos aquí:</a:t>
+            </a:r>
+          </a:p>
+        </p:txBody>
+      </p:sp>
+    </p:spTree>
+    <p:extLst>
+      <p:ext uri="{BB962C8B-B14F-4D97-AF65-F5344CB8AC3E}">
+        <p14:creationId xmlns:p14="http://schemas.microsoft.com/office/powerpoint/2010/main" val="421170929"/>
+      </p:ext>
+    </p:extLst>
+  </p:cSld>
+  <p:clrMapOvr>
+    <a:masterClrMapping/>
+  </p:clrMapOvr>
+</p:sld>
+</file>
+
 <file path=ppt/slides/slide2.xml><?xml version="1.0" encoding="utf-8"?>
 <p:sld xmlns:a="http://schemas.openxmlformats.org/drawingml/2006/main" xmlns:r="http://schemas.openxmlformats.org/officeDocument/2006/relationships" xmlns:p="http://schemas.openxmlformats.org/presentationml/2006/main">
   <p:cSld>
@@ -7954,6 +8786,20 @@
 <file path=ppt/slides/slide3.xml><?xml version="1.0" encoding="utf-8"?>
 <p:sld xmlns:a="http://schemas.openxmlformats.org/drawingml/2006/main" xmlns:r="http://schemas.openxmlformats.org/officeDocument/2006/relationships" xmlns:p="http://schemas.openxmlformats.org/presentationml/2006/main">
   <p:cSld>
+    <p:bg>
+      <p:bgPr>
+        <a:blipFill dpi="0" rotWithShape="1">
+          <a:blip r:embed="rId2">
+            <a:lum/>
+          </a:blip>
+          <a:srcRect/>
+          <a:stretch>
+            <a:fillRect l="-4000" r="-4000"/>
+          </a:stretch>
+        </a:blipFill>
+        <a:effectLst/>
+      </p:bgPr>
+    </p:bg>
     <p:spTree>
       <p:nvGrpSpPr>
         <p:cNvPr id="1" name=""/>
@@ -7986,7 +8832,7 @@
         </p:nvSpPr>
         <p:spPr>
           <a:xfrm>
-            <a:off x="581192" y="3505304"/>
+            <a:off x="581192" y="4615648"/>
             <a:ext cx="11029615" cy="1497507"/>
           </a:xfrm>
         </p:spPr>
@@ -7995,23 +8841,43 @@
           <a:lstStyle/>
           <a:p>
             <a:r>
-              <a:rPr lang="es-ES" dirty="0"/>
+              <a:rPr lang="es-ES" dirty="0">
+                <a:solidFill>
+                  <a:schemeClr val="bg1"/>
+                </a:solidFill>
+              </a:rPr>
               <a:t>¿Qué es </a:t>
             </a:r>
             <a:r>
-              <a:rPr lang="es-ES" dirty="0" err="1"/>
+              <a:rPr lang="es-ES" dirty="0" err="1">
+                <a:solidFill>
+                  <a:schemeClr val="bg1"/>
+                </a:solidFill>
+              </a:rPr>
               <a:t>integromat</a:t>
             </a:r>
             <a:r>
-              <a:rPr lang="es-ES" dirty="0"/>
+              <a:rPr lang="es-ES" dirty="0">
+                <a:solidFill>
+                  <a:schemeClr val="bg1"/>
+                </a:solidFill>
+              </a:rPr>
               <a:t> </a:t>
             </a:r>
             <a:r>
-              <a:rPr lang="es-ES" dirty="0" err="1"/>
+              <a:rPr lang="es-ES" dirty="0" err="1">
+                <a:solidFill>
+                  <a:schemeClr val="bg1"/>
+                </a:solidFill>
+              </a:rPr>
               <a:t>make</a:t>
             </a:r>
             <a:r>
-              <a:rPr lang="es-ES" dirty="0"/>
+              <a:rPr lang="es-ES" dirty="0">
+                <a:solidFill>
+                  <a:schemeClr val="bg1"/>
+                </a:solidFill>
+              </a:rPr>
               <a:t>?</a:t>
             </a:r>
           </a:p>
@@ -8052,6 +8918,208 @@
           <p:cNvPr id="2" name="Título 1">
             <a:extLst>
               <a:ext uri="{FF2B5EF4-FFF2-40B4-BE49-F238E27FC236}">
+                <a16:creationId xmlns:a16="http://schemas.microsoft.com/office/drawing/2014/main" id="{7BC5E1FB-07B8-03E9-9441-F3FA93D7105A}"/>
+              </a:ext>
+            </a:extLst>
+          </p:cNvPr>
+          <p:cNvSpPr>
+            <a:spLocks noGrp="1"/>
+          </p:cNvSpPr>
+          <p:nvPr>
+            <p:ph type="title"/>
+          </p:nvPr>
+        </p:nvSpPr>
+        <p:spPr/>
+        <p:txBody>
+          <a:bodyPr/>
+          <a:lstStyle/>
+          <a:p>
+            <a:r>
+              <a:rPr lang="es-ES" dirty="0">
+                <a:solidFill>
+                  <a:schemeClr val="bg1"/>
+                </a:solidFill>
+              </a:rPr>
+              <a:t>¿Qué es </a:t>
+            </a:r>
+            <a:r>
+              <a:rPr lang="es-ES" dirty="0" err="1">
+                <a:solidFill>
+                  <a:schemeClr val="bg1"/>
+                </a:solidFill>
+              </a:rPr>
+              <a:t>integromat</a:t>
+            </a:r>
+            <a:r>
+              <a:rPr lang="es-ES" dirty="0">
+                <a:solidFill>
+                  <a:schemeClr val="bg1"/>
+                </a:solidFill>
+              </a:rPr>
+              <a:t> </a:t>
+            </a:r>
+            <a:r>
+              <a:rPr lang="es-ES" dirty="0" err="1">
+                <a:solidFill>
+                  <a:schemeClr val="bg1"/>
+                </a:solidFill>
+              </a:rPr>
+              <a:t>make</a:t>
+            </a:r>
+            <a:r>
+              <a:rPr lang="es-ES" dirty="0">
+                <a:solidFill>
+                  <a:schemeClr val="bg1"/>
+                </a:solidFill>
+              </a:rPr>
+              <a:t>?</a:t>
+            </a:r>
+            <a:endParaRPr lang="es-ES" dirty="0"/>
+          </a:p>
+        </p:txBody>
+      </p:sp>
+      <p:sp>
+        <p:nvSpPr>
+          <p:cNvPr id="3" name="Marcador de contenido 2">
+            <a:extLst>
+              <a:ext uri="{FF2B5EF4-FFF2-40B4-BE49-F238E27FC236}">
+                <a16:creationId xmlns:a16="http://schemas.microsoft.com/office/drawing/2014/main" id="{B112833B-FB1A-DEC3-84CF-18B9E66F3783}"/>
+              </a:ext>
+            </a:extLst>
+          </p:cNvPr>
+          <p:cNvSpPr>
+            <a:spLocks noGrp="1"/>
+          </p:cNvSpPr>
+          <p:nvPr>
+            <p:ph idx="1"/>
+          </p:nvPr>
+        </p:nvSpPr>
+        <p:spPr>
+          <a:xfrm>
+            <a:off x="581192" y="1313721"/>
+            <a:ext cx="11029615" cy="3678303"/>
+          </a:xfrm>
+        </p:spPr>
+        <p:txBody>
+          <a:bodyPr/>
+          <a:lstStyle/>
+          <a:p>
+            <a:pPr algn="just"/>
+            <a:r>
+              <a:rPr lang="es-ES" dirty="0"/>
+              <a:t>Make.com (antes conocido como </a:t>
+            </a:r>
+            <a:r>
+              <a:rPr lang="es-ES" dirty="0" err="1"/>
+              <a:t>Integromat</a:t>
+            </a:r>
+            <a:r>
+              <a:rPr lang="es-ES" dirty="0"/>
+              <a:t>) es una plataforma online de automatización que se define a sí misma como “el pegamento de Internet”. El motivo es que con esta herramienta se pueden conectar gran multitud de aplicaciones entre sí para hacer que funcionen de forma integrada y que puedan trasmitir datos entre ellas.</a:t>
+            </a:r>
+          </a:p>
+          <a:p>
+            <a:pPr algn="just"/>
+            <a:r>
+              <a:rPr lang="es-ES" dirty="0"/>
+              <a:t>Es una herramienta con una gran versatilidad y con infinitud de posibilidades, tantas como al usuario se le ocurra. Para acceder a ella basta con entrar en su web: </a:t>
+            </a:r>
+            <a:r>
+              <a:rPr lang="es-ES" dirty="0">
+                <a:hlinkClick r:id="rId2"/>
+              </a:rPr>
+              <a:t>https://www.make.com/en</a:t>
+            </a:r>
+            <a:r>
+              <a:rPr lang="es-ES" dirty="0"/>
+              <a:t> y crear una cuenta con la que podremos acceder a sus diferentes planes:</a:t>
+            </a:r>
+          </a:p>
+          <a:p>
+            <a:pPr algn="just"/>
+            <a:endParaRPr lang="es-ES" dirty="0"/>
+          </a:p>
+        </p:txBody>
+      </p:sp>
+      <p:pic>
+        <p:nvPicPr>
+          <p:cNvPr id="5" name="Imagen 4">
+            <a:extLst>
+              <a:ext uri="{FF2B5EF4-FFF2-40B4-BE49-F238E27FC236}">
+                <a16:creationId xmlns:a16="http://schemas.microsoft.com/office/drawing/2014/main" id="{AB213CFE-A54B-6FA7-3DB0-991C1E0D7852}"/>
+              </a:ext>
+            </a:extLst>
+          </p:cNvPr>
+          <p:cNvPicPr>
+            <a:picLocks noChangeAspect="1"/>
+          </p:cNvPicPr>
+          <p:nvPr/>
+        </p:nvPicPr>
+        <p:blipFill>
+          <a:blip r:embed="rId3"/>
+          <a:stretch>
+            <a:fillRect/>
+          </a:stretch>
+        </p:blipFill>
+        <p:spPr>
+          <a:xfrm>
+            <a:off x="2924257" y="4169102"/>
+            <a:ext cx="6343483" cy="2450044"/>
+          </a:xfrm>
+          <a:prstGeom prst="rect">
+            <a:avLst/>
+          </a:prstGeom>
+        </p:spPr>
+      </p:pic>
+    </p:spTree>
+    <p:extLst>
+      <p:ext uri="{BB962C8B-B14F-4D97-AF65-F5344CB8AC3E}">
+        <p14:creationId xmlns:p14="http://schemas.microsoft.com/office/powerpoint/2010/main" val="575300646"/>
+      </p:ext>
+    </p:extLst>
+  </p:cSld>
+  <p:clrMapOvr>
+    <a:masterClrMapping/>
+  </p:clrMapOvr>
+</p:sld>
+</file>
+
+<file path=ppt/slides/slide5.xml><?xml version="1.0" encoding="utf-8"?>
+<p:sld xmlns:a="http://schemas.openxmlformats.org/drawingml/2006/main" xmlns:r="http://schemas.openxmlformats.org/officeDocument/2006/relationships" xmlns:p="http://schemas.openxmlformats.org/presentationml/2006/main">
+  <p:cSld>
+    <p:bg>
+      <p:bgPr>
+        <a:blipFill dpi="0" rotWithShape="1">
+          <a:blip r:embed="rId2">
+            <a:lum/>
+          </a:blip>
+          <a:srcRect/>
+          <a:stretch>
+            <a:fillRect l="-4000" r="-4000"/>
+          </a:stretch>
+        </a:blipFill>
+        <a:effectLst/>
+      </p:bgPr>
+    </p:bg>
+    <p:spTree>
+      <p:nvGrpSpPr>
+        <p:cNvPr id="1" name=""/>
+        <p:cNvGrpSpPr/>
+        <p:nvPr/>
+      </p:nvGrpSpPr>
+      <p:grpSpPr>
+        <a:xfrm>
+          <a:off x="0" y="0"/>
+          <a:ext cx="0" cy="0"/>
+          <a:chOff x="0" y="0"/>
+          <a:chExt cx="0" cy="0"/>
+        </a:xfrm>
+      </p:grpSpPr>
+      <p:sp>
+        <p:nvSpPr>
+          <p:cNvPr id="2" name="Título 1">
+            <a:extLst>
+              <a:ext uri="{FF2B5EF4-FFF2-40B4-BE49-F238E27FC236}">
                 <a16:creationId xmlns:a16="http://schemas.microsoft.com/office/drawing/2014/main" id="{6F7F93AD-E727-D8DB-1412-55A5B91A66BE}"/>
               </a:ext>
             </a:extLst>
@@ -8065,7 +9133,7 @@
         </p:nvSpPr>
         <p:spPr>
           <a:xfrm>
-            <a:off x="581192" y="3505304"/>
+            <a:off x="581192" y="4615648"/>
             <a:ext cx="11029615" cy="1497507"/>
           </a:xfrm>
         </p:spPr>
@@ -8073,33 +9141,50 @@
           <a:bodyPr/>
           <a:lstStyle/>
           <a:p>
-            <a:pPr lvl="0">
-              <a:defRPr cap="all"/>
-            </a:pPr>
-            <a:r>
-              <a:rPr lang="es-ES" dirty="0"/>
+            <a:r>
+              <a:rPr lang="es-ES" dirty="0">
+                <a:solidFill>
+                  <a:schemeClr val="bg1"/>
+                </a:solidFill>
+              </a:rPr>
               <a:t>Cómo utilizar </a:t>
             </a:r>
             <a:r>
-              <a:rPr lang="es-ES" dirty="0" err="1"/>
+              <a:rPr lang="es-ES" dirty="0" err="1">
+                <a:solidFill>
+                  <a:schemeClr val="bg1"/>
+                </a:solidFill>
+              </a:rPr>
               <a:t>Integromat</a:t>
             </a:r>
             <a:r>
-              <a:rPr lang="es-ES" dirty="0"/>
+              <a:rPr lang="es-ES" dirty="0">
+                <a:solidFill>
+                  <a:schemeClr val="bg1"/>
+                </a:solidFill>
+              </a:rPr>
               <a:t> </a:t>
             </a:r>
             <a:r>
-              <a:rPr lang="es-ES" dirty="0" err="1"/>
+              <a:rPr lang="es-ES" dirty="0" err="1">
+                <a:solidFill>
+                  <a:schemeClr val="bg1"/>
+                </a:solidFill>
+              </a:rPr>
               <a:t>Make</a:t>
             </a:r>
-            <a:endParaRPr lang="en-US" dirty="0"/>
+            <a:endParaRPr lang="es-ES" dirty="0">
+              <a:solidFill>
+                <a:schemeClr val="bg1"/>
+              </a:solidFill>
+            </a:endParaRPr>
           </a:p>
         </p:txBody>
       </p:sp>
     </p:spTree>
     <p:extLst>
       <p:ext uri="{BB962C8B-B14F-4D97-AF65-F5344CB8AC3E}">
-        <p14:creationId xmlns:p14="http://schemas.microsoft.com/office/powerpoint/2010/main" val="2250516715"/>
+        <p14:creationId xmlns:p14="http://schemas.microsoft.com/office/powerpoint/2010/main" val="3691193038"/>
       </p:ext>
     </p:extLst>
   </p:cSld>
@@ -8109,7 +9194,7 @@
 </p:sld>
 </file>
 
-<file path=ppt/slides/slide5.xml><?xml version="1.0" encoding="utf-8"?>
+<file path=ppt/slides/slide6.xml><?xml version="1.0" encoding="utf-8"?>
 <p:sld xmlns:a="http://schemas.openxmlformats.org/drawingml/2006/main" xmlns:r="http://schemas.openxmlformats.org/officeDocument/2006/relationships" xmlns:p="http://schemas.openxmlformats.org/presentationml/2006/main">
   <p:cSld>
     <p:spTree>
@@ -8128,6 +9213,389 @@
       </p:grpSpPr>
       <p:sp>
         <p:nvSpPr>
+          <p:cNvPr id="4" name="Título 3">
+            <a:extLst>
+              <a:ext uri="{FF2B5EF4-FFF2-40B4-BE49-F238E27FC236}">
+                <a16:creationId xmlns:a16="http://schemas.microsoft.com/office/drawing/2014/main" id="{289A8BB5-85FB-C38B-FEF0-03AAA15E74D1}"/>
+              </a:ext>
+            </a:extLst>
+          </p:cNvPr>
+          <p:cNvSpPr>
+            <a:spLocks noGrp="1"/>
+          </p:cNvSpPr>
+          <p:nvPr>
+            <p:ph type="title"/>
+          </p:nvPr>
+        </p:nvSpPr>
+        <p:spPr>
+          <a:xfrm>
+            <a:off x="581193" y="729658"/>
+            <a:ext cx="11029616" cy="988332"/>
+          </a:xfrm>
+        </p:spPr>
+        <p:txBody>
+          <a:bodyPr anchor="b">
+            <a:normAutofit/>
+          </a:bodyPr>
+          <a:lstStyle/>
+          <a:p>
+            <a:r>
+              <a:rPr lang="es-ES" dirty="0"/>
+              <a:t>Cómo utilizar </a:t>
+            </a:r>
+            <a:r>
+              <a:rPr lang="es-ES" dirty="0" err="1"/>
+              <a:t>integromat</a:t>
+            </a:r>
+            <a:r>
+              <a:rPr lang="es-ES" dirty="0"/>
+              <a:t> </a:t>
+            </a:r>
+            <a:r>
+              <a:rPr lang="es-ES" dirty="0" err="1"/>
+              <a:t>make</a:t>
+            </a:r>
+            <a:endParaRPr lang="es-ES" dirty="0"/>
+          </a:p>
+        </p:txBody>
+      </p:sp>
+      <p:sp>
+        <p:nvSpPr>
+          <p:cNvPr id="5" name="Marcador de contenido 4">
+            <a:extLst>
+              <a:ext uri="{FF2B5EF4-FFF2-40B4-BE49-F238E27FC236}">
+                <a16:creationId xmlns:a16="http://schemas.microsoft.com/office/drawing/2014/main" id="{6281F800-80C3-5602-57D9-F8158AD1AA6A}"/>
+              </a:ext>
+            </a:extLst>
+          </p:cNvPr>
+          <p:cNvSpPr>
+            <a:spLocks noGrp="1"/>
+          </p:cNvSpPr>
+          <p:nvPr>
+            <p:ph sz="half" idx="1"/>
+          </p:nvPr>
+        </p:nvSpPr>
+        <p:spPr>
+          <a:xfrm>
+            <a:off x="581194" y="2228004"/>
+            <a:ext cx="6757084" cy="2361414"/>
+          </a:xfrm>
+        </p:spPr>
+        <p:txBody>
+          <a:bodyPr anchor="ctr">
+            <a:normAutofit/>
+          </a:bodyPr>
+          <a:lstStyle/>
+          <a:p>
+            <a:pPr algn="just"/>
+            <a:r>
+              <a:rPr lang="es-ES" dirty="0"/>
+              <a:t>En primer lugar, la interfaz de </a:t>
+            </a:r>
+            <a:r>
+              <a:rPr lang="es-ES" dirty="0" err="1"/>
+              <a:t>integromat</a:t>
+            </a:r>
+            <a:r>
+              <a:rPr lang="es-ES" dirty="0"/>
+              <a:t> </a:t>
+            </a:r>
+            <a:r>
+              <a:rPr lang="es-ES" dirty="0" err="1"/>
+              <a:t>make</a:t>
+            </a:r>
+            <a:r>
+              <a:rPr lang="es-ES" dirty="0"/>
+              <a:t> nos muestra el siguiente marco de trabajo:</a:t>
+            </a:r>
+          </a:p>
+          <a:p>
+            <a:pPr algn="just"/>
+            <a:r>
+              <a:rPr lang="es-ES" dirty="0"/>
+              <a:t>En ella vemos, un botón de + donde podremos empezar a crear nuestro sistema, eligiendo qué módulos deseamos integrar</a:t>
+            </a:r>
+          </a:p>
+        </p:txBody>
+      </p:sp>
+      <p:pic>
+        <p:nvPicPr>
+          <p:cNvPr id="7" name="Imagen 6" descr="Aplicación&#10;&#10;Descripción generada automáticamente">
+            <a:extLst>
+              <a:ext uri="{FF2B5EF4-FFF2-40B4-BE49-F238E27FC236}">
+                <a16:creationId xmlns:a16="http://schemas.microsoft.com/office/drawing/2014/main" id="{F0D6D488-7DDB-D42D-1FE8-E32CEF3A17DE}"/>
+              </a:ext>
+            </a:extLst>
+          </p:cNvPr>
+          <p:cNvPicPr>
+            <a:picLocks noChangeAspect="1"/>
+          </p:cNvPicPr>
+          <p:nvPr/>
+        </p:nvPicPr>
+        <p:blipFill>
+          <a:blip r:embed="rId2"/>
+          <a:stretch>
+            <a:fillRect/>
+          </a:stretch>
+        </p:blipFill>
+        <p:spPr>
+          <a:xfrm>
+            <a:off x="1915885" y="4062835"/>
+            <a:ext cx="5422392" cy="2724751"/>
+          </a:xfrm>
+          <a:prstGeom prst="rect">
+            <a:avLst/>
+          </a:prstGeom>
+          <a:noFill/>
+        </p:spPr>
+      </p:pic>
+      <p:pic>
+        <p:nvPicPr>
+          <p:cNvPr id="12" name="Imagen 11" descr="Interfaz de usuario gráfica, Aplicación&#10;&#10;Descripción generada automáticamente">
+            <a:extLst>
+              <a:ext uri="{FF2B5EF4-FFF2-40B4-BE49-F238E27FC236}">
+                <a16:creationId xmlns:a16="http://schemas.microsoft.com/office/drawing/2014/main" id="{BA6AE9E2-B285-017C-5934-5657ABF9D822}"/>
+              </a:ext>
+            </a:extLst>
+          </p:cNvPr>
+          <p:cNvPicPr>
+            <a:picLocks noChangeAspect="1"/>
+          </p:cNvPicPr>
+          <p:nvPr/>
+        </p:nvPicPr>
+        <p:blipFill>
+          <a:blip r:embed="rId3"/>
+          <a:stretch>
+            <a:fillRect/>
+          </a:stretch>
+        </p:blipFill>
+        <p:spPr>
+          <a:xfrm>
+            <a:off x="7463248" y="2419543"/>
+            <a:ext cx="4267796" cy="3286584"/>
+          </a:xfrm>
+          <a:prstGeom prst="rect">
+            <a:avLst/>
+          </a:prstGeom>
+        </p:spPr>
+      </p:pic>
+    </p:spTree>
+    <p:extLst>
+      <p:ext uri="{BB962C8B-B14F-4D97-AF65-F5344CB8AC3E}">
+        <p14:creationId xmlns:p14="http://schemas.microsoft.com/office/powerpoint/2010/main" val="2860027314"/>
+      </p:ext>
+    </p:extLst>
+  </p:cSld>
+  <p:clrMapOvr>
+    <a:masterClrMapping/>
+  </p:clrMapOvr>
+</p:sld>
+</file>
+
+<file path=ppt/slides/slide7.xml><?xml version="1.0" encoding="utf-8"?>
+<p:sld xmlns:a="http://schemas.openxmlformats.org/drawingml/2006/main" xmlns:r="http://schemas.openxmlformats.org/officeDocument/2006/relationships" xmlns:p="http://schemas.openxmlformats.org/presentationml/2006/main">
+  <p:cSld>
+    <p:spTree>
+      <p:nvGrpSpPr>
+        <p:cNvPr id="1" name=""/>
+        <p:cNvGrpSpPr/>
+        <p:nvPr/>
+      </p:nvGrpSpPr>
+      <p:grpSpPr>
+        <a:xfrm>
+          <a:off x="0" y="0"/>
+          <a:ext cx="0" cy="0"/>
+          <a:chOff x="0" y="0"/>
+          <a:chExt cx="0" cy="0"/>
+        </a:xfrm>
+      </p:grpSpPr>
+      <p:sp>
+        <p:nvSpPr>
+          <p:cNvPr id="2" name="Título 1">
+            <a:extLst>
+              <a:ext uri="{FF2B5EF4-FFF2-40B4-BE49-F238E27FC236}">
+                <a16:creationId xmlns:a16="http://schemas.microsoft.com/office/drawing/2014/main" id="{3CCFC2F5-BB25-A3B7-BE03-7759DBAA73D6}"/>
+              </a:ext>
+            </a:extLst>
+          </p:cNvPr>
+          <p:cNvSpPr>
+            <a:spLocks noGrp="1"/>
+          </p:cNvSpPr>
+          <p:nvPr>
+            <p:ph type="title"/>
+          </p:nvPr>
+        </p:nvSpPr>
+        <p:spPr/>
+        <p:txBody>
+          <a:bodyPr/>
+          <a:lstStyle/>
+          <a:p>
+            <a:r>
+              <a:rPr lang="es-ES" dirty="0"/>
+              <a:t>Cómo utilizar </a:t>
+            </a:r>
+            <a:r>
+              <a:rPr lang="es-ES" dirty="0" err="1"/>
+              <a:t>integromat</a:t>
+            </a:r>
+            <a:r>
+              <a:rPr lang="es-ES" dirty="0"/>
+              <a:t> </a:t>
+            </a:r>
+            <a:r>
+              <a:rPr lang="es-ES" dirty="0" err="1"/>
+              <a:t>make</a:t>
+            </a:r>
+            <a:endParaRPr lang="es-ES" dirty="0"/>
+          </a:p>
+        </p:txBody>
+      </p:sp>
+      <p:sp>
+        <p:nvSpPr>
+          <p:cNvPr id="3" name="Marcador de contenido 2">
+            <a:extLst>
+              <a:ext uri="{FF2B5EF4-FFF2-40B4-BE49-F238E27FC236}">
+                <a16:creationId xmlns:a16="http://schemas.microsoft.com/office/drawing/2014/main" id="{5F896395-0D5D-77E6-C2FD-34092B5964CE}"/>
+              </a:ext>
+            </a:extLst>
+          </p:cNvPr>
+          <p:cNvSpPr>
+            <a:spLocks noGrp="1"/>
+          </p:cNvSpPr>
+          <p:nvPr>
+            <p:ph sz="half" idx="1"/>
+          </p:nvPr>
+        </p:nvSpPr>
+        <p:spPr>
+          <a:xfrm>
+            <a:off x="581193" y="2228004"/>
+            <a:ext cx="4726672" cy="2022810"/>
+          </a:xfrm>
+        </p:spPr>
+        <p:txBody>
+          <a:bodyPr/>
+          <a:lstStyle/>
+          <a:p>
+            <a:pPr algn="just"/>
+            <a:r>
+              <a:rPr lang="es-ES" dirty="0"/>
+              <a:t>Una vez seleccionados los módulos que queramos, pasaremos a su configuración y conexión, donde especificaremos los valores necesarios para el módulo</a:t>
+            </a:r>
+          </a:p>
+          <a:p>
+            <a:pPr algn="just"/>
+            <a:r>
+              <a:rPr lang="es-ES" dirty="0"/>
+              <a:t>Por último, para ejecutar nuestro escenario, pulsamos el botón de “Run once”</a:t>
+            </a:r>
+          </a:p>
+        </p:txBody>
+      </p:sp>
+      <p:pic>
+        <p:nvPicPr>
+          <p:cNvPr id="6" name="Marcador de contenido 5" descr="Interfaz de usuario gráfica&#10;&#10;Descripción generada automáticamente con confianza baja">
+            <a:extLst>
+              <a:ext uri="{FF2B5EF4-FFF2-40B4-BE49-F238E27FC236}">
+                <a16:creationId xmlns:a16="http://schemas.microsoft.com/office/drawing/2014/main" id="{A0FE362E-EB35-D607-469B-DD1DF03141F8}"/>
+              </a:ext>
+            </a:extLst>
+          </p:cNvPr>
+          <p:cNvPicPr>
+            <a:picLocks noGrp="1" noChangeAspect="1"/>
+          </p:cNvPicPr>
+          <p:nvPr>
+            <p:ph sz="half" idx="2"/>
+          </p:nvPr>
+        </p:nvPicPr>
+        <p:blipFill>
+          <a:blip r:embed="rId2"/>
+          <a:stretch>
+            <a:fillRect/>
+          </a:stretch>
+        </p:blipFill>
+        <p:spPr>
+          <a:xfrm>
+            <a:off x="905592" y="4327840"/>
+            <a:ext cx="4726672" cy="2530160"/>
+          </a:xfrm>
+        </p:spPr>
+      </p:pic>
+      <p:pic>
+        <p:nvPicPr>
+          <p:cNvPr id="8" name="Imagen 7" descr="Imagen que contiene Diagrama&#10;&#10;Descripción generada automáticamente">
+            <a:extLst>
+              <a:ext uri="{FF2B5EF4-FFF2-40B4-BE49-F238E27FC236}">
+                <a16:creationId xmlns:a16="http://schemas.microsoft.com/office/drawing/2014/main" id="{074E93D0-08A1-2ABE-BDB3-7602F35BC3E7}"/>
+              </a:ext>
+            </a:extLst>
+          </p:cNvPr>
+          <p:cNvPicPr>
+            <a:picLocks noChangeAspect="1"/>
+          </p:cNvPicPr>
+          <p:nvPr/>
+        </p:nvPicPr>
+        <p:blipFill>
+          <a:blip r:embed="rId3"/>
+          <a:stretch>
+            <a:fillRect/>
+          </a:stretch>
+        </p:blipFill>
+        <p:spPr>
+          <a:xfrm>
+            <a:off x="5893521" y="2157967"/>
+            <a:ext cx="6153628" cy="4185694"/>
+          </a:xfrm>
+          <a:prstGeom prst="rect">
+            <a:avLst/>
+          </a:prstGeom>
+        </p:spPr>
+      </p:pic>
+    </p:spTree>
+    <p:extLst>
+      <p:ext uri="{BB962C8B-B14F-4D97-AF65-F5344CB8AC3E}">
+        <p14:creationId xmlns:p14="http://schemas.microsoft.com/office/powerpoint/2010/main" val="2665735719"/>
+      </p:ext>
+    </p:extLst>
+  </p:cSld>
+  <p:clrMapOvr>
+    <a:masterClrMapping/>
+  </p:clrMapOvr>
+</p:sld>
+</file>
+
+<file path=ppt/slides/slide8.xml><?xml version="1.0" encoding="utf-8"?>
+<p:sld xmlns:a="http://schemas.openxmlformats.org/drawingml/2006/main" xmlns:r="http://schemas.openxmlformats.org/officeDocument/2006/relationships" xmlns:p="http://schemas.openxmlformats.org/presentationml/2006/main">
+  <p:cSld>
+    <p:bg>
+      <p:bgPr>
+        <a:blipFill dpi="0" rotWithShape="1">
+          <a:blip r:embed="rId2">
+            <a:lum/>
+          </a:blip>
+          <a:srcRect/>
+          <a:stretch>
+            <a:fillRect l="-2000" r="-2000"/>
+          </a:stretch>
+        </a:blipFill>
+        <a:effectLst/>
+      </p:bgPr>
+    </p:bg>
+    <p:spTree>
+      <p:nvGrpSpPr>
+        <p:cNvPr id="1" name=""/>
+        <p:cNvGrpSpPr/>
+        <p:nvPr/>
+      </p:nvGrpSpPr>
+      <p:grpSpPr>
+        <a:xfrm>
+          <a:off x="0" y="0"/>
+          <a:ext cx="0" cy="0"/>
+          <a:chOff x="0" y="0"/>
+          <a:chExt cx="0" cy="0"/>
+        </a:xfrm>
+      </p:grpSpPr>
+      <p:sp>
+        <p:nvSpPr>
           <p:cNvPr id="2" name="Título 1">
             <a:extLst>
               <a:ext uri="{FF2B5EF4-FFF2-40B4-BE49-F238E27FC236}">
@@ -8144,7 +9612,7 @@
         </p:nvSpPr>
         <p:spPr>
           <a:xfrm>
-            <a:off x="581192" y="3505304"/>
+            <a:off x="581192" y="4615648"/>
             <a:ext cx="11029615" cy="1497507"/>
           </a:xfrm>
         </p:spPr>
@@ -8152,33 +9620,360 @@
           <a:bodyPr/>
           <a:lstStyle/>
           <a:p>
-            <a:pPr lvl="0">
-              <a:defRPr cap="all"/>
-            </a:pPr>
-            <a:r>
-              <a:rPr lang="es-ES" dirty="0"/>
+            <a:r>
+              <a:rPr lang="es-ES" dirty="0">
+                <a:solidFill>
+                  <a:schemeClr val="bg1"/>
+                </a:solidFill>
+              </a:rPr>
               <a:t>Ejemplo práctico: </a:t>
             </a:r>
             <a:r>
-              <a:rPr lang="es-ES" dirty="0" err="1"/>
+              <a:rPr lang="es-ES" dirty="0" err="1">
+                <a:solidFill>
+                  <a:schemeClr val="bg1"/>
+                </a:solidFill>
+              </a:rPr>
               <a:t>Discord</a:t>
             </a:r>
             <a:r>
-              <a:rPr lang="es-ES" dirty="0"/>
+              <a:rPr lang="es-ES" dirty="0">
+                <a:solidFill>
+                  <a:schemeClr val="bg1"/>
+                </a:solidFill>
+              </a:rPr>
               <a:t> y Google </a:t>
             </a:r>
             <a:r>
-              <a:rPr lang="es-ES" dirty="0" err="1"/>
+              <a:rPr lang="es-ES" dirty="0" err="1">
+                <a:solidFill>
+                  <a:schemeClr val="bg1"/>
+                </a:solidFill>
+              </a:rPr>
               <a:t>Sheets</a:t>
             </a:r>
-            <a:endParaRPr lang="en-US" dirty="0"/>
+            <a:endParaRPr lang="es-ES" dirty="0">
+              <a:solidFill>
+                <a:schemeClr val="bg1"/>
+              </a:solidFill>
+            </a:endParaRPr>
           </a:p>
         </p:txBody>
       </p:sp>
     </p:spTree>
     <p:extLst>
       <p:ext uri="{BB962C8B-B14F-4D97-AF65-F5344CB8AC3E}">
-        <p14:creationId xmlns:p14="http://schemas.microsoft.com/office/powerpoint/2010/main" val="2822278097"/>
+        <p14:creationId xmlns:p14="http://schemas.microsoft.com/office/powerpoint/2010/main" val="47104017"/>
+      </p:ext>
+    </p:extLst>
+  </p:cSld>
+  <p:clrMapOvr>
+    <a:masterClrMapping/>
+  </p:clrMapOvr>
+</p:sld>
+</file>
+
+<file path=ppt/slides/slide9.xml><?xml version="1.0" encoding="utf-8"?>
+<p:sld xmlns:a="http://schemas.openxmlformats.org/drawingml/2006/main" xmlns:r="http://schemas.openxmlformats.org/officeDocument/2006/relationships" xmlns:p="http://schemas.openxmlformats.org/presentationml/2006/main">
+  <p:cSld>
+    <p:spTree>
+      <p:nvGrpSpPr>
+        <p:cNvPr id="1" name=""/>
+        <p:cNvGrpSpPr/>
+        <p:nvPr/>
+      </p:nvGrpSpPr>
+      <p:grpSpPr>
+        <a:xfrm>
+          <a:off x="0" y="0"/>
+          <a:ext cx="0" cy="0"/>
+          <a:chOff x="0" y="0"/>
+          <a:chExt cx="0" cy="0"/>
+        </a:xfrm>
+      </p:grpSpPr>
+      <p:sp>
+        <p:nvSpPr>
+          <p:cNvPr id="4" name="Título 3">
+            <a:extLst>
+              <a:ext uri="{FF2B5EF4-FFF2-40B4-BE49-F238E27FC236}">
+                <a16:creationId xmlns:a16="http://schemas.microsoft.com/office/drawing/2014/main" id="{BAC982E8-B8C2-3C68-2A1F-AA8FE773EE84}"/>
+              </a:ext>
+            </a:extLst>
+          </p:cNvPr>
+          <p:cNvSpPr>
+            <a:spLocks noGrp="1"/>
+          </p:cNvSpPr>
+          <p:nvPr>
+            <p:ph type="title"/>
+          </p:nvPr>
+        </p:nvSpPr>
+        <p:spPr>
+          <a:xfrm>
+            <a:off x="581193" y="729658"/>
+            <a:ext cx="11029616" cy="988332"/>
+          </a:xfrm>
+        </p:spPr>
+        <p:txBody>
+          <a:bodyPr anchor="b">
+            <a:normAutofit/>
+          </a:bodyPr>
+          <a:lstStyle/>
+          <a:p>
+            <a:r>
+              <a:rPr lang="es-ES" dirty="0"/>
+              <a:t>Ejemplo Práctico: </a:t>
+            </a:r>
+            <a:r>
+              <a:rPr lang="es-ES" dirty="0" err="1"/>
+              <a:t>discord</a:t>
+            </a:r>
+            <a:r>
+              <a:rPr lang="es-ES" dirty="0"/>
+              <a:t> y Google </a:t>
+            </a:r>
+            <a:r>
+              <a:rPr lang="es-ES" dirty="0" err="1"/>
+              <a:t>sheets</a:t>
+            </a:r>
+            <a:endParaRPr lang="es-ES" dirty="0"/>
+          </a:p>
+        </p:txBody>
+      </p:sp>
+      <p:sp>
+        <p:nvSpPr>
+          <p:cNvPr id="12" name="Content Placeholder 2">
+            <a:extLst>
+              <a:ext uri="{FF2B5EF4-FFF2-40B4-BE49-F238E27FC236}">
+                <a16:creationId xmlns:a16="http://schemas.microsoft.com/office/drawing/2014/main" id="{89F45502-CD5C-8DF5-8105-E0371285B61A}"/>
+              </a:ext>
+            </a:extLst>
+          </p:cNvPr>
+          <p:cNvSpPr>
+            <a:spLocks noGrp="1"/>
+          </p:cNvSpPr>
+          <p:nvPr>
+            <p:ph sz="half" idx="1"/>
+          </p:nvPr>
+        </p:nvSpPr>
+        <p:spPr>
+          <a:xfrm>
+            <a:off x="581193" y="2228003"/>
+            <a:ext cx="5422390" cy="3633047"/>
+          </a:xfrm>
+        </p:spPr>
+        <p:txBody>
+          <a:bodyPr/>
+          <a:lstStyle/>
+          <a:p>
+            <a:pPr algn="just"/>
+            <a:r>
+              <a:rPr lang="en-US" dirty="0"/>
+              <a:t>En </a:t>
+            </a:r>
+            <a:r>
+              <a:rPr lang="en-US" dirty="0" err="1"/>
+              <a:t>este</a:t>
+            </a:r>
+            <a:r>
+              <a:rPr lang="en-US" dirty="0"/>
+              <a:t> </a:t>
+            </a:r>
+            <a:r>
+              <a:rPr lang="en-US" dirty="0" err="1"/>
+              <a:t>ejemplo</a:t>
+            </a:r>
+            <a:r>
+              <a:rPr lang="en-US" dirty="0"/>
+              <a:t> </a:t>
+            </a:r>
+            <a:r>
+              <a:rPr lang="en-US" dirty="0" err="1"/>
+              <a:t>práctico</a:t>
+            </a:r>
+            <a:r>
+              <a:rPr lang="en-US" dirty="0"/>
+              <a:t> </a:t>
+            </a:r>
+            <a:r>
+              <a:rPr lang="en-US" dirty="0" err="1"/>
+              <a:t>configuraremos</a:t>
+            </a:r>
+            <a:r>
+              <a:rPr lang="en-US" dirty="0"/>
+              <a:t> un modulo de la </a:t>
+            </a:r>
+            <a:r>
+              <a:rPr lang="en-US" dirty="0" err="1"/>
+              <a:t>aplicación</a:t>
+            </a:r>
+            <a:r>
+              <a:rPr lang="en-US" dirty="0"/>
+              <a:t> de </a:t>
+            </a:r>
+            <a:r>
+              <a:rPr lang="en-US" dirty="0" err="1"/>
+              <a:t>mensajería</a:t>
+            </a:r>
+            <a:r>
+              <a:rPr lang="en-US" dirty="0"/>
+              <a:t> y </a:t>
+            </a:r>
+            <a:r>
+              <a:rPr lang="en-US" dirty="0" err="1"/>
+              <a:t>voz</a:t>
+            </a:r>
+            <a:r>
+              <a:rPr lang="en-US" dirty="0"/>
+              <a:t> Discord para que </a:t>
+            </a:r>
+            <a:r>
+              <a:rPr lang="en-US" dirty="0" err="1"/>
+              <a:t>por</a:t>
+            </a:r>
+            <a:r>
+              <a:rPr lang="en-US" dirty="0"/>
+              <a:t> </a:t>
+            </a:r>
+            <a:r>
+              <a:rPr lang="en-US" dirty="0" err="1"/>
+              <a:t>cada</a:t>
+            </a:r>
+            <a:r>
+              <a:rPr lang="en-US" dirty="0"/>
+              <a:t> </a:t>
+            </a:r>
+            <a:r>
+              <a:rPr lang="en-US" dirty="0" err="1"/>
+              <a:t>mensaje</a:t>
+            </a:r>
+            <a:r>
+              <a:rPr lang="en-US" dirty="0"/>
+              <a:t> de </a:t>
+            </a:r>
+            <a:r>
+              <a:rPr lang="en-US" dirty="0" err="1"/>
+              <a:t>texto</a:t>
+            </a:r>
+            <a:r>
+              <a:rPr lang="en-US" dirty="0"/>
+              <a:t> que se </a:t>
+            </a:r>
+            <a:r>
+              <a:rPr lang="en-US" dirty="0" err="1"/>
+              <a:t>escriba</a:t>
+            </a:r>
+            <a:r>
+              <a:rPr lang="en-US" dirty="0"/>
+              <a:t> </a:t>
+            </a:r>
+            <a:r>
+              <a:rPr lang="en-US" dirty="0" err="1"/>
+              <a:t>en</a:t>
+            </a:r>
+            <a:r>
+              <a:rPr lang="en-US" dirty="0"/>
+              <a:t> un chat de </a:t>
+            </a:r>
+            <a:r>
+              <a:rPr lang="en-US" dirty="0" err="1"/>
+              <a:t>texto</a:t>
+            </a:r>
+            <a:r>
+              <a:rPr lang="en-US" dirty="0"/>
+              <a:t>, se </a:t>
+            </a:r>
+            <a:r>
+              <a:rPr lang="en-US" dirty="0" err="1"/>
+              <a:t>envien</a:t>
+            </a:r>
+            <a:r>
+              <a:rPr lang="en-US" dirty="0"/>
+              <a:t> y se </a:t>
+            </a:r>
+            <a:r>
+              <a:rPr lang="en-US" dirty="0" err="1"/>
+              <a:t>escriban</a:t>
+            </a:r>
+            <a:r>
+              <a:rPr lang="en-US" dirty="0"/>
+              <a:t> </a:t>
+            </a:r>
+            <a:r>
+              <a:rPr lang="en-US" dirty="0" err="1"/>
+              <a:t>dichos</a:t>
+            </a:r>
+            <a:r>
+              <a:rPr lang="en-US" dirty="0"/>
+              <a:t> </a:t>
+            </a:r>
+            <a:r>
+              <a:rPr lang="en-US" dirty="0" err="1"/>
+              <a:t>mensajes</a:t>
+            </a:r>
+            <a:r>
+              <a:rPr lang="en-US" dirty="0"/>
+              <a:t> </a:t>
+            </a:r>
+            <a:r>
+              <a:rPr lang="en-US" dirty="0" err="1"/>
+              <a:t>en</a:t>
+            </a:r>
+            <a:r>
+              <a:rPr lang="en-US" dirty="0"/>
+              <a:t> </a:t>
+            </a:r>
+            <a:r>
+              <a:rPr lang="en-US" dirty="0" err="1"/>
+              <a:t>una</a:t>
+            </a:r>
+            <a:r>
+              <a:rPr lang="en-US" dirty="0"/>
+              <a:t> hoja de </a:t>
+            </a:r>
+            <a:r>
+              <a:rPr lang="en-US" dirty="0" err="1"/>
+              <a:t>cálculo</a:t>
+            </a:r>
+            <a:r>
+              <a:rPr lang="en-US" dirty="0"/>
+              <a:t> de Google Sheets</a:t>
+            </a:r>
+          </a:p>
+        </p:txBody>
+      </p:sp>
+      <p:pic>
+        <p:nvPicPr>
+          <p:cNvPr id="7" name="Marcador de contenido 6">
+            <a:extLst>
+              <a:ext uri="{FF2B5EF4-FFF2-40B4-BE49-F238E27FC236}">
+                <a16:creationId xmlns:a16="http://schemas.microsoft.com/office/drawing/2014/main" id="{23EF4EA1-4ADB-D6DC-9086-2E90C5F154D3}"/>
+              </a:ext>
+            </a:extLst>
+          </p:cNvPr>
+          <p:cNvPicPr>
+            <a:picLocks noGrp="1" noChangeAspect="1"/>
+          </p:cNvPicPr>
+          <p:nvPr>
+            <p:ph sz="half" idx="2"/>
+          </p:nvPr>
+        </p:nvPicPr>
+        <p:blipFill>
+          <a:blip r:embed="rId2"/>
+          <a:stretch>
+            <a:fillRect/>
+          </a:stretch>
+        </p:blipFill>
+        <p:spPr>
+          <a:xfrm>
+            <a:off x="6188417" y="2580481"/>
+            <a:ext cx="5422392" cy="2928091"/>
+          </a:xfrm>
+          <a:noFill/>
+        </p:spPr>
+      </p:pic>
+    </p:spTree>
+    <p:extLst>
+      <p:ext uri="{BB962C8B-B14F-4D97-AF65-F5344CB8AC3E}">
+        <p14:creationId xmlns:p14="http://schemas.microsoft.com/office/powerpoint/2010/main" val="1731759551"/>
       </p:ext>
     </p:extLst>
   </p:cSld>
